--- a/Slides.pptx
+++ b/Slides.pptx
@@ -1,71 +1,71 @@
 
 <file path=ppt/presentation.xml><?xml version="1.0" encoding="utf-8"?>
-<p:presentation xmlns:a="http://schemas.openxmlformats.org/drawingml/2006/main" xmlns:r="http://schemas.openxmlformats.org/officeDocument/2006/relationships" xmlns:p="http://schemas.openxmlformats.org/presentationml/2006/main" strictFirstAndLastChars="0" embedTrueTypeFonts="1" saveSubsetFonts="1" autoCompressPictures="0">
+<p:presentation xmlns:a="http://schemas.openxmlformats.org/drawingml/2006/main" xmlns:r="http://schemas.openxmlformats.org/officeDocument/2006/relationships" xmlns:mc="http://schemas.openxmlformats.org/markup-compatibility/2006" xmlns:mv="urn:schemas-microsoft-com:mac:vml" xmlns:p="http://schemas.openxmlformats.org/presentationml/2006/main" xmlns:c="http://schemas.openxmlformats.org/drawingml/2006/chart" xmlns:dgm="http://schemas.openxmlformats.org/drawingml/2006/diagram" xmlns:o="urn:schemas-microsoft-com:office:office" xmlns:v="urn:schemas-microsoft-com:vml" xmlns:pvml="urn:schemas-microsoft-com:office:powerpoint" xmlns:com="http://schemas.openxmlformats.org/drawingml/2006/compatibility" xmlns:p14="http://schemas.microsoft.com/office/powerpoint/2010/main" xmlns:p15="http://schemas.microsoft.com/office/powerpoint/2012/main" autoCompressPictures="0" embedTrueTypeFonts="1" strictFirstAndLastChars="0" saveSubsetFonts="1">
   <p:sldMasterIdLst>
-    <p:sldMasterId id="2147483659" r:id="rId1"/>
+    <p:sldMasterId id="2147483659" r:id="rId4"/>
   </p:sldMasterIdLst>
   <p:notesMasterIdLst>
-    <p:notesMasterId r:id="rId32"/>
+    <p:notesMasterId r:id="rId5"/>
   </p:notesMasterIdLst>
   <p:sldIdLst>
-    <p:sldId id="256" r:id="rId2"/>
-    <p:sldId id="257" r:id="rId3"/>
-    <p:sldId id="258" r:id="rId4"/>
-    <p:sldId id="259" r:id="rId5"/>
-    <p:sldId id="260" r:id="rId6"/>
-    <p:sldId id="261" r:id="rId7"/>
-    <p:sldId id="262" r:id="rId8"/>
-    <p:sldId id="263" r:id="rId9"/>
-    <p:sldId id="264" r:id="rId10"/>
-    <p:sldId id="265" r:id="rId11"/>
-    <p:sldId id="266" r:id="rId12"/>
-    <p:sldId id="267" r:id="rId13"/>
-    <p:sldId id="268" r:id="rId14"/>
-    <p:sldId id="269" r:id="rId15"/>
-    <p:sldId id="270" r:id="rId16"/>
-    <p:sldId id="271" r:id="rId17"/>
-    <p:sldId id="272" r:id="rId18"/>
-    <p:sldId id="273" r:id="rId19"/>
-    <p:sldId id="274" r:id="rId20"/>
-    <p:sldId id="275" r:id="rId21"/>
-    <p:sldId id="276" r:id="rId22"/>
-    <p:sldId id="277" r:id="rId23"/>
-    <p:sldId id="278" r:id="rId24"/>
-    <p:sldId id="279" r:id="rId25"/>
-    <p:sldId id="280" r:id="rId26"/>
-    <p:sldId id="281" r:id="rId27"/>
-    <p:sldId id="282" r:id="rId28"/>
-    <p:sldId id="283" r:id="rId29"/>
-    <p:sldId id="284" r:id="rId30"/>
-    <p:sldId id="285" r:id="rId31"/>
+    <p:sldId id="256" r:id="rId6"/>
+    <p:sldId id="257" r:id="rId7"/>
+    <p:sldId id="258" r:id="rId8"/>
+    <p:sldId id="259" r:id="rId9"/>
+    <p:sldId id="260" r:id="rId10"/>
+    <p:sldId id="261" r:id="rId11"/>
+    <p:sldId id="262" r:id="rId12"/>
+    <p:sldId id="263" r:id="rId13"/>
+    <p:sldId id="264" r:id="rId14"/>
+    <p:sldId id="265" r:id="rId15"/>
+    <p:sldId id="266" r:id="rId16"/>
+    <p:sldId id="267" r:id="rId17"/>
+    <p:sldId id="268" r:id="rId18"/>
+    <p:sldId id="269" r:id="rId19"/>
+    <p:sldId id="270" r:id="rId20"/>
+    <p:sldId id="271" r:id="rId21"/>
+    <p:sldId id="272" r:id="rId22"/>
+    <p:sldId id="273" r:id="rId23"/>
+    <p:sldId id="274" r:id="rId24"/>
+    <p:sldId id="275" r:id="rId25"/>
+    <p:sldId id="276" r:id="rId26"/>
+    <p:sldId id="277" r:id="rId27"/>
+    <p:sldId id="278" r:id="rId28"/>
+    <p:sldId id="279" r:id="rId29"/>
+    <p:sldId id="280" r:id="rId30"/>
+    <p:sldId id="281" r:id="rId31"/>
+    <p:sldId id="282" r:id="rId32"/>
+    <p:sldId id="283" r:id="rId33"/>
+    <p:sldId id="284" r:id="rId34"/>
+    <p:sldId id="285" r:id="rId35"/>
   </p:sldIdLst>
-  <p:sldSz cx="9144000" cy="5143500" type="screen16x9"/>
+  <p:sldSz cy="5143500" cx="9144000"/>
   <p:notesSz cx="6858000" cy="9144000"/>
   <p:embeddedFontLst>
     <p:embeddedFont>
-      <p:font typeface="Lato" panose="020F0502020204030203" pitchFamily="34" charset="77"/>
-      <p:regular r:id="rId33"/>
-      <p:bold r:id="rId34"/>
-      <p:italic r:id="rId35"/>
-      <p:boldItalic r:id="rId36"/>
+      <p:font typeface="Raleway"/>
+      <p:regular r:id="rId36"/>
+      <p:bold r:id="rId37"/>
+      <p:italic r:id="rId38"/>
+      <p:boldItalic r:id="rId39"/>
     </p:embeddedFont>
     <p:embeddedFont>
-      <p:font typeface="Raleway" panose="020B0503030101060003" pitchFamily="34" charset="77"/>
-      <p:regular r:id="rId37"/>
-      <p:bold r:id="rId38"/>
-      <p:italic r:id="rId39"/>
-      <p:boldItalic r:id="rId40"/>
+      <p:font typeface="Roboto"/>
+      <p:regular r:id="rId40"/>
+      <p:bold r:id="rId41"/>
+      <p:italic r:id="rId42"/>
+      <p:boldItalic r:id="rId43"/>
     </p:embeddedFont>
     <p:embeddedFont>
-      <p:font typeface="Roboto" panose="02000000000000000000" pitchFamily="2" charset="0"/>
-      <p:regular r:id="rId41"/>
-      <p:bold r:id="rId42"/>
-      <p:italic r:id="rId43"/>
-      <p:boldItalic r:id="rId44"/>
+      <p:font typeface="Lato"/>
+      <p:regular r:id="rId44"/>
+      <p:bold r:id="rId45"/>
+      <p:italic r:id="rId46"/>
+      <p:boldItalic r:id="rId47"/>
     </p:embeddedFont>
   </p:embeddedFontLst>
   <p:defaultTextStyle>
-    <a:defPPr marR="0" lvl="0" algn="l" rtl="0">
+    <a:defPPr lvl="0" marR="0" rtl="0" algn="l">
       <a:lnSpc>
         <a:spcPct val="100000"/>
       </a:lnSpc>
@@ -76,7 +76,7 @@
         <a:spcPts val="0"/>
       </a:spcAft>
     </a:defPPr>
-    <a:lvl1pPr marR="0" lvl="0" algn="l" rtl="0">
+    <a:lvl1pPr lvl="0" marR="0" rtl="0" algn="l">
       <a:lnSpc>
         <a:spcPct val="100000"/>
       </a:lnSpc>
@@ -90,7 +90,7 @@
         <a:srgbClr val="000000"/>
       </a:buClr>
       <a:buFont typeface="Arial"/>
-      <a:defRPr sz="1400" b="0" i="0" u="none" strike="noStrike" cap="none">
+      <a:defRPr b="0" i="0" sz="1400" u="none" cap="none" strike="noStrike">
         <a:solidFill>
           <a:srgbClr val="000000"/>
         </a:solidFill>
@@ -100,7 +100,7 @@
         <a:sym typeface="Arial"/>
       </a:defRPr>
     </a:lvl1pPr>
-    <a:lvl2pPr marR="0" lvl="1" algn="l" rtl="0">
+    <a:lvl2pPr lvl="1" marR="0" rtl="0" algn="l">
       <a:lnSpc>
         <a:spcPct val="100000"/>
       </a:lnSpc>
@@ -114,7 +114,7 @@
         <a:srgbClr val="000000"/>
       </a:buClr>
       <a:buFont typeface="Arial"/>
-      <a:defRPr sz="1400" b="0" i="0" u="none" strike="noStrike" cap="none">
+      <a:defRPr b="0" i="0" sz="1400" u="none" cap="none" strike="noStrike">
         <a:solidFill>
           <a:srgbClr val="000000"/>
         </a:solidFill>
@@ -124,7 +124,7 @@
         <a:sym typeface="Arial"/>
       </a:defRPr>
     </a:lvl2pPr>
-    <a:lvl3pPr marR="0" lvl="2" algn="l" rtl="0">
+    <a:lvl3pPr lvl="2" marR="0" rtl="0" algn="l">
       <a:lnSpc>
         <a:spcPct val="100000"/>
       </a:lnSpc>
@@ -138,7 +138,7 @@
         <a:srgbClr val="000000"/>
       </a:buClr>
       <a:buFont typeface="Arial"/>
-      <a:defRPr sz="1400" b="0" i="0" u="none" strike="noStrike" cap="none">
+      <a:defRPr b="0" i="0" sz="1400" u="none" cap="none" strike="noStrike">
         <a:solidFill>
           <a:srgbClr val="000000"/>
         </a:solidFill>
@@ -148,7 +148,7 @@
         <a:sym typeface="Arial"/>
       </a:defRPr>
     </a:lvl3pPr>
-    <a:lvl4pPr marR="0" lvl="3" algn="l" rtl="0">
+    <a:lvl4pPr lvl="3" marR="0" rtl="0" algn="l">
       <a:lnSpc>
         <a:spcPct val="100000"/>
       </a:lnSpc>
@@ -162,7 +162,7 @@
         <a:srgbClr val="000000"/>
       </a:buClr>
       <a:buFont typeface="Arial"/>
-      <a:defRPr sz="1400" b="0" i="0" u="none" strike="noStrike" cap="none">
+      <a:defRPr b="0" i="0" sz="1400" u="none" cap="none" strike="noStrike">
         <a:solidFill>
           <a:srgbClr val="000000"/>
         </a:solidFill>
@@ -172,7 +172,7 @@
         <a:sym typeface="Arial"/>
       </a:defRPr>
     </a:lvl4pPr>
-    <a:lvl5pPr marR="0" lvl="4" algn="l" rtl="0">
+    <a:lvl5pPr lvl="4" marR="0" rtl="0" algn="l">
       <a:lnSpc>
         <a:spcPct val="100000"/>
       </a:lnSpc>
@@ -186,7 +186,7 @@
         <a:srgbClr val="000000"/>
       </a:buClr>
       <a:buFont typeface="Arial"/>
-      <a:defRPr sz="1400" b="0" i="0" u="none" strike="noStrike" cap="none">
+      <a:defRPr b="0" i="0" sz="1400" u="none" cap="none" strike="noStrike">
         <a:solidFill>
           <a:srgbClr val="000000"/>
         </a:solidFill>
@@ -196,7 +196,7 @@
         <a:sym typeface="Arial"/>
       </a:defRPr>
     </a:lvl5pPr>
-    <a:lvl6pPr marR="0" lvl="5" algn="l" rtl="0">
+    <a:lvl6pPr lvl="5" marR="0" rtl="0" algn="l">
       <a:lnSpc>
         <a:spcPct val="100000"/>
       </a:lnSpc>
@@ -210,7 +210,7 @@
         <a:srgbClr val="000000"/>
       </a:buClr>
       <a:buFont typeface="Arial"/>
-      <a:defRPr sz="1400" b="0" i="0" u="none" strike="noStrike" cap="none">
+      <a:defRPr b="0" i="0" sz="1400" u="none" cap="none" strike="noStrike">
         <a:solidFill>
           <a:srgbClr val="000000"/>
         </a:solidFill>
@@ -220,7 +220,7 @@
         <a:sym typeface="Arial"/>
       </a:defRPr>
     </a:lvl6pPr>
-    <a:lvl7pPr marR="0" lvl="6" algn="l" rtl="0">
+    <a:lvl7pPr lvl="6" marR="0" rtl="0" algn="l">
       <a:lnSpc>
         <a:spcPct val="100000"/>
       </a:lnSpc>
@@ -234,7 +234,7 @@
         <a:srgbClr val="000000"/>
       </a:buClr>
       <a:buFont typeface="Arial"/>
-      <a:defRPr sz="1400" b="0" i="0" u="none" strike="noStrike" cap="none">
+      <a:defRPr b="0" i="0" sz="1400" u="none" cap="none" strike="noStrike">
         <a:solidFill>
           <a:srgbClr val="000000"/>
         </a:solidFill>
@@ -244,7 +244,7 @@
         <a:sym typeface="Arial"/>
       </a:defRPr>
     </a:lvl7pPr>
-    <a:lvl8pPr marR="0" lvl="7" algn="l" rtl="0">
+    <a:lvl8pPr lvl="7" marR="0" rtl="0" algn="l">
       <a:lnSpc>
         <a:spcPct val="100000"/>
       </a:lnSpc>
@@ -258,7 +258,7 @@
         <a:srgbClr val="000000"/>
       </a:buClr>
       <a:buFont typeface="Arial"/>
-      <a:defRPr sz="1400" b="0" i="0" u="none" strike="noStrike" cap="none">
+      <a:defRPr b="0" i="0" sz="1400" u="none" cap="none" strike="noStrike">
         <a:solidFill>
           <a:srgbClr val="000000"/>
         </a:solidFill>
@@ -268,7 +268,7 @@
         <a:sym typeface="Arial"/>
       </a:defRPr>
     </a:lvl8pPr>
-    <a:lvl9pPr marR="0" lvl="8" algn="l" rtl="0">
+    <a:lvl9pPr lvl="8" marR="0" rtl="0" algn="l">
       <a:lnSpc>
         <a:spcPct val="100000"/>
       </a:lnSpc>
@@ -282,7 +282,7 @@
         <a:srgbClr val="000000"/>
       </a:buClr>
       <a:buFont typeface="Arial"/>
-      <a:defRPr sz="1400" b="0" i="0" u="none" strike="noStrike" cap="none">
+      <a:defRPr b="0" i="0" sz="1400" u="none" cap="none" strike="noStrike">
         <a:solidFill>
           <a:srgbClr val="000000"/>
         </a:solidFill>
@@ -295,7 +295,7 @@
   </p:defaultTextStyle>
   <p:extLst>
     <p:ext uri="{EFAFB233-063F-42B5-8137-9DF3F51BA10A}">
-      <p15:sldGuideLst xmlns:p15="http://schemas.microsoft.com/office/powerpoint/2012/main">
+      <p15:sldGuideLst>
         <p15:guide id="1" orient="horz" pos="1620">
           <p15:clr>
             <a:srgbClr val="A4A3A4"/>
@@ -312,23 +312,12 @@
 </p:presentation>
 </file>
 
-<file path=ppt/commentAuthors.xml><?xml version="1.0" encoding="utf-8"?>
-<p:cmAuthorLst xmlns:a="http://schemas.openxmlformats.org/drawingml/2006/main" xmlns:r="http://schemas.openxmlformats.org/officeDocument/2006/relationships" xmlns:p="http://schemas.openxmlformats.org/presentationml/2006/main">
-  <p:cmAuthor id="0" name="Gina Cameras" initials="" lastIdx="1" clrIdx="0"/>
-</p:cmAuthorLst>
-</file>
-
 <file path=ppt/notesMasters/notesMaster1.xml><?xml version="1.0" encoding="utf-8"?>
-<p:notesMaster xmlns:a="http://schemas.openxmlformats.org/drawingml/2006/main" xmlns:r="http://schemas.openxmlformats.org/officeDocument/2006/relationships" xmlns:p="http://schemas.openxmlformats.org/presentationml/2006/main">
+<p:notesMaster xmlns:a="http://schemas.openxmlformats.org/drawingml/2006/main" xmlns:r="http://schemas.openxmlformats.org/officeDocument/2006/relationships" xmlns:mc="http://schemas.openxmlformats.org/markup-compatibility/2006" xmlns:mv="urn:schemas-microsoft-com:mac:vml" xmlns:p="http://schemas.openxmlformats.org/presentationml/2006/main" xmlns:c="http://schemas.openxmlformats.org/drawingml/2006/chart" xmlns:dgm="http://schemas.openxmlformats.org/drawingml/2006/diagram" xmlns:o="urn:schemas-microsoft-com:office:office" xmlns:v="urn:schemas-microsoft-com:vml" xmlns:pvml="urn:schemas-microsoft-com:office:powerpoint" xmlns:com="http://schemas.openxmlformats.org/drawingml/2006/compatibility" xmlns:p14="http://schemas.microsoft.com/office/powerpoint/2010/main" xmlns:p15="http://schemas.microsoft.com/office/powerpoint/2012/main">
   <p:cSld>
-    <p:bg>
-      <p:bgRef idx="1001">
-        <a:schemeClr val="bg1"/>
-      </p:bgRef>
-    </p:bg>
     <p:spTree>
       <p:nvGrpSpPr>
-        <p:cNvPr id="1" name="Shape 2"/>
+        <p:cNvPr id="2" name="Shape 2"/>
         <p:cNvGrpSpPr/>
         <p:nvPr/>
       </p:nvGrpSpPr>
@@ -343,11 +332,9 @@
       <p:sp>
         <p:nvSpPr>
           <p:cNvPr id="3" name="Google Shape;3;n"/>
-          <p:cNvSpPr>
-            <a:spLocks noGrp="1" noRot="1" noChangeAspect="1"/>
-          </p:cNvSpPr>
+          <p:cNvSpPr/>
           <p:nvPr>
-            <p:ph type="sldImg" idx="2"/>
+            <p:ph idx="2" type="sldImg"/>
           </p:nvPr>
         </p:nvSpPr>
         <p:spPr>
@@ -356,13 +343,9 @@
             <a:ext cx="6096075" cy="3429000"/>
           </a:xfrm>
           <a:custGeom>
-            <a:avLst/>
-            <a:gdLst/>
-            <a:ahLst/>
-            <a:cxnLst/>
-            <a:rect l="l" t="t" r="r" b="b"/>
+            <a:rect b="b" l="l" r="r" t="t"/>
             <a:pathLst>
-              <a:path w="120000" h="120000" extrusionOk="0">
+              <a:path extrusionOk="0" h="120000" w="120000">
                 <a:moveTo>
                   <a:pt x="0" y="0"/>
                 </a:moveTo>
@@ -380,25 +363,23 @@
             </a:pathLst>
           </a:custGeom>
           <a:noFill/>
-          <a:ln w="9525" cap="flat" cmpd="sng">
+          <a:ln cap="flat" cmpd="sng" w="9525">
             <a:solidFill>
               <a:srgbClr val="000000"/>
             </a:solidFill>
             <a:prstDash val="solid"/>
             <a:round/>
-            <a:headEnd type="none" w="sm" len="sm"/>
-            <a:tailEnd type="none" w="sm" len="sm"/>
+            <a:headEnd len="sm" w="sm" type="none"/>
+            <a:tailEnd len="sm" w="sm" type="none"/>
           </a:ln>
         </p:spPr>
       </p:sp>
       <p:sp>
         <p:nvSpPr>
           <p:cNvPr id="4" name="Google Shape;4;n"/>
-          <p:cNvSpPr txBox="1">
-            <a:spLocks noGrp="1"/>
-          </p:cNvSpPr>
+          <p:cNvSpPr txBox="1"/>
           <p:nvPr>
-            <p:ph type="body" idx="1"/>
+            <p:ph idx="1" type="body"/>
           </p:nvPr>
         </p:nvSpPr>
         <p:spPr>
@@ -415,11 +396,11 @@
           </a:ln>
         </p:spPr>
         <p:txBody>
-          <a:bodyPr spcFirstLastPara="1" wrap="square" lIns="91425" tIns="91425" rIns="91425" bIns="91425" anchor="t" anchorCtr="0">
+          <a:bodyPr anchorCtr="0" anchor="t" bIns="91425" lIns="91425" spcFirstLastPara="1" rIns="91425" wrap="square" tIns="91425">
             <a:noAutofit/>
           </a:bodyPr>
           <a:lstStyle>
-            <a:lvl1pPr marL="457200" lvl="0" indent="-298450">
+            <a:lvl1pPr indent="-298450" lvl="0" marL="457200">
               <a:spcBef>
                 <a:spcPts val="0"/>
               </a:spcBef>
@@ -430,7 +411,7 @@
               <a:buChar char="●"/>
               <a:defRPr sz="1100"/>
             </a:lvl1pPr>
-            <a:lvl2pPr marL="914400" lvl="1" indent="-298450">
+            <a:lvl2pPr indent="-298450" lvl="1" marL="914400">
               <a:spcBef>
                 <a:spcPts val="0"/>
               </a:spcBef>
@@ -441,7 +422,7 @@
               <a:buChar char="○"/>
               <a:defRPr sz="1100"/>
             </a:lvl2pPr>
-            <a:lvl3pPr marL="1371600" lvl="2" indent="-298450">
+            <a:lvl3pPr indent="-298450" lvl="2" marL="1371600">
               <a:spcBef>
                 <a:spcPts val="0"/>
               </a:spcBef>
@@ -452,7 +433,7 @@
               <a:buChar char="■"/>
               <a:defRPr sz="1100"/>
             </a:lvl3pPr>
-            <a:lvl4pPr marL="1828800" lvl="3" indent="-298450">
+            <a:lvl4pPr indent="-298450" lvl="3" marL="1828800">
               <a:spcBef>
                 <a:spcPts val="0"/>
               </a:spcBef>
@@ -463,7 +444,7 @@
               <a:buChar char="●"/>
               <a:defRPr sz="1100"/>
             </a:lvl4pPr>
-            <a:lvl5pPr marL="2286000" lvl="4" indent="-298450">
+            <a:lvl5pPr indent="-298450" lvl="4" marL="2286000">
               <a:spcBef>
                 <a:spcPts val="0"/>
               </a:spcBef>
@@ -474,7 +455,7 @@
               <a:buChar char="○"/>
               <a:defRPr sz="1100"/>
             </a:lvl5pPr>
-            <a:lvl6pPr marL="2743200" lvl="5" indent="-298450">
+            <a:lvl6pPr indent="-298450" lvl="5" marL="2743200">
               <a:spcBef>
                 <a:spcPts val="0"/>
               </a:spcBef>
@@ -485,7 +466,7 @@
               <a:buChar char="■"/>
               <a:defRPr sz="1100"/>
             </a:lvl6pPr>
-            <a:lvl7pPr marL="3200400" lvl="6" indent="-298450">
+            <a:lvl7pPr indent="-298450" lvl="6" marL="3200400">
               <a:spcBef>
                 <a:spcPts val="0"/>
               </a:spcBef>
@@ -496,7 +477,7 @@
               <a:buChar char="●"/>
               <a:defRPr sz="1100"/>
             </a:lvl7pPr>
-            <a:lvl8pPr marL="3657600" lvl="7" indent="-298450">
+            <a:lvl8pPr indent="-298450" lvl="7" marL="3657600">
               <a:spcBef>
                 <a:spcPts val="0"/>
               </a:spcBef>
@@ -507,7 +488,7 @@
               <a:buChar char="○"/>
               <a:defRPr sz="1100"/>
             </a:lvl8pPr>
-            <a:lvl9pPr marL="4114800" lvl="8" indent="-298450">
+            <a:lvl9pPr indent="-298450" lvl="8" marL="4114800">
               <a:spcBef>
                 <a:spcPts val="0"/>
               </a:spcBef>
@@ -519,16 +500,14 @@
               <a:defRPr sz="1100"/>
             </a:lvl9pPr>
           </a:lstStyle>
-          <a:p>
-            <a:endParaRPr/>
-          </a:p>
+          <a:p/>
         </p:txBody>
       </p:sp>
     </p:spTree>
   </p:cSld>
-  <p:clrMap bg1="lt1" tx1="dk1" bg2="dk2" tx2="lt2" accent1="accent1" accent2="accent2" accent3="accent3" accent4="accent4" accent5="accent5" accent6="accent6" hlink="hlink" folHlink="folHlink"/>
+  <p:clrMap accent1="accent1" accent2="accent2" accent3="accent3" accent4="accent4" accent5="accent5" accent6="accent6" bg1="lt1" bg2="dk2" tx1="dk1" tx2="lt2" folHlink="folHlink" hlink="hlink"/>
   <p:notesStyle>
-    <a:defPPr marR="0" lvl="0" algn="l" rtl="0">
+    <a:defPPr lvl="0" marR="0" rtl="0" algn="l">
       <a:lnSpc>
         <a:spcPct val="100000"/>
       </a:lnSpc>
@@ -539,7 +518,7 @@
         <a:spcPts val="0"/>
       </a:spcAft>
     </a:defPPr>
-    <a:lvl1pPr marR="0" lvl="0" algn="l" rtl="0">
+    <a:lvl1pPr lvl="0" marR="0" rtl="0" algn="l">
       <a:lnSpc>
         <a:spcPct val="100000"/>
       </a:lnSpc>
@@ -553,7 +532,7 @@
         <a:srgbClr val="000000"/>
       </a:buClr>
       <a:buFont typeface="Arial"/>
-      <a:defRPr sz="1400" b="0" i="0" u="none" strike="noStrike" cap="none">
+      <a:defRPr b="0" i="0" sz="1400" u="none" cap="none" strike="noStrike">
         <a:solidFill>
           <a:srgbClr val="000000"/>
         </a:solidFill>
@@ -563,7 +542,7 @@
         <a:sym typeface="Arial"/>
       </a:defRPr>
     </a:lvl1pPr>
-    <a:lvl2pPr marR="0" lvl="1" algn="l" rtl="0">
+    <a:lvl2pPr lvl="1" marR="0" rtl="0" algn="l">
       <a:lnSpc>
         <a:spcPct val="100000"/>
       </a:lnSpc>
@@ -577,7 +556,7 @@
         <a:srgbClr val="000000"/>
       </a:buClr>
       <a:buFont typeface="Arial"/>
-      <a:defRPr sz="1400" b="0" i="0" u="none" strike="noStrike" cap="none">
+      <a:defRPr b="0" i="0" sz="1400" u="none" cap="none" strike="noStrike">
         <a:solidFill>
           <a:srgbClr val="000000"/>
         </a:solidFill>
@@ -587,7 +566,7 @@
         <a:sym typeface="Arial"/>
       </a:defRPr>
     </a:lvl2pPr>
-    <a:lvl3pPr marR="0" lvl="2" algn="l" rtl="0">
+    <a:lvl3pPr lvl="2" marR="0" rtl="0" algn="l">
       <a:lnSpc>
         <a:spcPct val="100000"/>
       </a:lnSpc>
@@ -601,7 +580,7 @@
         <a:srgbClr val="000000"/>
       </a:buClr>
       <a:buFont typeface="Arial"/>
-      <a:defRPr sz="1400" b="0" i="0" u="none" strike="noStrike" cap="none">
+      <a:defRPr b="0" i="0" sz="1400" u="none" cap="none" strike="noStrike">
         <a:solidFill>
           <a:srgbClr val="000000"/>
         </a:solidFill>
@@ -611,7 +590,7 @@
         <a:sym typeface="Arial"/>
       </a:defRPr>
     </a:lvl3pPr>
-    <a:lvl4pPr marR="0" lvl="3" algn="l" rtl="0">
+    <a:lvl4pPr lvl="3" marR="0" rtl="0" algn="l">
       <a:lnSpc>
         <a:spcPct val="100000"/>
       </a:lnSpc>
@@ -625,7 +604,7 @@
         <a:srgbClr val="000000"/>
       </a:buClr>
       <a:buFont typeface="Arial"/>
-      <a:defRPr sz="1400" b="0" i="0" u="none" strike="noStrike" cap="none">
+      <a:defRPr b="0" i="0" sz="1400" u="none" cap="none" strike="noStrike">
         <a:solidFill>
           <a:srgbClr val="000000"/>
         </a:solidFill>
@@ -635,7 +614,7 @@
         <a:sym typeface="Arial"/>
       </a:defRPr>
     </a:lvl4pPr>
-    <a:lvl5pPr marR="0" lvl="4" algn="l" rtl="0">
+    <a:lvl5pPr lvl="4" marR="0" rtl="0" algn="l">
       <a:lnSpc>
         <a:spcPct val="100000"/>
       </a:lnSpc>
@@ -649,7 +628,7 @@
         <a:srgbClr val="000000"/>
       </a:buClr>
       <a:buFont typeface="Arial"/>
-      <a:defRPr sz="1400" b="0" i="0" u="none" strike="noStrike" cap="none">
+      <a:defRPr b="0" i="0" sz="1400" u="none" cap="none" strike="noStrike">
         <a:solidFill>
           <a:srgbClr val="000000"/>
         </a:solidFill>
@@ -659,7 +638,7 @@
         <a:sym typeface="Arial"/>
       </a:defRPr>
     </a:lvl5pPr>
-    <a:lvl6pPr marR="0" lvl="5" algn="l" rtl="0">
+    <a:lvl6pPr lvl="5" marR="0" rtl="0" algn="l">
       <a:lnSpc>
         <a:spcPct val="100000"/>
       </a:lnSpc>
@@ -673,7 +652,7 @@
         <a:srgbClr val="000000"/>
       </a:buClr>
       <a:buFont typeface="Arial"/>
-      <a:defRPr sz="1400" b="0" i="0" u="none" strike="noStrike" cap="none">
+      <a:defRPr b="0" i="0" sz="1400" u="none" cap="none" strike="noStrike">
         <a:solidFill>
           <a:srgbClr val="000000"/>
         </a:solidFill>
@@ -683,7 +662,7 @@
         <a:sym typeface="Arial"/>
       </a:defRPr>
     </a:lvl6pPr>
-    <a:lvl7pPr marR="0" lvl="6" algn="l" rtl="0">
+    <a:lvl7pPr lvl="6" marR="0" rtl="0" algn="l">
       <a:lnSpc>
         <a:spcPct val="100000"/>
       </a:lnSpc>
@@ -697,7 +676,7 @@
         <a:srgbClr val="000000"/>
       </a:buClr>
       <a:buFont typeface="Arial"/>
-      <a:defRPr sz="1400" b="0" i="0" u="none" strike="noStrike" cap="none">
+      <a:defRPr b="0" i="0" sz="1400" u="none" cap="none" strike="noStrike">
         <a:solidFill>
           <a:srgbClr val="000000"/>
         </a:solidFill>
@@ -707,7 +686,7 @@
         <a:sym typeface="Arial"/>
       </a:defRPr>
     </a:lvl7pPr>
-    <a:lvl8pPr marR="0" lvl="7" algn="l" rtl="0">
+    <a:lvl8pPr lvl="7" marR="0" rtl="0" algn="l">
       <a:lnSpc>
         <a:spcPct val="100000"/>
       </a:lnSpc>
@@ -721,7 +700,7 @@
         <a:srgbClr val="000000"/>
       </a:buClr>
       <a:buFont typeface="Arial"/>
-      <a:defRPr sz="1400" b="0" i="0" u="none" strike="noStrike" cap="none">
+      <a:defRPr b="0" i="0" sz="1400" u="none" cap="none" strike="noStrike">
         <a:solidFill>
           <a:srgbClr val="000000"/>
         </a:solidFill>
@@ -731,7 +710,7 @@
         <a:sym typeface="Arial"/>
       </a:defRPr>
     </a:lvl8pPr>
-    <a:lvl9pPr marR="0" lvl="8" algn="l" rtl="0">
+    <a:lvl9pPr lvl="8" marR="0" rtl="0" algn="l">
       <a:lnSpc>
         <a:spcPct val="100000"/>
       </a:lnSpc>
@@ -745,7 +724,7 @@
         <a:srgbClr val="000000"/>
       </a:buClr>
       <a:buFont typeface="Arial"/>
-      <a:defRPr sz="1400" b="0" i="0" u="none" strike="noStrike" cap="none">
+      <a:defRPr b="0" i="0" sz="1400" u="none" cap="none" strike="noStrike">
         <a:solidFill>
           <a:srgbClr val="000000"/>
         </a:solidFill>
@@ -760,11 +739,11 @@
 </file>
 
 <file path=ppt/notesSlides/notesSlide1.xml><?xml version="1.0" encoding="utf-8"?>
-<p:notes xmlns:a="http://schemas.openxmlformats.org/drawingml/2006/main" xmlns:r="http://schemas.openxmlformats.org/officeDocument/2006/relationships" xmlns:p="http://schemas.openxmlformats.org/presentationml/2006/main" showMasterSp="0" showMasterPhAnim="0">
+<p:notes xmlns:a="http://schemas.openxmlformats.org/drawingml/2006/main" xmlns:r="http://schemas.openxmlformats.org/officeDocument/2006/relationships" xmlns:mc="http://schemas.openxmlformats.org/markup-compatibility/2006" xmlns:mv="urn:schemas-microsoft-com:mac:vml" xmlns:p="http://schemas.openxmlformats.org/presentationml/2006/main" xmlns:c="http://schemas.openxmlformats.org/drawingml/2006/chart" xmlns:dgm="http://schemas.openxmlformats.org/drawingml/2006/diagram" xmlns:o="urn:schemas-microsoft-com:office:office" xmlns:v="urn:schemas-microsoft-com:vml" xmlns:pvml="urn:schemas-microsoft-com:office:powerpoint" xmlns:com="http://schemas.openxmlformats.org/drawingml/2006/compatibility" xmlns:p14="http://schemas.microsoft.com/office/powerpoint/2010/main" xmlns:p15="http://schemas.microsoft.com/office/powerpoint/2012/main" showMasterPhAnim="0" showMasterSp="0">
   <p:cSld>
     <p:spTree>
       <p:nvGrpSpPr>
-        <p:cNvPr id="1" name="Shape 82"/>
+        <p:cNvPr id="82" name="Shape 82"/>
         <p:cNvGrpSpPr/>
         <p:nvPr/>
       </p:nvGrpSpPr>
@@ -779,11 +758,9 @@
       <p:sp>
         <p:nvSpPr>
           <p:cNvPr id="83" name="Google Shape;83;p:notes"/>
-          <p:cNvSpPr>
-            <a:spLocks noGrp="1" noRot="1" noChangeAspect="1"/>
-          </p:cNvSpPr>
+          <p:cNvSpPr/>
           <p:nvPr>
-            <p:ph type="sldImg" idx="2"/>
+            <p:ph idx="2" type="sldImg"/>
           </p:nvPr>
         </p:nvSpPr>
         <p:spPr>
@@ -792,13 +769,9 @@
             <a:ext cx="6096075" cy="3429000"/>
           </a:xfrm>
           <a:custGeom>
-            <a:avLst/>
-            <a:gdLst/>
-            <a:ahLst/>
-            <a:cxnLst/>
-            <a:rect l="l" t="t" r="r" b="b"/>
+            <a:rect b="b" l="l" r="r" t="t"/>
             <a:pathLst>
-              <a:path w="120000" h="120000" extrusionOk="0">
+              <a:path extrusionOk="0" h="120000" w="120000">
                 <a:moveTo>
                   <a:pt x="0" y="0"/>
                 </a:moveTo>
@@ -820,11 +793,9 @@
       <p:sp>
         <p:nvSpPr>
           <p:cNvPr id="84" name="Google Shape;84;p:notes"/>
-          <p:cNvSpPr txBox="1">
-            <a:spLocks noGrp="1"/>
-          </p:cNvSpPr>
+          <p:cNvSpPr txBox="1"/>
           <p:nvPr>
-            <p:ph type="body" idx="1"/>
+            <p:ph idx="1" type="body"/>
           </p:nvPr>
         </p:nvSpPr>
         <p:spPr>
@@ -837,12 +808,12 @@
           </a:prstGeom>
         </p:spPr>
         <p:txBody>
-          <a:bodyPr spcFirstLastPara="1" wrap="square" lIns="91425" tIns="91425" rIns="91425" bIns="91425" anchor="t" anchorCtr="0">
+          <a:bodyPr anchorCtr="0" anchor="t" bIns="91425" lIns="91425" spcFirstLastPara="1" rIns="91425" wrap="square" tIns="91425">
             <a:noAutofit/>
           </a:bodyPr>
           <a:lstStyle/>
           <a:p>
-            <a:pPr marL="0" lvl="0" indent="0" algn="l" rtl="0">
+            <a:pPr indent="0" lvl="0" marL="0" rtl="0" algn="l">
               <a:spcBef>
                 <a:spcPts val="0"/>
               </a:spcBef>
@@ -868,11 +839,11 @@
 </file>
 
 <file path=ppt/notesSlides/notesSlide10.xml><?xml version="1.0" encoding="utf-8"?>
-<p:notes xmlns:a="http://schemas.openxmlformats.org/drawingml/2006/main" xmlns:r="http://schemas.openxmlformats.org/officeDocument/2006/relationships" xmlns:p="http://schemas.openxmlformats.org/presentationml/2006/main" showMasterSp="0" showMasterPhAnim="0">
+<p:notes xmlns:a="http://schemas.openxmlformats.org/drawingml/2006/main" xmlns:r="http://schemas.openxmlformats.org/officeDocument/2006/relationships" xmlns:mc="http://schemas.openxmlformats.org/markup-compatibility/2006" xmlns:mv="urn:schemas-microsoft-com:mac:vml" xmlns:p="http://schemas.openxmlformats.org/presentationml/2006/main" xmlns:c="http://schemas.openxmlformats.org/drawingml/2006/chart" xmlns:dgm="http://schemas.openxmlformats.org/drawingml/2006/diagram" xmlns:o="urn:schemas-microsoft-com:office:office" xmlns:v="urn:schemas-microsoft-com:vml" xmlns:pvml="urn:schemas-microsoft-com:office:powerpoint" xmlns:com="http://schemas.openxmlformats.org/drawingml/2006/compatibility" xmlns:p14="http://schemas.microsoft.com/office/powerpoint/2010/main" xmlns:p15="http://schemas.microsoft.com/office/powerpoint/2012/main" showMasterPhAnim="0" showMasterSp="0">
   <p:cSld>
     <p:spTree>
       <p:nvGrpSpPr>
-        <p:cNvPr id="1" name="Shape 139"/>
+        <p:cNvPr id="139" name="Shape 139"/>
         <p:cNvGrpSpPr/>
         <p:nvPr/>
       </p:nvGrpSpPr>
@@ -887,11 +858,9 @@
       <p:sp>
         <p:nvSpPr>
           <p:cNvPr id="140" name="Google Shape;140;g81a09b377c_0_82:notes"/>
-          <p:cNvSpPr>
-            <a:spLocks noGrp="1" noRot="1" noChangeAspect="1"/>
-          </p:cNvSpPr>
+          <p:cNvSpPr/>
           <p:nvPr>
-            <p:ph type="sldImg" idx="2"/>
+            <p:ph idx="2" type="sldImg"/>
           </p:nvPr>
         </p:nvSpPr>
         <p:spPr>
@@ -900,13 +869,9 @@
             <a:ext cx="6096000" cy="3429000"/>
           </a:xfrm>
           <a:custGeom>
-            <a:avLst/>
-            <a:gdLst/>
-            <a:ahLst/>
-            <a:cxnLst/>
-            <a:rect l="l" t="t" r="r" b="b"/>
+            <a:rect b="b" l="l" r="r" t="t"/>
             <a:pathLst>
-              <a:path w="120000" h="120000" extrusionOk="0">
+              <a:path extrusionOk="0" h="120000" w="120000">
                 <a:moveTo>
                   <a:pt x="0" y="0"/>
                 </a:moveTo>
@@ -928,11 +893,9 @@
       <p:sp>
         <p:nvSpPr>
           <p:cNvPr id="141" name="Google Shape;141;g81a09b377c_0_82:notes"/>
-          <p:cNvSpPr txBox="1">
-            <a:spLocks noGrp="1"/>
-          </p:cNvSpPr>
+          <p:cNvSpPr txBox="1"/>
           <p:nvPr>
-            <p:ph type="body" idx="1"/>
+            <p:ph idx="1" type="body"/>
           </p:nvPr>
         </p:nvSpPr>
         <p:spPr>
@@ -945,12 +908,12 @@
           </a:prstGeom>
         </p:spPr>
         <p:txBody>
-          <a:bodyPr spcFirstLastPara="1" wrap="square" lIns="91425" tIns="91425" rIns="91425" bIns="91425" anchor="t" anchorCtr="0">
+          <a:bodyPr anchorCtr="0" anchor="t" bIns="91425" lIns="91425" spcFirstLastPara="1" rIns="91425" wrap="square" tIns="91425">
             <a:noAutofit/>
           </a:bodyPr>
           <a:lstStyle/>
           <a:p>
-            <a:pPr marL="0" lvl="0" indent="0" algn="l" rtl="0">
+            <a:pPr indent="0" lvl="0" marL="0" rtl="0" algn="l">
               <a:spcBef>
                 <a:spcPts val="0"/>
               </a:spcBef>
@@ -976,11 +939,11 @@
 </file>
 
 <file path=ppt/notesSlides/notesSlide11.xml><?xml version="1.0" encoding="utf-8"?>
-<p:notes xmlns:a="http://schemas.openxmlformats.org/drawingml/2006/main" xmlns:r="http://schemas.openxmlformats.org/officeDocument/2006/relationships" xmlns:p="http://schemas.openxmlformats.org/presentationml/2006/main" showMasterSp="0" showMasterPhAnim="0">
+<p:notes xmlns:a="http://schemas.openxmlformats.org/drawingml/2006/main" xmlns:r="http://schemas.openxmlformats.org/officeDocument/2006/relationships" xmlns:mc="http://schemas.openxmlformats.org/markup-compatibility/2006" xmlns:mv="urn:schemas-microsoft-com:mac:vml" xmlns:p="http://schemas.openxmlformats.org/presentationml/2006/main" xmlns:c="http://schemas.openxmlformats.org/drawingml/2006/chart" xmlns:dgm="http://schemas.openxmlformats.org/drawingml/2006/diagram" xmlns:o="urn:schemas-microsoft-com:office:office" xmlns:v="urn:schemas-microsoft-com:vml" xmlns:pvml="urn:schemas-microsoft-com:office:powerpoint" xmlns:com="http://schemas.openxmlformats.org/drawingml/2006/compatibility" xmlns:p14="http://schemas.microsoft.com/office/powerpoint/2010/main" xmlns:p15="http://schemas.microsoft.com/office/powerpoint/2012/main" showMasterPhAnim="0" showMasterSp="0">
   <p:cSld>
     <p:spTree>
       <p:nvGrpSpPr>
-        <p:cNvPr id="1" name="Shape 144"/>
+        <p:cNvPr id="144" name="Shape 144"/>
         <p:cNvGrpSpPr/>
         <p:nvPr/>
       </p:nvGrpSpPr>
@@ -995,11 +958,9 @@
       <p:sp>
         <p:nvSpPr>
           <p:cNvPr id="145" name="Google Shape;145;g81c5847872_0_371:notes"/>
-          <p:cNvSpPr>
-            <a:spLocks noGrp="1" noRot="1" noChangeAspect="1"/>
-          </p:cNvSpPr>
+          <p:cNvSpPr/>
           <p:nvPr>
-            <p:ph type="sldImg" idx="2"/>
+            <p:ph idx="2" type="sldImg"/>
           </p:nvPr>
         </p:nvSpPr>
         <p:spPr>
@@ -1008,13 +969,9 @@
             <a:ext cx="6096000" cy="3429000"/>
           </a:xfrm>
           <a:custGeom>
-            <a:avLst/>
-            <a:gdLst/>
-            <a:ahLst/>
-            <a:cxnLst/>
-            <a:rect l="l" t="t" r="r" b="b"/>
+            <a:rect b="b" l="l" r="r" t="t"/>
             <a:pathLst>
-              <a:path w="120000" h="120000" extrusionOk="0">
+              <a:path extrusionOk="0" h="120000" w="120000">
                 <a:moveTo>
                   <a:pt x="0" y="0"/>
                 </a:moveTo>
@@ -1036,11 +993,9 @@
       <p:sp>
         <p:nvSpPr>
           <p:cNvPr id="146" name="Google Shape;146;g81c5847872_0_371:notes"/>
-          <p:cNvSpPr txBox="1">
-            <a:spLocks noGrp="1"/>
-          </p:cNvSpPr>
+          <p:cNvSpPr txBox="1"/>
           <p:nvPr>
-            <p:ph type="body" idx="1"/>
+            <p:ph idx="1" type="body"/>
           </p:nvPr>
         </p:nvSpPr>
         <p:spPr>
@@ -1053,12 +1008,12 @@
           </a:prstGeom>
         </p:spPr>
         <p:txBody>
-          <a:bodyPr spcFirstLastPara="1" wrap="square" lIns="91425" tIns="91425" rIns="91425" bIns="91425" anchor="t" anchorCtr="0">
+          <a:bodyPr anchorCtr="0" anchor="t" bIns="91425" lIns="91425" spcFirstLastPara="1" rIns="91425" wrap="square" tIns="91425">
             <a:noAutofit/>
           </a:bodyPr>
           <a:lstStyle/>
           <a:p>
-            <a:pPr marL="0" lvl="0" indent="0" algn="l" rtl="0">
+            <a:pPr indent="0" lvl="0" marL="0" rtl="0" algn="l">
               <a:spcBef>
                 <a:spcPts val="0"/>
               </a:spcBef>
@@ -1084,11 +1039,11 @@
 </file>
 
 <file path=ppt/notesSlides/notesSlide12.xml><?xml version="1.0" encoding="utf-8"?>
-<p:notes xmlns:a="http://schemas.openxmlformats.org/drawingml/2006/main" xmlns:r="http://schemas.openxmlformats.org/officeDocument/2006/relationships" xmlns:p="http://schemas.openxmlformats.org/presentationml/2006/main" showMasterSp="0" showMasterPhAnim="0">
+<p:notes xmlns:a="http://schemas.openxmlformats.org/drawingml/2006/main" xmlns:r="http://schemas.openxmlformats.org/officeDocument/2006/relationships" xmlns:mc="http://schemas.openxmlformats.org/markup-compatibility/2006" xmlns:mv="urn:schemas-microsoft-com:mac:vml" xmlns:p="http://schemas.openxmlformats.org/presentationml/2006/main" xmlns:c="http://schemas.openxmlformats.org/drawingml/2006/chart" xmlns:dgm="http://schemas.openxmlformats.org/drawingml/2006/diagram" xmlns:o="urn:schemas-microsoft-com:office:office" xmlns:v="urn:schemas-microsoft-com:vml" xmlns:pvml="urn:schemas-microsoft-com:office:powerpoint" xmlns:com="http://schemas.openxmlformats.org/drawingml/2006/compatibility" xmlns:p14="http://schemas.microsoft.com/office/powerpoint/2010/main" xmlns:p15="http://schemas.microsoft.com/office/powerpoint/2012/main" showMasterPhAnim="0" showMasterSp="0">
   <p:cSld>
     <p:spTree>
       <p:nvGrpSpPr>
-        <p:cNvPr id="1" name="Shape 151"/>
+        <p:cNvPr id="151" name="Shape 151"/>
         <p:cNvGrpSpPr/>
         <p:nvPr/>
       </p:nvGrpSpPr>
@@ -1103,11 +1058,9 @@
       <p:sp>
         <p:nvSpPr>
           <p:cNvPr id="152" name="Google Shape;152;g81c5847872_0_366:notes"/>
-          <p:cNvSpPr>
-            <a:spLocks noGrp="1" noRot="1" noChangeAspect="1"/>
-          </p:cNvSpPr>
+          <p:cNvSpPr/>
           <p:nvPr>
-            <p:ph type="sldImg" idx="2"/>
+            <p:ph idx="2" type="sldImg"/>
           </p:nvPr>
         </p:nvSpPr>
         <p:spPr>
@@ -1116,13 +1069,9 @@
             <a:ext cx="6096000" cy="3429000"/>
           </a:xfrm>
           <a:custGeom>
-            <a:avLst/>
-            <a:gdLst/>
-            <a:ahLst/>
-            <a:cxnLst/>
-            <a:rect l="l" t="t" r="r" b="b"/>
+            <a:rect b="b" l="l" r="r" t="t"/>
             <a:pathLst>
-              <a:path w="120000" h="120000" extrusionOk="0">
+              <a:path extrusionOk="0" h="120000" w="120000">
                 <a:moveTo>
                   <a:pt x="0" y="0"/>
                 </a:moveTo>
@@ -1144,11 +1093,9 @@
       <p:sp>
         <p:nvSpPr>
           <p:cNvPr id="153" name="Google Shape;153;g81c5847872_0_366:notes"/>
-          <p:cNvSpPr txBox="1">
-            <a:spLocks noGrp="1"/>
-          </p:cNvSpPr>
+          <p:cNvSpPr txBox="1"/>
           <p:nvPr>
-            <p:ph type="body" idx="1"/>
+            <p:ph idx="1" type="body"/>
           </p:nvPr>
         </p:nvSpPr>
         <p:spPr>
@@ -1161,12 +1108,12 @@
           </a:prstGeom>
         </p:spPr>
         <p:txBody>
-          <a:bodyPr spcFirstLastPara="1" wrap="square" lIns="91425" tIns="91425" rIns="91425" bIns="91425" anchor="t" anchorCtr="0">
+          <a:bodyPr anchorCtr="0" anchor="t" bIns="91425" lIns="91425" spcFirstLastPara="1" rIns="91425" wrap="square" tIns="91425">
             <a:noAutofit/>
           </a:bodyPr>
           <a:lstStyle/>
           <a:p>
-            <a:pPr marL="0" lvl="0" indent="0" algn="l" rtl="0">
+            <a:pPr indent="0" lvl="0" marL="0" rtl="0" algn="l">
               <a:spcBef>
                 <a:spcPts val="0"/>
               </a:spcBef>
@@ -1192,11 +1139,11 @@
 </file>
 
 <file path=ppt/notesSlides/notesSlide13.xml><?xml version="1.0" encoding="utf-8"?>
-<p:notes xmlns:a="http://schemas.openxmlformats.org/drawingml/2006/main" xmlns:r="http://schemas.openxmlformats.org/officeDocument/2006/relationships" xmlns:p="http://schemas.openxmlformats.org/presentationml/2006/main" showMasterSp="0" showMasterPhAnim="0">
+<p:notes xmlns:a="http://schemas.openxmlformats.org/drawingml/2006/main" xmlns:r="http://schemas.openxmlformats.org/officeDocument/2006/relationships" xmlns:mc="http://schemas.openxmlformats.org/markup-compatibility/2006" xmlns:mv="urn:schemas-microsoft-com:mac:vml" xmlns:p="http://schemas.openxmlformats.org/presentationml/2006/main" xmlns:c="http://schemas.openxmlformats.org/drawingml/2006/chart" xmlns:dgm="http://schemas.openxmlformats.org/drawingml/2006/diagram" xmlns:o="urn:schemas-microsoft-com:office:office" xmlns:v="urn:schemas-microsoft-com:vml" xmlns:pvml="urn:schemas-microsoft-com:office:powerpoint" xmlns:com="http://schemas.openxmlformats.org/drawingml/2006/compatibility" xmlns:p14="http://schemas.microsoft.com/office/powerpoint/2010/main" xmlns:p15="http://schemas.microsoft.com/office/powerpoint/2012/main" showMasterPhAnim="0" showMasterSp="0">
   <p:cSld>
     <p:spTree>
       <p:nvGrpSpPr>
-        <p:cNvPr id="1" name="Shape 158"/>
+        <p:cNvPr id="158" name="Shape 158"/>
         <p:cNvGrpSpPr/>
         <p:nvPr/>
       </p:nvGrpSpPr>
@@ -1211,11 +1158,9 @@
       <p:sp>
         <p:nvSpPr>
           <p:cNvPr id="159" name="Google Shape;159;g81a09b377c_0_105:notes"/>
-          <p:cNvSpPr>
-            <a:spLocks noGrp="1" noRot="1" noChangeAspect="1"/>
-          </p:cNvSpPr>
+          <p:cNvSpPr/>
           <p:nvPr>
-            <p:ph type="sldImg" idx="2"/>
+            <p:ph idx="2" type="sldImg"/>
           </p:nvPr>
         </p:nvSpPr>
         <p:spPr>
@@ -1224,13 +1169,9 @@
             <a:ext cx="6096000" cy="3429000"/>
           </a:xfrm>
           <a:custGeom>
-            <a:avLst/>
-            <a:gdLst/>
-            <a:ahLst/>
-            <a:cxnLst/>
-            <a:rect l="l" t="t" r="r" b="b"/>
+            <a:rect b="b" l="l" r="r" t="t"/>
             <a:pathLst>
-              <a:path w="120000" h="120000" extrusionOk="0">
+              <a:path extrusionOk="0" h="120000" w="120000">
                 <a:moveTo>
                   <a:pt x="0" y="0"/>
                 </a:moveTo>
@@ -1252,11 +1193,9 @@
       <p:sp>
         <p:nvSpPr>
           <p:cNvPr id="160" name="Google Shape;160;g81a09b377c_0_105:notes"/>
-          <p:cNvSpPr txBox="1">
-            <a:spLocks noGrp="1"/>
-          </p:cNvSpPr>
+          <p:cNvSpPr txBox="1"/>
           <p:nvPr>
-            <p:ph type="body" idx="1"/>
+            <p:ph idx="1" type="body"/>
           </p:nvPr>
         </p:nvSpPr>
         <p:spPr>
@@ -1269,12 +1208,12 @@
           </a:prstGeom>
         </p:spPr>
         <p:txBody>
-          <a:bodyPr spcFirstLastPara="1" wrap="square" lIns="91425" tIns="91425" rIns="91425" bIns="91425" anchor="t" anchorCtr="0">
+          <a:bodyPr anchorCtr="0" anchor="t" bIns="91425" lIns="91425" spcFirstLastPara="1" rIns="91425" wrap="square" tIns="91425">
             <a:noAutofit/>
           </a:bodyPr>
           <a:lstStyle/>
           <a:p>
-            <a:pPr marL="0" lvl="0" indent="0" algn="l" rtl="0">
+            <a:pPr indent="0" lvl="0" marL="0" rtl="0" algn="l">
               <a:spcBef>
                 <a:spcPts val="0"/>
               </a:spcBef>
@@ -1300,11 +1239,11 @@
 </file>
 
 <file path=ppt/notesSlides/notesSlide14.xml><?xml version="1.0" encoding="utf-8"?>
-<p:notes xmlns:a="http://schemas.openxmlformats.org/drawingml/2006/main" xmlns:r="http://schemas.openxmlformats.org/officeDocument/2006/relationships" xmlns:p="http://schemas.openxmlformats.org/presentationml/2006/main" showMasterSp="0" showMasterPhAnim="0">
+<p:notes xmlns:a="http://schemas.openxmlformats.org/drawingml/2006/main" xmlns:r="http://schemas.openxmlformats.org/officeDocument/2006/relationships" xmlns:mc="http://schemas.openxmlformats.org/markup-compatibility/2006" xmlns:mv="urn:schemas-microsoft-com:mac:vml" xmlns:p="http://schemas.openxmlformats.org/presentationml/2006/main" xmlns:c="http://schemas.openxmlformats.org/drawingml/2006/chart" xmlns:dgm="http://schemas.openxmlformats.org/drawingml/2006/diagram" xmlns:o="urn:schemas-microsoft-com:office:office" xmlns:v="urn:schemas-microsoft-com:vml" xmlns:pvml="urn:schemas-microsoft-com:office:powerpoint" xmlns:com="http://schemas.openxmlformats.org/drawingml/2006/compatibility" xmlns:p14="http://schemas.microsoft.com/office/powerpoint/2010/main" xmlns:p15="http://schemas.microsoft.com/office/powerpoint/2012/main" showMasterPhAnim="0" showMasterSp="0">
   <p:cSld>
     <p:spTree>
       <p:nvGrpSpPr>
-        <p:cNvPr id="1" name="Shape 163"/>
+        <p:cNvPr id="163" name="Shape 163"/>
         <p:cNvGrpSpPr/>
         <p:nvPr/>
       </p:nvGrpSpPr>
@@ -1319,11 +1258,9 @@
       <p:sp>
         <p:nvSpPr>
           <p:cNvPr id="164" name="Google Shape;164;g81cf36cd94_0_7:notes"/>
-          <p:cNvSpPr>
-            <a:spLocks noGrp="1" noRot="1" noChangeAspect="1"/>
-          </p:cNvSpPr>
+          <p:cNvSpPr/>
           <p:nvPr>
-            <p:ph type="sldImg" idx="2"/>
+            <p:ph idx="2" type="sldImg"/>
           </p:nvPr>
         </p:nvSpPr>
         <p:spPr>
@@ -1332,13 +1269,9 @@
             <a:ext cx="6096000" cy="3429000"/>
           </a:xfrm>
           <a:custGeom>
-            <a:avLst/>
-            <a:gdLst/>
-            <a:ahLst/>
-            <a:cxnLst/>
-            <a:rect l="l" t="t" r="r" b="b"/>
+            <a:rect b="b" l="l" r="r" t="t"/>
             <a:pathLst>
-              <a:path w="120000" h="120000" extrusionOk="0">
+              <a:path extrusionOk="0" h="120000" w="120000">
                 <a:moveTo>
                   <a:pt x="0" y="0"/>
                 </a:moveTo>
@@ -1360,11 +1293,9 @@
       <p:sp>
         <p:nvSpPr>
           <p:cNvPr id="165" name="Google Shape;165;g81cf36cd94_0_7:notes"/>
-          <p:cNvSpPr txBox="1">
-            <a:spLocks noGrp="1"/>
-          </p:cNvSpPr>
+          <p:cNvSpPr txBox="1"/>
           <p:nvPr>
-            <p:ph type="body" idx="1"/>
+            <p:ph idx="1" type="body"/>
           </p:nvPr>
         </p:nvSpPr>
         <p:spPr>
@@ -1377,12 +1308,12 @@
           </a:prstGeom>
         </p:spPr>
         <p:txBody>
-          <a:bodyPr spcFirstLastPara="1" wrap="square" lIns="91425" tIns="91425" rIns="91425" bIns="91425" anchor="t" anchorCtr="0">
+          <a:bodyPr anchorCtr="0" anchor="t" bIns="91425" lIns="91425" spcFirstLastPara="1" rIns="91425" wrap="square" tIns="91425">
             <a:noAutofit/>
           </a:bodyPr>
           <a:lstStyle/>
           <a:p>
-            <a:pPr marL="0" lvl="0" indent="0" algn="l" rtl="0">
+            <a:pPr indent="0" lvl="0" marL="0" rtl="0" algn="l">
               <a:spcBef>
                 <a:spcPts val="0"/>
               </a:spcBef>
@@ -1408,11 +1339,11 @@
 </file>
 
 <file path=ppt/notesSlides/notesSlide15.xml><?xml version="1.0" encoding="utf-8"?>
-<p:notes xmlns:a="http://schemas.openxmlformats.org/drawingml/2006/main" xmlns:r="http://schemas.openxmlformats.org/officeDocument/2006/relationships" xmlns:p="http://schemas.openxmlformats.org/presentationml/2006/main" showMasterSp="0" showMasterPhAnim="0">
+<p:notes xmlns:a="http://schemas.openxmlformats.org/drawingml/2006/main" xmlns:r="http://schemas.openxmlformats.org/officeDocument/2006/relationships" xmlns:mc="http://schemas.openxmlformats.org/markup-compatibility/2006" xmlns:mv="urn:schemas-microsoft-com:mac:vml" xmlns:p="http://schemas.openxmlformats.org/presentationml/2006/main" xmlns:c="http://schemas.openxmlformats.org/drawingml/2006/chart" xmlns:dgm="http://schemas.openxmlformats.org/drawingml/2006/diagram" xmlns:o="urn:schemas-microsoft-com:office:office" xmlns:v="urn:schemas-microsoft-com:vml" xmlns:pvml="urn:schemas-microsoft-com:office:powerpoint" xmlns:com="http://schemas.openxmlformats.org/drawingml/2006/compatibility" xmlns:p14="http://schemas.microsoft.com/office/powerpoint/2010/main" xmlns:p15="http://schemas.microsoft.com/office/powerpoint/2012/main" showMasterPhAnim="0" showMasterSp="0">
   <p:cSld>
     <p:spTree>
       <p:nvGrpSpPr>
-        <p:cNvPr id="1" name="Shape 170"/>
+        <p:cNvPr id="170" name="Shape 170"/>
         <p:cNvGrpSpPr/>
         <p:nvPr/>
       </p:nvGrpSpPr>
@@ -1427,11 +1358,9 @@
       <p:sp>
         <p:nvSpPr>
           <p:cNvPr id="171" name="Google Shape;171;g81cf36cd94_0_13:notes"/>
-          <p:cNvSpPr>
-            <a:spLocks noGrp="1" noRot="1" noChangeAspect="1"/>
-          </p:cNvSpPr>
+          <p:cNvSpPr/>
           <p:nvPr>
-            <p:ph type="sldImg" idx="2"/>
+            <p:ph idx="2" type="sldImg"/>
           </p:nvPr>
         </p:nvSpPr>
         <p:spPr>
@@ -1440,13 +1369,9 @@
             <a:ext cx="6096000" cy="3429000"/>
           </a:xfrm>
           <a:custGeom>
-            <a:avLst/>
-            <a:gdLst/>
-            <a:ahLst/>
-            <a:cxnLst/>
-            <a:rect l="l" t="t" r="r" b="b"/>
+            <a:rect b="b" l="l" r="r" t="t"/>
             <a:pathLst>
-              <a:path w="120000" h="120000" extrusionOk="0">
+              <a:path extrusionOk="0" h="120000" w="120000">
                 <a:moveTo>
                   <a:pt x="0" y="0"/>
                 </a:moveTo>
@@ -1468,11 +1393,9 @@
       <p:sp>
         <p:nvSpPr>
           <p:cNvPr id="172" name="Google Shape;172;g81cf36cd94_0_13:notes"/>
-          <p:cNvSpPr txBox="1">
-            <a:spLocks noGrp="1"/>
-          </p:cNvSpPr>
+          <p:cNvSpPr txBox="1"/>
           <p:nvPr>
-            <p:ph type="body" idx="1"/>
+            <p:ph idx="1" type="body"/>
           </p:nvPr>
         </p:nvSpPr>
         <p:spPr>
@@ -1485,12 +1408,12 @@
           </a:prstGeom>
         </p:spPr>
         <p:txBody>
-          <a:bodyPr spcFirstLastPara="1" wrap="square" lIns="91425" tIns="91425" rIns="91425" bIns="91425" anchor="t" anchorCtr="0">
+          <a:bodyPr anchorCtr="0" anchor="t" bIns="91425" lIns="91425" spcFirstLastPara="1" rIns="91425" wrap="square" tIns="91425">
             <a:noAutofit/>
           </a:bodyPr>
           <a:lstStyle/>
           <a:p>
-            <a:pPr marL="0" lvl="0" indent="0" algn="l" rtl="0">
+            <a:pPr indent="0" lvl="0" marL="0" rtl="0" algn="l">
               <a:spcBef>
                 <a:spcPts val="0"/>
               </a:spcBef>
@@ -1516,11 +1439,11 @@
 </file>
 
 <file path=ppt/notesSlides/notesSlide16.xml><?xml version="1.0" encoding="utf-8"?>
-<p:notes xmlns:a="http://schemas.openxmlformats.org/drawingml/2006/main" xmlns:r="http://schemas.openxmlformats.org/officeDocument/2006/relationships" xmlns:p="http://schemas.openxmlformats.org/presentationml/2006/main" showMasterSp="0" showMasterPhAnim="0">
+<p:notes xmlns:a="http://schemas.openxmlformats.org/drawingml/2006/main" xmlns:r="http://schemas.openxmlformats.org/officeDocument/2006/relationships" xmlns:mc="http://schemas.openxmlformats.org/markup-compatibility/2006" xmlns:mv="urn:schemas-microsoft-com:mac:vml" xmlns:p="http://schemas.openxmlformats.org/presentationml/2006/main" xmlns:c="http://schemas.openxmlformats.org/drawingml/2006/chart" xmlns:dgm="http://schemas.openxmlformats.org/drawingml/2006/diagram" xmlns:o="urn:schemas-microsoft-com:office:office" xmlns:v="urn:schemas-microsoft-com:vml" xmlns:pvml="urn:schemas-microsoft-com:office:powerpoint" xmlns:com="http://schemas.openxmlformats.org/drawingml/2006/compatibility" xmlns:p14="http://schemas.microsoft.com/office/powerpoint/2010/main" xmlns:p15="http://schemas.microsoft.com/office/powerpoint/2012/main" showMasterPhAnim="0" showMasterSp="0">
   <p:cSld>
     <p:spTree>
       <p:nvGrpSpPr>
-        <p:cNvPr id="1" name="Shape 177"/>
+        <p:cNvPr id="177" name="Shape 177"/>
         <p:cNvGrpSpPr/>
         <p:nvPr/>
       </p:nvGrpSpPr>
@@ -1535,11 +1458,9 @@
       <p:sp>
         <p:nvSpPr>
           <p:cNvPr id="178" name="Google Shape;178;g82576ef0c5_0_57:notes"/>
-          <p:cNvSpPr>
-            <a:spLocks noGrp="1" noRot="1" noChangeAspect="1"/>
-          </p:cNvSpPr>
+          <p:cNvSpPr/>
           <p:nvPr>
-            <p:ph type="sldImg" idx="2"/>
+            <p:ph idx="2" type="sldImg"/>
           </p:nvPr>
         </p:nvSpPr>
         <p:spPr>
@@ -1548,13 +1469,9 @@
             <a:ext cx="6096000" cy="3429000"/>
           </a:xfrm>
           <a:custGeom>
-            <a:avLst/>
-            <a:gdLst/>
-            <a:ahLst/>
-            <a:cxnLst/>
-            <a:rect l="l" t="t" r="r" b="b"/>
+            <a:rect b="b" l="l" r="r" t="t"/>
             <a:pathLst>
-              <a:path w="120000" h="120000" extrusionOk="0">
+              <a:path extrusionOk="0" h="120000" w="120000">
                 <a:moveTo>
                   <a:pt x="0" y="0"/>
                 </a:moveTo>
@@ -1576,11 +1493,9 @@
       <p:sp>
         <p:nvSpPr>
           <p:cNvPr id="179" name="Google Shape;179;g82576ef0c5_0_57:notes"/>
-          <p:cNvSpPr txBox="1">
-            <a:spLocks noGrp="1"/>
-          </p:cNvSpPr>
+          <p:cNvSpPr txBox="1"/>
           <p:nvPr>
-            <p:ph type="body" idx="1"/>
+            <p:ph idx="1" type="body"/>
           </p:nvPr>
         </p:nvSpPr>
         <p:spPr>
@@ -1593,12 +1508,12 @@
           </a:prstGeom>
         </p:spPr>
         <p:txBody>
-          <a:bodyPr spcFirstLastPara="1" wrap="square" lIns="91425" tIns="91425" rIns="91425" bIns="91425" anchor="t" anchorCtr="0">
+          <a:bodyPr anchorCtr="0" anchor="t" bIns="91425" lIns="91425" spcFirstLastPara="1" rIns="91425" wrap="square" tIns="91425">
             <a:noAutofit/>
           </a:bodyPr>
           <a:lstStyle/>
           <a:p>
-            <a:pPr marL="0" lvl="0" indent="0" algn="l" rtl="0">
+            <a:pPr indent="0" lvl="0" marL="0" rtl="0" algn="l">
               <a:spcBef>
                 <a:spcPts val="0"/>
               </a:spcBef>
@@ -1614,19 +1529,22 @@
             <a:endParaRPr/>
           </a:p>
           <a:p>
-            <a:pPr marL="0" lvl="0" indent="0" algn="l" rtl="0">
-              <a:spcBef>
-                <a:spcPts val="0"/>
-              </a:spcBef>
-              <a:spcAft>
-                <a:spcPts val="0"/>
-              </a:spcAft>
-              <a:buNone/>
-            </a:pPr>
+            <a:pPr indent="0" lvl="0" marL="0" rtl="0" algn="l">
+              <a:spcBef>
+                <a:spcPts val="0"/>
+              </a:spcBef>
+              <a:spcAft>
+                <a:spcPts val="0"/>
+              </a:spcAft>
+              <a:buNone/>
+            </a:pPr>
+            <a:r>
+              <a:t/>
+            </a:r>
             <a:endParaRPr/>
           </a:p>
           <a:p>
-            <a:pPr marL="0" lvl="0" indent="0" algn="l" rtl="0">
+            <a:pPr indent="0" lvl="0" marL="0" rtl="0" algn="l">
               <a:spcBef>
                 <a:spcPts val="0"/>
               </a:spcBef>
@@ -1652,11 +1570,11 @@
 </file>
 
 <file path=ppt/notesSlides/notesSlide17.xml><?xml version="1.0" encoding="utf-8"?>
-<p:notes xmlns:a="http://schemas.openxmlformats.org/drawingml/2006/main" xmlns:r="http://schemas.openxmlformats.org/officeDocument/2006/relationships" xmlns:p="http://schemas.openxmlformats.org/presentationml/2006/main" showMasterSp="0" showMasterPhAnim="0">
+<p:notes xmlns:a="http://schemas.openxmlformats.org/drawingml/2006/main" xmlns:r="http://schemas.openxmlformats.org/officeDocument/2006/relationships" xmlns:mc="http://schemas.openxmlformats.org/markup-compatibility/2006" xmlns:mv="urn:schemas-microsoft-com:mac:vml" xmlns:p="http://schemas.openxmlformats.org/presentationml/2006/main" xmlns:c="http://schemas.openxmlformats.org/drawingml/2006/chart" xmlns:dgm="http://schemas.openxmlformats.org/drawingml/2006/diagram" xmlns:o="urn:schemas-microsoft-com:office:office" xmlns:v="urn:schemas-microsoft-com:vml" xmlns:pvml="urn:schemas-microsoft-com:office:powerpoint" xmlns:com="http://schemas.openxmlformats.org/drawingml/2006/compatibility" xmlns:p14="http://schemas.microsoft.com/office/powerpoint/2010/main" xmlns:p15="http://schemas.microsoft.com/office/powerpoint/2012/main" showMasterPhAnim="0" showMasterSp="0">
   <p:cSld>
     <p:spTree>
       <p:nvGrpSpPr>
-        <p:cNvPr id="1" name="Shape 184"/>
+        <p:cNvPr id="184" name="Shape 184"/>
         <p:cNvGrpSpPr/>
         <p:nvPr/>
       </p:nvGrpSpPr>
@@ -1671,26 +1589,20 @@
       <p:sp>
         <p:nvSpPr>
           <p:cNvPr id="185" name="Google Shape;185;g81cf36cd94_0_25:notes"/>
-          <p:cNvSpPr>
-            <a:spLocks noGrp="1" noRot="1" noChangeAspect="1"/>
-          </p:cNvSpPr>
+          <p:cNvSpPr/>
           <p:nvPr>
-            <p:ph type="sldImg" idx="2"/>
+            <p:ph idx="2" type="sldImg"/>
           </p:nvPr>
         </p:nvSpPr>
         <p:spPr>
           <a:xfrm>
-            <a:off x="381000" y="685800"/>
+            <a:off x="381300" y="685800"/>
             <a:ext cx="6096000" cy="3429000"/>
           </a:xfrm>
           <a:custGeom>
-            <a:avLst/>
-            <a:gdLst/>
-            <a:ahLst/>
-            <a:cxnLst/>
-            <a:rect l="l" t="t" r="r" b="b"/>
+            <a:rect b="b" l="l" r="r" t="t"/>
             <a:pathLst>
-              <a:path w="120000" h="120000" extrusionOk="0">
+              <a:path extrusionOk="0" h="120000" w="120000">
                 <a:moveTo>
                   <a:pt x="0" y="0"/>
                 </a:moveTo>
@@ -1712,11 +1624,9 @@
       <p:sp>
         <p:nvSpPr>
           <p:cNvPr id="186" name="Google Shape;186;g81cf36cd94_0_25:notes"/>
-          <p:cNvSpPr txBox="1">
-            <a:spLocks noGrp="1"/>
-          </p:cNvSpPr>
+          <p:cNvSpPr txBox="1"/>
           <p:nvPr>
-            <p:ph type="body" idx="1"/>
+            <p:ph idx="1" type="body"/>
           </p:nvPr>
         </p:nvSpPr>
         <p:spPr>
@@ -1729,25 +1639,58 @@
           </a:prstGeom>
         </p:spPr>
         <p:txBody>
-          <a:bodyPr spcFirstLastPara="1" wrap="square" lIns="91425" tIns="91425" rIns="91425" bIns="91425" anchor="t" anchorCtr="0">
+          <a:bodyPr anchorCtr="0" anchor="t" bIns="91425" lIns="91425" spcFirstLastPara="1" rIns="91425" wrap="square" tIns="91425">
             <a:noAutofit/>
           </a:bodyPr>
           <a:lstStyle/>
           <a:p>
-            <a:pPr marL="0" lvl="0" indent="0" algn="l" rtl="0">
-              <a:spcBef>
-                <a:spcPts val="0"/>
-              </a:spcBef>
-              <a:spcAft>
-                <a:spcPts val="0"/>
-              </a:spcAft>
-              <a:buNone/>
-            </a:pPr>
-            <a:r>
-              <a:rPr lang="en" dirty="0"/>
+            <a:pPr indent="0" lvl="0" marL="0" rtl="0" algn="l">
+              <a:spcBef>
+                <a:spcPts val="0"/>
+              </a:spcBef>
+              <a:spcAft>
+                <a:spcPts val="0"/>
+              </a:spcAft>
+              <a:buNone/>
+            </a:pPr>
+            <a:r>
+              <a:rPr lang="en"/>
               <a:t>Abby</a:t>
             </a:r>
-            <a:endParaRPr dirty="0"/>
+            <a:endParaRPr/>
+          </a:p>
+          <a:p>
+            <a:pPr indent="0" lvl="0" marL="0" rtl="0" algn="l">
+              <a:spcBef>
+                <a:spcPts val="0"/>
+              </a:spcBef>
+              <a:spcAft>
+                <a:spcPts val="0"/>
+              </a:spcAft>
+              <a:buNone/>
+            </a:pPr>
+            <a:r>
+              <a:rPr lang="en"/>
+              <a:t>My question is </a:t>
+            </a:r>
+            <a:r>
+              <a:rPr lang="en">
+                <a:latin typeface="Lato"/>
+                <a:ea typeface="Lato"/>
+                <a:cs typeface="Lato"/>
+                <a:sym typeface="Lato"/>
+              </a:rPr>
+              <a:t>What regions sold the most avocados?</a:t>
+            </a:r>
+            <a:r>
+              <a:rPr lang="en"/>
+              <a:t> </a:t>
+            </a:r>
+            <a:r>
+              <a:rPr lang="en"/>
+              <a:t>The dataset includes avocado prices by city and region. Some of the cities have unclear boundaries, so I use the regions for the analysis. Here are the regions use in the data. </a:t>
+            </a:r>
+            <a:endParaRPr/>
           </a:p>
         </p:txBody>
       </p:sp>
@@ -1760,11 +1703,11 @@
 </file>
 
 <file path=ppt/notesSlides/notesSlide18.xml><?xml version="1.0" encoding="utf-8"?>
-<p:notes xmlns:a="http://schemas.openxmlformats.org/drawingml/2006/main" xmlns:r="http://schemas.openxmlformats.org/officeDocument/2006/relationships" xmlns:p="http://schemas.openxmlformats.org/presentationml/2006/main" showMasterSp="0" showMasterPhAnim="0">
+<p:notes xmlns:a="http://schemas.openxmlformats.org/drawingml/2006/main" xmlns:r="http://schemas.openxmlformats.org/officeDocument/2006/relationships" xmlns:mc="http://schemas.openxmlformats.org/markup-compatibility/2006" xmlns:mv="urn:schemas-microsoft-com:mac:vml" xmlns:p="http://schemas.openxmlformats.org/presentationml/2006/main" xmlns:c="http://schemas.openxmlformats.org/drawingml/2006/chart" xmlns:dgm="http://schemas.openxmlformats.org/drawingml/2006/diagram" xmlns:o="urn:schemas-microsoft-com:office:office" xmlns:v="urn:schemas-microsoft-com:vml" xmlns:pvml="urn:schemas-microsoft-com:office:powerpoint" xmlns:com="http://schemas.openxmlformats.org/drawingml/2006/compatibility" xmlns:p14="http://schemas.microsoft.com/office/powerpoint/2010/main" xmlns:p15="http://schemas.microsoft.com/office/powerpoint/2012/main" showMasterPhAnim="0" showMasterSp="0">
   <p:cSld>
     <p:spTree>
       <p:nvGrpSpPr>
-        <p:cNvPr id="1" name="Shape 197"/>
+        <p:cNvPr id="197" name="Shape 197"/>
         <p:cNvGrpSpPr/>
         <p:nvPr/>
       </p:nvGrpSpPr>
@@ -1779,26 +1722,20 @@
       <p:sp>
         <p:nvSpPr>
           <p:cNvPr id="198" name="Google Shape;198;g81cf36cd94_0_38:notes"/>
-          <p:cNvSpPr>
-            <a:spLocks noGrp="1" noRot="1" noChangeAspect="1"/>
-          </p:cNvSpPr>
+          <p:cNvSpPr/>
           <p:nvPr>
-            <p:ph type="sldImg" idx="2"/>
+            <p:ph idx="2" type="sldImg"/>
           </p:nvPr>
         </p:nvSpPr>
         <p:spPr>
           <a:xfrm>
-            <a:off x="381000" y="685800"/>
+            <a:off x="381300" y="685800"/>
             <a:ext cx="6096000" cy="3429000"/>
           </a:xfrm>
           <a:custGeom>
-            <a:avLst/>
-            <a:gdLst/>
-            <a:ahLst/>
-            <a:cxnLst/>
-            <a:rect l="l" t="t" r="r" b="b"/>
+            <a:rect b="b" l="l" r="r" t="t"/>
             <a:pathLst>
-              <a:path w="120000" h="120000" extrusionOk="0">
+              <a:path extrusionOk="0" h="120000" w="120000">
                 <a:moveTo>
                   <a:pt x="0" y="0"/>
                 </a:moveTo>
@@ -1820,11 +1757,9 @@
       <p:sp>
         <p:nvSpPr>
           <p:cNvPr id="199" name="Google Shape;199;g81cf36cd94_0_38:notes"/>
-          <p:cNvSpPr txBox="1">
-            <a:spLocks noGrp="1"/>
-          </p:cNvSpPr>
+          <p:cNvSpPr txBox="1"/>
           <p:nvPr>
-            <p:ph type="body" idx="1"/>
+            <p:ph idx="1" type="body"/>
           </p:nvPr>
         </p:nvSpPr>
         <p:spPr>
@@ -1837,25 +1772,56 @@
           </a:prstGeom>
         </p:spPr>
         <p:txBody>
-          <a:bodyPr spcFirstLastPara="1" wrap="square" lIns="91425" tIns="91425" rIns="91425" bIns="91425" anchor="t" anchorCtr="0">
+          <a:bodyPr anchorCtr="0" anchor="t" bIns="91425" lIns="91425" spcFirstLastPara="1" rIns="91425" wrap="square" tIns="91425">
             <a:noAutofit/>
           </a:bodyPr>
           <a:lstStyle/>
           <a:p>
-            <a:pPr marL="0" lvl="0" indent="0" algn="l" rtl="0">
-              <a:spcBef>
-                <a:spcPts val="0"/>
-              </a:spcBef>
-              <a:spcAft>
-                <a:spcPts val="0"/>
-              </a:spcAft>
-              <a:buNone/>
-            </a:pPr>
-            <a:r>
-              <a:rPr lang="en" dirty="0"/>
+            <a:pPr indent="0" lvl="0" marL="0" rtl="0" algn="l">
+              <a:spcBef>
+                <a:spcPts val="0"/>
+              </a:spcBef>
+              <a:spcAft>
+                <a:spcPts val="0"/>
+              </a:spcAft>
+              <a:buNone/>
+            </a:pPr>
+            <a:r>
+              <a:rPr lang="en"/>
               <a:t>Abby</a:t>
             </a:r>
-            <a:endParaRPr dirty="0"/>
+            <a:endParaRPr/>
+          </a:p>
+          <a:p>
+            <a:pPr indent="0" lvl="0" marL="0" rtl="0" algn="l">
+              <a:spcBef>
+                <a:spcPts val="0"/>
+              </a:spcBef>
+              <a:spcAft>
+                <a:spcPts val="0"/>
+              </a:spcAft>
+              <a:buNone/>
+            </a:pPr>
+            <a:r>
+              <a:rPr lang="en"/>
+              <a:t>It’s obvious that West, CA, and southcentral are top 3 regions for selling avocados.  In the beginning, I wasn’t thinking of using cesus population data at all, but I did. It turned out it didn’t affect the top 3 regions, but it did change bottom few a lot, such as, plains and northeast. </a:t>
+            </a:r>
+            <a:endParaRPr/>
+          </a:p>
+          <a:p>
+            <a:pPr indent="0" lvl="0" marL="0" rtl="0" algn="l">
+              <a:spcBef>
+                <a:spcPts val="0"/>
+              </a:spcBef>
+              <a:spcAft>
+                <a:spcPts val="0"/>
+              </a:spcAft>
+              <a:buNone/>
+            </a:pPr>
+            <a:r>
+              <a:t/>
+            </a:r>
+            <a:endParaRPr/>
           </a:p>
         </p:txBody>
       </p:sp>
@@ -1868,11 +1834,11 @@
 </file>
 
 <file path=ppt/notesSlides/notesSlide19.xml><?xml version="1.0" encoding="utf-8"?>
-<p:notes xmlns:a="http://schemas.openxmlformats.org/drawingml/2006/main" xmlns:r="http://schemas.openxmlformats.org/officeDocument/2006/relationships" xmlns:p="http://schemas.openxmlformats.org/presentationml/2006/main" showMasterSp="0" showMasterPhAnim="0">
+<p:notes xmlns:a="http://schemas.openxmlformats.org/drawingml/2006/main" xmlns:r="http://schemas.openxmlformats.org/officeDocument/2006/relationships" xmlns:mc="http://schemas.openxmlformats.org/markup-compatibility/2006" xmlns:mv="urn:schemas-microsoft-com:mac:vml" xmlns:p="http://schemas.openxmlformats.org/presentationml/2006/main" xmlns:c="http://schemas.openxmlformats.org/drawingml/2006/chart" xmlns:dgm="http://schemas.openxmlformats.org/drawingml/2006/diagram" xmlns:o="urn:schemas-microsoft-com:office:office" xmlns:v="urn:schemas-microsoft-com:vml" xmlns:pvml="urn:schemas-microsoft-com:office:powerpoint" xmlns:com="http://schemas.openxmlformats.org/drawingml/2006/compatibility" xmlns:p14="http://schemas.microsoft.com/office/powerpoint/2010/main" xmlns:p15="http://schemas.microsoft.com/office/powerpoint/2012/main" showMasterPhAnim="0" showMasterSp="0">
   <p:cSld>
     <p:spTree>
       <p:nvGrpSpPr>
-        <p:cNvPr id="1" name="Shape 205"/>
+        <p:cNvPr id="205" name="Shape 205"/>
         <p:cNvGrpSpPr/>
         <p:nvPr/>
       </p:nvGrpSpPr>
@@ -1887,26 +1853,20 @@
       <p:sp>
         <p:nvSpPr>
           <p:cNvPr id="206" name="Google Shape;206;g81cf36cd94_0_19:notes"/>
-          <p:cNvSpPr>
-            <a:spLocks noGrp="1" noRot="1" noChangeAspect="1"/>
-          </p:cNvSpPr>
+          <p:cNvSpPr/>
           <p:nvPr>
-            <p:ph type="sldImg" idx="2"/>
+            <p:ph idx="2" type="sldImg"/>
           </p:nvPr>
         </p:nvSpPr>
         <p:spPr>
           <a:xfrm>
-            <a:off x="381000" y="685800"/>
+            <a:off x="381300" y="685800"/>
             <a:ext cx="6096000" cy="3429000"/>
           </a:xfrm>
           <a:custGeom>
-            <a:avLst/>
-            <a:gdLst/>
-            <a:ahLst/>
-            <a:cxnLst/>
-            <a:rect l="l" t="t" r="r" b="b"/>
+            <a:rect b="b" l="l" r="r" t="t"/>
             <a:pathLst>
-              <a:path w="120000" h="120000" extrusionOk="0">
+              <a:path extrusionOk="0" h="120000" w="120000">
                 <a:moveTo>
                   <a:pt x="0" y="0"/>
                 </a:moveTo>
@@ -1928,11 +1888,9 @@
       <p:sp>
         <p:nvSpPr>
           <p:cNvPr id="207" name="Google Shape;207;g81cf36cd94_0_19:notes"/>
-          <p:cNvSpPr txBox="1">
-            <a:spLocks noGrp="1"/>
-          </p:cNvSpPr>
+          <p:cNvSpPr txBox="1"/>
           <p:nvPr>
-            <p:ph type="body" idx="1"/>
+            <p:ph idx="1" type="body"/>
           </p:nvPr>
         </p:nvSpPr>
         <p:spPr>
@@ -1945,25 +1903,41 @@
           </a:prstGeom>
         </p:spPr>
         <p:txBody>
-          <a:bodyPr spcFirstLastPara="1" wrap="square" lIns="91425" tIns="91425" rIns="91425" bIns="91425" anchor="t" anchorCtr="0">
+          <a:bodyPr anchorCtr="0" anchor="t" bIns="91425" lIns="91425" spcFirstLastPara="1" rIns="91425" wrap="square" tIns="91425">
             <a:noAutofit/>
           </a:bodyPr>
           <a:lstStyle/>
           <a:p>
-            <a:pPr marL="0" lvl="0" indent="0" algn="l" rtl="0">
-              <a:spcBef>
-                <a:spcPts val="0"/>
-              </a:spcBef>
-              <a:spcAft>
-                <a:spcPts val="0"/>
-              </a:spcAft>
-              <a:buNone/>
-            </a:pPr>
-            <a:r>
-              <a:rPr lang="en" dirty="0"/>
+            <a:pPr indent="0" lvl="0" marL="0" rtl="0" algn="l">
+              <a:spcBef>
+                <a:spcPts val="0"/>
+              </a:spcBef>
+              <a:spcAft>
+                <a:spcPts val="0"/>
+              </a:spcAft>
+              <a:buNone/>
+            </a:pPr>
+            <a:r>
+              <a:rPr lang="en"/>
               <a:t>Abby</a:t>
             </a:r>
-            <a:endParaRPr dirty="0"/>
+            <a:endParaRPr/>
+          </a:p>
+          <a:p>
+            <a:pPr indent="0" lvl="0" marL="0" rtl="0" algn="l">
+              <a:spcBef>
+                <a:spcPts val="0"/>
+              </a:spcBef>
+              <a:spcAft>
+                <a:spcPts val="0"/>
+              </a:spcAft>
+              <a:buNone/>
+            </a:pPr>
+            <a:r>
+              <a:rPr lang="en"/>
+              <a:t>For this one, I just want to share everyone that many of the cities in the data isn’t really clearly defined, like…...Westtexnewmaxcio is listed as a single city. So here I can do it’s combined the all years data and compared which one place bought the most avocado. </a:t>
+            </a:r>
+            <a:endParaRPr/>
           </a:p>
         </p:txBody>
       </p:sp>
@@ -1976,11 +1950,11 @@
 </file>
 
 <file path=ppt/notesSlides/notesSlide2.xml><?xml version="1.0" encoding="utf-8"?>
-<p:notes xmlns:a="http://schemas.openxmlformats.org/drawingml/2006/main" xmlns:r="http://schemas.openxmlformats.org/officeDocument/2006/relationships" xmlns:p="http://schemas.openxmlformats.org/presentationml/2006/main" showMasterSp="0" showMasterPhAnim="0">
+<p:notes xmlns:a="http://schemas.openxmlformats.org/drawingml/2006/main" xmlns:r="http://schemas.openxmlformats.org/officeDocument/2006/relationships" xmlns:mc="http://schemas.openxmlformats.org/markup-compatibility/2006" xmlns:mv="urn:schemas-microsoft-com:mac:vml" xmlns:p="http://schemas.openxmlformats.org/presentationml/2006/main" xmlns:c="http://schemas.openxmlformats.org/drawingml/2006/chart" xmlns:dgm="http://schemas.openxmlformats.org/drawingml/2006/diagram" xmlns:o="urn:schemas-microsoft-com:office:office" xmlns:v="urn:schemas-microsoft-com:vml" xmlns:pvml="urn:schemas-microsoft-com:office:powerpoint" xmlns:com="http://schemas.openxmlformats.org/drawingml/2006/compatibility" xmlns:p14="http://schemas.microsoft.com/office/powerpoint/2010/main" xmlns:p15="http://schemas.microsoft.com/office/powerpoint/2012/main" showMasterPhAnim="0" showMasterSp="0">
   <p:cSld>
     <p:spTree>
       <p:nvGrpSpPr>
-        <p:cNvPr id="1" name="Shape 88"/>
+        <p:cNvPr id="88" name="Shape 88"/>
         <p:cNvGrpSpPr/>
         <p:nvPr/>
       </p:nvGrpSpPr>
@@ -1995,11 +1969,9 @@
       <p:sp>
         <p:nvSpPr>
           <p:cNvPr id="89" name="Google Shape;89;g81c5847872_1_0:notes"/>
-          <p:cNvSpPr>
-            <a:spLocks noGrp="1" noRot="1" noChangeAspect="1"/>
-          </p:cNvSpPr>
+          <p:cNvSpPr/>
           <p:nvPr>
-            <p:ph type="sldImg" idx="2"/>
+            <p:ph idx="2" type="sldImg"/>
           </p:nvPr>
         </p:nvSpPr>
         <p:spPr>
@@ -2008,13 +1980,9 @@
             <a:ext cx="6096000" cy="3429000"/>
           </a:xfrm>
           <a:custGeom>
-            <a:avLst/>
-            <a:gdLst/>
-            <a:ahLst/>
-            <a:cxnLst/>
-            <a:rect l="l" t="t" r="r" b="b"/>
+            <a:rect b="b" l="l" r="r" t="t"/>
             <a:pathLst>
-              <a:path w="120000" h="120000" extrusionOk="0">
+              <a:path extrusionOk="0" h="120000" w="120000">
                 <a:moveTo>
                   <a:pt x="0" y="0"/>
                 </a:moveTo>
@@ -2036,11 +2004,9 @@
       <p:sp>
         <p:nvSpPr>
           <p:cNvPr id="90" name="Google Shape;90;g81c5847872_1_0:notes"/>
-          <p:cNvSpPr txBox="1">
-            <a:spLocks noGrp="1"/>
-          </p:cNvSpPr>
+          <p:cNvSpPr txBox="1"/>
           <p:nvPr>
-            <p:ph type="body" idx="1"/>
+            <p:ph idx="1" type="body"/>
           </p:nvPr>
         </p:nvSpPr>
         <p:spPr>
@@ -2053,12 +2019,12 @@
           </a:prstGeom>
         </p:spPr>
         <p:txBody>
-          <a:bodyPr spcFirstLastPara="1" wrap="square" lIns="91425" tIns="91425" rIns="91425" bIns="91425" anchor="t" anchorCtr="0">
+          <a:bodyPr anchorCtr="0" anchor="t" bIns="91425" lIns="91425" spcFirstLastPara="1" rIns="91425" wrap="square" tIns="91425">
             <a:noAutofit/>
           </a:bodyPr>
           <a:lstStyle/>
           <a:p>
-            <a:pPr marL="0" lvl="0" indent="0" algn="l" rtl="0">
+            <a:pPr indent="0" lvl="0" marL="0" rtl="0" algn="l">
               <a:spcBef>
                 <a:spcPts val="0"/>
               </a:spcBef>
@@ -2084,11 +2050,11 @@
 </file>
 
 <file path=ppt/notesSlides/notesSlide20.xml><?xml version="1.0" encoding="utf-8"?>
-<p:notes xmlns:a="http://schemas.openxmlformats.org/drawingml/2006/main" xmlns:r="http://schemas.openxmlformats.org/officeDocument/2006/relationships" xmlns:p="http://schemas.openxmlformats.org/presentationml/2006/main" showMasterSp="0" showMasterPhAnim="0">
+<p:notes xmlns:a="http://schemas.openxmlformats.org/drawingml/2006/main" xmlns:r="http://schemas.openxmlformats.org/officeDocument/2006/relationships" xmlns:mc="http://schemas.openxmlformats.org/markup-compatibility/2006" xmlns:mv="urn:schemas-microsoft-com:mac:vml" xmlns:p="http://schemas.openxmlformats.org/presentationml/2006/main" xmlns:c="http://schemas.openxmlformats.org/drawingml/2006/chart" xmlns:dgm="http://schemas.openxmlformats.org/drawingml/2006/diagram" xmlns:o="urn:schemas-microsoft-com:office:office" xmlns:v="urn:schemas-microsoft-com:vml" xmlns:pvml="urn:schemas-microsoft-com:office:powerpoint" xmlns:com="http://schemas.openxmlformats.org/drawingml/2006/compatibility" xmlns:p14="http://schemas.microsoft.com/office/powerpoint/2010/main" xmlns:p15="http://schemas.microsoft.com/office/powerpoint/2012/main" showMasterPhAnim="0" showMasterSp="0">
   <p:cSld>
     <p:spTree>
       <p:nvGrpSpPr>
-        <p:cNvPr id="1" name="Shape 212"/>
+        <p:cNvPr id="212" name="Shape 212"/>
         <p:cNvGrpSpPr/>
         <p:nvPr/>
       </p:nvGrpSpPr>
@@ -2103,11 +2069,9 @@
       <p:sp>
         <p:nvSpPr>
           <p:cNvPr id="213" name="Google Shape;213;g81c5847872_1_35:notes"/>
-          <p:cNvSpPr>
-            <a:spLocks noGrp="1" noRot="1" noChangeAspect="1"/>
-          </p:cNvSpPr>
+          <p:cNvSpPr/>
           <p:nvPr>
-            <p:ph type="sldImg" idx="2"/>
+            <p:ph idx="2" type="sldImg"/>
           </p:nvPr>
         </p:nvSpPr>
         <p:spPr>
@@ -2116,13 +2080,9 @@
             <a:ext cx="6096000" cy="3429000"/>
           </a:xfrm>
           <a:custGeom>
-            <a:avLst/>
-            <a:gdLst/>
-            <a:ahLst/>
-            <a:cxnLst/>
-            <a:rect l="l" t="t" r="r" b="b"/>
+            <a:rect b="b" l="l" r="r" t="t"/>
             <a:pathLst>
-              <a:path w="120000" h="120000" extrusionOk="0">
+              <a:path extrusionOk="0" h="120000" w="120000">
                 <a:moveTo>
                   <a:pt x="0" y="0"/>
                 </a:moveTo>
@@ -2144,11 +2104,9 @@
       <p:sp>
         <p:nvSpPr>
           <p:cNvPr id="214" name="Google Shape;214;g81c5847872_1_35:notes"/>
-          <p:cNvSpPr txBox="1">
-            <a:spLocks noGrp="1"/>
-          </p:cNvSpPr>
+          <p:cNvSpPr txBox="1"/>
           <p:nvPr>
-            <p:ph type="body" idx="1"/>
+            <p:ph idx="1" type="body"/>
           </p:nvPr>
         </p:nvSpPr>
         <p:spPr>
@@ -2161,12 +2119,12 @@
           </a:prstGeom>
         </p:spPr>
         <p:txBody>
-          <a:bodyPr spcFirstLastPara="1" wrap="square" lIns="91425" tIns="91425" rIns="91425" bIns="91425" anchor="t" anchorCtr="0">
+          <a:bodyPr anchorCtr="0" anchor="t" bIns="91425" lIns="91425" spcFirstLastPara="1" rIns="91425" wrap="square" tIns="91425">
             <a:noAutofit/>
           </a:bodyPr>
           <a:lstStyle/>
           <a:p>
-            <a:pPr marL="0" lvl="0" indent="0" algn="l" rtl="0">
+            <a:pPr indent="0" lvl="0" marL="0" rtl="0" algn="l">
               <a:spcBef>
                 <a:spcPts val="0"/>
               </a:spcBef>
@@ -2192,11 +2150,11 @@
 </file>
 
 <file path=ppt/notesSlides/notesSlide21.xml><?xml version="1.0" encoding="utf-8"?>
-<p:notes xmlns:a="http://schemas.openxmlformats.org/drawingml/2006/main" xmlns:r="http://schemas.openxmlformats.org/officeDocument/2006/relationships" xmlns:p="http://schemas.openxmlformats.org/presentationml/2006/main" showMasterSp="0" showMasterPhAnim="0">
+<p:notes xmlns:a="http://schemas.openxmlformats.org/drawingml/2006/main" xmlns:r="http://schemas.openxmlformats.org/officeDocument/2006/relationships" xmlns:mc="http://schemas.openxmlformats.org/markup-compatibility/2006" xmlns:mv="urn:schemas-microsoft-com:mac:vml" xmlns:p="http://schemas.openxmlformats.org/presentationml/2006/main" xmlns:c="http://schemas.openxmlformats.org/drawingml/2006/chart" xmlns:dgm="http://schemas.openxmlformats.org/drawingml/2006/diagram" xmlns:o="urn:schemas-microsoft-com:office:office" xmlns:v="urn:schemas-microsoft-com:vml" xmlns:pvml="urn:schemas-microsoft-com:office:powerpoint" xmlns:com="http://schemas.openxmlformats.org/drawingml/2006/compatibility" xmlns:p14="http://schemas.microsoft.com/office/powerpoint/2010/main" xmlns:p15="http://schemas.microsoft.com/office/powerpoint/2012/main" showMasterPhAnim="0" showMasterSp="0">
   <p:cSld>
     <p:spTree>
       <p:nvGrpSpPr>
-        <p:cNvPr id="1" name="Shape 219"/>
+        <p:cNvPr id="219" name="Shape 219"/>
         <p:cNvGrpSpPr/>
         <p:nvPr/>
       </p:nvGrpSpPr>
@@ -2211,11 +2169,9 @@
       <p:sp>
         <p:nvSpPr>
           <p:cNvPr id="220" name="Google Shape;220;g81c5847872_1_39:notes"/>
-          <p:cNvSpPr>
-            <a:spLocks noGrp="1" noRot="1" noChangeAspect="1"/>
-          </p:cNvSpPr>
+          <p:cNvSpPr/>
           <p:nvPr>
-            <p:ph type="sldImg" idx="2"/>
+            <p:ph idx="2" type="sldImg"/>
           </p:nvPr>
         </p:nvSpPr>
         <p:spPr>
@@ -2224,13 +2180,9 @@
             <a:ext cx="6096000" cy="3429000"/>
           </a:xfrm>
           <a:custGeom>
-            <a:avLst/>
-            <a:gdLst/>
-            <a:ahLst/>
-            <a:cxnLst/>
-            <a:rect l="l" t="t" r="r" b="b"/>
+            <a:rect b="b" l="l" r="r" t="t"/>
             <a:pathLst>
-              <a:path w="120000" h="120000" extrusionOk="0">
+              <a:path extrusionOk="0" h="120000" w="120000">
                 <a:moveTo>
                   <a:pt x="0" y="0"/>
                 </a:moveTo>
@@ -2252,11 +2204,9 @@
       <p:sp>
         <p:nvSpPr>
           <p:cNvPr id="221" name="Google Shape;221;g81c5847872_1_39:notes"/>
-          <p:cNvSpPr txBox="1">
-            <a:spLocks noGrp="1"/>
-          </p:cNvSpPr>
+          <p:cNvSpPr txBox="1"/>
           <p:nvPr>
-            <p:ph type="body" idx="1"/>
+            <p:ph idx="1" type="body"/>
           </p:nvPr>
         </p:nvSpPr>
         <p:spPr>
@@ -2269,12 +2219,12 @@
           </a:prstGeom>
         </p:spPr>
         <p:txBody>
-          <a:bodyPr spcFirstLastPara="1" wrap="square" lIns="91425" tIns="91425" rIns="91425" bIns="91425" anchor="t" anchorCtr="0">
+          <a:bodyPr anchorCtr="0" anchor="t" bIns="91425" lIns="91425" spcFirstLastPara="1" rIns="91425" wrap="square" tIns="91425">
             <a:noAutofit/>
           </a:bodyPr>
           <a:lstStyle/>
           <a:p>
-            <a:pPr marL="0" lvl="0" indent="0" algn="l" rtl="0">
+            <a:pPr indent="0" lvl="0" marL="0" rtl="0" algn="l">
               <a:spcBef>
                 <a:spcPts val="0"/>
               </a:spcBef>
@@ -2300,11 +2250,11 @@
 </file>
 
 <file path=ppt/notesSlides/notesSlide22.xml><?xml version="1.0" encoding="utf-8"?>
-<p:notes xmlns:a="http://schemas.openxmlformats.org/drawingml/2006/main" xmlns:r="http://schemas.openxmlformats.org/officeDocument/2006/relationships" xmlns:p="http://schemas.openxmlformats.org/presentationml/2006/main" showMasterSp="0" showMasterPhAnim="0">
+<p:notes xmlns:a="http://schemas.openxmlformats.org/drawingml/2006/main" xmlns:r="http://schemas.openxmlformats.org/officeDocument/2006/relationships" xmlns:mc="http://schemas.openxmlformats.org/markup-compatibility/2006" xmlns:mv="urn:schemas-microsoft-com:mac:vml" xmlns:p="http://schemas.openxmlformats.org/presentationml/2006/main" xmlns:c="http://schemas.openxmlformats.org/drawingml/2006/chart" xmlns:dgm="http://schemas.openxmlformats.org/drawingml/2006/diagram" xmlns:o="urn:schemas-microsoft-com:office:office" xmlns:v="urn:schemas-microsoft-com:vml" xmlns:pvml="urn:schemas-microsoft-com:office:powerpoint" xmlns:com="http://schemas.openxmlformats.org/drawingml/2006/compatibility" xmlns:p14="http://schemas.microsoft.com/office/powerpoint/2010/main" xmlns:p15="http://schemas.microsoft.com/office/powerpoint/2012/main" showMasterPhAnim="0" showMasterSp="0">
   <p:cSld>
     <p:spTree>
       <p:nvGrpSpPr>
-        <p:cNvPr id="1" name="Shape 226"/>
+        <p:cNvPr id="226" name="Shape 226"/>
         <p:cNvGrpSpPr/>
         <p:nvPr/>
       </p:nvGrpSpPr>
@@ -2319,11 +2269,9 @@
       <p:sp>
         <p:nvSpPr>
           <p:cNvPr id="227" name="Google Shape;227;g81cf36cd94_0_45:notes"/>
-          <p:cNvSpPr>
-            <a:spLocks noGrp="1" noRot="1" noChangeAspect="1"/>
-          </p:cNvSpPr>
+          <p:cNvSpPr/>
           <p:nvPr>
-            <p:ph type="sldImg" idx="2"/>
+            <p:ph idx="2" type="sldImg"/>
           </p:nvPr>
         </p:nvSpPr>
         <p:spPr>
@@ -2332,13 +2280,9 @@
             <a:ext cx="6096000" cy="3429000"/>
           </a:xfrm>
           <a:custGeom>
-            <a:avLst/>
-            <a:gdLst/>
-            <a:ahLst/>
-            <a:cxnLst/>
-            <a:rect l="l" t="t" r="r" b="b"/>
+            <a:rect b="b" l="l" r="r" t="t"/>
             <a:pathLst>
-              <a:path w="120000" h="120000" extrusionOk="0">
+              <a:path extrusionOk="0" h="120000" w="120000">
                 <a:moveTo>
                   <a:pt x="0" y="0"/>
                 </a:moveTo>
@@ -2360,11 +2304,9 @@
       <p:sp>
         <p:nvSpPr>
           <p:cNvPr id="228" name="Google Shape;228;g81cf36cd94_0_45:notes"/>
-          <p:cNvSpPr txBox="1">
-            <a:spLocks noGrp="1"/>
-          </p:cNvSpPr>
+          <p:cNvSpPr txBox="1"/>
           <p:nvPr>
-            <p:ph type="body" idx="1"/>
+            <p:ph idx="1" type="body"/>
           </p:nvPr>
         </p:nvSpPr>
         <p:spPr>
@@ -2377,12 +2319,12 @@
           </a:prstGeom>
         </p:spPr>
         <p:txBody>
-          <a:bodyPr spcFirstLastPara="1" wrap="square" lIns="91425" tIns="91425" rIns="91425" bIns="91425" anchor="t" anchorCtr="0">
+          <a:bodyPr anchorCtr="0" anchor="t" bIns="91425" lIns="91425" spcFirstLastPara="1" rIns="91425" wrap="square" tIns="91425">
             <a:noAutofit/>
           </a:bodyPr>
           <a:lstStyle/>
           <a:p>
-            <a:pPr marL="0" lvl="0" indent="0" algn="l" rtl="0">
+            <a:pPr indent="0" lvl="0" marL="0" rtl="0" algn="l">
               <a:spcBef>
                 <a:spcPts val="0"/>
               </a:spcBef>
@@ -2408,11 +2350,11 @@
 </file>
 
 <file path=ppt/notesSlides/notesSlide23.xml><?xml version="1.0" encoding="utf-8"?>
-<p:notes xmlns:a="http://schemas.openxmlformats.org/drawingml/2006/main" xmlns:r="http://schemas.openxmlformats.org/officeDocument/2006/relationships" xmlns:p="http://schemas.openxmlformats.org/presentationml/2006/main" showMasterSp="0" showMasterPhAnim="0">
+<p:notes xmlns:a="http://schemas.openxmlformats.org/drawingml/2006/main" xmlns:r="http://schemas.openxmlformats.org/officeDocument/2006/relationships" xmlns:mc="http://schemas.openxmlformats.org/markup-compatibility/2006" xmlns:mv="urn:schemas-microsoft-com:mac:vml" xmlns:p="http://schemas.openxmlformats.org/presentationml/2006/main" xmlns:c="http://schemas.openxmlformats.org/drawingml/2006/chart" xmlns:dgm="http://schemas.openxmlformats.org/drawingml/2006/diagram" xmlns:o="urn:schemas-microsoft-com:office:office" xmlns:v="urn:schemas-microsoft-com:vml" xmlns:pvml="urn:schemas-microsoft-com:office:powerpoint" xmlns:com="http://schemas.openxmlformats.org/drawingml/2006/compatibility" xmlns:p14="http://schemas.microsoft.com/office/powerpoint/2010/main" xmlns:p15="http://schemas.microsoft.com/office/powerpoint/2012/main" showMasterPhAnim="0" showMasterSp="0">
   <p:cSld>
     <p:spTree>
       <p:nvGrpSpPr>
-        <p:cNvPr id="1" name="Shape 233"/>
+        <p:cNvPr id="233" name="Shape 233"/>
         <p:cNvGrpSpPr/>
         <p:nvPr/>
       </p:nvGrpSpPr>
@@ -2427,11 +2369,9 @@
       <p:sp>
         <p:nvSpPr>
           <p:cNvPr id="234" name="Google Shape;234;g81cf36cd94_0_51:notes"/>
-          <p:cNvSpPr>
-            <a:spLocks noGrp="1" noRot="1" noChangeAspect="1"/>
-          </p:cNvSpPr>
+          <p:cNvSpPr/>
           <p:nvPr>
-            <p:ph type="sldImg" idx="2"/>
+            <p:ph idx="2" type="sldImg"/>
           </p:nvPr>
         </p:nvSpPr>
         <p:spPr>
@@ -2440,13 +2380,9 @@
             <a:ext cx="6096000" cy="3429000"/>
           </a:xfrm>
           <a:custGeom>
-            <a:avLst/>
-            <a:gdLst/>
-            <a:ahLst/>
-            <a:cxnLst/>
-            <a:rect l="l" t="t" r="r" b="b"/>
+            <a:rect b="b" l="l" r="r" t="t"/>
             <a:pathLst>
-              <a:path w="120000" h="120000" extrusionOk="0">
+              <a:path extrusionOk="0" h="120000" w="120000">
                 <a:moveTo>
                   <a:pt x="0" y="0"/>
                 </a:moveTo>
@@ -2468,11 +2404,9 @@
       <p:sp>
         <p:nvSpPr>
           <p:cNvPr id="235" name="Google Shape;235;g81cf36cd94_0_51:notes"/>
-          <p:cNvSpPr txBox="1">
-            <a:spLocks noGrp="1"/>
-          </p:cNvSpPr>
+          <p:cNvSpPr txBox="1"/>
           <p:nvPr>
-            <p:ph type="body" idx="1"/>
+            <p:ph idx="1" type="body"/>
           </p:nvPr>
         </p:nvSpPr>
         <p:spPr>
@@ -2485,12 +2419,12 @@
           </a:prstGeom>
         </p:spPr>
         <p:txBody>
-          <a:bodyPr spcFirstLastPara="1" wrap="square" lIns="91425" tIns="91425" rIns="91425" bIns="91425" anchor="t" anchorCtr="0">
+          <a:bodyPr anchorCtr="0" anchor="t" bIns="91425" lIns="91425" spcFirstLastPara="1" rIns="91425" wrap="square" tIns="91425">
             <a:noAutofit/>
           </a:bodyPr>
           <a:lstStyle/>
           <a:p>
-            <a:pPr marL="0" lvl="0" indent="0" algn="l" rtl="0">
+            <a:pPr indent="0" lvl="0" marL="0" rtl="0" algn="l">
               <a:spcBef>
                 <a:spcPts val="0"/>
               </a:spcBef>
@@ -2516,11 +2450,11 @@
 </file>
 
 <file path=ppt/notesSlides/notesSlide24.xml><?xml version="1.0" encoding="utf-8"?>
-<p:notes xmlns:a="http://schemas.openxmlformats.org/drawingml/2006/main" xmlns:r="http://schemas.openxmlformats.org/officeDocument/2006/relationships" xmlns:p="http://schemas.openxmlformats.org/presentationml/2006/main" showMasterSp="0" showMasterPhAnim="0">
+<p:notes xmlns:a="http://schemas.openxmlformats.org/drawingml/2006/main" xmlns:r="http://schemas.openxmlformats.org/officeDocument/2006/relationships" xmlns:mc="http://schemas.openxmlformats.org/markup-compatibility/2006" xmlns:mv="urn:schemas-microsoft-com:mac:vml" xmlns:p="http://schemas.openxmlformats.org/presentationml/2006/main" xmlns:c="http://schemas.openxmlformats.org/drawingml/2006/chart" xmlns:dgm="http://schemas.openxmlformats.org/drawingml/2006/diagram" xmlns:o="urn:schemas-microsoft-com:office:office" xmlns:v="urn:schemas-microsoft-com:vml" xmlns:pvml="urn:schemas-microsoft-com:office:powerpoint" xmlns:com="http://schemas.openxmlformats.org/drawingml/2006/compatibility" xmlns:p14="http://schemas.microsoft.com/office/powerpoint/2010/main" xmlns:p15="http://schemas.microsoft.com/office/powerpoint/2012/main" showMasterPhAnim="0" showMasterSp="0">
   <p:cSld>
     <p:spTree>
       <p:nvGrpSpPr>
-        <p:cNvPr id="1" name="Shape 240"/>
+        <p:cNvPr id="240" name="Shape 240"/>
         <p:cNvGrpSpPr/>
         <p:nvPr/>
       </p:nvGrpSpPr>
@@ -2535,11 +2469,9 @@
       <p:sp>
         <p:nvSpPr>
           <p:cNvPr id="241" name="Google Shape;241;g81c5847872_1_60:notes"/>
-          <p:cNvSpPr>
-            <a:spLocks noGrp="1" noRot="1" noChangeAspect="1"/>
-          </p:cNvSpPr>
+          <p:cNvSpPr/>
           <p:nvPr>
-            <p:ph type="sldImg" idx="2"/>
+            <p:ph idx="2" type="sldImg"/>
           </p:nvPr>
         </p:nvSpPr>
         <p:spPr>
@@ -2548,13 +2480,9 @@
             <a:ext cx="6096000" cy="3429000"/>
           </a:xfrm>
           <a:custGeom>
-            <a:avLst/>
-            <a:gdLst/>
-            <a:ahLst/>
-            <a:cxnLst/>
-            <a:rect l="l" t="t" r="r" b="b"/>
+            <a:rect b="b" l="l" r="r" t="t"/>
             <a:pathLst>
-              <a:path w="120000" h="120000" extrusionOk="0">
+              <a:path extrusionOk="0" h="120000" w="120000">
                 <a:moveTo>
                   <a:pt x="0" y="0"/>
                 </a:moveTo>
@@ -2576,11 +2504,9 @@
       <p:sp>
         <p:nvSpPr>
           <p:cNvPr id="242" name="Google Shape;242;g81c5847872_1_60:notes"/>
-          <p:cNvSpPr txBox="1">
-            <a:spLocks noGrp="1"/>
-          </p:cNvSpPr>
+          <p:cNvSpPr txBox="1"/>
           <p:nvPr>
-            <p:ph type="body" idx="1"/>
+            <p:ph idx="1" type="body"/>
           </p:nvPr>
         </p:nvSpPr>
         <p:spPr>
@@ -2593,12 +2519,12 @@
           </a:prstGeom>
         </p:spPr>
         <p:txBody>
-          <a:bodyPr spcFirstLastPara="1" wrap="square" lIns="91425" tIns="91425" rIns="91425" bIns="91425" anchor="t" anchorCtr="0">
+          <a:bodyPr anchorCtr="0" anchor="t" bIns="91425" lIns="91425" spcFirstLastPara="1" rIns="91425" wrap="square" tIns="91425">
             <a:noAutofit/>
           </a:bodyPr>
           <a:lstStyle/>
           <a:p>
-            <a:pPr marL="0" lvl="0" indent="0" algn="l" rtl="0">
+            <a:pPr indent="0" lvl="0" marL="0" rtl="0" algn="l">
               <a:spcBef>
                 <a:spcPts val="0"/>
               </a:spcBef>
@@ -2614,19 +2540,22 @@
             <a:endParaRPr/>
           </a:p>
           <a:p>
-            <a:pPr marL="0" lvl="0" indent="0" algn="l" rtl="0">
-              <a:spcBef>
-                <a:spcPts val="0"/>
-              </a:spcBef>
-              <a:spcAft>
-                <a:spcPts val="0"/>
-              </a:spcAft>
-              <a:buNone/>
-            </a:pPr>
+            <a:pPr indent="0" lvl="0" marL="0" rtl="0" algn="l">
+              <a:spcBef>
+                <a:spcPts val="0"/>
+              </a:spcBef>
+              <a:spcAft>
+                <a:spcPts val="0"/>
+              </a:spcAft>
+              <a:buNone/>
+            </a:pPr>
+            <a:r>
+              <a:t/>
+            </a:r>
             <a:endParaRPr/>
           </a:p>
           <a:p>
-            <a:pPr marL="457200" lvl="0" indent="-298450" algn="l" rtl="0">
+            <a:pPr indent="-298450" lvl="0" marL="457200" rtl="0" algn="l">
               <a:spcBef>
                 <a:spcPts val="0"/>
               </a:spcBef>
@@ -2653,11 +2582,11 @@
 </file>
 
 <file path=ppt/notesSlides/notesSlide25.xml><?xml version="1.0" encoding="utf-8"?>
-<p:notes xmlns:a="http://schemas.openxmlformats.org/drawingml/2006/main" xmlns:r="http://schemas.openxmlformats.org/officeDocument/2006/relationships" xmlns:p="http://schemas.openxmlformats.org/presentationml/2006/main" showMasterSp="0" showMasterPhAnim="0">
+<p:notes xmlns:a="http://schemas.openxmlformats.org/drawingml/2006/main" xmlns:r="http://schemas.openxmlformats.org/officeDocument/2006/relationships" xmlns:mc="http://schemas.openxmlformats.org/markup-compatibility/2006" xmlns:mv="urn:schemas-microsoft-com:mac:vml" xmlns:p="http://schemas.openxmlformats.org/presentationml/2006/main" xmlns:c="http://schemas.openxmlformats.org/drawingml/2006/chart" xmlns:dgm="http://schemas.openxmlformats.org/drawingml/2006/diagram" xmlns:o="urn:schemas-microsoft-com:office:office" xmlns:v="urn:schemas-microsoft-com:vml" xmlns:pvml="urn:schemas-microsoft-com:office:powerpoint" xmlns:com="http://schemas.openxmlformats.org/drawingml/2006/compatibility" xmlns:p14="http://schemas.microsoft.com/office/powerpoint/2010/main" xmlns:p15="http://schemas.microsoft.com/office/powerpoint/2012/main" showMasterPhAnim="0" showMasterSp="0">
   <p:cSld>
     <p:spTree>
       <p:nvGrpSpPr>
-        <p:cNvPr id="1" name="Shape 247"/>
+        <p:cNvPr id="247" name="Shape 247"/>
         <p:cNvGrpSpPr/>
         <p:nvPr/>
       </p:nvGrpSpPr>
@@ -2672,11 +2601,9 @@
       <p:sp>
         <p:nvSpPr>
           <p:cNvPr id="248" name="Google Shape;248;g81c5847872_1_13:notes"/>
-          <p:cNvSpPr>
-            <a:spLocks noGrp="1" noRot="1" noChangeAspect="1"/>
-          </p:cNvSpPr>
+          <p:cNvSpPr/>
           <p:nvPr>
-            <p:ph type="sldImg" idx="2"/>
+            <p:ph idx="2" type="sldImg"/>
           </p:nvPr>
         </p:nvSpPr>
         <p:spPr>
@@ -2685,13 +2612,9 @@
             <a:ext cx="6096000" cy="3429000"/>
           </a:xfrm>
           <a:custGeom>
-            <a:avLst/>
-            <a:gdLst/>
-            <a:ahLst/>
-            <a:cxnLst/>
-            <a:rect l="l" t="t" r="r" b="b"/>
+            <a:rect b="b" l="l" r="r" t="t"/>
             <a:pathLst>
-              <a:path w="120000" h="120000" extrusionOk="0">
+              <a:path extrusionOk="0" h="120000" w="120000">
                 <a:moveTo>
                   <a:pt x="0" y="0"/>
                 </a:moveTo>
@@ -2713,11 +2636,9 @@
       <p:sp>
         <p:nvSpPr>
           <p:cNvPr id="249" name="Google Shape;249;g81c5847872_1_13:notes"/>
-          <p:cNvSpPr txBox="1">
-            <a:spLocks noGrp="1"/>
-          </p:cNvSpPr>
+          <p:cNvSpPr txBox="1"/>
           <p:nvPr>
-            <p:ph type="body" idx="1"/>
+            <p:ph idx="1" type="body"/>
           </p:nvPr>
         </p:nvSpPr>
         <p:spPr>
@@ -2730,12 +2651,12 @@
           </a:prstGeom>
         </p:spPr>
         <p:txBody>
-          <a:bodyPr spcFirstLastPara="1" wrap="square" lIns="91425" tIns="91425" rIns="91425" bIns="91425" anchor="t" anchorCtr="0">
+          <a:bodyPr anchorCtr="0" anchor="t" bIns="91425" lIns="91425" spcFirstLastPara="1" rIns="91425" wrap="square" tIns="91425">
             <a:noAutofit/>
           </a:bodyPr>
           <a:lstStyle/>
           <a:p>
-            <a:pPr marL="0" lvl="0" indent="0" algn="l" rtl="0">
+            <a:pPr indent="0" lvl="0" marL="0" rtl="0" algn="l">
               <a:spcBef>
                 <a:spcPts val="0"/>
               </a:spcBef>
@@ -2761,11 +2682,11 @@
 </file>
 
 <file path=ppt/notesSlides/notesSlide26.xml><?xml version="1.0" encoding="utf-8"?>
-<p:notes xmlns:a="http://schemas.openxmlformats.org/drawingml/2006/main" xmlns:r="http://schemas.openxmlformats.org/officeDocument/2006/relationships" xmlns:p="http://schemas.openxmlformats.org/presentationml/2006/main" showMasterSp="0" showMasterPhAnim="0">
+<p:notes xmlns:a="http://schemas.openxmlformats.org/drawingml/2006/main" xmlns:r="http://schemas.openxmlformats.org/officeDocument/2006/relationships" xmlns:mc="http://schemas.openxmlformats.org/markup-compatibility/2006" xmlns:mv="urn:schemas-microsoft-com:mac:vml" xmlns:p="http://schemas.openxmlformats.org/presentationml/2006/main" xmlns:c="http://schemas.openxmlformats.org/drawingml/2006/chart" xmlns:dgm="http://schemas.openxmlformats.org/drawingml/2006/diagram" xmlns:o="urn:schemas-microsoft-com:office:office" xmlns:v="urn:schemas-microsoft-com:vml" xmlns:pvml="urn:schemas-microsoft-com:office:powerpoint" xmlns:com="http://schemas.openxmlformats.org/drawingml/2006/compatibility" xmlns:p14="http://schemas.microsoft.com/office/powerpoint/2010/main" xmlns:p15="http://schemas.microsoft.com/office/powerpoint/2012/main" showMasterPhAnim="0" showMasterSp="0">
   <p:cSld>
     <p:spTree>
       <p:nvGrpSpPr>
-        <p:cNvPr id="1" name="Shape 252"/>
+        <p:cNvPr id="252" name="Shape 252"/>
         <p:cNvGrpSpPr/>
         <p:nvPr/>
       </p:nvGrpSpPr>
@@ -2780,11 +2701,9 @@
       <p:sp>
         <p:nvSpPr>
           <p:cNvPr id="253" name="Google Shape;253;g81a09b377c_0_0:notes"/>
-          <p:cNvSpPr>
-            <a:spLocks noGrp="1" noRot="1" noChangeAspect="1"/>
-          </p:cNvSpPr>
+          <p:cNvSpPr/>
           <p:nvPr>
-            <p:ph type="sldImg" idx="2"/>
+            <p:ph idx="2" type="sldImg"/>
           </p:nvPr>
         </p:nvSpPr>
         <p:spPr>
@@ -2793,13 +2712,9 @@
             <a:ext cx="6096000" cy="3429000"/>
           </a:xfrm>
           <a:custGeom>
-            <a:avLst/>
-            <a:gdLst/>
-            <a:ahLst/>
-            <a:cxnLst/>
-            <a:rect l="l" t="t" r="r" b="b"/>
+            <a:rect b="b" l="l" r="r" t="t"/>
             <a:pathLst>
-              <a:path w="120000" h="120000" extrusionOk="0">
+              <a:path extrusionOk="0" h="120000" w="120000">
                 <a:moveTo>
                   <a:pt x="0" y="0"/>
                 </a:moveTo>
@@ -2821,11 +2736,9 @@
       <p:sp>
         <p:nvSpPr>
           <p:cNvPr id="254" name="Google Shape;254;g81a09b377c_0_0:notes"/>
-          <p:cNvSpPr txBox="1">
-            <a:spLocks noGrp="1"/>
-          </p:cNvSpPr>
+          <p:cNvSpPr txBox="1"/>
           <p:nvPr>
-            <p:ph type="body" idx="1"/>
+            <p:ph idx="1" type="body"/>
           </p:nvPr>
         </p:nvSpPr>
         <p:spPr>
@@ -2838,12 +2751,12 @@
           </a:prstGeom>
         </p:spPr>
         <p:txBody>
-          <a:bodyPr spcFirstLastPara="1" wrap="square" lIns="91425" tIns="91425" rIns="91425" bIns="91425" anchor="t" anchorCtr="0">
+          <a:bodyPr anchorCtr="0" anchor="t" bIns="91425" lIns="91425" spcFirstLastPara="1" rIns="91425" wrap="square" tIns="91425">
             <a:noAutofit/>
           </a:bodyPr>
           <a:lstStyle/>
           <a:p>
-            <a:pPr marL="0" lvl="0" indent="0" algn="l" rtl="0">
+            <a:pPr indent="0" lvl="0" marL="0" rtl="0" algn="l">
               <a:spcBef>
                 <a:spcPts val="0"/>
               </a:spcBef>
@@ -2869,11 +2782,11 @@
 </file>
 
 <file path=ppt/notesSlides/notesSlide27.xml><?xml version="1.0" encoding="utf-8"?>
-<p:notes xmlns:a="http://schemas.openxmlformats.org/drawingml/2006/main" xmlns:r="http://schemas.openxmlformats.org/officeDocument/2006/relationships" xmlns:p="http://schemas.openxmlformats.org/presentationml/2006/main" showMasterSp="0" showMasterPhAnim="0">
+<p:notes xmlns:a="http://schemas.openxmlformats.org/drawingml/2006/main" xmlns:r="http://schemas.openxmlformats.org/officeDocument/2006/relationships" xmlns:mc="http://schemas.openxmlformats.org/markup-compatibility/2006" xmlns:mv="urn:schemas-microsoft-com:mac:vml" xmlns:p="http://schemas.openxmlformats.org/presentationml/2006/main" xmlns:c="http://schemas.openxmlformats.org/drawingml/2006/chart" xmlns:dgm="http://schemas.openxmlformats.org/drawingml/2006/diagram" xmlns:o="urn:schemas-microsoft-com:office:office" xmlns:v="urn:schemas-microsoft-com:vml" xmlns:pvml="urn:schemas-microsoft-com:office:powerpoint" xmlns:com="http://schemas.openxmlformats.org/drawingml/2006/compatibility" xmlns:p14="http://schemas.microsoft.com/office/powerpoint/2010/main" xmlns:p15="http://schemas.microsoft.com/office/powerpoint/2012/main" showMasterPhAnim="0" showMasterSp="0">
   <p:cSld>
     <p:spTree>
       <p:nvGrpSpPr>
-        <p:cNvPr id="1" name="Shape 258"/>
+        <p:cNvPr id="258" name="Shape 258"/>
         <p:cNvGrpSpPr/>
         <p:nvPr/>
       </p:nvGrpSpPr>
@@ -2888,11 +2801,9 @@
       <p:sp>
         <p:nvSpPr>
           <p:cNvPr id="259" name="Google Shape;259;g81c5847872_1_17:notes"/>
-          <p:cNvSpPr>
-            <a:spLocks noGrp="1" noRot="1" noChangeAspect="1"/>
-          </p:cNvSpPr>
+          <p:cNvSpPr/>
           <p:nvPr>
-            <p:ph type="sldImg" idx="2"/>
+            <p:ph idx="2" type="sldImg"/>
           </p:nvPr>
         </p:nvSpPr>
         <p:spPr>
@@ -2901,13 +2812,9 @@
             <a:ext cx="6096000" cy="3429000"/>
           </a:xfrm>
           <a:custGeom>
-            <a:avLst/>
-            <a:gdLst/>
-            <a:ahLst/>
-            <a:cxnLst/>
-            <a:rect l="l" t="t" r="r" b="b"/>
+            <a:rect b="b" l="l" r="r" t="t"/>
             <a:pathLst>
-              <a:path w="120000" h="120000" extrusionOk="0">
+              <a:path extrusionOk="0" h="120000" w="120000">
                 <a:moveTo>
                   <a:pt x="0" y="0"/>
                 </a:moveTo>
@@ -2929,11 +2836,9 @@
       <p:sp>
         <p:nvSpPr>
           <p:cNvPr id="260" name="Google Shape;260;g81c5847872_1_17:notes"/>
-          <p:cNvSpPr txBox="1">
-            <a:spLocks noGrp="1"/>
-          </p:cNvSpPr>
+          <p:cNvSpPr txBox="1"/>
           <p:nvPr>
-            <p:ph type="body" idx="1"/>
+            <p:ph idx="1" type="body"/>
           </p:nvPr>
         </p:nvSpPr>
         <p:spPr>
@@ -2946,12 +2851,12 @@
           </a:prstGeom>
         </p:spPr>
         <p:txBody>
-          <a:bodyPr spcFirstLastPara="1" wrap="square" lIns="91425" tIns="91425" rIns="91425" bIns="91425" anchor="t" anchorCtr="0">
+          <a:bodyPr anchorCtr="0" anchor="t" bIns="91425" lIns="91425" spcFirstLastPara="1" rIns="91425" wrap="square" tIns="91425">
             <a:noAutofit/>
           </a:bodyPr>
           <a:lstStyle/>
           <a:p>
-            <a:pPr marL="0" lvl="0" indent="0" algn="l" rtl="0">
+            <a:pPr indent="0" lvl="0" marL="0" rtl="0" algn="l">
               <a:spcBef>
                 <a:spcPts val="0"/>
               </a:spcBef>
@@ -2977,11 +2882,11 @@
 </file>
 
 <file path=ppt/notesSlides/notesSlide28.xml><?xml version="1.0" encoding="utf-8"?>
-<p:notes xmlns:a="http://schemas.openxmlformats.org/drawingml/2006/main" xmlns:r="http://schemas.openxmlformats.org/officeDocument/2006/relationships" xmlns:p="http://schemas.openxmlformats.org/presentationml/2006/main" showMasterSp="0" showMasterPhAnim="0">
+<p:notes xmlns:a="http://schemas.openxmlformats.org/drawingml/2006/main" xmlns:r="http://schemas.openxmlformats.org/officeDocument/2006/relationships" xmlns:mc="http://schemas.openxmlformats.org/markup-compatibility/2006" xmlns:mv="urn:schemas-microsoft-com:mac:vml" xmlns:p="http://schemas.openxmlformats.org/presentationml/2006/main" xmlns:c="http://schemas.openxmlformats.org/drawingml/2006/chart" xmlns:dgm="http://schemas.openxmlformats.org/drawingml/2006/diagram" xmlns:o="urn:schemas-microsoft-com:office:office" xmlns:v="urn:schemas-microsoft-com:vml" xmlns:pvml="urn:schemas-microsoft-com:office:powerpoint" xmlns:com="http://schemas.openxmlformats.org/drawingml/2006/compatibility" xmlns:p14="http://schemas.microsoft.com/office/powerpoint/2010/main" xmlns:p15="http://schemas.microsoft.com/office/powerpoint/2012/main" showMasterPhAnim="0" showMasterSp="0">
   <p:cSld>
     <p:spTree>
       <p:nvGrpSpPr>
-        <p:cNvPr id="1" name="Shape 263"/>
+        <p:cNvPr id="263" name="Shape 263"/>
         <p:cNvGrpSpPr/>
         <p:nvPr/>
       </p:nvGrpSpPr>
@@ -2996,26 +2901,20 @@
       <p:sp>
         <p:nvSpPr>
           <p:cNvPr id="264" name="Google Shape;264;g81a09b377c_0_119:notes"/>
-          <p:cNvSpPr>
-            <a:spLocks noGrp="1" noRot="1" noChangeAspect="1"/>
-          </p:cNvSpPr>
+          <p:cNvSpPr/>
           <p:nvPr>
-            <p:ph type="sldImg" idx="2"/>
+            <p:ph idx="2" type="sldImg"/>
           </p:nvPr>
         </p:nvSpPr>
         <p:spPr>
           <a:xfrm>
-            <a:off x="381000" y="685800"/>
+            <a:off x="381300" y="685800"/>
             <a:ext cx="6096000" cy="3429000"/>
           </a:xfrm>
           <a:custGeom>
-            <a:avLst/>
-            <a:gdLst/>
-            <a:ahLst/>
-            <a:cxnLst/>
-            <a:rect l="l" t="t" r="r" b="b"/>
+            <a:rect b="b" l="l" r="r" t="t"/>
             <a:pathLst>
-              <a:path w="120000" h="120000" extrusionOk="0">
+              <a:path extrusionOk="0" h="120000" w="120000">
                 <a:moveTo>
                   <a:pt x="0" y="0"/>
                 </a:moveTo>
@@ -3037,11 +2936,9 @@
       <p:sp>
         <p:nvSpPr>
           <p:cNvPr id="265" name="Google Shape;265;g81a09b377c_0_119:notes"/>
-          <p:cNvSpPr txBox="1">
-            <a:spLocks noGrp="1"/>
-          </p:cNvSpPr>
+          <p:cNvSpPr txBox="1"/>
           <p:nvPr>
-            <p:ph type="body" idx="1"/>
+            <p:ph idx="1" type="body"/>
           </p:nvPr>
         </p:nvSpPr>
         <p:spPr>
@@ -3054,12 +2951,12 @@
           </a:prstGeom>
         </p:spPr>
         <p:txBody>
-          <a:bodyPr spcFirstLastPara="1" wrap="square" lIns="91425" tIns="91425" rIns="91425" bIns="91425" anchor="t" anchorCtr="0">
+          <a:bodyPr anchorCtr="0" anchor="t" bIns="91425" lIns="91425" spcFirstLastPara="1" rIns="91425" wrap="square" tIns="91425">
             <a:noAutofit/>
           </a:bodyPr>
           <a:lstStyle/>
           <a:p>
-            <a:pPr marL="0" lvl="0" indent="0" algn="l" rtl="0">
+            <a:pPr indent="0" lvl="0" marL="0" rtl="0" algn="l">
               <a:spcBef>
                 <a:spcPts val="0"/>
               </a:spcBef>
@@ -3072,7 +2969,167 @@
               <a:rPr lang="en"/>
               <a:t>Abby</a:t>
             </a:r>
-            <a:endParaRPr dirty="0"/>
+            <a:endParaRPr/>
+          </a:p>
+          <a:p>
+            <a:pPr indent="0" lvl="0" marL="0" rtl="0" algn="l">
+              <a:spcBef>
+                <a:spcPts val="0"/>
+              </a:spcBef>
+              <a:spcAft>
+                <a:spcPts val="0"/>
+              </a:spcAft>
+              <a:buNone/>
+            </a:pPr>
+            <a:r>
+              <a:rPr lang="en"/>
+              <a:t>-1.</a:t>
+            </a:r>
+            <a:r>
+              <a:rPr lang="en">
+                <a:solidFill>
+                  <a:schemeClr val="accent1"/>
+                </a:solidFill>
+                <a:highlight>
+                  <a:schemeClr val="lt1"/>
+                </a:highlight>
+                <a:latin typeface="Lato"/>
+                <a:ea typeface="Lato"/>
+                <a:cs typeface="Lato"/>
+                <a:sym typeface="Lato"/>
+              </a:rPr>
+              <a:t>We kept 2018, but ensured to highlight in YoY data</a:t>
+            </a:r>
+            <a:endParaRPr>
+              <a:solidFill>
+                <a:schemeClr val="accent1"/>
+              </a:solidFill>
+              <a:highlight>
+                <a:schemeClr val="lt1"/>
+              </a:highlight>
+              <a:latin typeface="Lato"/>
+              <a:ea typeface="Lato"/>
+              <a:cs typeface="Lato"/>
+              <a:sym typeface="Lato"/>
+            </a:endParaRPr>
+          </a:p>
+          <a:p>
+            <a:pPr indent="0" lvl="0" marL="0" rtl="0" algn="l">
+              <a:spcBef>
+                <a:spcPts val="0"/>
+              </a:spcBef>
+              <a:spcAft>
+                <a:spcPts val="0"/>
+              </a:spcAft>
+              <a:buNone/>
+            </a:pPr>
+            <a:r>
+              <a:rPr lang="en"/>
+              <a:t>-2.</a:t>
+            </a:r>
+            <a:r>
+              <a:rPr lang="en">
+                <a:solidFill>
+                  <a:schemeClr val="accent1"/>
+                </a:solidFill>
+                <a:highlight>
+                  <a:schemeClr val="lt1"/>
+                </a:highlight>
+                <a:latin typeface="Lato"/>
+                <a:ea typeface="Lato"/>
+                <a:cs typeface="Lato"/>
+                <a:sym typeface="Lato"/>
+              </a:rPr>
+              <a:t>We manually copy/pasted code into master</a:t>
+            </a:r>
+            <a:endParaRPr>
+              <a:solidFill>
+                <a:schemeClr val="accent1"/>
+              </a:solidFill>
+              <a:highlight>
+                <a:schemeClr val="lt1"/>
+              </a:highlight>
+              <a:latin typeface="Lato"/>
+              <a:ea typeface="Lato"/>
+              <a:cs typeface="Lato"/>
+              <a:sym typeface="Lato"/>
+            </a:endParaRPr>
+          </a:p>
+          <a:p>
+            <a:pPr indent="0" lvl="0" marL="0" rtl="0" algn="l">
+              <a:spcBef>
+                <a:spcPts val="0"/>
+              </a:spcBef>
+              <a:spcAft>
+                <a:spcPts val="0"/>
+              </a:spcAft>
+              <a:buNone/>
+            </a:pPr>
+            <a:r>
+              <a:rPr lang="en">
+                <a:solidFill>
+                  <a:schemeClr val="accent1"/>
+                </a:solidFill>
+                <a:highlight>
+                  <a:schemeClr val="lt1"/>
+                </a:highlight>
+                <a:latin typeface="Lato"/>
+                <a:ea typeface="Lato"/>
+                <a:cs typeface="Lato"/>
+                <a:sym typeface="Lato"/>
+              </a:rPr>
+              <a:t>-3.We ended up removing the row after digging deeper.</a:t>
+            </a:r>
+            <a:endParaRPr>
+              <a:solidFill>
+                <a:schemeClr val="accent1"/>
+              </a:solidFill>
+              <a:highlight>
+                <a:schemeClr val="lt1"/>
+              </a:highlight>
+              <a:latin typeface="Lato"/>
+              <a:ea typeface="Lato"/>
+              <a:cs typeface="Lato"/>
+              <a:sym typeface="Lato"/>
+            </a:endParaRPr>
+          </a:p>
+          <a:p>
+            <a:pPr indent="0" lvl="0" marL="0" rtl="0" algn="l">
+              <a:spcBef>
+                <a:spcPts val="0"/>
+              </a:spcBef>
+              <a:spcAft>
+                <a:spcPts val="0"/>
+              </a:spcAft>
+              <a:buNone/>
+            </a:pPr>
+            <a:r>
+              <a:rPr lang="en">
+                <a:solidFill>
+                  <a:schemeClr val="accent1"/>
+                </a:solidFill>
+                <a:highlight>
+                  <a:schemeClr val="lt1"/>
+                </a:highlight>
+                <a:latin typeface="Lato"/>
+                <a:ea typeface="Lato"/>
+                <a:cs typeface="Lato"/>
+                <a:sym typeface="Lato"/>
+              </a:rPr>
+              <a:t>-4.We didn’t find recent data.</a:t>
+            </a:r>
+            <a:endParaRPr>
+              <a:solidFill>
+                <a:schemeClr val="accent1"/>
+              </a:solidFill>
+              <a:highlight>
+                <a:schemeClr val="lt1"/>
+              </a:highlight>
+              <a:latin typeface="Lato"/>
+              <a:ea typeface="Lato"/>
+              <a:cs typeface="Lato"/>
+              <a:sym typeface="Lato"/>
+            </a:endParaRPr>
           </a:p>
         </p:txBody>
       </p:sp>
@@ -3085,11 +3142,11 @@
 </file>
 
 <file path=ppt/notesSlides/notesSlide29.xml><?xml version="1.0" encoding="utf-8"?>
-<p:notes xmlns:a="http://schemas.openxmlformats.org/drawingml/2006/main" xmlns:r="http://schemas.openxmlformats.org/officeDocument/2006/relationships" xmlns:p="http://schemas.openxmlformats.org/presentationml/2006/main" showMasterSp="0" showMasterPhAnim="0">
+<p:notes xmlns:a="http://schemas.openxmlformats.org/drawingml/2006/main" xmlns:r="http://schemas.openxmlformats.org/officeDocument/2006/relationships" xmlns:mc="http://schemas.openxmlformats.org/markup-compatibility/2006" xmlns:mv="urn:schemas-microsoft-com:mac:vml" xmlns:p="http://schemas.openxmlformats.org/presentationml/2006/main" xmlns:c="http://schemas.openxmlformats.org/drawingml/2006/chart" xmlns:dgm="http://schemas.openxmlformats.org/drawingml/2006/diagram" xmlns:o="urn:schemas-microsoft-com:office:office" xmlns:v="urn:schemas-microsoft-com:vml" xmlns:pvml="urn:schemas-microsoft-com:office:powerpoint" xmlns:com="http://schemas.openxmlformats.org/drawingml/2006/compatibility" xmlns:p14="http://schemas.microsoft.com/office/powerpoint/2010/main" xmlns:p15="http://schemas.microsoft.com/office/powerpoint/2012/main" showMasterPhAnim="0" showMasterSp="0">
   <p:cSld>
     <p:spTree>
       <p:nvGrpSpPr>
-        <p:cNvPr id="1" name="Shape 269"/>
+        <p:cNvPr id="269" name="Shape 269"/>
         <p:cNvGrpSpPr/>
         <p:nvPr/>
       </p:nvGrpSpPr>
@@ -3104,11 +3161,9 @@
       <p:sp>
         <p:nvSpPr>
           <p:cNvPr id="270" name="Google Shape;270;g81a09b377c_0_30:notes"/>
-          <p:cNvSpPr>
-            <a:spLocks noGrp="1" noRot="1" noChangeAspect="1"/>
-          </p:cNvSpPr>
+          <p:cNvSpPr/>
           <p:nvPr>
-            <p:ph type="sldImg" idx="2"/>
+            <p:ph idx="2" type="sldImg"/>
           </p:nvPr>
         </p:nvSpPr>
         <p:spPr>
@@ -3117,13 +3172,9 @@
             <a:ext cx="6096000" cy="3429000"/>
           </a:xfrm>
           <a:custGeom>
-            <a:avLst/>
-            <a:gdLst/>
-            <a:ahLst/>
-            <a:cxnLst/>
-            <a:rect l="l" t="t" r="r" b="b"/>
+            <a:rect b="b" l="l" r="r" t="t"/>
             <a:pathLst>
-              <a:path w="120000" h="120000" extrusionOk="0">
+              <a:path extrusionOk="0" h="120000" w="120000">
                 <a:moveTo>
                   <a:pt x="0" y="0"/>
                 </a:moveTo>
@@ -3145,11 +3196,9 @@
       <p:sp>
         <p:nvSpPr>
           <p:cNvPr id="271" name="Google Shape;271;g81a09b377c_0_30:notes"/>
-          <p:cNvSpPr txBox="1">
-            <a:spLocks noGrp="1"/>
-          </p:cNvSpPr>
+          <p:cNvSpPr txBox="1"/>
           <p:nvPr>
-            <p:ph type="body" idx="1"/>
+            <p:ph idx="1" type="body"/>
           </p:nvPr>
         </p:nvSpPr>
         <p:spPr>
@@ -3162,12 +3211,12 @@
           </a:prstGeom>
         </p:spPr>
         <p:txBody>
-          <a:bodyPr spcFirstLastPara="1" wrap="square" lIns="91425" tIns="91425" rIns="91425" bIns="91425" anchor="t" anchorCtr="0">
+          <a:bodyPr anchorCtr="0" anchor="t" bIns="91425" lIns="91425" spcFirstLastPara="1" rIns="91425" wrap="square" tIns="91425">
             <a:noAutofit/>
           </a:bodyPr>
           <a:lstStyle/>
           <a:p>
-            <a:pPr marL="0" lvl="0" indent="0" algn="l" rtl="0">
+            <a:pPr indent="0" lvl="0" marL="0" rtl="0" algn="l">
               <a:spcBef>
                 <a:spcPts val="0"/>
               </a:spcBef>
@@ -3193,11 +3242,11 @@
 </file>
 
 <file path=ppt/notesSlides/notesSlide3.xml><?xml version="1.0" encoding="utf-8"?>
-<p:notes xmlns:a="http://schemas.openxmlformats.org/drawingml/2006/main" xmlns:r="http://schemas.openxmlformats.org/officeDocument/2006/relationships" xmlns:p="http://schemas.openxmlformats.org/presentationml/2006/main" showMasterSp="0" showMasterPhAnim="0">
+<p:notes xmlns:a="http://schemas.openxmlformats.org/drawingml/2006/main" xmlns:r="http://schemas.openxmlformats.org/officeDocument/2006/relationships" xmlns:mc="http://schemas.openxmlformats.org/markup-compatibility/2006" xmlns:mv="urn:schemas-microsoft-com:mac:vml" xmlns:p="http://schemas.openxmlformats.org/presentationml/2006/main" xmlns:c="http://schemas.openxmlformats.org/drawingml/2006/chart" xmlns:dgm="http://schemas.openxmlformats.org/drawingml/2006/diagram" xmlns:o="urn:schemas-microsoft-com:office:office" xmlns:v="urn:schemas-microsoft-com:vml" xmlns:pvml="urn:schemas-microsoft-com:office:powerpoint" xmlns:com="http://schemas.openxmlformats.org/drawingml/2006/compatibility" xmlns:p14="http://schemas.microsoft.com/office/powerpoint/2010/main" xmlns:p15="http://schemas.microsoft.com/office/powerpoint/2012/main" showMasterPhAnim="0" showMasterSp="0">
   <p:cSld>
     <p:spTree>
       <p:nvGrpSpPr>
-        <p:cNvPr id="1" name="Shape 93"/>
+        <p:cNvPr id="93" name="Shape 93"/>
         <p:cNvGrpSpPr/>
         <p:nvPr/>
       </p:nvGrpSpPr>
@@ -3212,11 +3261,9 @@
       <p:sp>
         <p:nvSpPr>
           <p:cNvPr id="94" name="Google Shape;94;g81c5847872_1_30:notes"/>
-          <p:cNvSpPr>
-            <a:spLocks noGrp="1" noRot="1" noChangeAspect="1"/>
-          </p:cNvSpPr>
+          <p:cNvSpPr/>
           <p:nvPr>
-            <p:ph type="sldImg" idx="2"/>
+            <p:ph idx="2" type="sldImg"/>
           </p:nvPr>
         </p:nvSpPr>
         <p:spPr>
@@ -3225,13 +3272,9 @@
             <a:ext cx="6096000" cy="3429000"/>
           </a:xfrm>
           <a:custGeom>
-            <a:avLst/>
-            <a:gdLst/>
-            <a:ahLst/>
-            <a:cxnLst/>
-            <a:rect l="l" t="t" r="r" b="b"/>
+            <a:rect b="b" l="l" r="r" t="t"/>
             <a:pathLst>
-              <a:path w="120000" h="120000" extrusionOk="0">
+              <a:path extrusionOk="0" h="120000" w="120000">
                 <a:moveTo>
                   <a:pt x="0" y="0"/>
                 </a:moveTo>
@@ -3253,11 +3296,9 @@
       <p:sp>
         <p:nvSpPr>
           <p:cNvPr id="95" name="Google Shape;95;g81c5847872_1_30:notes"/>
-          <p:cNvSpPr txBox="1">
-            <a:spLocks noGrp="1"/>
-          </p:cNvSpPr>
+          <p:cNvSpPr txBox="1"/>
           <p:nvPr>
-            <p:ph type="body" idx="1"/>
+            <p:ph idx="1" type="body"/>
           </p:nvPr>
         </p:nvSpPr>
         <p:spPr>
@@ -3270,12 +3311,12 @@
           </a:prstGeom>
         </p:spPr>
         <p:txBody>
-          <a:bodyPr spcFirstLastPara="1" wrap="square" lIns="91425" tIns="91425" rIns="91425" bIns="91425" anchor="t" anchorCtr="0">
+          <a:bodyPr anchorCtr="0" anchor="t" bIns="91425" lIns="91425" spcFirstLastPara="1" rIns="91425" wrap="square" tIns="91425">
             <a:noAutofit/>
           </a:bodyPr>
           <a:lstStyle/>
           <a:p>
-            <a:pPr marL="0" lvl="0" indent="0" algn="l" rtl="0">
+            <a:pPr indent="0" lvl="0" marL="0" rtl="0" algn="l">
               <a:spcBef>
                 <a:spcPts val="0"/>
               </a:spcBef>
@@ -3291,19 +3332,22 @@
             <a:endParaRPr/>
           </a:p>
           <a:p>
-            <a:pPr marL="0" lvl="0" indent="0" algn="l" rtl="0">
-              <a:spcBef>
-                <a:spcPts val="0"/>
-              </a:spcBef>
-              <a:spcAft>
-                <a:spcPts val="0"/>
-              </a:spcAft>
-              <a:buNone/>
-            </a:pPr>
+            <a:pPr indent="0" lvl="0" marL="0" rtl="0" algn="l">
+              <a:spcBef>
+                <a:spcPts val="0"/>
+              </a:spcBef>
+              <a:spcAft>
+                <a:spcPts val="0"/>
+              </a:spcAft>
+              <a:buNone/>
+            </a:pPr>
+            <a:r>
+              <a:t/>
+            </a:r>
             <a:endParaRPr/>
           </a:p>
           <a:p>
-            <a:pPr marL="0" lvl="0" indent="0" algn="l" rtl="0">
+            <a:pPr indent="0" lvl="0" marL="0" rtl="0" algn="l">
               <a:spcBef>
                 <a:spcPts val="0"/>
               </a:spcBef>
@@ -3317,26 +3361,29 @@
                 <a:solidFill>
                   <a:schemeClr val="hlink"/>
                 </a:solidFill>
-                <a:hlinkClick r:id="rId3"/>
+                <a:hlinkClick r:id="rId2"/>
               </a:rPr>
               <a:t>https://www.foodrepublic.com/2012/10/18/know-your-avocado-varieties-and-when-theyre-in-season/</a:t>
             </a:r>
             <a:endParaRPr/>
           </a:p>
           <a:p>
-            <a:pPr marL="0" lvl="0" indent="0" algn="l" rtl="0">
-              <a:spcBef>
-                <a:spcPts val="0"/>
-              </a:spcBef>
-              <a:spcAft>
-                <a:spcPts val="0"/>
-              </a:spcAft>
-              <a:buNone/>
-            </a:pPr>
+            <a:pPr indent="0" lvl="0" marL="0" rtl="0" algn="l">
+              <a:spcBef>
+                <a:spcPts val="0"/>
+              </a:spcBef>
+              <a:spcAft>
+                <a:spcPts val="0"/>
+              </a:spcAft>
+              <a:buNone/>
+            </a:pPr>
+            <a:r>
+              <a:t/>
+            </a:r>
             <a:endParaRPr/>
           </a:p>
           <a:p>
-            <a:pPr marL="0" lvl="0" indent="0" algn="l" rtl="0">
+            <a:pPr indent="0" lvl="0" marL="0" rtl="0" algn="l">
               <a:spcBef>
                 <a:spcPts val="0"/>
               </a:spcBef>
@@ -3350,7 +3397,7 @@
                 <a:solidFill>
                   <a:schemeClr val="hlink"/>
                 </a:solidFill>
-                <a:hlinkClick r:id="rId4"/>
+                <a:hlinkClick r:id="rId3"/>
               </a:rPr>
               <a:t>https://specialtyproduce.com/produce/Hass_Avocados_949.php</a:t>
             </a:r>
@@ -3367,11 +3414,11 @@
 </file>
 
 <file path=ppt/notesSlides/notesSlide30.xml><?xml version="1.0" encoding="utf-8"?>
-<p:notes xmlns:a="http://schemas.openxmlformats.org/drawingml/2006/main" xmlns:r="http://schemas.openxmlformats.org/officeDocument/2006/relationships" xmlns:p="http://schemas.openxmlformats.org/presentationml/2006/main" showMasterSp="0" showMasterPhAnim="0">
+<p:notes xmlns:a="http://schemas.openxmlformats.org/drawingml/2006/main" xmlns:r="http://schemas.openxmlformats.org/officeDocument/2006/relationships" xmlns:mc="http://schemas.openxmlformats.org/markup-compatibility/2006" xmlns:mv="urn:schemas-microsoft-com:mac:vml" xmlns:p="http://schemas.openxmlformats.org/presentationml/2006/main" xmlns:c="http://schemas.openxmlformats.org/drawingml/2006/chart" xmlns:dgm="http://schemas.openxmlformats.org/drawingml/2006/diagram" xmlns:o="urn:schemas-microsoft-com:office:office" xmlns:v="urn:schemas-microsoft-com:vml" xmlns:pvml="urn:schemas-microsoft-com:office:powerpoint" xmlns:com="http://schemas.openxmlformats.org/drawingml/2006/compatibility" xmlns:p14="http://schemas.microsoft.com/office/powerpoint/2010/main" xmlns:p15="http://schemas.microsoft.com/office/powerpoint/2012/main" showMasterPhAnim="0" showMasterSp="0">
   <p:cSld>
     <p:spTree>
       <p:nvGrpSpPr>
-        <p:cNvPr id="1" name="Shape 275"/>
+        <p:cNvPr id="275" name="Shape 275"/>
         <p:cNvGrpSpPr/>
         <p:nvPr/>
       </p:nvGrpSpPr>
@@ -3386,11 +3433,9 @@
       <p:sp>
         <p:nvSpPr>
           <p:cNvPr id="276" name="Google Shape;276;g81c5847872_1_26:notes"/>
-          <p:cNvSpPr>
-            <a:spLocks noGrp="1" noRot="1" noChangeAspect="1"/>
-          </p:cNvSpPr>
+          <p:cNvSpPr/>
           <p:nvPr>
-            <p:ph type="sldImg" idx="2"/>
+            <p:ph idx="2" type="sldImg"/>
           </p:nvPr>
         </p:nvSpPr>
         <p:spPr>
@@ -3399,13 +3444,9 @@
             <a:ext cx="6096000" cy="3429000"/>
           </a:xfrm>
           <a:custGeom>
-            <a:avLst/>
-            <a:gdLst/>
-            <a:ahLst/>
-            <a:cxnLst/>
-            <a:rect l="l" t="t" r="r" b="b"/>
+            <a:rect b="b" l="l" r="r" t="t"/>
             <a:pathLst>
-              <a:path w="120000" h="120000" extrusionOk="0">
+              <a:path extrusionOk="0" h="120000" w="120000">
                 <a:moveTo>
                   <a:pt x="0" y="0"/>
                 </a:moveTo>
@@ -3427,11 +3468,9 @@
       <p:sp>
         <p:nvSpPr>
           <p:cNvPr id="277" name="Google Shape;277;g81c5847872_1_26:notes"/>
-          <p:cNvSpPr txBox="1">
-            <a:spLocks noGrp="1"/>
-          </p:cNvSpPr>
+          <p:cNvSpPr txBox="1"/>
           <p:nvPr>
-            <p:ph type="body" idx="1"/>
+            <p:ph idx="1" type="body"/>
           </p:nvPr>
         </p:nvSpPr>
         <p:spPr>
@@ -3444,12 +3483,12 @@
           </a:prstGeom>
         </p:spPr>
         <p:txBody>
-          <a:bodyPr spcFirstLastPara="1" wrap="square" lIns="91425" tIns="91425" rIns="91425" bIns="91425" anchor="t" anchorCtr="0">
+          <a:bodyPr anchorCtr="0" anchor="t" bIns="91425" lIns="91425" spcFirstLastPara="1" rIns="91425" wrap="square" tIns="91425">
             <a:noAutofit/>
           </a:bodyPr>
           <a:lstStyle/>
           <a:p>
-            <a:pPr marL="0" lvl="0" indent="0" algn="l" rtl="0">
+            <a:pPr indent="0" lvl="0" marL="0" rtl="0" algn="l">
               <a:spcBef>
                 <a:spcPts val="0"/>
               </a:spcBef>
@@ -3475,11 +3514,11 @@
 </file>
 
 <file path=ppt/notesSlides/notesSlide4.xml><?xml version="1.0" encoding="utf-8"?>
-<p:notes xmlns:a="http://schemas.openxmlformats.org/drawingml/2006/main" xmlns:r="http://schemas.openxmlformats.org/officeDocument/2006/relationships" xmlns:p="http://schemas.openxmlformats.org/presentationml/2006/main" showMasterSp="0" showMasterPhAnim="0">
+<p:notes xmlns:a="http://schemas.openxmlformats.org/drawingml/2006/main" xmlns:r="http://schemas.openxmlformats.org/officeDocument/2006/relationships" xmlns:mc="http://schemas.openxmlformats.org/markup-compatibility/2006" xmlns:mv="urn:schemas-microsoft-com:mac:vml" xmlns:p="http://schemas.openxmlformats.org/presentationml/2006/main" xmlns:c="http://schemas.openxmlformats.org/drawingml/2006/chart" xmlns:dgm="http://schemas.openxmlformats.org/drawingml/2006/diagram" xmlns:o="urn:schemas-microsoft-com:office:office" xmlns:v="urn:schemas-microsoft-com:vml" xmlns:pvml="urn:schemas-microsoft-com:office:powerpoint" xmlns:com="http://schemas.openxmlformats.org/drawingml/2006/compatibility" xmlns:p14="http://schemas.microsoft.com/office/powerpoint/2010/main" xmlns:p15="http://schemas.microsoft.com/office/powerpoint/2012/main" showMasterPhAnim="0" showMasterSp="0">
   <p:cSld>
     <p:spTree>
       <p:nvGrpSpPr>
-        <p:cNvPr id="1" name="Shape 101"/>
+        <p:cNvPr id="101" name="Shape 101"/>
         <p:cNvGrpSpPr/>
         <p:nvPr/>
       </p:nvGrpSpPr>
@@ -3494,11 +3533,9 @@
       <p:sp>
         <p:nvSpPr>
           <p:cNvPr id="102" name="Google Shape;102;g81a09b377c_0_44:notes"/>
-          <p:cNvSpPr>
-            <a:spLocks noGrp="1" noRot="1" noChangeAspect="1"/>
-          </p:cNvSpPr>
+          <p:cNvSpPr/>
           <p:nvPr>
-            <p:ph type="sldImg" idx="2"/>
+            <p:ph idx="2" type="sldImg"/>
           </p:nvPr>
         </p:nvSpPr>
         <p:spPr>
@@ -3507,13 +3544,9 @@
             <a:ext cx="6096000" cy="3429000"/>
           </a:xfrm>
           <a:custGeom>
-            <a:avLst/>
-            <a:gdLst/>
-            <a:ahLst/>
-            <a:cxnLst/>
-            <a:rect l="l" t="t" r="r" b="b"/>
+            <a:rect b="b" l="l" r="r" t="t"/>
             <a:pathLst>
-              <a:path w="120000" h="120000" extrusionOk="0">
+              <a:path extrusionOk="0" h="120000" w="120000">
                 <a:moveTo>
                   <a:pt x="0" y="0"/>
                 </a:moveTo>
@@ -3535,11 +3568,9 @@
       <p:sp>
         <p:nvSpPr>
           <p:cNvPr id="103" name="Google Shape;103;g81a09b377c_0_44:notes"/>
-          <p:cNvSpPr txBox="1">
-            <a:spLocks noGrp="1"/>
-          </p:cNvSpPr>
+          <p:cNvSpPr txBox="1"/>
           <p:nvPr>
-            <p:ph type="body" idx="1"/>
+            <p:ph idx="1" type="body"/>
           </p:nvPr>
         </p:nvSpPr>
         <p:spPr>
@@ -3552,12 +3583,12 @@
           </a:prstGeom>
         </p:spPr>
         <p:txBody>
-          <a:bodyPr spcFirstLastPara="1" wrap="square" lIns="91425" tIns="91425" rIns="91425" bIns="91425" anchor="t" anchorCtr="0">
+          <a:bodyPr anchorCtr="0" anchor="t" bIns="91425" lIns="91425" spcFirstLastPara="1" rIns="91425" wrap="square" tIns="91425">
             <a:noAutofit/>
           </a:bodyPr>
           <a:lstStyle/>
           <a:p>
-            <a:pPr marL="0" lvl="0" indent="0" algn="l" rtl="0">
+            <a:pPr indent="0" lvl="0" marL="0" rtl="0" algn="l">
               <a:spcBef>
                 <a:spcPts val="0"/>
               </a:spcBef>
@@ -3573,19 +3604,22 @@
             <a:endParaRPr/>
           </a:p>
           <a:p>
-            <a:pPr marL="0" lvl="0" indent="0" algn="l" rtl="0">
-              <a:spcBef>
-                <a:spcPts val="0"/>
-              </a:spcBef>
-              <a:spcAft>
-                <a:spcPts val="0"/>
-              </a:spcAft>
-              <a:buNone/>
-            </a:pPr>
+            <a:pPr indent="0" lvl="0" marL="0" rtl="0" algn="l">
+              <a:spcBef>
+                <a:spcPts val="0"/>
+              </a:spcBef>
+              <a:spcAft>
+                <a:spcPts val="0"/>
+              </a:spcAft>
+              <a:buNone/>
+            </a:pPr>
+            <a:r>
+              <a:t/>
+            </a:r>
             <a:endParaRPr/>
           </a:p>
           <a:p>
-            <a:pPr marL="0" lvl="0" indent="0" algn="l" rtl="0">
+            <a:pPr indent="0" lvl="0" marL="0" rtl="0" algn="l">
               <a:spcBef>
                 <a:spcPts val="0"/>
               </a:spcBef>
@@ -3599,7 +3633,7 @@
                 <a:solidFill>
                   <a:schemeClr val="hlink"/>
                 </a:solidFill>
-                <a:hlinkClick r:id="rId3"/>
+                <a:hlinkClick r:id="rId2"/>
               </a:rPr>
               <a:t>https://en.wikipedia.org/wiki/Avocado_toast</a:t>
             </a:r>
@@ -3616,11 +3650,11 @@
 </file>
 
 <file path=ppt/notesSlides/notesSlide5.xml><?xml version="1.0" encoding="utf-8"?>
-<p:notes xmlns:a="http://schemas.openxmlformats.org/drawingml/2006/main" xmlns:r="http://schemas.openxmlformats.org/officeDocument/2006/relationships" xmlns:p="http://schemas.openxmlformats.org/presentationml/2006/main" showMasterSp="0" showMasterPhAnim="0">
+<p:notes xmlns:a="http://schemas.openxmlformats.org/drawingml/2006/main" xmlns:r="http://schemas.openxmlformats.org/officeDocument/2006/relationships" xmlns:mc="http://schemas.openxmlformats.org/markup-compatibility/2006" xmlns:mv="urn:schemas-microsoft-com:mac:vml" xmlns:p="http://schemas.openxmlformats.org/presentationml/2006/main" xmlns:c="http://schemas.openxmlformats.org/drawingml/2006/chart" xmlns:dgm="http://schemas.openxmlformats.org/drawingml/2006/diagram" xmlns:o="urn:schemas-microsoft-com:office:office" xmlns:v="urn:schemas-microsoft-com:vml" xmlns:pvml="urn:schemas-microsoft-com:office:powerpoint" xmlns:com="http://schemas.openxmlformats.org/drawingml/2006/compatibility" xmlns:p14="http://schemas.microsoft.com/office/powerpoint/2010/main" xmlns:p15="http://schemas.microsoft.com/office/powerpoint/2012/main" showMasterPhAnim="0" showMasterSp="0">
   <p:cSld>
     <p:spTree>
       <p:nvGrpSpPr>
-        <p:cNvPr id="1" name="Shape 110"/>
+        <p:cNvPr id="110" name="Shape 110"/>
         <p:cNvGrpSpPr/>
         <p:nvPr/>
       </p:nvGrpSpPr>
@@ -3635,11 +3669,9 @@
       <p:sp>
         <p:nvSpPr>
           <p:cNvPr id="111" name="Google Shape;111;g81a09b377c_0_50:notes"/>
-          <p:cNvSpPr>
-            <a:spLocks noGrp="1" noRot="1" noChangeAspect="1"/>
-          </p:cNvSpPr>
+          <p:cNvSpPr/>
           <p:nvPr>
-            <p:ph type="sldImg" idx="2"/>
+            <p:ph idx="2" type="sldImg"/>
           </p:nvPr>
         </p:nvSpPr>
         <p:spPr>
@@ -3648,13 +3680,9 @@
             <a:ext cx="6096000" cy="3429000"/>
           </a:xfrm>
           <a:custGeom>
-            <a:avLst/>
-            <a:gdLst/>
-            <a:ahLst/>
-            <a:cxnLst/>
-            <a:rect l="l" t="t" r="r" b="b"/>
+            <a:rect b="b" l="l" r="r" t="t"/>
             <a:pathLst>
-              <a:path w="120000" h="120000" extrusionOk="0">
+              <a:path extrusionOk="0" h="120000" w="120000">
                 <a:moveTo>
                   <a:pt x="0" y="0"/>
                 </a:moveTo>
@@ -3676,11 +3704,9 @@
       <p:sp>
         <p:nvSpPr>
           <p:cNvPr id="112" name="Google Shape;112;g81a09b377c_0_50:notes"/>
-          <p:cNvSpPr txBox="1">
-            <a:spLocks noGrp="1"/>
-          </p:cNvSpPr>
+          <p:cNvSpPr txBox="1"/>
           <p:nvPr>
-            <p:ph type="body" idx="1"/>
+            <p:ph idx="1" type="body"/>
           </p:nvPr>
         </p:nvSpPr>
         <p:spPr>
@@ -3693,12 +3719,12 @@
           </a:prstGeom>
         </p:spPr>
         <p:txBody>
-          <a:bodyPr spcFirstLastPara="1" wrap="square" lIns="91425" tIns="91425" rIns="91425" bIns="91425" anchor="t" anchorCtr="0">
+          <a:bodyPr anchorCtr="0" anchor="t" bIns="91425" lIns="91425" spcFirstLastPara="1" rIns="91425" wrap="square" tIns="91425">
             <a:noAutofit/>
           </a:bodyPr>
           <a:lstStyle/>
           <a:p>
-            <a:pPr marL="0" lvl="0" indent="0" algn="l" rtl="0">
+            <a:pPr indent="0" lvl="0" marL="0" rtl="0" algn="l">
               <a:spcBef>
                 <a:spcPts val="0"/>
               </a:spcBef>
@@ -3724,11 +3750,11 @@
 </file>
 
 <file path=ppt/notesSlides/notesSlide6.xml><?xml version="1.0" encoding="utf-8"?>
-<p:notes xmlns:a="http://schemas.openxmlformats.org/drawingml/2006/main" xmlns:r="http://schemas.openxmlformats.org/officeDocument/2006/relationships" xmlns:p="http://schemas.openxmlformats.org/presentationml/2006/main" showMasterSp="0" showMasterPhAnim="0">
+<p:notes xmlns:a="http://schemas.openxmlformats.org/drawingml/2006/main" xmlns:r="http://schemas.openxmlformats.org/officeDocument/2006/relationships" xmlns:mc="http://schemas.openxmlformats.org/markup-compatibility/2006" xmlns:mv="urn:schemas-microsoft-com:mac:vml" xmlns:p="http://schemas.openxmlformats.org/presentationml/2006/main" xmlns:c="http://schemas.openxmlformats.org/drawingml/2006/chart" xmlns:dgm="http://schemas.openxmlformats.org/drawingml/2006/diagram" xmlns:o="urn:schemas-microsoft-com:office:office" xmlns:v="urn:schemas-microsoft-com:vml" xmlns:pvml="urn:schemas-microsoft-com:office:powerpoint" xmlns:com="http://schemas.openxmlformats.org/drawingml/2006/compatibility" xmlns:p14="http://schemas.microsoft.com/office/powerpoint/2010/main" xmlns:p15="http://schemas.microsoft.com/office/powerpoint/2012/main" showMasterPhAnim="0" showMasterSp="0">
   <p:cSld>
     <p:spTree>
       <p:nvGrpSpPr>
-        <p:cNvPr id="1" name="Shape 116"/>
+        <p:cNvPr id="116" name="Shape 116"/>
         <p:cNvGrpSpPr/>
         <p:nvPr/>
       </p:nvGrpSpPr>
@@ -3743,11 +3769,9 @@
       <p:sp>
         <p:nvSpPr>
           <p:cNvPr id="117" name="Google Shape;117;g81a09b377c_0_59:notes"/>
-          <p:cNvSpPr>
-            <a:spLocks noGrp="1" noRot="1" noChangeAspect="1"/>
-          </p:cNvSpPr>
+          <p:cNvSpPr/>
           <p:nvPr>
-            <p:ph type="sldImg" idx="2"/>
+            <p:ph idx="2" type="sldImg"/>
           </p:nvPr>
         </p:nvSpPr>
         <p:spPr>
@@ -3756,13 +3780,9 @@
             <a:ext cx="6096000" cy="3429000"/>
           </a:xfrm>
           <a:custGeom>
-            <a:avLst/>
-            <a:gdLst/>
-            <a:ahLst/>
-            <a:cxnLst/>
-            <a:rect l="l" t="t" r="r" b="b"/>
+            <a:rect b="b" l="l" r="r" t="t"/>
             <a:pathLst>
-              <a:path w="120000" h="120000" extrusionOk="0">
+              <a:path extrusionOk="0" h="120000" w="120000">
                 <a:moveTo>
                   <a:pt x="0" y="0"/>
                 </a:moveTo>
@@ -3784,11 +3804,9 @@
       <p:sp>
         <p:nvSpPr>
           <p:cNvPr id="118" name="Google Shape;118;g81a09b377c_0_59:notes"/>
-          <p:cNvSpPr txBox="1">
-            <a:spLocks noGrp="1"/>
-          </p:cNvSpPr>
+          <p:cNvSpPr txBox="1"/>
           <p:nvPr>
-            <p:ph type="body" idx="1"/>
+            <p:ph idx="1" type="body"/>
           </p:nvPr>
         </p:nvSpPr>
         <p:spPr>
@@ -3801,12 +3819,12 @@
           </a:prstGeom>
         </p:spPr>
         <p:txBody>
-          <a:bodyPr spcFirstLastPara="1" wrap="square" lIns="91425" tIns="91425" rIns="91425" bIns="91425" anchor="t" anchorCtr="0">
+          <a:bodyPr anchorCtr="0" anchor="t" bIns="91425" lIns="91425" spcFirstLastPara="1" rIns="91425" wrap="square" tIns="91425">
             <a:noAutofit/>
           </a:bodyPr>
           <a:lstStyle/>
           <a:p>
-            <a:pPr marL="0" lvl="0" indent="0" algn="l" rtl="0">
+            <a:pPr indent="0" lvl="0" marL="0" rtl="0" algn="l">
               <a:spcBef>
                 <a:spcPts val="0"/>
               </a:spcBef>
@@ -3832,11 +3850,11 @@
 </file>
 
 <file path=ppt/notesSlides/notesSlide7.xml><?xml version="1.0" encoding="utf-8"?>
-<p:notes xmlns:a="http://schemas.openxmlformats.org/drawingml/2006/main" xmlns:r="http://schemas.openxmlformats.org/officeDocument/2006/relationships" xmlns:p="http://schemas.openxmlformats.org/presentationml/2006/main" showMasterSp="0" showMasterPhAnim="0">
+<p:notes xmlns:a="http://schemas.openxmlformats.org/drawingml/2006/main" xmlns:r="http://schemas.openxmlformats.org/officeDocument/2006/relationships" xmlns:mc="http://schemas.openxmlformats.org/markup-compatibility/2006" xmlns:mv="urn:schemas-microsoft-com:mac:vml" xmlns:p="http://schemas.openxmlformats.org/presentationml/2006/main" xmlns:c="http://schemas.openxmlformats.org/drawingml/2006/chart" xmlns:dgm="http://schemas.openxmlformats.org/drawingml/2006/diagram" xmlns:o="urn:schemas-microsoft-com:office:office" xmlns:v="urn:schemas-microsoft-com:vml" xmlns:pvml="urn:schemas-microsoft-com:office:powerpoint" xmlns:com="http://schemas.openxmlformats.org/drawingml/2006/compatibility" xmlns:p14="http://schemas.microsoft.com/office/powerpoint/2010/main" xmlns:p15="http://schemas.microsoft.com/office/powerpoint/2012/main" showMasterPhAnim="0" showMasterSp="0">
   <p:cSld>
     <p:spTree>
       <p:nvGrpSpPr>
-        <p:cNvPr id="1" name="Shape 122"/>
+        <p:cNvPr id="122" name="Shape 122"/>
         <p:cNvGrpSpPr/>
         <p:nvPr/>
       </p:nvGrpSpPr>
@@ -3851,11 +3869,9 @@
       <p:sp>
         <p:nvSpPr>
           <p:cNvPr id="123" name="Google Shape;123;g81c5847872_1_4:notes"/>
-          <p:cNvSpPr>
-            <a:spLocks noGrp="1" noRot="1" noChangeAspect="1"/>
-          </p:cNvSpPr>
+          <p:cNvSpPr/>
           <p:nvPr>
-            <p:ph type="sldImg" idx="2"/>
+            <p:ph idx="2" type="sldImg"/>
           </p:nvPr>
         </p:nvSpPr>
         <p:spPr>
@@ -3864,13 +3880,9 @@
             <a:ext cx="6096000" cy="3429000"/>
           </a:xfrm>
           <a:custGeom>
-            <a:avLst/>
-            <a:gdLst/>
-            <a:ahLst/>
-            <a:cxnLst/>
-            <a:rect l="l" t="t" r="r" b="b"/>
+            <a:rect b="b" l="l" r="r" t="t"/>
             <a:pathLst>
-              <a:path w="120000" h="120000" extrusionOk="0">
+              <a:path extrusionOk="0" h="120000" w="120000">
                 <a:moveTo>
                   <a:pt x="0" y="0"/>
                 </a:moveTo>
@@ -3892,11 +3904,9 @@
       <p:sp>
         <p:nvSpPr>
           <p:cNvPr id="124" name="Google Shape;124;g81c5847872_1_4:notes"/>
-          <p:cNvSpPr txBox="1">
-            <a:spLocks noGrp="1"/>
-          </p:cNvSpPr>
+          <p:cNvSpPr txBox="1"/>
           <p:nvPr>
-            <p:ph type="body" idx="1"/>
+            <p:ph idx="1" type="body"/>
           </p:nvPr>
         </p:nvSpPr>
         <p:spPr>
@@ -3909,12 +3919,12 @@
           </a:prstGeom>
         </p:spPr>
         <p:txBody>
-          <a:bodyPr spcFirstLastPara="1" wrap="square" lIns="91425" tIns="91425" rIns="91425" bIns="91425" anchor="t" anchorCtr="0">
+          <a:bodyPr anchorCtr="0" anchor="t" bIns="91425" lIns="91425" spcFirstLastPara="1" rIns="91425" wrap="square" tIns="91425">
             <a:noAutofit/>
           </a:bodyPr>
           <a:lstStyle/>
           <a:p>
-            <a:pPr marL="0" lvl="0" indent="0" algn="l" rtl="0">
+            <a:pPr indent="0" lvl="0" marL="0" rtl="0" algn="l">
               <a:spcBef>
                 <a:spcPts val="0"/>
               </a:spcBef>
@@ -3940,11 +3950,11 @@
 </file>
 
 <file path=ppt/notesSlides/notesSlide8.xml><?xml version="1.0" encoding="utf-8"?>
-<p:notes xmlns:a="http://schemas.openxmlformats.org/drawingml/2006/main" xmlns:r="http://schemas.openxmlformats.org/officeDocument/2006/relationships" xmlns:p="http://schemas.openxmlformats.org/presentationml/2006/main" showMasterSp="0" showMasterPhAnim="0">
+<p:notes xmlns:a="http://schemas.openxmlformats.org/drawingml/2006/main" xmlns:r="http://schemas.openxmlformats.org/officeDocument/2006/relationships" xmlns:mc="http://schemas.openxmlformats.org/markup-compatibility/2006" xmlns:mv="urn:schemas-microsoft-com:mac:vml" xmlns:p="http://schemas.openxmlformats.org/presentationml/2006/main" xmlns:c="http://schemas.openxmlformats.org/drawingml/2006/chart" xmlns:dgm="http://schemas.openxmlformats.org/drawingml/2006/diagram" xmlns:o="urn:schemas-microsoft-com:office:office" xmlns:v="urn:schemas-microsoft-com:vml" xmlns:pvml="urn:schemas-microsoft-com:office:powerpoint" xmlns:com="http://schemas.openxmlformats.org/drawingml/2006/compatibility" xmlns:p14="http://schemas.microsoft.com/office/powerpoint/2010/main" xmlns:p15="http://schemas.microsoft.com/office/powerpoint/2012/main" showMasterPhAnim="0" showMasterSp="0">
   <p:cSld>
     <p:spTree>
       <p:nvGrpSpPr>
-        <p:cNvPr id="1" name="Shape 127"/>
+        <p:cNvPr id="127" name="Shape 127"/>
         <p:cNvGrpSpPr/>
         <p:nvPr/>
       </p:nvGrpSpPr>
@@ -3959,26 +3969,20 @@
       <p:sp>
         <p:nvSpPr>
           <p:cNvPr id="128" name="Google Shape;128;g81a09b377c_0_67:notes"/>
-          <p:cNvSpPr>
-            <a:spLocks noGrp="1" noRot="1" noChangeAspect="1"/>
-          </p:cNvSpPr>
+          <p:cNvSpPr/>
           <p:nvPr>
-            <p:ph type="sldImg" idx="2"/>
+            <p:ph idx="2" type="sldImg"/>
           </p:nvPr>
         </p:nvSpPr>
         <p:spPr>
           <a:xfrm>
-            <a:off x="381000" y="685800"/>
+            <a:off x="381300" y="685800"/>
             <a:ext cx="6096000" cy="3429000"/>
           </a:xfrm>
           <a:custGeom>
-            <a:avLst/>
-            <a:gdLst/>
-            <a:ahLst/>
-            <a:cxnLst/>
-            <a:rect l="l" t="t" r="r" b="b"/>
+            <a:rect b="b" l="l" r="r" t="t"/>
             <a:pathLst>
-              <a:path w="120000" h="120000" extrusionOk="0">
+              <a:path extrusionOk="0" h="120000" w="120000">
                 <a:moveTo>
                   <a:pt x="0" y="0"/>
                 </a:moveTo>
@@ -4000,11 +4004,9 @@
       <p:sp>
         <p:nvSpPr>
           <p:cNvPr id="129" name="Google Shape;129;g81a09b377c_0_67:notes"/>
-          <p:cNvSpPr txBox="1">
-            <a:spLocks noGrp="1"/>
-          </p:cNvSpPr>
+          <p:cNvSpPr txBox="1"/>
           <p:nvPr>
-            <p:ph type="body" idx="1"/>
+            <p:ph idx="1" type="body"/>
           </p:nvPr>
         </p:nvSpPr>
         <p:spPr>
@@ -4017,25 +4019,41 @@
           </a:prstGeom>
         </p:spPr>
         <p:txBody>
-          <a:bodyPr spcFirstLastPara="1" wrap="square" lIns="91425" tIns="91425" rIns="91425" bIns="91425" anchor="t" anchorCtr="0">
+          <a:bodyPr anchorCtr="0" anchor="t" bIns="91425" lIns="91425" spcFirstLastPara="1" rIns="91425" wrap="square" tIns="91425">
             <a:noAutofit/>
           </a:bodyPr>
           <a:lstStyle/>
           <a:p>
-            <a:pPr marL="0" lvl="0" indent="0" algn="l" rtl="0">
-              <a:spcBef>
-                <a:spcPts val="0"/>
-              </a:spcBef>
-              <a:spcAft>
-                <a:spcPts val="0"/>
-              </a:spcAft>
-              <a:buNone/>
-            </a:pPr>
-            <a:r>
-              <a:rPr lang="en" dirty="0"/>
+            <a:pPr indent="0" lvl="0" marL="0" rtl="0" algn="l">
+              <a:spcBef>
+                <a:spcPts val="0"/>
+              </a:spcBef>
+              <a:spcAft>
+                <a:spcPts val="0"/>
+              </a:spcAft>
+              <a:buNone/>
+            </a:pPr>
+            <a:r>
+              <a:rPr lang="en"/>
               <a:t>Abby. </a:t>
             </a:r>
-            <a:endParaRPr dirty="0"/>
+            <a:endParaRPr/>
+          </a:p>
+          <a:p>
+            <a:pPr indent="0" lvl="0" marL="0" rtl="0" algn="l">
+              <a:spcBef>
+                <a:spcPts val="0"/>
+              </a:spcBef>
+              <a:spcAft>
+                <a:spcPts val="0"/>
+              </a:spcAft>
+              <a:buNone/>
+            </a:pPr>
+            <a:r>
+              <a:rPr lang="en"/>
+              <a:t>Our data is from Kaggle and Census Bureau,which has a huge variety of datasets. For our avocado data, it originally came from the Hass Avocado Board website. We have the avocado sales from 2015 to the first quarter of 2018. The census bureau data is for population.</a:t>
+            </a:r>
+            <a:endParaRPr/>
           </a:p>
         </p:txBody>
       </p:sp>
@@ -4048,11 +4066,11 @@
 </file>
 
 <file path=ppt/notesSlides/notesSlide9.xml><?xml version="1.0" encoding="utf-8"?>
-<p:notes xmlns:a="http://schemas.openxmlformats.org/drawingml/2006/main" xmlns:r="http://schemas.openxmlformats.org/officeDocument/2006/relationships" xmlns:p="http://schemas.openxmlformats.org/presentationml/2006/main" showMasterSp="0" showMasterPhAnim="0">
+<p:notes xmlns:a="http://schemas.openxmlformats.org/drawingml/2006/main" xmlns:r="http://schemas.openxmlformats.org/officeDocument/2006/relationships" xmlns:mc="http://schemas.openxmlformats.org/markup-compatibility/2006" xmlns:mv="urn:schemas-microsoft-com:mac:vml" xmlns:p="http://schemas.openxmlformats.org/presentationml/2006/main" xmlns:c="http://schemas.openxmlformats.org/drawingml/2006/chart" xmlns:dgm="http://schemas.openxmlformats.org/drawingml/2006/diagram" xmlns:o="urn:schemas-microsoft-com:office:office" xmlns:v="urn:schemas-microsoft-com:vml" xmlns:pvml="urn:schemas-microsoft-com:office:powerpoint" xmlns:com="http://schemas.openxmlformats.org/drawingml/2006/compatibility" xmlns:p14="http://schemas.microsoft.com/office/powerpoint/2010/main" xmlns:p15="http://schemas.microsoft.com/office/powerpoint/2012/main" showMasterPhAnim="0" showMasterSp="0">
   <p:cSld>
     <p:spTree>
       <p:nvGrpSpPr>
-        <p:cNvPr id="1" name="Shape 133"/>
+        <p:cNvPr id="133" name="Shape 133"/>
         <p:cNvGrpSpPr/>
         <p:nvPr/>
       </p:nvGrpSpPr>
@@ -4067,26 +4085,20 @@
       <p:sp>
         <p:nvSpPr>
           <p:cNvPr id="134" name="Google Shape;134;g81cf36cd94_0_0:notes"/>
-          <p:cNvSpPr>
-            <a:spLocks noGrp="1" noRot="1" noChangeAspect="1"/>
-          </p:cNvSpPr>
+          <p:cNvSpPr/>
           <p:nvPr>
-            <p:ph type="sldImg" idx="2"/>
+            <p:ph idx="2" type="sldImg"/>
           </p:nvPr>
         </p:nvSpPr>
         <p:spPr>
           <a:xfrm>
-            <a:off x="381000" y="685800"/>
+            <a:off x="381300" y="685800"/>
             <a:ext cx="6096000" cy="3429000"/>
           </a:xfrm>
           <a:custGeom>
-            <a:avLst/>
-            <a:gdLst/>
-            <a:ahLst/>
-            <a:cxnLst/>
-            <a:rect l="l" t="t" r="r" b="b"/>
+            <a:rect b="b" l="l" r="r" t="t"/>
             <a:pathLst>
-              <a:path w="120000" h="120000" extrusionOk="0">
+              <a:path extrusionOk="0" h="120000" w="120000">
                 <a:moveTo>
                   <a:pt x="0" y="0"/>
                 </a:moveTo>
@@ -4108,11 +4120,9 @@
       <p:sp>
         <p:nvSpPr>
           <p:cNvPr id="135" name="Google Shape;135;g81cf36cd94_0_0:notes"/>
-          <p:cNvSpPr txBox="1">
-            <a:spLocks noGrp="1"/>
-          </p:cNvSpPr>
+          <p:cNvSpPr txBox="1"/>
           <p:nvPr>
-            <p:ph type="body" idx="1"/>
+            <p:ph idx="1" type="body"/>
           </p:nvPr>
         </p:nvSpPr>
         <p:spPr>
@@ -4125,46 +4135,77 @@
           </a:prstGeom>
         </p:spPr>
         <p:txBody>
-          <a:bodyPr spcFirstLastPara="1" wrap="square" lIns="91425" tIns="91425" rIns="91425" bIns="91425" anchor="t" anchorCtr="0">
+          <a:bodyPr anchorCtr="0" anchor="t" bIns="91425" lIns="91425" spcFirstLastPara="1" rIns="91425" wrap="square" tIns="91425">
             <a:noAutofit/>
           </a:bodyPr>
           <a:lstStyle/>
           <a:p>
-            <a:pPr marL="0" lvl="0" indent="0" algn="l" rtl="0">
-              <a:spcBef>
-                <a:spcPts val="0"/>
-              </a:spcBef>
-              <a:spcAft>
-                <a:spcPts val="0"/>
-              </a:spcAft>
-              <a:buNone/>
-            </a:pPr>
-            <a:r>
-              <a:rPr lang="en" dirty="0"/>
-              <a:t>Abby</a:t>
-            </a:r>
-            <a:endParaRPr dirty="0"/>
-          </a:p>
-          <a:p>
-            <a:pPr marL="0" lvl="0" indent="0" algn="l" rtl="0">
-              <a:spcBef>
-                <a:spcPts val="0"/>
-              </a:spcBef>
-              <a:spcAft>
-                <a:spcPts val="0"/>
-              </a:spcAft>
-              <a:buNone/>
-            </a:pPr>
-            <a:r>
-              <a:rPr lang="en" u="sng" dirty="0">
+            <a:pPr indent="0" lvl="0" marL="0" rtl="0" algn="l">
+              <a:spcBef>
+                <a:spcPts val="0"/>
+              </a:spcBef>
+              <a:spcAft>
+                <a:spcPts val="0"/>
+              </a:spcAft>
+              <a:buNone/>
+            </a:pPr>
+            <a:r>
+              <a:rPr lang="en"/>
+              <a:t>Abby </a:t>
+            </a:r>
+            <a:endParaRPr/>
+          </a:p>
+          <a:p>
+            <a:pPr indent="0" lvl="0" marL="0" rtl="0" algn="l">
+              <a:spcBef>
+                <a:spcPts val="0"/>
+              </a:spcBef>
+              <a:spcAft>
+                <a:spcPts val="0"/>
+              </a:spcAft>
+              <a:buNone/>
+            </a:pPr>
+            <a:r>
+              <a:rPr lang="en"/>
+              <a:t>The original columns are like this. There is a redundant col. As you can see from the slide. There is Date and Year. For the columns: 4046.4225 and 4770 represents the size of avocados, such as, small, large, and Extra large.  Later on, you will see how the data is organized thought out our jupyter notebook.</a:t>
+            </a:r>
+            <a:endParaRPr/>
+          </a:p>
+          <a:p>
+            <a:pPr indent="0" lvl="0" marL="0" rtl="0" algn="l">
+              <a:spcBef>
+                <a:spcPts val="0"/>
+              </a:spcBef>
+              <a:spcAft>
+                <a:spcPts val="0"/>
+              </a:spcAft>
+              <a:buNone/>
+            </a:pPr>
+            <a:r>
+              <a:t/>
+            </a:r>
+            <a:endParaRPr/>
+          </a:p>
+          <a:p>
+            <a:pPr indent="0" lvl="0" marL="0" rtl="0" algn="l">
+              <a:spcBef>
+                <a:spcPts val="0"/>
+              </a:spcBef>
+              <a:spcAft>
+                <a:spcPts val="0"/>
+              </a:spcAft>
+              <a:buNone/>
+            </a:pPr>
+            <a:r>
+              <a:rPr lang="en" u="sng">
                 <a:solidFill>
                   <a:schemeClr val="hlink"/>
                 </a:solidFill>
-                <a:hlinkClick r:id="rId3"/>
+                <a:hlinkClick r:id="rId2"/>
               </a:rPr>
               <a:t>https://www.kaggle.com/neuromusic/avocado-prices</a:t>
             </a:r>
-            <a:endParaRPr dirty="0"/>
+            <a:endParaRPr/>
           </a:p>
         </p:txBody>
       </p:sp>
@@ -4177,19 +4218,18 @@
 </file>
 
 <file path=ppt/slideLayouts/slideLayout1.xml><?xml version="1.0" encoding="utf-8"?>
-<p:sldLayout xmlns:a="http://schemas.openxmlformats.org/drawingml/2006/main" xmlns:r="http://schemas.openxmlformats.org/officeDocument/2006/relationships" xmlns:p="http://schemas.openxmlformats.org/presentationml/2006/main" matchingName="Title slide" type="title">
+<p:sldLayout xmlns:a="http://schemas.openxmlformats.org/drawingml/2006/main" xmlns:r="http://schemas.openxmlformats.org/officeDocument/2006/relationships" xmlns:mc="http://schemas.openxmlformats.org/markup-compatibility/2006" xmlns:mv="urn:schemas-microsoft-com:mac:vml" xmlns:p="http://schemas.openxmlformats.org/presentationml/2006/main" xmlns:c="http://schemas.openxmlformats.org/drawingml/2006/chart" xmlns:dgm="http://schemas.openxmlformats.org/drawingml/2006/diagram" xmlns:o="urn:schemas-microsoft-com:office:office" xmlns:v="urn:schemas-microsoft-com:vml" xmlns:pvml="urn:schemas-microsoft-com:office:powerpoint" xmlns:com="http://schemas.openxmlformats.org/drawingml/2006/compatibility" xmlns:p14="http://schemas.microsoft.com/office/powerpoint/2010/main" xmlns:p15="http://schemas.microsoft.com/office/powerpoint/2012/main" matchingName="Title slide" type="title">
   <p:cSld name="TITLE">
     <p:bg>
       <p:bgPr>
         <a:solidFill>
           <a:schemeClr val="lt2"/>
         </a:solidFill>
-        <a:effectLst/>
       </p:bgPr>
     </p:bg>
     <p:spTree>
       <p:nvGrpSpPr>
-        <p:cNvPr id="1" name="Shape 9"/>
+        <p:cNvPr id="9" name="Shape 9"/>
         <p:cNvGrpSpPr/>
         <p:nvPr/>
       </p:nvGrpSpPr>
@@ -4223,20 +4263,23 @@
           </a:ln>
         </p:spPr>
         <p:txBody>
-          <a:bodyPr spcFirstLastPara="1" wrap="square" lIns="91425" tIns="91425" rIns="91425" bIns="91425" anchor="ctr" anchorCtr="0">
+          <a:bodyPr anchorCtr="0" anchor="ctr" bIns="91425" lIns="91425" spcFirstLastPara="1" rIns="91425" wrap="square" tIns="91425">
             <a:noAutofit/>
           </a:bodyPr>
           <a:lstStyle/>
           <a:p>
-            <a:pPr marL="0" lvl="0" indent="0" algn="l" rtl="0">
-              <a:spcBef>
-                <a:spcPts val="0"/>
-              </a:spcBef>
-              <a:spcAft>
-                <a:spcPts val="0"/>
-              </a:spcAft>
-              <a:buNone/>
-            </a:pPr>
+            <a:pPr indent="0" lvl="0" marL="0" rtl="0" algn="l">
+              <a:spcBef>
+                <a:spcPts val="0"/>
+              </a:spcBef>
+              <a:spcAft>
+                <a:spcPts val="0"/>
+              </a:spcAft>
+              <a:buNone/>
+            </a:pPr>
+            <a:r>
+              <a:t/>
+            </a:r>
             <a:endParaRPr/>
           </a:p>
         </p:txBody>
@@ -4277,12 +4320,12 @@
             </a:ln>
           </p:spPr>
           <p:txBody>
-            <a:bodyPr spcFirstLastPara="1" wrap="square" lIns="91425" tIns="91425" rIns="91425" bIns="91425" anchor="ctr" anchorCtr="0">
+            <a:bodyPr anchorCtr="0" anchor="ctr" bIns="91425" lIns="91425" spcFirstLastPara="1" rIns="91425" wrap="square" tIns="91425">
               <a:noAutofit/>
             </a:bodyPr>
             <a:lstStyle/>
             <a:p>
-              <a:pPr marL="0" lvl="0" indent="0" algn="l" rtl="0">
+              <a:pPr indent="0" lvl="0" marL="0" rtl="0" algn="l">
                 <a:spcBef>
                   <a:spcPts val="0"/>
                 </a:spcBef>
@@ -4291,6 +4334,9 @@
                 </a:spcAft>
                 <a:buNone/>
               </a:pPr>
+              <a:r>
+                <a:t/>
+              </a:r>
               <a:endParaRPr/>
             </a:p>
           </p:txBody>
@@ -4317,12 +4363,12 @@
             </a:ln>
           </p:spPr>
           <p:txBody>
-            <a:bodyPr spcFirstLastPara="1" wrap="square" lIns="91425" tIns="91425" rIns="91425" bIns="91425" anchor="ctr" anchorCtr="0">
+            <a:bodyPr anchorCtr="0" anchor="ctr" bIns="91425" lIns="91425" spcFirstLastPara="1" rIns="91425" wrap="square" tIns="91425">
               <a:noAutofit/>
             </a:bodyPr>
             <a:lstStyle/>
             <a:p>
-              <a:pPr marL="0" lvl="0" indent="0" algn="l" rtl="0">
+              <a:pPr indent="0" lvl="0" marL="0" rtl="0" algn="l">
                 <a:spcBef>
                   <a:spcPts val="0"/>
                 </a:spcBef>
@@ -4331,6 +4377,9 @@
                 </a:spcAft>
                 <a:buNone/>
               </a:pPr>
+              <a:r>
+                <a:t/>
+              </a:r>
               <a:endParaRPr/>
             </a:p>
           </p:txBody>
@@ -4339,9 +4388,7 @@
       <p:sp>
         <p:nvSpPr>
           <p:cNvPr id="14" name="Google Shape;14;p2"/>
-          <p:cNvSpPr txBox="1">
-            <a:spLocks noGrp="1"/>
-          </p:cNvSpPr>
+          <p:cNvSpPr txBox="1"/>
           <p:nvPr>
             <p:ph type="ctrTitle"/>
           </p:nvPr>
@@ -4356,7 +4403,7 @@
           </a:prstGeom>
         </p:spPr>
         <p:txBody>
-          <a:bodyPr spcFirstLastPara="1" wrap="square" lIns="91425" tIns="91425" rIns="91425" bIns="91425" anchor="t" anchorCtr="0">
+          <a:bodyPr anchorCtr="0" anchor="t" bIns="91425" lIns="91425" spcFirstLastPara="1" rIns="91425" wrap="square" tIns="91425">
             <a:noAutofit/>
           </a:bodyPr>
           <a:lstStyle>
@@ -4523,19 +4570,15 @@
               </a:defRPr>
             </a:lvl9pPr>
           </a:lstStyle>
-          <a:p>
-            <a:endParaRPr/>
-          </a:p>
+          <a:p/>
         </p:txBody>
       </p:sp>
       <p:sp>
         <p:nvSpPr>
           <p:cNvPr id="15" name="Google Shape;15;p2"/>
-          <p:cNvSpPr txBox="1">
-            <a:spLocks noGrp="1"/>
-          </p:cNvSpPr>
+          <p:cNvSpPr txBox="1"/>
           <p:nvPr>
-            <p:ph type="subTitle" idx="1"/>
+            <p:ph idx="1" type="subTitle"/>
           </p:nvPr>
         </p:nvSpPr>
         <p:spPr>
@@ -4548,7 +4591,7 @@
           </a:prstGeom>
         </p:spPr>
         <p:txBody>
-          <a:bodyPr spcFirstLastPara="1" wrap="square" lIns="91425" tIns="91425" rIns="91425" bIns="91425" anchor="t" anchorCtr="0">
+          <a:bodyPr anchorCtr="0" anchor="t" bIns="91425" lIns="91425" spcFirstLastPara="1" rIns="91425" wrap="square" tIns="91425">
             <a:noAutofit/>
           </a:bodyPr>
           <a:lstStyle>
@@ -4679,19 +4722,15 @@
               <a:defRPr sz="1600"/>
             </a:lvl9pPr>
           </a:lstStyle>
-          <a:p>
-            <a:endParaRPr/>
-          </a:p>
+          <a:p/>
         </p:txBody>
       </p:sp>
       <p:sp>
         <p:nvSpPr>
           <p:cNvPr id="16" name="Google Shape;16;p2"/>
-          <p:cNvSpPr txBox="1">
-            <a:spLocks noGrp="1"/>
-          </p:cNvSpPr>
+          <p:cNvSpPr txBox="1"/>
           <p:nvPr>
-            <p:ph type="sldNum" idx="12"/>
+            <p:ph idx="12" type="sldNum"/>
           </p:nvPr>
         </p:nvSpPr>
         <p:spPr>
@@ -4704,7 +4743,7 @@
           </a:prstGeom>
         </p:spPr>
         <p:txBody>
-          <a:bodyPr spcFirstLastPara="1" wrap="square" lIns="91425" tIns="91425" rIns="91425" bIns="91425" anchor="ctr" anchorCtr="0">
+          <a:bodyPr anchorCtr="0" anchor="ctr" bIns="91425" lIns="91425" spcFirstLastPara="1" rIns="91425" wrap="square" tIns="91425">
             <a:noAutofit/>
           </a:bodyPr>
           <a:lstStyle>
@@ -4746,7 +4785,7 @@
             </a:lvl9pPr>
           </a:lstStyle>
           <a:p>
-            <a:pPr marL="0" lvl="0" indent="0" algn="r" rtl="0">
+            <a:pPr indent="0" lvl="0" marL="0" rtl="0" algn="r">
               <a:spcBef>
                 <a:spcPts val="0"/>
               </a:spcBef>
@@ -4772,19 +4811,18 @@
 </file>
 
 <file path=ppt/slideLayouts/slideLayout10.xml><?xml version="1.0" encoding="utf-8"?>
-<p:sldLayout xmlns:a="http://schemas.openxmlformats.org/drawingml/2006/main" xmlns:r="http://schemas.openxmlformats.org/officeDocument/2006/relationships" xmlns:p="http://schemas.openxmlformats.org/presentationml/2006/main" matchingName="Big number">
+<p:sldLayout xmlns:a="http://schemas.openxmlformats.org/drawingml/2006/main" xmlns:r="http://schemas.openxmlformats.org/officeDocument/2006/relationships" xmlns:mc="http://schemas.openxmlformats.org/markup-compatibility/2006" xmlns:mv="urn:schemas-microsoft-com:mac:vml" xmlns:p="http://schemas.openxmlformats.org/presentationml/2006/main" xmlns:c="http://schemas.openxmlformats.org/drawingml/2006/chart" xmlns:dgm="http://schemas.openxmlformats.org/drawingml/2006/diagram" xmlns:o="urn:schemas-microsoft-com:office:office" xmlns:v="urn:schemas-microsoft-com:vml" xmlns:pvml="urn:schemas-microsoft-com:office:powerpoint" xmlns:com="http://schemas.openxmlformats.org/drawingml/2006/compatibility" xmlns:p14="http://schemas.microsoft.com/office/powerpoint/2010/main" xmlns:p15="http://schemas.microsoft.com/office/powerpoint/2012/main" matchingName="Big number">
   <p:cSld name="BIG_NUMBER">
     <p:bg>
       <p:bgPr>
         <a:solidFill>
           <a:schemeClr val="dk1"/>
         </a:solidFill>
-        <a:effectLst/>
       </p:bgPr>
     </p:bg>
     <p:spTree>
       <p:nvGrpSpPr>
-        <p:cNvPr id="1" name="Shape 73"/>
+        <p:cNvPr id="73" name="Shape 73"/>
         <p:cNvGrpSpPr/>
         <p:nvPr/>
       </p:nvGrpSpPr>
@@ -4832,12 +4870,12 @@
             </a:ln>
           </p:spPr>
           <p:txBody>
-            <a:bodyPr spcFirstLastPara="1" wrap="square" lIns="91425" tIns="91425" rIns="91425" bIns="91425" anchor="ctr" anchorCtr="0">
+            <a:bodyPr anchorCtr="0" anchor="ctr" bIns="91425" lIns="91425" spcFirstLastPara="1" rIns="91425" wrap="square" tIns="91425">
               <a:noAutofit/>
             </a:bodyPr>
             <a:lstStyle/>
             <a:p>
-              <a:pPr marL="0" lvl="0" indent="0" algn="l" rtl="0">
+              <a:pPr indent="0" lvl="0" marL="0" rtl="0" algn="l">
                 <a:spcBef>
                   <a:spcPts val="0"/>
                 </a:spcBef>
@@ -4846,6 +4884,9 @@
                 </a:spcAft>
                 <a:buNone/>
               </a:pPr>
+              <a:r>
+                <a:t/>
+              </a:r>
               <a:endParaRPr/>
             </a:p>
           </p:txBody>
@@ -4872,12 +4913,12 @@
             </a:ln>
           </p:spPr>
           <p:txBody>
-            <a:bodyPr spcFirstLastPara="1" wrap="square" lIns="91425" tIns="91425" rIns="91425" bIns="91425" anchor="ctr" anchorCtr="0">
+            <a:bodyPr anchorCtr="0" anchor="ctr" bIns="91425" lIns="91425" spcFirstLastPara="1" rIns="91425" wrap="square" tIns="91425">
               <a:noAutofit/>
             </a:bodyPr>
             <a:lstStyle/>
             <a:p>
-              <a:pPr marL="0" lvl="0" indent="0" algn="l" rtl="0">
+              <a:pPr indent="0" lvl="0" marL="0" rtl="0" algn="l">
                 <a:spcBef>
                   <a:spcPts val="0"/>
                 </a:spcBef>
@@ -4886,6 +4927,9 @@
                 </a:spcAft>
                 <a:buNone/>
               </a:pPr>
+              <a:r>
+                <a:t/>
+              </a:r>
               <a:endParaRPr/>
             </a:p>
           </p:txBody>
@@ -4894,11 +4938,9 @@
       <p:sp>
         <p:nvSpPr>
           <p:cNvPr id="77" name="Google Shape;77;p11"/>
-          <p:cNvSpPr txBox="1">
-            <a:spLocks noGrp="1"/>
-          </p:cNvSpPr>
+          <p:cNvSpPr txBox="1"/>
           <p:nvPr>
-            <p:ph type="title" hasCustomPrompt="1"/>
+            <p:ph hasCustomPrompt="1" type="title"/>
           </p:nvPr>
         </p:nvSpPr>
         <p:spPr>
@@ -4911,7 +4953,7 @@
           </a:prstGeom>
         </p:spPr>
         <p:txBody>
-          <a:bodyPr spcFirstLastPara="1" wrap="square" lIns="91425" tIns="91425" rIns="91425" bIns="91425" anchor="t" anchorCtr="0">
+          <a:bodyPr anchorCtr="0" anchor="t" bIns="91425" lIns="91425" spcFirstLastPara="1" rIns="91425" wrap="square" tIns="91425">
             <a:noAutofit/>
           </a:bodyPr>
           <a:lstStyle>
@@ -5088,11 +5130,9 @@
       <p:sp>
         <p:nvSpPr>
           <p:cNvPr id="78" name="Google Shape;78;p11"/>
-          <p:cNvSpPr txBox="1">
-            <a:spLocks noGrp="1"/>
-          </p:cNvSpPr>
+          <p:cNvSpPr txBox="1"/>
           <p:nvPr>
-            <p:ph type="body" idx="1"/>
+            <p:ph idx="1" type="body"/>
           </p:nvPr>
         </p:nvSpPr>
         <p:spPr>
@@ -5105,11 +5145,11 @@
           </a:prstGeom>
         </p:spPr>
         <p:txBody>
-          <a:bodyPr spcFirstLastPara="1" wrap="square" lIns="91425" tIns="91425" rIns="91425" bIns="91425" anchor="t" anchorCtr="0">
+          <a:bodyPr anchorCtr="0" anchor="t" bIns="91425" lIns="91425" spcFirstLastPara="1" rIns="91425" wrap="square" tIns="91425">
             <a:noAutofit/>
           </a:bodyPr>
           <a:lstStyle>
-            <a:lvl1pPr marL="457200" lvl="0" indent="-311150" rtl="0">
+            <a:lvl1pPr indent="-311150" lvl="0" marL="457200" rtl="0">
               <a:spcBef>
                 <a:spcPts val="0"/>
               </a:spcBef>
@@ -5127,7 +5167,7 @@
                 </a:solidFill>
               </a:defRPr>
             </a:lvl1pPr>
-            <a:lvl2pPr marL="914400" lvl="1" indent="-298450" rtl="0">
+            <a:lvl2pPr indent="-298450" lvl="1" marL="914400" rtl="0">
               <a:spcBef>
                 <a:spcPts val="1600"/>
               </a:spcBef>
@@ -5145,7 +5185,7 @@
                 </a:solidFill>
               </a:defRPr>
             </a:lvl2pPr>
-            <a:lvl3pPr marL="1371600" lvl="2" indent="-298450" rtl="0">
+            <a:lvl3pPr indent="-298450" lvl="2" marL="1371600" rtl="0">
               <a:spcBef>
                 <a:spcPts val="1600"/>
               </a:spcBef>
@@ -5163,7 +5203,7 @@
                 </a:solidFill>
               </a:defRPr>
             </a:lvl3pPr>
-            <a:lvl4pPr marL="1828800" lvl="3" indent="-298450" rtl="0">
+            <a:lvl4pPr indent="-298450" lvl="3" marL="1828800" rtl="0">
               <a:spcBef>
                 <a:spcPts val="1600"/>
               </a:spcBef>
@@ -5181,7 +5221,7 @@
                 </a:solidFill>
               </a:defRPr>
             </a:lvl4pPr>
-            <a:lvl5pPr marL="2286000" lvl="4" indent="-298450" rtl="0">
+            <a:lvl5pPr indent="-298450" lvl="4" marL="2286000" rtl="0">
               <a:spcBef>
                 <a:spcPts val="1600"/>
               </a:spcBef>
@@ -5199,7 +5239,7 @@
                 </a:solidFill>
               </a:defRPr>
             </a:lvl5pPr>
-            <a:lvl6pPr marL="2743200" lvl="5" indent="-298450" rtl="0">
+            <a:lvl6pPr indent="-298450" lvl="5" marL="2743200" rtl="0">
               <a:spcBef>
                 <a:spcPts val="1600"/>
               </a:spcBef>
@@ -5217,7 +5257,7 @@
                 </a:solidFill>
               </a:defRPr>
             </a:lvl6pPr>
-            <a:lvl7pPr marL="3200400" lvl="6" indent="-298450" rtl="0">
+            <a:lvl7pPr indent="-298450" lvl="6" marL="3200400" rtl="0">
               <a:spcBef>
                 <a:spcPts val="1600"/>
               </a:spcBef>
@@ -5235,7 +5275,7 @@
                 </a:solidFill>
               </a:defRPr>
             </a:lvl7pPr>
-            <a:lvl8pPr marL="3657600" lvl="7" indent="-298450" rtl="0">
+            <a:lvl8pPr indent="-298450" lvl="7" marL="3657600" rtl="0">
               <a:spcBef>
                 <a:spcPts val="1600"/>
               </a:spcBef>
@@ -5253,7 +5293,7 @@
                 </a:solidFill>
               </a:defRPr>
             </a:lvl8pPr>
-            <a:lvl9pPr marL="4114800" lvl="8" indent="-298450" rtl="0">
+            <a:lvl9pPr indent="-298450" lvl="8" marL="4114800" rtl="0">
               <a:spcBef>
                 <a:spcPts val="1600"/>
               </a:spcBef>
@@ -5272,19 +5312,15 @@
               </a:defRPr>
             </a:lvl9pPr>
           </a:lstStyle>
-          <a:p>
-            <a:endParaRPr/>
-          </a:p>
+          <a:p/>
         </p:txBody>
       </p:sp>
       <p:sp>
         <p:nvSpPr>
           <p:cNvPr id="79" name="Google Shape;79;p11"/>
-          <p:cNvSpPr txBox="1">
-            <a:spLocks noGrp="1"/>
-          </p:cNvSpPr>
+          <p:cNvSpPr txBox="1"/>
           <p:nvPr>
-            <p:ph type="sldNum" idx="12"/>
+            <p:ph idx="12" type="sldNum"/>
           </p:nvPr>
         </p:nvSpPr>
         <p:spPr>
@@ -5297,7 +5333,7 @@
           </a:prstGeom>
         </p:spPr>
         <p:txBody>
-          <a:bodyPr spcFirstLastPara="1" wrap="square" lIns="91425" tIns="91425" rIns="91425" bIns="91425" anchor="ctr" anchorCtr="0">
+          <a:bodyPr anchorCtr="0" anchor="ctr" bIns="91425" lIns="91425" spcFirstLastPara="1" rIns="91425" wrap="square" tIns="91425">
             <a:noAutofit/>
           </a:bodyPr>
           <a:lstStyle>
@@ -5375,7 +5411,7 @@
             </a:lvl9pPr>
           </a:lstStyle>
           <a:p>
-            <a:pPr marL="0" lvl="0" indent="0" algn="r" rtl="0">
+            <a:pPr indent="0" lvl="0" marL="0" rtl="0" algn="r">
               <a:spcBef>
                 <a:spcPts val="0"/>
               </a:spcBef>
@@ -5401,11 +5437,11 @@
 </file>
 
 <file path=ppt/slideLayouts/slideLayout11.xml><?xml version="1.0" encoding="utf-8"?>
-<p:sldLayout xmlns:a="http://schemas.openxmlformats.org/drawingml/2006/main" xmlns:r="http://schemas.openxmlformats.org/officeDocument/2006/relationships" xmlns:p="http://schemas.openxmlformats.org/presentationml/2006/main" matchingName="Blank" type="blank">
+<p:sldLayout xmlns:a="http://schemas.openxmlformats.org/drawingml/2006/main" xmlns:r="http://schemas.openxmlformats.org/officeDocument/2006/relationships" xmlns:mc="http://schemas.openxmlformats.org/markup-compatibility/2006" xmlns:mv="urn:schemas-microsoft-com:mac:vml" xmlns:p="http://schemas.openxmlformats.org/presentationml/2006/main" xmlns:c="http://schemas.openxmlformats.org/drawingml/2006/chart" xmlns:dgm="http://schemas.openxmlformats.org/drawingml/2006/diagram" xmlns:o="urn:schemas-microsoft-com:office:office" xmlns:v="urn:schemas-microsoft-com:vml" xmlns:pvml="urn:schemas-microsoft-com:office:powerpoint" xmlns:com="http://schemas.openxmlformats.org/drawingml/2006/compatibility" xmlns:p14="http://schemas.microsoft.com/office/powerpoint/2010/main" xmlns:p15="http://schemas.microsoft.com/office/powerpoint/2012/main" matchingName="Blank" type="blank">
   <p:cSld name="BLANK">
     <p:spTree>
       <p:nvGrpSpPr>
-        <p:cNvPr id="1" name="Shape 80"/>
+        <p:cNvPr id="80" name="Shape 80"/>
         <p:cNvGrpSpPr/>
         <p:nvPr/>
       </p:nvGrpSpPr>
@@ -5420,11 +5456,9 @@
       <p:sp>
         <p:nvSpPr>
           <p:cNvPr id="81" name="Google Shape;81;p12"/>
-          <p:cNvSpPr txBox="1">
-            <a:spLocks noGrp="1"/>
-          </p:cNvSpPr>
+          <p:cNvSpPr txBox="1"/>
           <p:nvPr>
-            <p:ph type="sldNum" idx="12"/>
+            <p:ph idx="12" type="sldNum"/>
           </p:nvPr>
         </p:nvSpPr>
         <p:spPr>
@@ -5437,7 +5471,7 @@
           </a:prstGeom>
         </p:spPr>
         <p:txBody>
-          <a:bodyPr spcFirstLastPara="1" wrap="square" lIns="91425" tIns="91425" rIns="91425" bIns="91425" anchor="ctr" anchorCtr="0">
+          <a:bodyPr anchorCtr="0" anchor="ctr" bIns="91425" lIns="91425" spcFirstLastPara="1" rIns="91425" wrap="square" tIns="91425">
             <a:noAutofit/>
           </a:bodyPr>
           <a:lstStyle>
@@ -5479,7 +5513,7 @@
             </a:lvl9pPr>
           </a:lstStyle>
           <a:p>
-            <a:pPr marL="0" lvl="0" indent="0" algn="r" rtl="0">
+            <a:pPr indent="0" lvl="0" marL="0" rtl="0" algn="r">
               <a:spcBef>
                 <a:spcPts val="0"/>
               </a:spcBef>
@@ -5505,19 +5539,18 @@
 </file>
 
 <file path=ppt/slideLayouts/slideLayout2.xml><?xml version="1.0" encoding="utf-8"?>
-<p:sldLayout xmlns:a="http://schemas.openxmlformats.org/drawingml/2006/main" xmlns:r="http://schemas.openxmlformats.org/officeDocument/2006/relationships" xmlns:p="http://schemas.openxmlformats.org/presentationml/2006/main" matchingName="Section header" type="secHead">
+<p:sldLayout xmlns:a="http://schemas.openxmlformats.org/drawingml/2006/main" xmlns:r="http://schemas.openxmlformats.org/officeDocument/2006/relationships" xmlns:mc="http://schemas.openxmlformats.org/markup-compatibility/2006" xmlns:mv="urn:schemas-microsoft-com:mac:vml" xmlns:p="http://schemas.openxmlformats.org/presentationml/2006/main" xmlns:c="http://schemas.openxmlformats.org/drawingml/2006/chart" xmlns:dgm="http://schemas.openxmlformats.org/drawingml/2006/diagram" xmlns:o="urn:schemas-microsoft-com:office:office" xmlns:v="urn:schemas-microsoft-com:vml" xmlns:pvml="urn:schemas-microsoft-com:office:powerpoint" xmlns:com="http://schemas.openxmlformats.org/drawingml/2006/compatibility" xmlns:p14="http://schemas.microsoft.com/office/powerpoint/2010/main" xmlns:p15="http://schemas.microsoft.com/office/powerpoint/2012/main" matchingName="Section header" type="secHead">
   <p:cSld name="SECTION_HEADER">
     <p:bg>
       <p:bgPr>
         <a:solidFill>
           <a:schemeClr val="dk1"/>
         </a:solidFill>
-        <a:effectLst/>
       </p:bgPr>
     </p:bg>
     <p:spTree>
       <p:nvGrpSpPr>
-        <p:cNvPr id="1" name="Shape 17"/>
+        <p:cNvPr id="17" name="Shape 17"/>
         <p:cNvGrpSpPr/>
         <p:nvPr/>
       </p:nvGrpSpPr>
@@ -5565,12 +5598,12 @@
             </a:ln>
           </p:spPr>
           <p:txBody>
-            <a:bodyPr spcFirstLastPara="1" wrap="square" lIns="91425" tIns="91425" rIns="91425" bIns="91425" anchor="ctr" anchorCtr="0">
+            <a:bodyPr anchorCtr="0" anchor="ctr" bIns="91425" lIns="91425" spcFirstLastPara="1" rIns="91425" wrap="square" tIns="91425">
               <a:noAutofit/>
             </a:bodyPr>
             <a:lstStyle/>
             <a:p>
-              <a:pPr marL="0" lvl="0" indent="0" algn="l" rtl="0">
+              <a:pPr indent="0" lvl="0" marL="0" rtl="0" algn="l">
                 <a:spcBef>
                   <a:spcPts val="0"/>
                 </a:spcBef>
@@ -5579,6 +5612,9 @@
                 </a:spcAft>
                 <a:buNone/>
               </a:pPr>
+              <a:r>
+                <a:t/>
+              </a:r>
               <a:endParaRPr/>
             </a:p>
           </p:txBody>
@@ -5605,12 +5641,12 @@
             </a:ln>
           </p:spPr>
           <p:txBody>
-            <a:bodyPr spcFirstLastPara="1" wrap="square" lIns="91425" tIns="91425" rIns="91425" bIns="91425" anchor="ctr" anchorCtr="0">
+            <a:bodyPr anchorCtr="0" anchor="ctr" bIns="91425" lIns="91425" spcFirstLastPara="1" rIns="91425" wrap="square" tIns="91425">
               <a:noAutofit/>
             </a:bodyPr>
             <a:lstStyle/>
             <a:p>
-              <a:pPr marL="0" lvl="0" indent="0" algn="l" rtl="0">
+              <a:pPr indent="0" lvl="0" marL="0" rtl="0" algn="l">
                 <a:spcBef>
                   <a:spcPts val="0"/>
                 </a:spcBef>
@@ -5619,6 +5655,9 @@
                 </a:spcAft>
                 <a:buNone/>
               </a:pPr>
+              <a:r>
+                <a:t/>
+              </a:r>
               <a:endParaRPr/>
             </a:p>
           </p:txBody>
@@ -5627,9 +5666,7 @@
       <p:sp>
         <p:nvSpPr>
           <p:cNvPr id="21" name="Google Shape;21;p3"/>
-          <p:cNvSpPr txBox="1">
-            <a:spLocks noGrp="1"/>
-          </p:cNvSpPr>
+          <p:cNvSpPr txBox="1"/>
           <p:nvPr>
             <p:ph type="title"/>
           </p:nvPr>
@@ -5644,7 +5681,7 @@
           </a:prstGeom>
         </p:spPr>
         <p:txBody>
-          <a:bodyPr spcFirstLastPara="1" wrap="square" lIns="91425" tIns="91425" rIns="91425" bIns="91425" anchor="t" anchorCtr="0">
+          <a:bodyPr anchorCtr="0" anchor="t" bIns="91425" lIns="91425" spcFirstLastPara="1" rIns="91425" wrap="square" tIns="91425">
             <a:noAutofit/>
           </a:bodyPr>
           <a:lstStyle>
@@ -5811,19 +5848,15 @@
               </a:defRPr>
             </a:lvl9pPr>
           </a:lstStyle>
-          <a:p>
-            <a:endParaRPr/>
-          </a:p>
+          <a:p/>
         </p:txBody>
       </p:sp>
       <p:sp>
         <p:nvSpPr>
           <p:cNvPr id="22" name="Google Shape;22;p3"/>
-          <p:cNvSpPr txBox="1">
-            <a:spLocks noGrp="1"/>
-          </p:cNvSpPr>
+          <p:cNvSpPr txBox="1"/>
           <p:nvPr>
-            <p:ph type="sldNum" idx="12"/>
+            <p:ph idx="12" type="sldNum"/>
           </p:nvPr>
         </p:nvSpPr>
         <p:spPr>
@@ -5836,7 +5869,7 @@
           </a:prstGeom>
         </p:spPr>
         <p:txBody>
-          <a:bodyPr spcFirstLastPara="1" wrap="square" lIns="91425" tIns="91425" rIns="91425" bIns="91425" anchor="ctr" anchorCtr="0">
+          <a:bodyPr anchorCtr="0" anchor="ctr" bIns="91425" lIns="91425" spcFirstLastPara="1" rIns="91425" wrap="square" tIns="91425">
             <a:noAutofit/>
           </a:bodyPr>
           <a:lstStyle>
@@ -5914,7 +5947,7 @@
             </a:lvl9pPr>
           </a:lstStyle>
           <a:p>
-            <a:pPr marL="0" lvl="0" indent="0" algn="r" rtl="0">
+            <a:pPr indent="0" lvl="0" marL="0" rtl="0" algn="r">
               <a:spcBef>
                 <a:spcPts val="0"/>
               </a:spcBef>
@@ -5940,11 +5973,11 @@
 </file>
 
 <file path=ppt/slideLayouts/slideLayout3.xml><?xml version="1.0" encoding="utf-8"?>
-<p:sldLayout xmlns:a="http://schemas.openxmlformats.org/drawingml/2006/main" xmlns:r="http://schemas.openxmlformats.org/officeDocument/2006/relationships" xmlns:p="http://schemas.openxmlformats.org/presentationml/2006/main" matchingName="Title and body" type="tx">
+<p:sldLayout xmlns:a="http://schemas.openxmlformats.org/drawingml/2006/main" xmlns:r="http://schemas.openxmlformats.org/officeDocument/2006/relationships" xmlns:mc="http://schemas.openxmlformats.org/markup-compatibility/2006" xmlns:mv="urn:schemas-microsoft-com:mac:vml" xmlns:p="http://schemas.openxmlformats.org/presentationml/2006/main" xmlns:c="http://schemas.openxmlformats.org/drawingml/2006/chart" xmlns:dgm="http://schemas.openxmlformats.org/drawingml/2006/diagram" xmlns:o="urn:schemas-microsoft-com:office:office" xmlns:v="urn:schemas-microsoft-com:vml" xmlns:pvml="urn:schemas-microsoft-com:office:powerpoint" xmlns:com="http://schemas.openxmlformats.org/drawingml/2006/compatibility" xmlns:p14="http://schemas.microsoft.com/office/powerpoint/2010/main" xmlns:p15="http://schemas.microsoft.com/office/powerpoint/2012/main" matchingName="Title and body" type="tx">
   <p:cSld name="TITLE_AND_BODY">
     <p:spTree>
       <p:nvGrpSpPr>
-        <p:cNvPr id="1" name="Shape 23"/>
+        <p:cNvPr id="23" name="Shape 23"/>
         <p:cNvGrpSpPr/>
         <p:nvPr/>
       </p:nvGrpSpPr>
@@ -5978,20 +6011,23 @@
           </a:ln>
         </p:spPr>
         <p:txBody>
-          <a:bodyPr spcFirstLastPara="1" wrap="square" lIns="91425" tIns="91425" rIns="91425" bIns="91425" anchor="ctr" anchorCtr="0">
+          <a:bodyPr anchorCtr="0" anchor="ctr" bIns="91425" lIns="91425" spcFirstLastPara="1" rIns="91425" wrap="square" tIns="91425">
             <a:noAutofit/>
           </a:bodyPr>
           <a:lstStyle/>
           <a:p>
-            <a:pPr marL="0" lvl="0" indent="0" algn="l" rtl="0">
-              <a:spcBef>
-                <a:spcPts val="0"/>
-              </a:spcBef>
-              <a:spcAft>
-                <a:spcPts val="0"/>
-              </a:spcAft>
-              <a:buNone/>
-            </a:pPr>
+            <a:pPr indent="0" lvl="0" marL="0" rtl="0" algn="l">
+              <a:spcBef>
+                <a:spcPts val="0"/>
+              </a:spcBef>
+              <a:spcAft>
+                <a:spcPts val="0"/>
+              </a:spcAft>
+              <a:buNone/>
+            </a:pPr>
+            <a:r>
+              <a:t/>
+            </a:r>
             <a:endParaRPr/>
           </a:p>
         </p:txBody>
@@ -6032,12 +6068,12 @@
             </a:ln>
           </p:spPr>
           <p:txBody>
-            <a:bodyPr spcFirstLastPara="1" wrap="square" lIns="91425" tIns="91425" rIns="91425" bIns="91425" anchor="ctr" anchorCtr="0">
+            <a:bodyPr anchorCtr="0" anchor="ctr" bIns="91425" lIns="91425" spcFirstLastPara="1" rIns="91425" wrap="square" tIns="91425">
               <a:noAutofit/>
             </a:bodyPr>
             <a:lstStyle/>
             <a:p>
-              <a:pPr marL="0" lvl="0" indent="0" algn="l" rtl="0">
+              <a:pPr indent="0" lvl="0" marL="0" rtl="0" algn="l">
                 <a:spcBef>
                   <a:spcPts val="0"/>
                 </a:spcBef>
@@ -6046,6 +6082,9 @@
                 </a:spcAft>
                 <a:buNone/>
               </a:pPr>
+              <a:r>
+                <a:t/>
+              </a:r>
               <a:endParaRPr/>
             </a:p>
           </p:txBody>
@@ -6072,12 +6111,12 @@
             </a:ln>
           </p:spPr>
           <p:txBody>
-            <a:bodyPr spcFirstLastPara="1" wrap="square" lIns="91425" tIns="91425" rIns="91425" bIns="91425" anchor="ctr" anchorCtr="0">
+            <a:bodyPr anchorCtr="0" anchor="ctr" bIns="91425" lIns="91425" spcFirstLastPara="1" rIns="91425" wrap="square" tIns="91425">
               <a:noAutofit/>
             </a:bodyPr>
             <a:lstStyle/>
             <a:p>
-              <a:pPr marL="0" lvl="0" indent="0" algn="l" rtl="0">
+              <a:pPr indent="0" lvl="0" marL="0" rtl="0" algn="l">
                 <a:spcBef>
                   <a:spcPts val="0"/>
                 </a:spcBef>
@@ -6086,6 +6125,9 @@
                 </a:spcAft>
                 <a:buNone/>
               </a:pPr>
+              <a:r>
+                <a:t/>
+              </a:r>
               <a:endParaRPr/>
             </a:p>
           </p:txBody>
@@ -6094,9 +6136,7 @@
       <p:sp>
         <p:nvSpPr>
           <p:cNvPr id="28" name="Google Shape;28;p4"/>
-          <p:cNvSpPr txBox="1">
-            <a:spLocks noGrp="1"/>
-          </p:cNvSpPr>
+          <p:cNvSpPr txBox="1"/>
           <p:nvPr>
             <p:ph type="title"/>
           </p:nvPr>
@@ -6111,7 +6151,7 @@
           </a:prstGeom>
         </p:spPr>
         <p:txBody>
-          <a:bodyPr spcFirstLastPara="1" wrap="square" lIns="91425" tIns="91425" rIns="91425" bIns="91425" anchor="t" anchorCtr="0">
+          <a:bodyPr anchorCtr="0" anchor="t" bIns="91425" lIns="91425" spcFirstLastPara="1" rIns="91425" wrap="square" tIns="91425">
             <a:noAutofit/>
           </a:bodyPr>
           <a:lstStyle>
@@ -6278,19 +6318,15 @@
               </a:defRPr>
             </a:lvl9pPr>
           </a:lstStyle>
-          <a:p>
-            <a:endParaRPr/>
-          </a:p>
+          <a:p/>
         </p:txBody>
       </p:sp>
       <p:sp>
         <p:nvSpPr>
           <p:cNvPr id="29" name="Google Shape;29;p4"/>
-          <p:cNvSpPr txBox="1">
-            <a:spLocks noGrp="1"/>
-          </p:cNvSpPr>
+          <p:cNvSpPr txBox="1"/>
           <p:nvPr>
-            <p:ph type="body" idx="1"/>
+            <p:ph idx="1" type="body"/>
           </p:nvPr>
         </p:nvSpPr>
         <p:spPr>
@@ -6303,11 +6339,11 @@
           </a:prstGeom>
         </p:spPr>
         <p:txBody>
-          <a:bodyPr spcFirstLastPara="1" wrap="square" lIns="91425" tIns="91425" rIns="91425" bIns="91425" anchor="t" anchorCtr="0">
+          <a:bodyPr anchorCtr="0" anchor="t" bIns="91425" lIns="91425" spcFirstLastPara="1" rIns="91425" wrap="square" tIns="91425">
             <a:noAutofit/>
           </a:bodyPr>
           <a:lstStyle>
-            <a:lvl1pPr marL="457200" lvl="0" indent="-311150" rtl="0">
+            <a:lvl1pPr indent="-311150" lvl="0" marL="457200" rtl="0">
               <a:spcBef>
                 <a:spcPts val="0"/>
               </a:spcBef>
@@ -6318,7 +6354,7 @@
               <a:buChar char="●"/>
               <a:defRPr/>
             </a:lvl1pPr>
-            <a:lvl2pPr marL="914400" lvl="1" indent="-298450" rtl="0">
+            <a:lvl2pPr indent="-298450" lvl="1" marL="914400" rtl="0">
               <a:spcBef>
                 <a:spcPts val="1600"/>
               </a:spcBef>
@@ -6329,7 +6365,7 @@
               <a:buChar char="○"/>
               <a:defRPr/>
             </a:lvl2pPr>
-            <a:lvl3pPr marL="1371600" lvl="2" indent="-298450" rtl="0">
+            <a:lvl3pPr indent="-298450" lvl="2" marL="1371600" rtl="0">
               <a:spcBef>
                 <a:spcPts val="1600"/>
               </a:spcBef>
@@ -6340,7 +6376,7 @@
               <a:buChar char="■"/>
               <a:defRPr/>
             </a:lvl3pPr>
-            <a:lvl4pPr marL="1828800" lvl="3" indent="-298450" rtl="0">
+            <a:lvl4pPr indent="-298450" lvl="3" marL="1828800" rtl="0">
               <a:spcBef>
                 <a:spcPts val="1600"/>
               </a:spcBef>
@@ -6351,7 +6387,7 @@
               <a:buChar char="●"/>
               <a:defRPr/>
             </a:lvl4pPr>
-            <a:lvl5pPr marL="2286000" lvl="4" indent="-298450" rtl="0">
+            <a:lvl5pPr indent="-298450" lvl="4" marL="2286000" rtl="0">
               <a:spcBef>
                 <a:spcPts val="1600"/>
               </a:spcBef>
@@ -6362,7 +6398,7 @@
               <a:buChar char="○"/>
               <a:defRPr/>
             </a:lvl5pPr>
-            <a:lvl6pPr marL="2743200" lvl="5" indent="-298450" rtl="0">
+            <a:lvl6pPr indent="-298450" lvl="5" marL="2743200" rtl="0">
               <a:spcBef>
                 <a:spcPts val="1600"/>
               </a:spcBef>
@@ -6373,7 +6409,7 @@
               <a:buChar char="■"/>
               <a:defRPr/>
             </a:lvl6pPr>
-            <a:lvl7pPr marL="3200400" lvl="6" indent="-298450" rtl="0">
+            <a:lvl7pPr indent="-298450" lvl="6" marL="3200400" rtl="0">
               <a:spcBef>
                 <a:spcPts val="1600"/>
               </a:spcBef>
@@ -6384,7 +6420,7 @@
               <a:buChar char="●"/>
               <a:defRPr/>
             </a:lvl7pPr>
-            <a:lvl8pPr marL="3657600" lvl="7" indent="-298450" rtl="0">
+            <a:lvl8pPr indent="-298450" lvl="7" marL="3657600" rtl="0">
               <a:spcBef>
                 <a:spcPts val="1600"/>
               </a:spcBef>
@@ -6395,7 +6431,7 @@
               <a:buChar char="○"/>
               <a:defRPr/>
             </a:lvl8pPr>
-            <a:lvl9pPr marL="4114800" lvl="8" indent="-298450" rtl="0">
+            <a:lvl9pPr indent="-298450" lvl="8" marL="4114800" rtl="0">
               <a:spcBef>
                 <a:spcPts val="1600"/>
               </a:spcBef>
@@ -6407,19 +6443,15 @@
               <a:defRPr/>
             </a:lvl9pPr>
           </a:lstStyle>
-          <a:p>
-            <a:endParaRPr/>
-          </a:p>
+          <a:p/>
         </p:txBody>
       </p:sp>
       <p:sp>
         <p:nvSpPr>
           <p:cNvPr id="30" name="Google Shape;30;p4"/>
-          <p:cNvSpPr txBox="1">
-            <a:spLocks noGrp="1"/>
-          </p:cNvSpPr>
+          <p:cNvSpPr txBox="1"/>
           <p:nvPr>
-            <p:ph type="sldNum" idx="12"/>
+            <p:ph idx="12" type="sldNum"/>
           </p:nvPr>
         </p:nvSpPr>
         <p:spPr>
@@ -6432,7 +6464,7 @@
           </a:prstGeom>
         </p:spPr>
         <p:txBody>
-          <a:bodyPr spcFirstLastPara="1" wrap="square" lIns="91425" tIns="91425" rIns="91425" bIns="91425" anchor="ctr" anchorCtr="0">
+          <a:bodyPr anchorCtr="0" anchor="ctr" bIns="91425" lIns="91425" spcFirstLastPara="1" rIns="91425" wrap="square" tIns="91425">
             <a:noAutofit/>
           </a:bodyPr>
           <a:lstStyle>
@@ -6474,7 +6506,7 @@
             </a:lvl9pPr>
           </a:lstStyle>
           <a:p>
-            <a:pPr marL="0" lvl="0" indent="0" algn="r" rtl="0">
+            <a:pPr indent="0" lvl="0" marL="0" rtl="0" algn="r">
               <a:spcBef>
                 <a:spcPts val="0"/>
               </a:spcBef>
@@ -6500,11 +6532,11 @@
 </file>
 
 <file path=ppt/slideLayouts/slideLayout4.xml><?xml version="1.0" encoding="utf-8"?>
-<p:sldLayout xmlns:a="http://schemas.openxmlformats.org/drawingml/2006/main" xmlns:r="http://schemas.openxmlformats.org/officeDocument/2006/relationships" xmlns:p="http://schemas.openxmlformats.org/presentationml/2006/main" matchingName="Title and two columns" type="twoColTx">
+<p:sldLayout xmlns:a="http://schemas.openxmlformats.org/drawingml/2006/main" xmlns:r="http://schemas.openxmlformats.org/officeDocument/2006/relationships" xmlns:mc="http://schemas.openxmlformats.org/markup-compatibility/2006" xmlns:mv="urn:schemas-microsoft-com:mac:vml" xmlns:p="http://schemas.openxmlformats.org/presentationml/2006/main" xmlns:c="http://schemas.openxmlformats.org/drawingml/2006/chart" xmlns:dgm="http://schemas.openxmlformats.org/drawingml/2006/diagram" xmlns:o="urn:schemas-microsoft-com:office:office" xmlns:v="urn:schemas-microsoft-com:vml" xmlns:pvml="urn:schemas-microsoft-com:office:powerpoint" xmlns:com="http://schemas.openxmlformats.org/drawingml/2006/compatibility" xmlns:p14="http://schemas.microsoft.com/office/powerpoint/2010/main" xmlns:p15="http://schemas.microsoft.com/office/powerpoint/2012/main" matchingName="Title and two columns" type="twoColTx">
   <p:cSld name="TITLE_AND_TWO_COLUMNS">
     <p:spTree>
       <p:nvGrpSpPr>
-        <p:cNvPr id="1" name="Shape 31"/>
+        <p:cNvPr id="31" name="Shape 31"/>
         <p:cNvGrpSpPr/>
         <p:nvPr/>
       </p:nvGrpSpPr>
@@ -6538,20 +6570,23 @@
           </a:ln>
         </p:spPr>
         <p:txBody>
-          <a:bodyPr spcFirstLastPara="1" wrap="square" lIns="91425" tIns="91425" rIns="91425" bIns="91425" anchor="ctr" anchorCtr="0">
+          <a:bodyPr anchorCtr="0" anchor="ctr" bIns="91425" lIns="91425" spcFirstLastPara="1" rIns="91425" wrap="square" tIns="91425">
             <a:noAutofit/>
           </a:bodyPr>
           <a:lstStyle/>
           <a:p>
-            <a:pPr marL="0" lvl="0" indent="0" algn="l" rtl="0">
-              <a:spcBef>
-                <a:spcPts val="0"/>
-              </a:spcBef>
-              <a:spcAft>
-                <a:spcPts val="0"/>
-              </a:spcAft>
-              <a:buNone/>
-            </a:pPr>
+            <a:pPr indent="0" lvl="0" marL="0" rtl="0" algn="l">
+              <a:spcBef>
+                <a:spcPts val="0"/>
+              </a:spcBef>
+              <a:spcAft>
+                <a:spcPts val="0"/>
+              </a:spcAft>
+              <a:buNone/>
+            </a:pPr>
+            <a:r>
+              <a:t/>
+            </a:r>
             <a:endParaRPr/>
           </a:p>
         </p:txBody>
@@ -6592,12 +6627,12 @@
             </a:ln>
           </p:spPr>
           <p:txBody>
-            <a:bodyPr spcFirstLastPara="1" wrap="square" lIns="91425" tIns="91425" rIns="91425" bIns="91425" anchor="ctr" anchorCtr="0">
+            <a:bodyPr anchorCtr="0" anchor="ctr" bIns="91425" lIns="91425" spcFirstLastPara="1" rIns="91425" wrap="square" tIns="91425">
               <a:noAutofit/>
             </a:bodyPr>
             <a:lstStyle/>
             <a:p>
-              <a:pPr marL="0" lvl="0" indent="0" algn="l" rtl="0">
+              <a:pPr indent="0" lvl="0" marL="0" rtl="0" algn="l">
                 <a:spcBef>
                   <a:spcPts val="0"/>
                 </a:spcBef>
@@ -6606,6 +6641,9 @@
                 </a:spcAft>
                 <a:buNone/>
               </a:pPr>
+              <a:r>
+                <a:t/>
+              </a:r>
               <a:endParaRPr/>
             </a:p>
           </p:txBody>
@@ -6632,12 +6670,12 @@
             </a:ln>
           </p:spPr>
           <p:txBody>
-            <a:bodyPr spcFirstLastPara="1" wrap="square" lIns="91425" tIns="91425" rIns="91425" bIns="91425" anchor="ctr" anchorCtr="0">
+            <a:bodyPr anchorCtr="0" anchor="ctr" bIns="91425" lIns="91425" spcFirstLastPara="1" rIns="91425" wrap="square" tIns="91425">
               <a:noAutofit/>
             </a:bodyPr>
             <a:lstStyle/>
             <a:p>
-              <a:pPr marL="0" lvl="0" indent="0" algn="l" rtl="0">
+              <a:pPr indent="0" lvl="0" marL="0" rtl="0" algn="l">
                 <a:spcBef>
                   <a:spcPts val="0"/>
                 </a:spcBef>
@@ -6646,6 +6684,9 @@
                 </a:spcAft>
                 <a:buNone/>
               </a:pPr>
+              <a:r>
+                <a:t/>
+              </a:r>
               <a:endParaRPr/>
             </a:p>
           </p:txBody>
@@ -6654,9 +6695,7 @@
       <p:sp>
         <p:nvSpPr>
           <p:cNvPr id="36" name="Google Shape;36;p5"/>
-          <p:cNvSpPr txBox="1">
-            <a:spLocks noGrp="1"/>
-          </p:cNvSpPr>
+          <p:cNvSpPr txBox="1"/>
           <p:nvPr>
             <p:ph type="title"/>
           </p:nvPr>
@@ -6671,7 +6710,7 @@
           </a:prstGeom>
         </p:spPr>
         <p:txBody>
-          <a:bodyPr spcFirstLastPara="1" wrap="square" lIns="91425" tIns="91425" rIns="91425" bIns="91425" anchor="t" anchorCtr="0">
+          <a:bodyPr anchorCtr="0" anchor="t" bIns="91425" lIns="91425" spcFirstLastPara="1" rIns="91425" wrap="square" tIns="91425">
             <a:noAutofit/>
           </a:bodyPr>
           <a:lstStyle>
@@ -6838,19 +6877,15 @@
               </a:defRPr>
             </a:lvl9pPr>
           </a:lstStyle>
-          <a:p>
-            <a:endParaRPr/>
-          </a:p>
+          <a:p/>
         </p:txBody>
       </p:sp>
       <p:sp>
         <p:nvSpPr>
           <p:cNvPr id="37" name="Google Shape;37;p5"/>
-          <p:cNvSpPr txBox="1">
-            <a:spLocks noGrp="1"/>
-          </p:cNvSpPr>
+          <p:cNvSpPr txBox="1"/>
           <p:nvPr>
-            <p:ph type="body" idx="1"/>
+            <p:ph idx="1" type="body"/>
           </p:nvPr>
         </p:nvSpPr>
         <p:spPr>
@@ -6863,11 +6898,11 @@
           </a:prstGeom>
         </p:spPr>
         <p:txBody>
-          <a:bodyPr spcFirstLastPara="1" wrap="square" lIns="91425" tIns="91425" rIns="91425" bIns="91425" anchor="t" anchorCtr="0">
+          <a:bodyPr anchorCtr="0" anchor="t" bIns="91425" lIns="91425" spcFirstLastPara="1" rIns="91425" wrap="square" tIns="91425">
             <a:noAutofit/>
           </a:bodyPr>
           <a:lstStyle>
-            <a:lvl1pPr marL="457200" lvl="0" indent="-311150" rtl="0">
+            <a:lvl1pPr indent="-311150" lvl="0" marL="457200" rtl="0">
               <a:spcBef>
                 <a:spcPts val="0"/>
               </a:spcBef>
@@ -6878,7 +6913,7 @@
               <a:buChar char="●"/>
               <a:defRPr/>
             </a:lvl1pPr>
-            <a:lvl2pPr marL="914400" lvl="1" indent="-298450" rtl="0">
+            <a:lvl2pPr indent="-298450" lvl="1" marL="914400" rtl="0">
               <a:spcBef>
                 <a:spcPts val="1600"/>
               </a:spcBef>
@@ -6889,7 +6924,7 @@
               <a:buChar char="○"/>
               <a:defRPr/>
             </a:lvl2pPr>
-            <a:lvl3pPr marL="1371600" lvl="2" indent="-298450" rtl="0">
+            <a:lvl3pPr indent="-298450" lvl="2" marL="1371600" rtl="0">
               <a:spcBef>
                 <a:spcPts val="1600"/>
               </a:spcBef>
@@ -6900,7 +6935,7 @@
               <a:buChar char="■"/>
               <a:defRPr/>
             </a:lvl3pPr>
-            <a:lvl4pPr marL="1828800" lvl="3" indent="-298450" rtl="0">
+            <a:lvl4pPr indent="-298450" lvl="3" marL="1828800" rtl="0">
               <a:spcBef>
                 <a:spcPts val="1600"/>
               </a:spcBef>
@@ -6911,7 +6946,7 @@
               <a:buChar char="●"/>
               <a:defRPr/>
             </a:lvl4pPr>
-            <a:lvl5pPr marL="2286000" lvl="4" indent="-298450" rtl="0">
+            <a:lvl5pPr indent="-298450" lvl="4" marL="2286000" rtl="0">
               <a:spcBef>
                 <a:spcPts val="1600"/>
               </a:spcBef>
@@ -6922,7 +6957,7 @@
               <a:buChar char="○"/>
               <a:defRPr/>
             </a:lvl5pPr>
-            <a:lvl6pPr marL="2743200" lvl="5" indent="-298450" rtl="0">
+            <a:lvl6pPr indent="-298450" lvl="5" marL="2743200" rtl="0">
               <a:spcBef>
                 <a:spcPts val="1600"/>
               </a:spcBef>
@@ -6933,7 +6968,7 @@
               <a:buChar char="■"/>
               <a:defRPr/>
             </a:lvl6pPr>
-            <a:lvl7pPr marL="3200400" lvl="6" indent="-298450" rtl="0">
+            <a:lvl7pPr indent="-298450" lvl="6" marL="3200400" rtl="0">
               <a:spcBef>
                 <a:spcPts val="1600"/>
               </a:spcBef>
@@ -6944,7 +6979,7 @@
               <a:buChar char="●"/>
               <a:defRPr/>
             </a:lvl7pPr>
-            <a:lvl8pPr marL="3657600" lvl="7" indent="-298450" rtl="0">
+            <a:lvl8pPr indent="-298450" lvl="7" marL="3657600" rtl="0">
               <a:spcBef>
                 <a:spcPts val="1600"/>
               </a:spcBef>
@@ -6955,7 +6990,7 @@
               <a:buChar char="○"/>
               <a:defRPr/>
             </a:lvl8pPr>
-            <a:lvl9pPr marL="4114800" lvl="8" indent="-298450" rtl="0">
+            <a:lvl9pPr indent="-298450" lvl="8" marL="4114800" rtl="0">
               <a:spcBef>
                 <a:spcPts val="1600"/>
               </a:spcBef>
@@ -6967,19 +7002,15 @@
               <a:defRPr/>
             </a:lvl9pPr>
           </a:lstStyle>
-          <a:p>
-            <a:endParaRPr/>
-          </a:p>
+          <a:p/>
         </p:txBody>
       </p:sp>
       <p:sp>
         <p:nvSpPr>
           <p:cNvPr id="38" name="Google Shape;38;p5"/>
-          <p:cNvSpPr txBox="1">
-            <a:spLocks noGrp="1"/>
-          </p:cNvSpPr>
+          <p:cNvSpPr txBox="1"/>
           <p:nvPr>
-            <p:ph type="body" idx="2"/>
+            <p:ph idx="2" type="body"/>
           </p:nvPr>
         </p:nvSpPr>
         <p:spPr>
@@ -6992,11 +7023,11 @@
           </a:prstGeom>
         </p:spPr>
         <p:txBody>
-          <a:bodyPr spcFirstLastPara="1" wrap="square" lIns="91425" tIns="91425" rIns="91425" bIns="91425" anchor="t" anchorCtr="0">
+          <a:bodyPr anchorCtr="0" anchor="t" bIns="91425" lIns="91425" spcFirstLastPara="1" rIns="91425" wrap="square" tIns="91425">
             <a:noAutofit/>
           </a:bodyPr>
           <a:lstStyle>
-            <a:lvl1pPr marL="457200" lvl="0" indent="-311150" rtl="0">
+            <a:lvl1pPr indent="-311150" lvl="0" marL="457200" rtl="0">
               <a:spcBef>
                 <a:spcPts val="0"/>
               </a:spcBef>
@@ -7007,7 +7038,7 @@
               <a:buChar char="●"/>
               <a:defRPr/>
             </a:lvl1pPr>
-            <a:lvl2pPr marL="914400" lvl="1" indent="-298450" rtl="0">
+            <a:lvl2pPr indent="-298450" lvl="1" marL="914400" rtl="0">
               <a:spcBef>
                 <a:spcPts val="1600"/>
               </a:spcBef>
@@ -7018,7 +7049,7 @@
               <a:buChar char="○"/>
               <a:defRPr/>
             </a:lvl2pPr>
-            <a:lvl3pPr marL="1371600" lvl="2" indent="-298450" rtl="0">
+            <a:lvl3pPr indent="-298450" lvl="2" marL="1371600" rtl="0">
               <a:spcBef>
                 <a:spcPts val="1600"/>
               </a:spcBef>
@@ -7029,7 +7060,7 @@
               <a:buChar char="■"/>
               <a:defRPr/>
             </a:lvl3pPr>
-            <a:lvl4pPr marL="1828800" lvl="3" indent="-298450" rtl="0">
+            <a:lvl4pPr indent="-298450" lvl="3" marL="1828800" rtl="0">
               <a:spcBef>
                 <a:spcPts val="1600"/>
               </a:spcBef>
@@ -7040,7 +7071,7 @@
               <a:buChar char="●"/>
               <a:defRPr/>
             </a:lvl4pPr>
-            <a:lvl5pPr marL="2286000" lvl="4" indent="-298450" rtl="0">
+            <a:lvl5pPr indent="-298450" lvl="4" marL="2286000" rtl="0">
               <a:spcBef>
                 <a:spcPts val="1600"/>
               </a:spcBef>
@@ -7051,7 +7082,7 @@
               <a:buChar char="○"/>
               <a:defRPr/>
             </a:lvl5pPr>
-            <a:lvl6pPr marL="2743200" lvl="5" indent="-298450" rtl="0">
+            <a:lvl6pPr indent="-298450" lvl="5" marL="2743200" rtl="0">
               <a:spcBef>
                 <a:spcPts val="1600"/>
               </a:spcBef>
@@ -7062,7 +7093,7 @@
               <a:buChar char="■"/>
               <a:defRPr/>
             </a:lvl6pPr>
-            <a:lvl7pPr marL="3200400" lvl="6" indent="-298450" rtl="0">
+            <a:lvl7pPr indent="-298450" lvl="6" marL="3200400" rtl="0">
               <a:spcBef>
                 <a:spcPts val="1600"/>
               </a:spcBef>
@@ -7073,7 +7104,7 @@
               <a:buChar char="●"/>
               <a:defRPr/>
             </a:lvl7pPr>
-            <a:lvl8pPr marL="3657600" lvl="7" indent="-298450" rtl="0">
+            <a:lvl8pPr indent="-298450" lvl="7" marL="3657600" rtl="0">
               <a:spcBef>
                 <a:spcPts val="1600"/>
               </a:spcBef>
@@ -7084,7 +7115,7 @@
               <a:buChar char="○"/>
               <a:defRPr/>
             </a:lvl8pPr>
-            <a:lvl9pPr marL="4114800" lvl="8" indent="-298450" rtl="0">
+            <a:lvl9pPr indent="-298450" lvl="8" marL="4114800" rtl="0">
               <a:spcBef>
                 <a:spcPts val="1600"/>
               </a:spcBef>
@@ -7096,19 +7127,15 @@
               <a:defRPr/>
             </a:lvl9pPr>
           </a:lstStyle>
-          <a:p>
-            <a:endParaRPr/>
-          </a:p>
+          <a:p/>
         </p:txBody>
       </p:sp>
       <p:sp>
         <p:nvSpPr>
           <p:cNvPr id="39" name="Google Shape;39;p5"/>
-          <p:cNvSpPr txBox="1">
-            <a:spLocks noGrp="1"/>
-          </p:cNvSpPr>
+          <p:cNvSpPr txBox="1"/>
           <p:nvPr>
-            <p:ph type="sldNum" idx="12"/>
+            <p:ph idx="12" type="sldNum"/>
           </p:nvPr>
         </p:nvSpPr>
         <p:spPr>
@@ -7121,7 +7148,7 @@
           </a:prstGeom>
         </p:spPr>
         <p:txBody>
-          <a:bodyPr spcFirstLastPara="1" wrap="square" lIns="91425" tIns="91425" rIns="91425" bIns="91425" anchor="ctr" anchorCtr="0">
+          <a:bodyPr anchorCtr="0" anchor="ctr" bIns="91425" lIns="91425" spcFirstLastPara="1" rIns="91425" wrap="square" tIns="91425">
             <a:noAutofit/>
           </a:bodyPr>
           <a:lstStyle>
@@ -7163,7 +7190,7 @@
             </a:lvl9pPr>
           </a:lstStyle>
           <a:p>
-            <a:pPr marL="0" lvl="0" indent="0" algn="r" rtl="0">
+            <a:pPr indent="0" lvl="0" marL="0" rtl="0" algn="r">
               <a:spcBef>
                 <a:spcPts val="0"/>
               </a:spcBef>
@@ -7189,11 +7216,11 @@
 </file>
 
 <file path=ppt/slideLayouts/slideLayout5.xml><?xml version="1.0" encoding="utf-8"?>
-<p:sldLayout xmlns:a="http://schemas.openxmlformats.org/drawingml/2006/main" xmlns:r="http://schemas.openxmlformats.org/officeDocument/2006/relationships" xmlns:p="http://schemas.openxmlformats.org/presentationml/2006/main" matchingName="Title only" type="titleOnly">
+<p:sldLayout xmlns:a="http://schemas.openxmlformats.org/drawingml/2006/main" xmlns:r="http://schemas.openxmlformats.org/officeDocument/2006/relationships" xmlns:mc="http://schemas.openxmlformats.org/markup-compatibility/2006" xmlns:mv="urn:schemas-microsoft-com:mac:vml" xmlns:p="http://schemas.openxmlformats.org/presentationml/2006/main" xmlns:c="http://schemas.openxmlformats.org/drawingml/2006/chart" xmlns:dgm="http://schemas.openxmlformats.org/drawingml/2006/diagram" xmlns:o="urn:schemas-microsoft-com:office:office" xmlns:v="urn:schemas-microsoft-com:vml" xmlns:pvml="urn:schemas-microsoft-com:office:powerpoint" xmlns:com="http://schemas.openxmlformats.org/drawingml/2006/compatibility" xmlns:p14="http://schemas.microsoft.com/office/powerpoint/2010/main" xmlns:p15="http://schemas.microsoft.com/office/powerpoint/2012/main" matchingName="Title only" type="titleOnly">
   <p:cSld name="TITLE_ONLY">
     <p:spTree>
       <p:nvGrpSpPr>
-        <p:cNvPr id="1" name="Shape 40"/>
+        <p:cNvPr id="40" name="Shape 40"/>
         <p:cNvGrpSpPr/>
         <p:nvPr/>
       </p:nvGrpSpPr>
@@ -7227,20 +7254,23 @@
           </a:ln>
         </p:spPr>
         <p:txBody>
-          <a:bodyPr spcFirstLastPara="1" wrap="square" lIns="91425" tIns="91425" rIns="91425" bIns="91425" anchor="ctr" anchorCtr="0">
+          <a:bodyPr anchorCtr="0" anchor="ctr" bIns="91425" lIns="91425" spcFirstLastPara="1" rIns="91425" wrap="square" tIns="91425">
             <a:noAutofit/>
           </a:bodyPr>
           <a:lstStyle/>
           <a:p>
-            <a:pPr marL="0" lvl="0" indent="0" algn="l" rtl="0">
-              <a:spcBef>
-                <a:spcPts val="0"/>
-              </a:spcBef>
-              <a:spcAft>
-                <a:spcPts val="0"/>
-              </a:spcAft>
-              <a:buNone/>
-            </a:pPr>
+            <a:pPr indent="0" lvl="0" marL="0" rtl="0" algn="l">
+              <a:spcBef>
+                <a:spcPts val="0"/>
+              </a:spcBef>
+              <a:spcAft>
+                <a:spcPts val="0"/>
+              </a:spcAft>
+              <a:buNone/>
+            </a:pPr>
+            <a:r>
+              <a:t/>
+            </a:r>
             <a:endParaRPr/>
           </a:p>
         </p:txBody>
@@ -7281,12 +7311,12 @@
             </a:ln>
           </p:spPr>
           <p:txBody>
-            <a:bodyPr spcFirstLastPara="1" wrap="square" lIns="91425" tIns="91425" rIns="91425" bIns="91425" anchor="ctr" anchorCtr="0">
+            <a:bodyPr anchorCtr="0" anchor="ctr" bIns="91425" lIns="91425" spcFirstLastPara="1" rIns="91425" wrap="square" tIns="91425">
               <a:noAutofit/>
             </a:bodyPr>
             <a:lstStyle/>
             <a:p>
-              <a:pPr marL="0" lvl="0" indent="0" algn="l" rtl="0">
+              <a:pPr indent="0" lvl="0" marL="0" rtl="0" algn="l">
                 <a:spcBef>
                   <a:spcPts val="0"/>
                 </a:spcBef>
@@ -7295,6 +7325,9 @@
                 </a:spcAft>
                 <a:buNone/>
               </a:pPr>
+              <a:r>
+                <a:t/>
+              </a:r>
               <a:endParaRPr/>
             </a:p>
           </p:txBody>
@@ -7321,12 +7354,12 @@
             </a:ln>
           </p:spPr>
           <p:txBody>
-            <a:bodyPr spcFirstLastPara="1" wrap="square" lIns="91425" tIns="91425" rIns="91425" bIns="91425" anchor="ctr" anchorCtr="0">
+            <a:bodyPr anchorCtr="0" anchor="ctr" bIns="91425" lIns="91425" spcFirstLastPara="1" rIns="91425" wrap="square" tIns="91425">
               <a:noAutofit/>
             </a:bodyPr>
             <a:lstStyle/>
             <a:p>
-              <a:pPr marL="0" lvl="0" indent="0" algn="l" rtl="0">
+              <a:pPr indent="0" lvl="0" marL="0" rtl="0" algn="l">
                 <a:spcBef>
                   <a:spcPts val="0"/>
                 </a:spcBef>
@@ -7335,6 +7368,9 @@
                 </a:spcAft>
                 <a:buNone/>
               </a:pPr>
+              <a:r>
+                <a:t/>
+              </a:r>
               <a:endParaRPr/>
             </a:p>
           </p:txBody>
@@ -7343,9 +7379,7 @@
       <p:sp>
         <p:nvSpPr>
           <p:cNvPr id="45" name="Google Shape;45;p6"/>
-          <p:cNvSpPr txBox="1">
-            <a:spLocks noGrp="1"/>
-          </p:cNvSpPr>
+          <p:cNvSpPr txBox="1"/>
           <p:nvPr>
             <p:ph type="title"/>
           </p:nvPr>
@@ -7360,7 +7394,7 @@
           </a:prstGeom>
         </p:spPr>
         <p:txBody>
-          <a:bodyPr spcFirstLastPara="1" wrap="square" lIns="91425" tIns="91425" rIns="91425" bIns="91425" anchor="t" anchorCtr="0">
+          <a:bodyPr anchorCtr="0" anchor="t" bIns="91425" lIns="91425" spcFirstLastPara="1" rIns="91425" wrap="square" tIns="91425">
             <a:noAutofit/>
           </a:bodyPr>
           <a:lstStyle>
@@ -7527,19 +7561,15 @@
               </a:defRPr>
             </a:lvl9pPr>
           </a:lstStyle>
-          <a:p>
-            <a:endParaRPr/>
-          </a:p>
+          <a:p/>
         </p:txBody>
       </p:sp>
       <p:sp>
         <p:nvSpPr>
           <p:cNvPr id="46" name="Google Shape;46;p6"/>
-          <p:cNvSpPr txBox="1">
-            <a:spLocks noGrp="1"/>
-          </p:cNvSpPr>
+          <p:cNvSpPr txBox="1"/>
           <p:nvPr>
-            <p:ph type="sldNum" idx="12"/>
+            <p:ph idx="12" type="sldNum"/>
           </p:nvPr>
         </p:nvSpPr>
         <p:spPr>
@@ -7552,7 +7582,7 @@
           </a:prstGeom>
         </p:spPr>
         <p:txBody>
-          <a:bodyPr spcFirstLastPara="1" wrap="square" lIns="91425" tIns="91425" rIns="91425" bIns="91425" anchor="ctr" anchorCtr="0">
+          <a:bodyPr anchorCtr="0" anchor="ctr" bIns="91425" lIns="91425" spcFirstLastPara="1" rIns="91425" wrap="square" tIns="91425">
             <a:noAutofit/>
           </a:bodyPr>
           <a:lstStyle>
@@ -7594,7 +7624,7 @@
             </a:lvl9pPr>
           </a:lstStyle>
           <a:p>
-            <a:pPr marL="0" lvl="0" indent="0" algn="r" rtl="0">
+            <a:pPr indent="0" lvl="0" marL="0" rtl="0" algn="r">
               <a:spcBef>
                 <a:spcPts val="0"/>
               </a:spcBef>
@@ -7620,11 +7650,11 @@
 </file>
 
 <file path=ppt/slideLayouts/slideLayout6.xml><?xml version="1.0" encoding="utf-8"?>
-<p:sldLayout xmlns:a="http://schemas.openxmlformats.org/drawingml/2006/main" xmlns:r="http://schemas.openxmlformats.org/officeDocument/2006/relationships" xmlns:p="http://schemas.openxmlformats.org/presentationml/2006/main" matchingName="One column text">
+<p:sldLayout xmlns:a="http://schemas.openxmlformats.org/drawingml/2006/main" xmlns:r="http://schemas.openxmlformats.org/officeDocument/2006/relationships" xmlns:mc="http://schemas.openxmlformats.org/markup-compatibility/2006" xmlns:mv="urn:schemas-microsoft-com:mac:vml" xmlns:p="http://schemas.openxmlformats.org/presentationml/2006/main" xmlns:c="http://schemas.openxmlformats.org/drawingml/2006/chart" xmlns:dgm="http://schemas.openxmlformats.org/drawingml/2006/diagram" xmlns:o="urn:schemas-microsoft-com:office:office" xmlns:v="urn:schemas-microsoft-com:vml" xmlns:pvml="urn:schemas-microsoft-com:office:powerpoint" xmlns:com="http://schemas.openxmlformats.org/drawingml/2006/compatibility" xmlns:p14="http://schemas.microsoft.com/office/powerpoint/2010/main" xmlns:p15="http://schemas.microsoft.com/office/powerpoint/2012/main" matchingName="One column text">
   <p:cSld name="ONE_COLUMN_TEXT">
     <p:spTree>
       <p:nvGrpSpPr>
-        <p:cNvPr id="1" name="Shape 47"/>
+        <p:cNvPr id="47" name="Shape 47"/>
         <p:cNvGrpSpPr/>
         <p:nvPr/>
       </p:nvGrpSpPr>
@@ -7658,20 +7688,23 @@
           </a:ln>
         </p:spPr>
         <p:txBody>
-          <a:bodyPr spcFirstLastPara="1" wrap="square" lIns="91425" tIns="91425" rIns="91425" bIns="91425" anchor="ctr" anchorCtr="0">
+          <a:bodyPr anchorCtr="0" anchor="ctr" bIns="91425" lIns="91425" spcFirstLastPara="1" rIns="91425" wrap="square" tIns="91425">
             <a:noAutofit/>
           </a:bodyPr>
           <a:lstStyle/>
           <a:p>
-            <a:pPr marL="0" lvl="0" indent="0" algn="l" rtl="0">
-              <a:spcBef>
-                <a:spcPts val="0"/>
-              </a:spcBef>
-              <a:spcAft>
-                <a:spcPts val="0"/>
-              </a:spcAft>
-              <a:buNone/>
-            </a:pPr>
+            <a:pPr indent="0" lvl="0" marL="0" rtl="0" algn="l">
+              <a:spcBef>
+                <a:spcPts val="0"/>
+              </a:spcBef>
+              <a:spcAft>
+                <a:spcPts val="0"/>
+              </a:spcAft>
+              <a:buNone/>
+            </a:pPr>
+            <a:r>
+              <a:t/>
+            </a:r>
             <a:endParaRPr/>
           </a:p>
         </p:txBody>
@@ -7712,12 +7745,12 @@
             </a:ln>
           </p:spPr>
           <p:txBody>
-            <a:bodyPr spcFirstLastPara="1" wrap="square" lIns="91425" tIns="91425" rIns="91425" bIns="91425" anchor="ctr" anchorCtr="0">
+            <a:bodyPr anchorCtr="0" anchor="ctr" bIns="91425" lIns="91425" spcFirstLastPara="1" rIns="91425" wrap="square" tIns="91425">
               <a:noAutofit/>
             </a:bodyPr>
             <a:lstStyle/>
             <a:p>
-              <a:pPr marL="0" lvl="0" indent="0" algn="l" rtl="0">
+              <a:pPr indent="0" lvl="0" marL="0" rtl="0" algn="l">
                 <a:spcBef>
                   <a:spcPts val="0"/>
                 </a:spcBef>
@@ -7726,6 +7759,9 @@
                 </a:spcAft>
                 <a:buNone/>
               </a:pPr>
+              <a:r>
+                <a:t/>
+              </a:r>
               <a:endParaRPr/>
             </a:p>
           </p:txBody>
@@ -7752,12 +7788,12 @@
             </a:ln>
           </p:spPr>
           <p:txBody>
-            <a:bodyPr spcFirstLastPara="1" wrap="square" lIns="91425" tIns="91425" rIns="91425" bIns="91425" anchor="ctr" anchorCtr="0">
+            <a:bodyPr anchorCtr="0" anchor="ctr" bIns="91425" lIns="91425" spcFirstLastPara="1" rIns="91425" wrap="square" tIns="91425">
               <a:noAutofit/>
             </a:bodyPr>
             <a:lstStyle/>
             <a:p>
-              <a:pPr marL="0" lvl="0" indent="0" algn="l" rtl="0">
+              <a:pPr indent="0" lvl="0" marL="0" rtl="0" algn="l">
                 <a:spcBef>
                   <a:spcPts val="0"/>
                 </a:spcBef>
@@ -7766,6 +7802,9 @@
                 </a:spcAft>
                 <a:buNone/>
               </a:pPr>
+              <a:r>
+                <a:t/>
+              </a:r>
               <a:endParaRPr/>
             </a:p>
           </p:txBody>
@@ -7774,9 +7813,7 @@
       <p:sp>
         <p:nvSpPr>
           <p:cNvPr id="52" name="Google Shape;52;p7"/>
-          <p:cNvSpPr txBox="1">
-            <a:spLocks noGrp="1"/>
-          </p:cNvSpPr>
+          <p:cNvSpPr txBox="1"/>
           <p:nvPr>
             <p:ph type="title"/>
           </p:nvPr>
@@ -7791,7 +7828,7 @@
           </a:prstGeom>
         </p:spPr>
         <p:txBody>
-          <a:bodyPr spcFirstLastPara="1" wrap="square" lIns="91425" tIns="91425" rIns="91425" bIns="91425" anchor="t" anchorCtr="0">
+          <a:bodyPr anchorCtr="0" anchor="t" bIns="91425" lIns="91425" spcFirstLastPara="1" rIns="91425" wrap="square" tIns="91425">
             <a:noAutofit/>
           </a:bodyPr>
           <a:lstStyle>
@@ -7958,19 +7995,15 @@
               </a:defRPr>
             </a:lvl9pPr>
           </a:lstStyle>
-          <a:p>
-            <a:endParaRPr/>
-          </a:p>
+          <a:p/>
         </p:txBody>
       </p:sp>
       <p:sp>
         <p:nvSpPr>
           <p:cNvPr id="53" name="Google Shape;53;p7"/>
-          <p:cNvSpPr txBox="1">
-            <a:spLocks noGrp="1"/>
-          </p:cNvSpPr>
+          <p:cNvSpPr txBox="1"/>
           <p:nvPr>
-            <p:ph type="body" idx="1"/>
+            <p:ph idx="1" type="body"/>
           </p:nvPr>
         </p:nvSpPr>
         <p:spPr>
@@ -7983,11 +8016,11 @@
           </a:prstGeom>
         </p:spPr>
         <p:txBody>
-          <a:bodyPr spcFirstLastPara="1" wrap="square" lIns="91425" tIns="91425" rIns="91425" bIns="91425" anchor="t" anchorCtr="0">
+          <a:bodyPr anchorCtr="0" anchor="t" bIns="91425" lIns="91425" spcFirstLastPara="1" rIns="91425" wrap="square" tIns="91425">
             <a:noAutofit/>
           </a:bodyPr>
           <a:lstStyle>
-            <a:lvl1pPr marL="457200" lvl="0" indent="-311150" rtl="0">
+            <a:lvl1pPr indent="-311150" lvl="0" marL="457200" rtl="0">
               <a:spcBef>
                 <a:spcPts val="0"/>
               </a:spcBef>
@@ -7998,7 +8031,7 @@
               <a:buChar char="●"/>
               <a:defRPr/>
             </a:lvl1pPr>
-            <a:lvl2pPr marL="914400" lvl="1" indent="-298450" rtl="0">
+            <a:lvl2pPr indent="-298450" lvl="1" marL="914400" rtl="0">
               <a:spcBef>
                 <a:spcPts val="1600"/>
               </a:spcBef>
@@ -8009,7 +8042,7 @@
               <a:buChar char="○"/>
               <a:defRPr/>
             </a:lvl2pPr>
-            <a:lvl3pPr marL="1371600" lvl="2" indent="-298450" rtl="0">
+            <a:lvl3pPr indent="-298450" lvl="2" marL="1371600" rtl="0">
               <a:spcBef>
                 <a:spcPts val="1600"/>
               </a:spcBef>
@@ -8020,7 +8053,7 @@
               <a:buChar char="■"/>
               <a:defRPr/>
             </a:lvl3pPr>
-            <a:lvl4pPr marL="1828800" lvl="3" indent="-298450" rtl="0">
+            <a:lvl4pPr indent="-298450" lvl="3" marL="1828800" rtl="0">
               <a:spcBef>
                 <a:spcPts val="1600"/>
               </a:spcBef>
@@ -8031,7 +8064,7 @@
               <a:buChar char="●"/>
               <a:defRPr/>
             </a:lvl4pPr>
-            <a:lvl5pPr marL="2286000" lvl="4" indent="-298450" rtl="0">
+            <a:lvl5pPr indent="-298450" lvl="4" marL="2286000" rtl="0">
               <a:spcBef>
                 <a:spcPts val="1600"/>
               </a:spcBef>
@@ -8042,7 +8075,7 @@
               <a:buChar char="○"/>
               <a:defRPr/>
             </a:lvl5pPr>
-            <a:lvl6pPr marL="2743200" lvl="5" indent="-298450" rtl="0">
+            <a:lvl6pPr indent="-298450" lvl="5" marL="2743200" rtl="0">
               <a:spcBef>
                 <a:spcPts val="1600"/>
               </a:spcBef>
@@ -8053,7 +8086,7 @@
               <a:buChar char="■"/>
               <a:defRPr/>
             </a:lvl6pPr>
-            <a:lvl7pPr marL="3200400" lvl="6" indent="-298450" rtl="0">
+            <a:lvl7pPr indent="-298450" lvl="6" marL="3200400" rtl="0">
               <a:spcBef>
                 <a:spcPts val="1600"/>
               </a:spcBef>
@@ -8064,7 +8097,7 @@
               <a:buChar char="●"/>
               <a:defRPr/>
             </a:lvl7pPr>
-            <a:lvl8pPr marL="3657600" lvl="7" indent="-298450" rtl="0">
+            <a:lvl8pPr indent="-298450" lvl="7" marL="3657600" rtl="0">
               <a:spcBef>
                 <a:spcPts val="1600"/>
               </a:spcBef>
@@ -8075,7 +8108,7 @@
               <a:buChar char="○"/>
               <a:defRPr/>
             </a:lvl8pPr>
-            <a:lvl9pPr marL="4114800" lvl="8" indent="-298450" rtl="0">
+            <a:lvl9pPr indent="-298450" lvl="8" marL="4114800" rtl="0">
               <a:spcBef>
                 <a:spcPts val="1600"/>
               </a:spcBef>
@@ -8087,19 +8120,15 @@
               <a:defRPr/>
             </a:lvl9pPr>
           </a:lstStyle>
-          <a:p>
-            <a:endParaRPr/>
-          </a:p>
+          <a:p/>
         </p:txBody>
       </p:sp>
       <p:sp>
         <p:nvSpPr>
           <p:cNvPr id="54" name="Google Shape;54;p7"/>
-          <p:cNvSpPr txBox="1">
-            <a:spLocks noGrp="1"/>
-          </p:cNvSpPr>
+          <p:cNvSpPr txBox="1"/>
           <p:nvPr>
-            <p:ph type="sldNum" idx="12"/>
+            <p:ph idx="12" type="sldNum"/>
           </p:nvPr>
         </p:nvSpPr>
         <p:spPr>
@@ -8112,7 +8141,7 @@
           </a:prstGeom>
         </p:spPr>
         <p:txBody>
-          <a:bodyPr spcFirstLastPara="1" wrap="square" lIns="91425" tIns="91425" rIns="91425" bIns="91425" anchor="ctr" anchorCtr="0">
+          <a:bodyPr anchorCtr="0" anchor="ctr" bIns="91425" lIns="91425" spcFirstLastPara="1" rIns="91425" wrap="square" tIns="91425">
             <a:noAutofit/>
           </a:bodyPr>
           <a:lstStyle>
@@ -8154,7 +8183,7 @@
             </a:lvl9pPr>
           </a:lstStyle>
           <a:p>
-            <a:pPr marL="0" lvl="0" indent="0" algn="r" rtl="0">
+            <a:pPr indent="0" lvl="0" marL="0" rtl="0" algn="r">
               <a:spcBef>
                 <a:spcPts val="0"/>
               </a:spcBef>
@@ -8180,19 +8209,18 @@
 </file>
 
 <file path=ppt/slideLayouts/slideLayout7.xml><?xml version="1.0" encoding="utf-8"?>
-<p:sldLayout xmlns:a="http://schemas.openxmlformats.org/drawingml/2006/main" xmlns:r="http://schemas.openxmlformats.org/officeDocument/2006/relationships" xmlns:p="http://schemas.openxmlformats.org/presentationml/2006/main" matchingName="Main point">
+<p:sldLayout xmlns:a="http://schemas.openxmlformats.org/drawingml/2006/main" xmlns:r="http://schemas.openxmlformats.org/officeDocument/2006/relationships" xmlns:mc="http://schemas.openxmlformats.org/markup-compatibility/2006" xmlns:mv="urn:schemas-microsoft-com:mac:vml" xmlns:p="http://schemas.openxmlformats.org/presentationml/2006/main" xmlns:c="http://schemas.openxmlformats.org/drawingml/2006/chart" xmlns:dgm="http://schemas.openxmlformats.org/drawingml/2006/diagram" xmlns:o="urn:schemas-microsoft-com:office:office" xmlns:v="urn:schemas-microsoft-com:vml" xmlns:pvml="urn:schemas-microsoft-com:office:powerpoint" xmlns:com="http://schemas.openxmlformats.org/drawingml/2006/compatibility" xmlns:p14="http://schemas.microsoft.com/office/powerpoint/2010/main" xmlns:p15="http://schemas.microsoft.com/office/powerpoint/2012/main" matchingName="Main point">
   <p:cSld name="MAIN_POINT">
     <p:bg>
       <p:bgPr>
         <a:solidFill>
           <a:schemeClr val="accent3"/>
         </a:solidFill>
-        <a:effectLst/>
       </p:bgPr>
     </p:bg>
     <p:spTree>
       <p:nvGrpSpPr>
-        <p:cNvPr id="1" name="Shape 55"/>
+        <p:cNvPr id="55" name="Shape 55"/>
         <p:cNvGrpSpPr/>
         <p:nvPr/>
       </p:nvGrpSpPr>
@@ -8240,12 +8268,12 @@
             </a:ln>
           </p:spPr>
           <p:txBody>
-            <a:bodyPr spcFirstLastPara="1" wrap="square" lIns="91425" tIns="91425" rIns="91425" bIns="91425" anchor="ctr" anchorCtr="0">
+            <a:bodyPr anchorCtr="0" anchor="ctr" bIns="91425" lIns="91425" spcFirstLastPara="1" rIns="91425" wrap="square" tIns="91425">
               <a:noAutofit/>
             </a:bodyPr>
             <a:lstStyle/>
             <a:p>
-              <a:pPr marL="0" lvl="0" indent="0" algn="l" rtl="0">
+              <a:pPr indent="0" lvl="0" marL="0" rtl="0" algn="l">
                 <a:spcBef>
                   <a:spcPts val="0"/>
                 </a:spcBef>
@@ -8254,6 +8282,9 @@
                 </a:spcAft>
                 <a:buNone/>
               </a:pPr>
+              <a:r>
+                <a:t/>
+              </a:r>
               <a:endParaRPr/>
             </a:p>
           </p:txBody>
@@ -8280,12 +8311,12 @@
             </a:ln>
           </p:spPr>
           <p:txBody>
-            <a:bodyPr spcFirstLastPara="1" wrap="square" lIns="91425" tIns="91425" rIns="91425" bIns="91425" anchor="ctr" anchorCtr="0">
+            <a:bodyPr anchorCtr="0" anchor="ctr" bIns="91425" lIns="91425" spcFirstLastPara="1" rIns="91425" wrap="square" tIns="91425">
               <a:noAutofit/>
             </a:bodyPr>
             <a:lstStyle/>
             <a:p>
-              <a:pPr marL="0" lvl="0" indent="0" algn="l" rtl="0">
+              <a:pPr indent="0" lvl="0" marL="0" rtl="0" algn="l">
                 <a:spcBef>
                   <a:spcPts val="0"/>
                 </a:spcBef>
@@ -8294,6 +8325,9 @@
                 </a:spcAft>
                 <a:buNone/>
               </a:pPr>
+              <a:r>
+                <a:t/>
+              </a:r>
               <a:endParaRPr/>
             </a:p>
           </p:txBody>
@@ -8302,9 +8336,7 @@
       <p:sp>
         <p:nvSpPr>
           <p:cNvPr id="59" name="Google Shape;59;p8"/>
-          <p:cNvSpPr txBox="1">
-            <a:spLocks noGrp="1"/>
-          </p:cNvSpPr>
+          <p:cNvSpPr txBox="1"/>
           <p:nvPr>
             <p:ph type="title"/>
           </p:nvPr>
@@ -8319,7 +8351,7 @@
           </a:prstGeom>
         </p:spPr>
         <p:txBody>
-          <a:bodyPr spcFirstLastPara="1" wrap="square" lIns="91425" tIns="91425" rIns="91425" bIns="91425" anchor="ctr" anchorCtr="0">
+          <a:bodyPr anchorCtr="0" anchor="ctr" bIns="91425" lIns="91425" spcFirstLastPara="1" rIns="91425" wrap="square" tIns="91425">
             <a:noAutofit/>
           </a:bodyPr>
           <a:lstStyle>
@@ -8486,19 +8518,15 @@
               </a:defRPr>
             </a:lvl9pPr>
           </a:lstStyle>
-          <a:p>
-            <a:endParaRPr/>
-          </a:p>
+          <a:p/>
         </p:txBody>
       </p:sp>
       <p:sp>
         <p:nvSpPr>
           <p:cNvPr id="60" name="Google Shape;60;p8"/>
-          <p:cNvSpPr txBox="1">
-            <a:spLocks noGrp="1"/>
-          </p:cNvSpPr>
+          <p:cNvSpPr txBox="1"/>
           <p:nvPr>
-            <p:ph type="sldNum" idx="12"/>
+            <p:ph idx="12" type="sldNum"/>
           </p:nvPr>
         </p:nvSpPr>
         <p:spPr>
@@ -8511,7 +8539,7 @@
           </a:prstGeom>
         </p:spPr>
         <p:txBody>
-          <a:bodyPr spcFirstLastPara="1" wrap="square" lIns="91425" tIns="91425" rIns="91425" bIns="91425" anchor="ctr" anchorCtr="0">
+          <a:bodyPr anchorCtr="0" anchor="ctr" bIns="91425" lIns="91425" spcFirstLastPara="1" rIns="91425" wrap="square" tIns="91425">
             <a:noAutofit/>
           </a:bodyPr>
           <a:lstStyle>
@@ -8589,7 +8617,7 @@
             </a:lvl9pPr>
           </a:lstStyle>
           <a:p>
-            <a:pPr marL="0" lvl="0" indent="0" algn="r" rtl="0">
+            <a:pPr indent="0" lvl="0" marL="0" rtl="0" algn="r">
               <a:spcBef>
                 <a:spcPts val="0"/>
               </a:spcBef>
@@ -8615,11 +8643,11 @@
 </file>
 
 <file path=ppt/slideLayouts/slideLayout8.xml><?xml version="1.0" encoding="utf-8"?>
-<p:sldLayout xmlns:a="http://schemas.openxmlformats.org/drawingml/2006/main" xmlns:r="http://schemas.openxmlformats.org/officeDocument/2006/relationships" xmlns:p="http://schemas.openxmlformats.org/presentationml/2006/main" matchingName="Section title and description">
+<p:sldLayout xmlns:a="http://schemas.openxmlformats.org/drawingml/2006/main" xmlns:r="http://schemas.openxmlformats.org/officeDocument/2006/relationships" xmlns:mc="http://schemas.openxmlformats.org/markup-compatibility/2006" xmlns:mv="urn:schemas-microsoft-com:mac:vml" xmlns:p="http://schemas.openxmlformats.org/presentationml/2006/main" xmlns:c="http://schemas.openxmlformats.org/drawingml/2006/chart" xmlns:dgm="http://schemas.openxmlformats.org/drawingml/2006/diagram" xmlns:o="urn:schemas-microsoft-com:office:office" xmlns:v="urn:schemas-microsoft-com:vml" xmlns:pvml="urn:schemas-microsoft-com:office:powerpoint" xmlns:com="http://schemas.openxmlformats.org/drawingml/2006/compatibility" xmlns:p14="http://schemas.microsoft.com/office/powerpoint/2010/main" xmlns:p15="http://schemas.microsoft.com/office/powerpoint/2012/main" matchingName="Section title and description">
   <p:cSld name="SECTION_TITLE_AND_DESCRIPTION">
     <p:spTree>
       <p:nvGrpSpPr>
-        <p:cNvPr id="1" name="Shape 61"/>
+        <p:cNvPr id="61" name="Shape 61"/>
         <p:cNvGrpSpPr/>
         <p:nvPr/>
       </p:nvGrpSpPr>
@@ -8653,20 +8681,23 @@
           </a:ln>
         </p:spPr>
         <p:txBody>
-          <a:bodyPr spcFirstLastPara="1" wrap="square" lIns="91425" tIns="91425" rIns="91425" bIns="91425" anchor="ctr" anchorCtr="0">
+          <a:bodyPr anchorCtr="0" anchor="ctr" bIns="91425" lIns="91425" spcFirstLastPara="1" rIns="91425" wrap="square" tIns="91425">
             <a:noAutofit/>
           </a:bodyPr>
           <a:lstStyle/>
           <a:p>
-            <a:pPr marL="0" lvl="0" indent="0" algn="l" rtl="0">
-              <a:spcBef>
-                <a:spcPts val="0"/>
-              </a:spcBef>
-              <a:spcAft>
-                <a:spcPts val="0"/>
-              </a:spcAft>
-              <a:buNone/>
-            </a:pPr>
+            <a:pPr indent="0" lvl="0" marL="0" rtl="0" algn="l">
+              <a:spcBef>
+                <a:spcPts val="0"/>
+              </a:spcBef>
+              <a:spcAft>
+                <a:spcPts val="0"/>
+              </a:spcAft>
+              <a:buNone/>
+            </a:pPr>
+            <a:r>
+              <a:t/>
+            </a:r>
             <a:endParaRPr/>
           </a:p>
         </p:txBody>
@@ -8707,12 +8738,12 @@
             </a:ln>
           </p:spPr>
           <p:txBody>
-            <a:bodyPr spcFirstLastPara="1" wrap="square" lIns="91425" tIns="91425" rIns="91425" bIns="91425" anchor="ctr" anchorCtr="0">
+            <a:bodyPr anchorCtr="0" anchor="ctr" bIns="91425" lIns="91425" spcFirstLastPara="1" rIns="91425" wrap="square" tIns="91425">
               <a:noAutofit/>
             </a:bodyPr>
             <a:lstStyle/>
             <a:p>
-              <a:pPr marL="0" lvl="0" indent="0" algn="l" rtl="0">
+              <a:pPr indent="0" lvl="0" marL="0" rtl="0" algn="l">
                 <a:spcBef>
                   <a:spcPts val="0"/>
                 </a:spcBef>
@@ -8721,6 +8752,9 @@
                 </a:spcAft>
                 <a:buNone/>
               </a:pPr>
+              <a:r>
+                <a:t/>
+              </a:r>
               <a:endParaRPr/>
             </a:p>
           </p:txBody>
@@ -8747,12 +8781,12 @@
             </a:ln>
           </p:spPr>
           <p:txBody>
-            <a:bodyPr spcFirstLastPara="1" wrap="square" lIns="91425" tIns="91425" rIns="91425" bIns="91425" anchor="ctr" anchorCtr="0">
+            <a:bodyPr anchorCtr="0" anchor="ctr" bIns="91425" lIns="91425" spcFirstLastPara="1" rIns="91425" wrap="square" tIns="91425">
               <a:noAutofit/>
             </a:bodyPr>
             <a:lstStyle/>
             <a:p>
-              <a:pPr marL="0" lvl="0" indent="0" algn="l" rtl="0">
+              <a:pPr indent="0" lvl="0" marL="0" rtl="0" algn="l">
                 <a:spcBef>
                   <a:spcPts val="0"/>
                 </a:spcBef>
@@ -8761,6 +8795,9 @@
                 </a:spcAft>
                 <a:buNone/>
               </a:pPr>
+              <a:r>
+                <a:t/>
+              </a:r>
               <a:endParaRPr/>
             </a:p>
           </p:txBody>
@@ -8769,9 +8806,7 @@
       <p:sp>
         <p:nvSpPr>
           <p:cNvPr id="66" name="Google Shape;66;p9"/>
-          <p:cNvSpPr txBox="1">
-            <a:spLocks noGrp="1"/>
-          </p:cNvSpPr>
+          <p:cNvSpPr txBox="1"/>
           <p:nvPr>
             <p:ph type="title"/>
           </p:nvPr>
@@ -8786,7 +8821,7 @@
           </a:prstGeom>
         </p:spPr>
         <p:txBody>
-          <a:bodyPr spcFirstLastPara="1" wrap="square" lIns="91425" tIns="91425" rIns="91425" bIns="91425" anchor="t" anchorCtr="0">
+          <a:bodyPr anchorCtr="0" anchor="t" bIns="91425" lIns="91425" spcFirstLastPara="1" rIns="91425" wrap="square" tIns="91425">
             <a:noAutofit/>
           </a:bodyPr>
           <a:lstStyle>
@@ -8953,19 +8988,15 @@
               </a:defRPr>
             </a:lvl9pPr>
           </a:lstStyle>
-          <a:p>
-            <a:endParaRPr/>
-          </a:p>
+          <a:p/>
         </p:txBody>
       </p:sp>
       <p:sp>
         <p:nvSpPr>
           <p:cNvPr id="67" name="Google Shape;67;p9"/>
-          <p:cNvSpPr txBox="1">
-            <a:spLocks noGrp="1"/>
-          </p:cNvSpPr>
+          <p:cNvSpPr txBox="1"/>
           <p:nvPr>
-            <p:ph type="subTitle" idx="1"/>
+            <p:ph idx="1" type="subTitle"/>
           </p:nvPr>
         </p:nvSpPr>
         <p:spPr>
@@ -8978,7 +9009,7 @@
           </a:prstGeom>
         </p:spPr>
         <p:txBody>
-          <a:bodyPr spcFirstLastPara="1" wrap="square" lIns="91425" tIns="91425" rIns="91425" bIns="91425" anchor="t" anchorCtr="0">
+          <a:bodyPr anchorCtr="0" anchor="t" bIns="91425" lIns="91425" spcFirstLastPara="1" rIns="91425" wrap="square" tIns="91425">
             <a:noAutofit/>
           </a:bodyPr>
           <a:lstStyle>
@@ -9109,19 +9140,15 @@
               <a:defRPr sz="1600"/>
             </a:lvl9pPr>
           </a:lstStyle>
-          <a:p>
-            <a:endParaRPr/>
-          </a:p>
+          <a:p/>
         </p:txBody>
       </p:sp>
       <p:sp>
         <p:nvSpPr>
           <p:cNvPr id="68" name="Google Shape;68;p9"/>
-          <p:cNvSpPr txBox="1">
-            <a:spLocks noGrp="1"/>
-          </p:cNvSpPr>
+          <p:cNvSpPr txBox="1"/>
           <p:nvPr>
-            <p:ph type="body" idx="2"/>
+            <p:ph idx="2" type="body"/>
           </p:nvPr>
         </p:nvSpPr>
         <p:spPr>
@@ -9134,11 +9161,11 @@
           </a:prstGeom>
         </p:spPr>
         <p:txBody>
-          <a:bodyPr spcFirstLastPara="1" wrap="square" lIns="91425" tIns="91425" rIns="91425" bIns="91425" anchor="t" anchorCtr="0">
+          <a:bodyPr anchorCtr="0" anchor="t" bIns="91425" lIns="91425" spcFirstLastPara="1" rIns="91425" wrap="square" tIns="91425">
             <a:noAutofit/>
           </a:bodyPr>
           <a:lstStyle>
-            <a:lvl1pPr marL="457200" lvl="0" indent="-311150" rtl="0">
+            <a:lvl1pPr indent="-311150" lvl="0" marL="457200" rtl="0">
               <a:spcBef>
                 <a:spcPts val="0"/>
               </a:spcBef>
@@ -9149,7 +9176,7 @@
               <a:buChar char="●"/>
               <a:defRPr/>
             </a:lvl1pPr>
-            <a:lvl2pPr marL="914400" lvl="1" indent="-298450" rtl="0">
+            <a:lvl2pPr indent="-298450" lvl="1" marL="914400" rtl="0">
               <a:spcBef>
                 <a:spcPts val="1600"/>
               </a:spcBef>
@@ -9160,7 +9187,7 @@
               <a:buChar char="○"/>
               <a:defRPr/>
             </a:lvl2pPr>
-            <a:lvl3pPr marL="1371600" lvl="2" indent="-298450" rtl="0">
+            <a:lvl3pPr indent="-298450" lvl="2" marL="1371600" rtl="0">
               <a:spcBef>
                 <a:spcPts val="1600"/>
               </a:spcBef>
@@ -9171,7 +9198,7 @@
               <a:buChar char="■"/>
               <a:defRPr/>
             </a:lvl3pPr>
-            <a:lvl4pPr marL="1828800" lvl="3" indent="-298450" rtl="0">
+            <a:lvl4pPr indent="-298450" lvl="3" marL="1828800" rtl="0">
               <a:spcBef>
                 <a:spcPts val="1600"/>
               </a:spcBef>
@@ -9182,7 +9209,7 @@
               <a:buChar char="●"/>
               <a:defRPr/>
             </a:lvl4pPr>
-            <a:lvl5pPr marL="2286000" lvl="4" indent="-298450" rtl="0">
+            <a:lvl5pPr indent="-298450" lvl="4" marL="2286000" rtl="0">
               <a:spcBef>
                 <a:spcPts val="1600"/>
               </a:spcBef>
@@ -9193,7 +9220,7 @@
               <a:buChar char="○"/>
               <a:defRPr/>
             </a:lvl5pPr>
-            <a:lvl6pPr marL="2743200" lvl="5" indent="-298450" rtl="0">
+            <a:lvl6pPr indent="-298450" lvl="5" marL="2743200" rtl="0">
               <a:spcBef>
                 <a:spcPts val="1600"/>
               </a:spcBef>
@@ -9204,7 +9231,7 @@
               <a:buChar char="■"/>
               <a:defRPr/>
             </a:lvl6pPr>
-            <a:lvl7pPr marL="3200400" lvl="6" indent="-298450" rtl="0">
+            <a:lvl7pPr indent="-298450" lvl="6" marL="3200400" rtl="0">
               <a:spcBef>
                 <a:spcPts val="1600"/>
               </a:spcBef>
@@ -9215,7 +9242,7 @@
               <a:buChar char="●"/>
               <a:defRPr/>
             </a:lvl7pPr>
-            <a:lvl8pPr marL="3657600" lvl="7" indent="-298450" rtl="0">
+            <a:lvl8pPr indent="-298450" lvl="7" marL="3657600" rtl="0">
               <a:spcBef>
                 <a:spcPts val="1600"/>
               </a:spcBef>
@@ -9226,7 +9253,7 @@
               <a:buChar char="○"/>
               <a:defRPr/>
             </a:lvl8pPr>
-            <a:lvl9pPr marL="4114800" lvl="8" indent="-298450" rtl="0">
+            <a:lvl9pPr indent="-298450" lvl="8" marL="4114800" rtl="0">
               <a:spcBef>
                 <a:spcPts val="1600"/>
               </a:spcBef>
@@ -9238,19 +9265,15 @@
               <a:defRPr/>
             </a:lvl9pPr>
           </a:lstStyle>
-          <a:p>
-            <a:endParaRPr/>
-          </a:p>
+          <a:p/>
         </p:txBody>
       </p:sp>
       <p:sp>
         <p:nvSpPr>
           <p:cNvPr id="69" name="Google Shape;69;p9"/>
-          <p:cNvSpPr txBox="1">
-            <a:spLocks noGrp="1"/>
-          </p:cNvSpPr>
+          <p:cNvSpPr txBox="1"/>
           <p:nvPr>
-            <p:ph type="sldNum" idx="12"/>
+            <p:ph idx="12" type="sldNum"/>
           </p:nvPr>
         </p:nvSpPr>
         <p:spPr>
@@ -9263,7 +9286,7 @@
           </a:prstGeom>
         </p:spPr>
         <p:txBody>
-          <a:bodyPr spcFirstLastPara="1" wrap="square" lIns="91425" tIns="91425" rIns="91425" bIns="91425" anchor="ctr" anchorCtr="0">
+          <a:bodyPr anchorCtr="0" anchor="ctr" bIns="91425" lIns="91425" spcFirstLastPara="1" rIns="91425" wrap="square" tIns="91425">
             <a:noAutofit/>
           </a:bodyPr>
           <a:lstStyle>
@@ -9305,7 +9328,7 @@
             </a:lvl9pPr>
           </a:lstStyle>
           <a:p>
-            <a:pPr marL="0" lvl="0" indent="0" algn="r" rtl="0">
+            <a:pPr indent="0" lvl="0" marL="0" rtl="0" algn="r">
               <a:spcBef>
                 <a:spcPts val="0"/>
               </a:spcBef>
@@ -9331,11 +9354,11 @@
 </file>
 
 <file path=ppt/slideLayouts/slideLayout9.xml><?xml version="1.0" encoding="utf-8"?>
-<p:sldLayout xmlns:a="http://schemas.openxmlformats.org/drawingml/2006/main" xmlns:r="http://schemas.openxmlformats.org/officeDocument/2006/relationships" xmlns:p="http://schemas.openxmlformats.org/presentationml/2006/main" matchingName="Caption">
+<p:sldLayout xmlns:a="http://schemas.openxmlformats.org/drawingml/2006/main" xmlns:r="http://schemas.openxmlformats.org/officeDocument/2006/relationships" xmlns:mc="http://schemas.openxmlformats.org/markup-compatibility/2006" xmlns:mv="urn:schemas-microsoft-com:mac:vml" xmlns:p="http://schemas.openxmlformats.org/presentationml/2006/main" xmlns:c="http://schemas.openxmlformats.org/drawingml/2006/chart" xmlns:dgm="http://schemas.openxmlformats.org/drawingml/2006/diagram" xmlns:o="urn:schemas-microsoft-com:office:office" xmlns:v="urn:schemas-microsoft-com:vml" xmlns:pvml="urn:schemas-microsoft-com:office:powerpoint" xmlns:com="http://schemas.openxmlformats.org/drawingml/2006/compatibility" xmlns:p14="http://schemas.microsoft.com/office/powerpoint/2010/main" xmlns:p15="http://schemas.microsoft.com/office/powerpoint/2012/main" matchingName="Caption">
   <p:cSld name="CAPTION_ONLY">
     <p:spTree>
       <p:nvGrpSpPr>
-        <p:cNvPr id="1" name="Shape 70"/>
+        <p:cNvPr id="70" name="Shape 70"/>
         <p:cNvGrpSpPr/>
         <p:nvPr/>
       </p:nvGrpSpPr>
@@ -9350,11 +9373,9 @@
       <p:sp>
         <p:nvSpPr>
           <p:cNvPr id="71" name="Google Shape;71;p10"/>
-          <p:cNvSpPr txBox="1">
-            <a:spLocks noGrp="1"/>
-          </p:cNvSpPr>
+          <p:cNvSpPr txBox="1"/>
           <p:nvPr>
-            <p:ph type="body" idx="1"/>
+            <p:ph idx="1" type="body"/>
           </p:nvPr>
         </p:nvSpPr>
         <p:spPr>
@@ -9367,11 +9388,11 @@
           </a:prstGeom>
         </p:spPr>
         <p:txBody>
-          <a:bodyPr spcFirstLastPara="1" wrap="square" lIns="91425" tIns="91425" rIns="91425" bIns="91425" anchor="ctr" anchorCtr="0">
+          <a:bodyPr anchorCtr="0" anchor="ctr" bIns="91425" lIns="91425" spcFirstLastPara="1" rIns="91425" wrap="square" tIns="91425">
             <a:noAutofit/>
           </a:bodyPr>
           <a:lstStyle>
-            <a:lvl1pPr marL="457200" lvl="0" indent="-228600" rtl="0">
+            <a:lvl1pPr indent="-228600" lvl="0" marL="457200" rtl="0">
               <a:lnSpc>
                 <a:spcPct val="100000"/>
               </a:lnSpc>
@@ -9386,19 +9407,15 @@
               <a:defRPr/>
             </a:lvl1pPr>
           </a:lstStyle>
-          <a:p>
-            <a:endParaRPr/>
-          </a:p>
+          <a:p/>
         </p:txBody>
       </p:sp>
       <p:sp>
         <p:nvSpPr>
           <p:cNvPr id="72" name="Google Shape;72;p10"/>
-          <p:cNvSpPr txBox="1">
-            <a:spLocks noGrp="1"/>
-          </p:cNvSpPr>
+          <p:cNvSpPr txBox="1"/>
           <p:nvPr>
-            <p:ph type="sldNum" idx="12"/>
+            <p:ph idx="12" type="sldNum"/>
           </p:nvPr>
         </p:nvSpPr>
         <p:spPr>
@@ -9411,7 +9428,7 @@
           </a:prstGeom>
         </p:spPr>
         <p:txBody>
-          <a:bodyPr spcFirstLastPara="1" wrap="square" lIns="91425" tIns="91425" rIns="91425" bIns="91425" anchor="ctr" anchorCtr="0">
+          <a:bodyPr anchorCtr="0" anchor="ctr" bIns="91425" lIns="91425" spcFirstLastPara="1" rIns="91425" wrap="square" tIns="91425">
             <a:noAutofit/>
           </a:bodyPr>
           <a:lstStyle>
@@ -9453,7 +9470,7 @@
             </a:lvl9pPr>
           </a:lstStyle>
           <a:p>
-            <a:pPr marL="0" lvl="0" indent="0" algn="r" rtl="0">
+            <a:pPr indent="0" lvl="0" marL="0" rtl="0" algn="r">
               <a:spcBef>
                 <a:spcPts val="0"/>
               </a:spcBef>
@@ -9479,19 +9496,18 @@
 </file>
 
 <file path=ppt/slideMasters/slideMaster1.xml><?xml version="1.0" encoding="utf-8"?>
-<p:sldMaster xmlns:a="http://schemas.openxmlformats.org/drawingml/2006/main" xmlns:r="http://schemas.openxmlformats.org/officeDocument/2006/relationships" xmlns:p="http://schemas.openxmlformats.org/presentationml/2006/main">
+<p:sldMaster xmlns:a="http://schemas.openxmlformats.org/drawingml/2006/main" xmlns:r="http://schemas.openxmlformats.org/officeDocument/2006/relationships" xmlns:mc="http://schemas.openxmlformats.org/markup-compatibility/2006" xmlns:mv="urn:schemas-microsoft-com:mac:vml" xmlns:p="http://schemas.openxmlformats.org/presentationml/2006/main" xmlns:c="http://schemas.openxmlformats.org/drawingml/2006/chart" xmlns:dgm="http://schemas.openxmlformats.org/drawingml/2006/diagram" xmlns:o="urn:schemas-microsoft-com:office:office" xmlns:v="urn:schemas-microsoft-com:vml" xmlns:pvml="urn:schemas-microsoft-com:office:powerpoint" xmlns:com="http://schemas.openxmlformats.org/drawingml/2006/compatibility" xmlns:p14="http://schemas.microsoft.com/office/powerpoint/2010/main" xmlns:p15="http://schemas.microsoft.com/office/powerpoint/2012/main">
   <p:cSld name="streamline">
     <p:bg>
       <p:bgPr>
         <a:solidFill>
           <a:schemeClr val="lt1"/>
         </a:solidFill>
-        <a:effectLst/>
       </p:bgPr>
     </p:bg>
     <p:spTree>
       <p:nvGrpSpPr>
-        <p:cNvPr id="1" name="Shape 5"/>
+        <p:cNvPr id="5" name="Shape 5"/>
         <p:cNvGrpSpPr/>
         <p:nvPr/>
       </p:nvGrpSpPr>
@@ -9506,9 +9522,7 @@
       <p:sp>
         <p:nvSpPr>
           <p:cNvPr id="6" name="Google Shape;6;p1"/>
-          <p:cNvSpPr txBox="1">
-            <a:spLocks noGrp="1"/>
-          </p:cNvSpPr>
+          <p:cNvSpPr txBox="1"/>
           <p:nvPr>
             <p:ph type="title"/>
           </p:nvPr>
@@ -9527,7 +9541,7 @@
           </a:ln>
         </p:spPr>
         <p:txBody>
-          <a:bodyPr spcFirstLastPara="1" wrap="square" lIns="91425" tIns="91425" rIns="91425" bIns="91425" anchor="t" anchorCtr="0">
+          <a:bodyPr anchorCtr="0" anchor="t" bIns="91425" lIns="91425" spcFirstLastPara="1" rIns="91425" wrap="square" tIns="91425">
             <a:noAutofit/>
           </a:bodyPr>
           <a:lstStyle>
@@ -9541,7 +9555,7 @@
               <a:buSzPts val="2800"/>
               <a:buFont typeface="Raleway"/>
               <a:buNone/>
-              <a:defRPr sz="2800" b="1">
+              <a:defRPr b="1" sz="2800">
                 <a:latin typeface="Raleway"/>
                 <a:ea typeface="Raleway"/>
                 <a:cs typeface="Raleway"/>
@@ -9558,7 +9572,7 @@
               <a:buSzPts val="2800"/>
               <a:buFont typeface="Raleway"/>
               <a:buNone/>
-              <a:defRPr sz="2800" b="1">
+              <a:defRPr b="1" sz="2800">
                 <a:latin typeface="Raleway"/>
                 <a:ea typeface="Raleway"/>
                 <a:cs typeface="Raleway"/>
@@ -9575,7 +9589,7 @@
               <a:buSzPts val="2800"/>
               <a:buFont typeface="Raleway"/>
               <a:buNone/>
-              <a:defRPr sz="2800" b="1">
+              <a:defRPr b="1" sz="2800">
                 <a:latin typeface="Raleway"/>
                 <a:ea typeface="Raleway"/>
                 <a:cs typeface="Raleway"/>
@@ -9592,7 +9606,7 @@
               <a:buSzPts val="2800"/>
               <a:buFont typeface="Raleway"/>
               <a:buNone/>
-              <a:defRPr sz="2800" b="1">
+              <a:defRPr b="1" sz="2800">
                 <a:latin typeface="Raleway"/>
                 <a:ea typeface="Raleway"/>
                 <a:cs typeface="Raleway"/>
@@ -9609,7 +9623,7 @@
               <a:buSzPts val="2800"/>
               <a:buFont typeface="Raleway"/>
               <a:buNone/>
-              <a:defRPr sz="2800" b="1">
+              <a:defRPr b="1" sz="2800">
                 <a:latin typeface="Raleway"/>
                 <a:ea typeface="Raleway"/>
                 <a:cs typeface="Raleway"/>
@@ -9626,7 +9640,7 @@
               <a:buSzPts val="2800"/>
               <a:buFont typeface="Raleway"/>
               <a:buNone/>
-              <a:defRPr sz="2800" b="1">
+              <a:defRPr b="1" sz="2800">
                 <a:latin typeface="Raleway"/>
                 <a:ea typeface="Raleway"/>
                 <a:cs typeface="Raleway"/>
@@ -9643,7 +9657,7 @@
               <a:buSzPts val="2800"/>
               <a:buFont typeface="Raleway"/>
               <a:buNone/>
-              <a:defRPr sz="2800" b="1">
+              <a:defRPr b="1" sz="2800">
                 <a:latin typeface="Raleway"/>
                 <a:ea typeface="Raleway"/>
                 <a:cs typeface="Raleway"/>
@@ -9660,7 +9674,7 @@
               <a:buSzPts val="2800"/>
               <a:buFont typeface="Raleway"/>
               <a:buNone/>
-              <a:defRPr sz="2800" b="1">
+              <a:defRPr b="1" sz="2800">
                 <a:latin typeface="Raleway"/>
                 <a:ea typeface="Raleway"/>
                 <a:cs typeface="Raleway"/>
@@ -9677,7 +9691,7 @@
               <a:buSzPts val="2800"/>
               <a:buFont typeface="Raleway"/>
               <a:buNone/>
-              <a:defRPr sz="2800" b="1">
+              <a:defRPr b="1" sz="2800">
                 <a:latin typeface="Raleway"/>
                 <a:ea typeface="Raleway"/>
                 <a:cs typeface="Raleway"/>
@@ -9685,19 +9699,15 @@
               </a:defRPr>
             </a:lvl9pPr>
           </a:lstStyle>
-          <a:p>
-            <a:endParaRPr/>
-          </a:p>
+          <a:p/>
         </p:txBody>
       </p:sp>
       <p:sp>
         <p:nvSpPr>
           <p:cNvPr id="7" name="Google Shape;7;p1"/>
-          <p:cNvSpPr txBox="1">
-            <a:spLocks noGrp="1"/>
-          </p:cNvSpPr>
+          <p:cNvSpPr txBox="1"/>
           <p:nvPr>
-            <p:ph type="body" idx="1"/>
+            <p:ph idx="1" type="body"/>
           </p:nvPr>
         </p:nvSpPr>
         <p:spPr>
@@ -9714,11 +9724,11 @@
           </a:ln>
         </p:spPr>
         <p:txBody>
-          <a:bodyPr spcFirstLastPara="1" wrap="square" lIns="91425" tIns="91425" rIns="91425" bIns="91425" anchor="t" anchorCtr="0">
+          <a:bodyPr anchorCtr="0" anchor="t" bIns="91425" lIns="91425" spcFirstLastPara="1" rIns="91425" wrap="square" tIns="91425">
             <a:noAutofit/>
           </a:bodyPr>
           <a:lstStyle>
-            <a:lvl1pPr marL="457200" lvl="0" indent="-311150" rtl="0">
+            <a:lvl1pPr indent="-311150" lvl="0" marL="457200" rtl="0">
               <a:lnSpc>
                 <a:spcPct val="115000"/>
               </a:lnSpc>
@@ -9744,7 +9754,7 @@
                 <a:sym typeface="Lato"/>
               </a:defRPr>
             </a:lvl1pPr>
-            <a:lvl2pPr marL="914400" lvl="1" indent="-298450" rtl="0">
+            <a:lvl2pPr indent="-298450" lvl="1" marL="914400" rtl="0">
               <a:lnSpc>
                 <a:spcPct val="115000"/>
               </a:lnSpc>
@@ -9770,7 +9780,7 @@
                 <a:sym typeface="Lato"/>
               </a:defRPr>
             </a:lvl2pPr>
-            <a:lvl3pPr marL="1371600" lvl="2" indent="-298450" rtl="0">
+            <a:lvl3pPr indent="-298450" lvl="2" marL="1371600" rtl="0">
               <a:lnSpc>
                 <a:spcPct val="115000"/>
               </a:lnSpc>
@@ -9796,7 +9806,7 @@
                 <a:sym typeface="Lato"/>
               </a:defRPr>
             </a:lvl3pPr>
-            <a:lvl4pPr marL="1828800" lvl="3" indent="-298450" rtl="0">
+            <a:lvl4pPr indent="-298450" lvl="3" marL="1828800" rtl="0">
               <a:lnSpc>
                 <a:spcPct val="115000"/>
               </a:lnSpc>
@@ -9822,7 +9832,7 @@
                 <a:sym typeface="Lato"/>
               </a:defRPr>
             </a:lvl4pPr>
-            <a:lvl5pPr marL="2286000" lvl="4" indent="-298450" rtl="0">
+            <a:lvl5pPr indent="-298450" lvl="4" marL="2286000" rtl="0">
               <a:lnSpc>
                 <a:spcPct val="115000"/>
               </a:lnSpc>
@@ -9848,7 +9858,7 @@
                 <a:sym typeface="Lato"/>
               </a:defRPr>
             </a:lvl5pPr>
-            <a:lvl6pPr marL="2743200" lvl="5" indent="-298450" rtl="0">
+            <a:lvl6pPr indent="-298450" lvl="5" marL="2743200" rtl="0">
               <a:lnSpc>
                 <a:spcPct val="115000"/>
               </a:lnSpc>
@@ -9874,7 +9884,7 @@
                 <a:sym typeface="Lato"/>
               </a:defRPr>
             </a:lvl6pPr>
-            <a:lvl7pPr marL="3200400" lvl="6" indent="-298450" rtl="0">
+            <a:lvl7pPr indent="-298450" lvl="6" marL="3200400" rtl="0">
               <a:lnSpc>
                 <a:spcPct val="115000"/>
               </a:lnSpc>
@@ -9900,7 +9910,7 @@
                 <a:sym typeface="Lato"/>
               </a:defRPr>
             </a:lvl7pPr>
-            <a:lvl8pPr marL="3657600" lvl="7" indent="-298450" rtl="0">
+            <a:lvl8pPr indent="-298450" lvl="7" marL="3657600" rtl="0">
               <a:lnSpc>
                 <a:spcPct val="115000"/>
               </a:lnSpc>
@@ -9926,7 +9936,7 @@
                 <a:sym typeface="Lato"/>
               </a:defRPr>
             </a:lvl8pPr>
-            <a:lvl9pPr marL="4114800" lvl="8" indent="-298450" rtl="0">
+            <a:lvl9pPr indent="-298450" lvl="8" marL="4114800" rtl="0">
               <a:lnSpc>
                 <a:spcPct val="115000"/>
               </a:lnSpc>
@@ -9953,19 +9963,15 @@
               </a:defRPr>
             </a:lvl9pPr>
           </a:lstStyle>
-          <a:p>
-            <a:endParaRPr/>
-          </a:p>
+          <a:p/>
         </p:txBody>
       </p:sp>
       <p:sp>
         <p:nvSpPr>
           <p:cNvPr id="8" name="Google Shape;8;p1"/>
-          <p:cNvSpPr txBox="1">
-            <a:spLocks noGrp="1"/>
-          </p:cNvSpPr>
+          <p:cNvSpPr txBox="1"/>
           <p:nvPr>
-            <p:ph type="sldNum" idx="12"/>
+            <p:ph idx="12" type="sldNum"/>
           </p:nvPr>
         </p:nvSpPr>
         <p:spPr>
@@ -9982,11 +9988,11 @@
           </a:ln>
         </p:spPr>
         <p:txBody>
-          <a:bodyPr spcFirstLastPara="1" wrap="square" lIns="91425" tIns="91425" rIns="91425" bIns="91425" anchor="ctr" anchorCtr="0">
+          <a:bodyPr anchorCtr="0" anchor="ctr" bIns="91425" lIns="91425" spcFirstLastPara="1" rIns="91425" wrap="square" tIns="91425">
             <a:noAutofit/>
           </a:bodyPr>
           <a:lstStyle>
-            <a:lvl1pPr lvl="0" algn="r" rtl="0">
+            <a:lvl1pPr lvl="0" rtl="0" algn="r">
               <a:buNone/>
               <a:defRPr sz="1000">
                 <a:solidFill>
@@ -9998,7 +10004,7 @@
                 <a:sym typeface="Lato"/>
               </a:defRPr>
             </a:lvl1pPr>
-            <a:lvl2pPr lvl="1" algn="r" rtl="0">
+            <a:lvl2pPr lvl="1" rtl="0" algn="r">
               <a:buNone/>
               <a:defRPr sz="1000">
                 <a:solidFill>
@@ -10010,7 +10016,7 @@
                 <a:sym typeface="Lato"/>
               </a:defRPr>
             </a:lvl2pPr>
-            <a:lvl3pPr lvl="2" algn="r" rtl="0">
+            <a:lvl3pPr lvl="2" rtl="0" algn="r">
               <a:buNone/>
               <a:defRPr sz="1000">
                 <a:solidFill>
@@ -10022,7 +10028,7 @@
                 <a:sym typeface="Lato"/>
               </a:defRPr>
             </a:lvl3pPr>
-            <a:lvl4pPr lvl="3" algn="r" rtl="0">
+            <a:lvl4pPr lvl="3" rtl="0" algn="r">
               <a:buNone/>
               <a:defRPr sz="1000">
                 <a:solidFill>
@@ -10034,7 +10040,7 @@
                 <a:sym typeface="Lato"/>
               </a:defRPr>
             </a:lvl4pPr>
-            <a:lvl5pPr lvl="4" algn="r" rtl="0">
+            <a:lvl5pPr lvl="4" rtl="0" algn="r">
               <a:buNone/>
               <a:defRPr sz="1000">
                 <a:solidFill>
@@ -10046,7 +10052,7 @@
                 <a:sym typeface="Lato"/>
               </a:defRPr>
             </a:lvl5pPr>
-            <a:lvl6pPr lvl="5" algn="r" rtl="0">
+            <a:lvl6pPr lvl="5" rtl="0" algn="r">
               <a:buNone/>
               <a:defRPr sz="1000">
                 <a:solidFill>
@@ -10058,7 +10064,7 @@
                 <a:sym typeface="Lato"/>
               </a:defRPr>
             </a:lvl6pPr>
-            <a:lvl7pPr lvl="6" algn="r" rtl="0">
+            <a:lvl7pPr lvl="6" rtl="0" algn="r">
               <a:buNone/>
               <a:defRPr sz="1000">
                 <a:solidFill>
@@ -10070,7 +10076,7 @@
                 <a:sym typeface="Lato"/>
               </a:defRPr>
             </a:lvl7pPr>
-            <a:lvl8pPr lvl="7" algn="r" rtl="0">
+            <a:lvl8pPr lvl="7" rtl="0" algn="r">
               <a:buNone/>
               <a:defRPr sz="1000">
                 <a:solidFill>
@@ -10082,7 +10088,7 @@
                 <a:sym typeface="Lato"/>
               </a:defRPr>
             </a:lvl8pPr>
-            <a:lvl9pPr lvl="8" algn="r" rtl="0">
+            <a:lvl9pPr lvl="8" rtl="0" algn="r">
               <a:buNone/>
               <a:defRPr sz="1000">
                 <a:solidFill>
@@ -10096,7 +10102,7 @@
             </a:lvl9pPr>
           </a:lstStyle>
           <a:p>
-            <a:pPr marL="0" lvl="0" indent="0" algn="r" rtl="0">
+            <a:pPr indent="0" lvl="0" marL="0" rtl="0" algn="r">
               <a:spcBef>
                 <a:spcPts val="0"/>
               </a:spcBef>
@@ -10115,7 +10121,7 @@
       </p:sp>
     </p:spTree>
   </p:cSld>
-  <p:clrMap bg1="lt1" tx1="dk1" bg2="dk2" tx2="lt2" accent1="accent1" accent2="accent2" accent3="accent3" accent4="accent4" accent5="accent5" accent6="accent6" hlink="hlink" folHlink="folHlink"/>
+  <p:clrMap accent1="accent1" accent2="accent2" accent3="accent3" accent4="accent4" accent5="accent5" accent6="accent6" bg1="lt1" bg2="dk2" tx1="dk1" tx2="lt2" folHlink="folHlink" hlink="hlink"/>
   <p:sldLayoutIdLst>
     <p:sldLayoutId id="2147483648" r:id="rId1"/>
     <p:sldLayoutId id="2147483649" r:id="rId2"/>
@@ -10129,10 +10135,10 @@
     <p:sldLayoutId id="2147483657" r:id="rId10"/>
     <p:sldLayoutId id="2147483658" r:id="rId11"/>
   </p:sldLayoutIdLst>
-  <p:hf sldNum="0" hdr="0" ftr="0" dt="0"/>
+  <p:hf dt="0" ftr="0" hdr="0" sldNum="0"/>
   <p:txStyles>
     <p:titleStyle>
-      <a:defPPr marR="0" lvl="0" algn="l" rtl="0">
+      <a:defPPr lvl="0" marR="0" rtl="0" algn="l">
         <a:lnSpc>
           <a:spcPct val="100000"/>
         </a:lnSpc>
@@ -10143,7 +10149,7 @@
           <a:spcPts val="0"/>
         </a:spcAft>
       </a:defPPr>
-      <a:lvl1pPr marR="0" lvl="0" algn="l" rtl="0">
+      <a:lvl1pPr lvl="0" marR="0" rtl="0" algn="l">
         <a:lnSpc>
           <a:spcPct val="100000"/>
         </a:lnSpc>
@@ -10157,7 +10163,7 @@
           <a:srgbClr val="000000"/>
         </a:buClr>
         <a:buFont typeface="Arial"/>
-        <a:defRPr sz="1400" b="0" i="0" u="none" strike="noStrike" cap="none">
+        <a:defRPr b="0" i="0" sz="1400" u="none" cap="none" strike="noStrike">
           <a:solidFill>
             <a:srgbClr val="000000"/>
           </a:solidFill>
@@ -10167,7 +10173,7 @@
           <a:sym typeface="Arial"/>
         </a:defRPr>
       </a:lvl1pPr>
-      <a:lvl2pPr marR="0" lvl="1" algn="l" rtl="0">
+      <a:lvl2pPr lvl="1" marR="0" rtl="0" algn="l">
         <a:lnSpc>
           <a:spcPct val="100000"/>
         </a:lnSpc>
@@ -10181,7 +10187,7 @@
           <a:srgbClr val="000000"/>
         </a:buClr>
         <a:buFont typeface="Arial"/>
-        <a:defRPr sz="1400" b="0" i="0" u="none" strike="noStrike" cap="none">
+        <a:defRPr b="0" i="0" sz="1400" u="none" cap="none" strike="noStrike">
           <a:solidFill>
             <a:srgbClr val="000000"/>
           </a:solidFill>
@@ -10191,7 +10197,7 @@
           <a:sym typeface="Arial"/>
         </a:defRPr>
       </a:lvl2pPr>
-      <a:lvl3pPr marR="0" lvl="2" algn="l" rtl="0">
+      <a:lvl3pPr lvl="2" marR="0" rtl="0" algn="l">
         <a:lnSpc>
           <a:spcPct val="100000"/>
         </a:lnSpc>
@@ -10205,7 +10211,7 @@
           <a:srgbClr val="000000"/>
         </a:buClr>
         <a:buFont typeface="Arial"/>
-        <a:defRPr sz="1400" b="0" i="0" u="none" strike="noStrike" cap="none">
+        <a:defRPr b="0" i="0" sz="1400" u="none" cap="none" strike="noStrike">
           <a:solidFill>
             <a:srgbClr val="000000"/>
           </a:solidFill>
@@ -10215,7 +10221,7 @@
           <a:sym typeface="Arial"/>
         </a:defRPr>
       </a:lvl3pPr>
-      <a:lvl4pPr marR="0" lvl="3" algn="l" rtl="0">
+      <a:lvl4pPr lvl="3" marR="0" rtl="0" algn="l">
         <a:lnSpc>
           <a:spcPct val="100000"/>
         </a:lnSpc>
@@ -10229,7 +10235,7 @@
           <a:srgbClr val="000000"/>
         </a:buClr>
         <a:buFont typeface="Arial"/>
-        <a:defRPr sz="1400" b="0" i="0" u="none" strike="noStrike" cap="none">
+        <a:defRPr b="0" i="0" sz="1400" u="none" cap="none" strike="noStrike">
           <a:solidFill>
             <a:srgbClr val="000000"/>
           </a:solidFill>
@@ -10239,7 +10245,7 @@
           <a:sym typeface="Arial"/>
         </a:defRPr>
       </a:lvl4pPr>
-      <a:lvl5pPr marR="0" lvl="4" algn="l" rtl="0">
+      <a:lvl5pPr lvl="4" marR="0" rtl="0" algn="l">
         <a:lnSpc>
           <a:spcPct val="100000"/>
         </a:lnSpc>
@@ -10253,7 +10259,7 @@
           <a:srgbClr val="000000"/>
         </a:buClr>
         <a:buFont typeface="Arial"/>
-        <a:defRPr sz="1400" b="0" i="0" u="none" strike="noStrike" cap="none">
+        <a:defRPr b="0" i="0" sz="1400" u="none" cap="none" strike="noStrike">
           <a:solidFill>
             <a:srgbClr val="000000"/>
           </a:solidFill>
@@ -10263,7 +10269,7 @@
           <a:sym typeface="Arial"/>
         </a:defRPr>
       </a:lvl5pPr>
-      <a:lvl6pPr marR="0" lvl="5" algn="l" rtl="0">
+      <a:lvl6pPr lvl="5" marR="0" rtl="0" algn="l">
         <a:lnSpc>
           <a:spcPct val="100000"/>
         </a:lnSpc>
@@ -10277,7 +10283,7 @@
           <a:srgbClr val="000000"/>
         </a:buClr>
         <a:buFont typeface="Arial"/>
-        <a:defRPr sz="1400" b="0" i="0" u="none" strike="noStrike" cap="none">
+        <a:defRPr b="0" i="0" sz="1400" u="none" cap="none" strike="noStrike">
           <a:solidFill>
             <a:srgbClr val="000000"/>
           </a:solidFill>
@@ -10287,7 +10293,7 @@
           <a:sym typeface="Arial"/>
         </a:defRPr>
       </a:lvl6pPr>
-      <a:lvl7pPr marR="0" lvl="6" algn="l" rtl="0">
+      <a:lvl7pPr lvl="6" marR="0" rtl="0" algn="l">
         <a:lnSpc>
           <a:spcPct val="100000"/>
         </a:lnSpc>
@@ -10301,7 +10307,7 @@
           <a:srgbClr val="000000"/>
         </a:buClr>
         <a:buFont typeface="Arial"/>
-        <a:defRPr sz="1400" b="0" i="0" u="none" strike="noStrike" cap="none">
+        <a:defRPr b="0" i="0" sz="1400" u="none" cap="none" strike="noStrike">
           <a:solidFill>
             <a:srgbClr val="000000"/>
           </a:solidFill>
@@ -10311,7 +10317,7 @@
           <a:sym typeface="Arial"/>
         </a:defRPr>
       </a:lvl7pPr>
-      <a:lvl8pPr marR="0" lvl="7" algn="l" rtl="0">
+      <a:lvl8pPr lvl="7" marR="0" rtl="0" algn="l">
         <a:lnSpc>
           <a:spcPct val="100000"/>
         </a:lnSpc>
@@ -10325,7 +10331,7 @@
           <a:srgbClr val="000000"/>
         </a:buClr>
         <a:buFont typeface="Arial"/>
-        <a:defRPr sz="1400" b="0" i="0" u="none" strike="noStrike" cap="none">
+        <a:defRPr b="0" i="0" sz="1400" u="none" cap="none" strike="noStrike">
           <a:solidFill>
             <a:srgbClr val="000000"/>
           </a:solidFill>
@@ -10335,7 +10341,7 @@
           <a:sym typeface="Arial"/>
         </a:defRPr>
       </a:lvl8pPr>
-      <a:lvl9pPr marR="0" lvl="8" algn="l" rtl="0">
+      <a:lvl9pPr lvl="8" marR="0" rtl="0" algn="l">
         <a:lnSpc>
           <a:spcPct val="100000"/>
         </a:lnSpc>
@@ -10349,7 +10355,7 @@
           <a:srgbClr val="000000"/>
         </a:buClr>
         <a:buFont typeface="Arial"/>
-        <a:defRPr sz="1400" b="0" i="0" u="none" strike="noStrike" cap="none">
+        <a:defRPr b="0" i="0" sz="1400" u="none" cap="none" strike="noStrike">
           <a:solidFill>
             <a:srgbClr val="000000"/>
           </a:solidFill>
@@ -10361,7 +10367,7 @@
       </a:lvl9pPr>
     </p:titleStyle>
     <p:bodyStyle>
-      <a:defPPr marR="0" lvl="0" algn="l" rtl="0">
+      <a:defPPr lvl="0" marR="0" rtl="0" algn="l">
         <a:lnSpc>
           <a:spcPct val="100000"/>
         </a:lnSpc>
@@ -10372,7 +10378,7 @@
           <a:spcPts val="0"/>
         </a:spcAft>
       </a:defPPr>
-      <a:lvl1pPr marR="0" lvl="0" algn="l" rtl="0">
+      <a:lvl1pPr lvl="0" marR="0" rtl="0" algn="l">
         <a:lnSpc>
           <a:spcPct val="100000"/>
         </a:lnSpc>
@@ -10386,7 +10392,7 @@
           <a:srgbClr val="000000"/>
         </a:buClr>
         <a:buFont typeface="Arial"/>
-        <a:defRPr sz="1400" b="0" i="0" u="none" strike="noStrike" cap="none">
+        <a:defRPr b="0" i="0" sz="1400" u="none" cap="none" strike="noStrike">
           <a:solidFill>
             <a:srgbClr val="000000"/>
           </a:solidFill>
@@ -10396,7 +10402,7 @@
           <a:sym typeface="Arial"/>
         </a:defRPr>
       </a:lvl1pPr>
-      <a:lvl2pPr marR="0" lvl="1" algn="l" rtl="0">
+      <a:lvl2pPr lvl="1" marR="0" rtl="0" algn="l">
         <a:lnSpc>
           <a:spcPct val="100000"/>
         </a:lnSpc>
@@ -10410,7 +10416,7 @@
           <a:srgbClr val="000000"/>
         </a:buClr>
         <a:buFont typeface="Arial"/>
-        <a:defRPr sz="1400" b="0" i="0" u="none" strike="noStrike" cap="none">
+        <a:defRPr b="0" i="0" sz="1400" u="none" cap="none" strike="noStrike">
           <a:solidFill>
             <a:srgbClr val="000000"/>
           </a:solidFill>
@@ -10420,7 +10426,7 @@
           <a:sym typeface="Arial"/>
         </a:defRPr>
       </a:lvl2pPr>
-      <a:lvl3pPr marR="0" lvl="2" algn="l" rtl="0">
+      <a:lvl3pPr lvl="2" marR="0" rtl="0" algn="l">
         <a:lnSpc>
           <a:spcPct val="100000"/>
         </a:lnSpc>
@@ -10434,7 +10440,7 @@
           <a:srgbClr val="000000"/>
         </a:buClr>
         <a:buFont typeface="Arial"/>
-        <a:defRPr sz="1400" b="0" i="0" u="none" strike="noStrike" cap="none">
+        <a:defRPr b="0" i="0" sz="1400" u="none" cap="none" strike="noStrike">
           <a:solidFill>
             <a:srgbClr val="000000"/>
           </a:solidFill>
@@ -10444,7 +10450,7 @@
           <a:sym typeface="Arial"/>
         </a:defRPr>
       </a:lvl3pPr>
-      <a:lvl4pPr marR="0" lvl="3" algn="l" rtl="0">
+      <a:lvl4pPr lvl="3" marR="0" rtl="0" algn="l">
         <a:lnSpc>
           <a:spcPct val="100000"/>
         </a:lnSpc>
@@ -10458,7 +10464,7 @@
           <a:srgbClr val="000000"/>
         </a:buClr>
         <a:buFont typeface="Arial"/>
-        <a:defRPr sz="1400" b="0" i="0" u="none" strike="noStrike" cap="none">
+        <a:defRPr b="0" i="0" sz="1400" u="none" cap="none" strike="noStrike">
           <a:solidFill>
             <a:srgbClr val="000000"/>
           </a:solidFill>
@@ -10468,7 +10474,7 @@
           <a:sym typeface="Arial"/>
         </a:defRPr>
       </a:lvl4pPr>
-      <a:lvl5pPr marR="0" lvl="4" algn="l" rtl="0">
+      <a:lvl5pPr lvl="4" marR="0" rtl="0" algn="l">
         <a:lnSpc>
           <a:spcPct val="100000"/>
         </a:lnSpc>
@@ -10482,7 +10488,7 @@
           <a:srgbClr val="000000"/>
         </a:buClr>
         <a:buFont typeface="Arial"/>
-        <a:defRPr sz="1400" b="0" i="0" u="none" strike="noStrike" cap="none">
+        <a:defRPr b="0" i="0" sz="1400" u="none" cap="none" strike="noStrike">
           <a:solidFill>
             <a:srgbClr val="000000"/>
           </a:solidFill>
@@ -10492,7 +10498,7 @@
           <a:sym typeface="Arial"/>
         </a:defRPr>
       </a:lvl5pPr>
-      <a:lvl6pPr marR="0" lvl="5" algn="l" rtl="0">
+      <a:lvl6pPr lvl="5" marR="0" rtl="0" algn="l">
         <a:lnSpc>
           <a:spcPct val="100000"/>
         </a:lnSpc>
@@ -10506,7 +10512,7 @@
           <a:srgbClr val="000000"/>
         </a:buClr>
         <a:buFont typeface="Arial"/>
-        <a:defRPr sz="1400" b="0" i="0" u="none" strike="noStrike" cap="none">
+        <a:defRPr b="0" i="0" sz="1400" u="none" cap="none" strike="noStrike">
           <a:solidFill>
             <a:srgbClr val="000000"/>
           </a:solidFill>
@@ -10516,7 +10522,7 @@
           <a:sym typeface="Arial"/>
         </a:defRPr>
       </a:lvl6pPr>
-      <a:lvl7pPr marR="0" lvl="6" algn="l" rtl="0">
+      <a:lvl7pPr lvl="6" marR="0" rtl="0" algn="l">
         <a:lnSpc>
           <a:spcPct val="100000"/>
         </a:lnSpc>
@@ -10530,7 +10536,7 @@
           <a:srgbClr val="000000"/>
         </a:buClr>
         <a:buFont typeface="Arial"/>
-        <a:defRPr sz="1400" b="0" i="0" u="none" strike="noStrike" cap="none">
+        <a:defRPr b="0" i="0" sz="1400" u="none" cap="none" strike="noStrike">
           <a:solidFill>
             <a:srgbClr val="000000"/>
           </a:solidFill>
@@ -10540,7 +10546,7 @@
           <a:sym typeface="Arial"/>
         </a:defRPr>
       </a:lvl7pPr>
-      <a:lvl8pPr marR="0" lvl="7" algn="l" rtl="0">
+      <a:lvl8pPr lvl="7" marR="0" rtl="0" algn="l">
         <a:lnSpc>
           <a:spcPct val="100000"/>
         </a:lnSpc>
@@ -10554,7 +10560,7 @@
           <a:srgbClr val="000000"/>
         </a:buClr>
         <a:buFont typeface="Arial"/>
-        <a:defRPr sz="1400" b="0" i="0" u="none" strike="noStrike" cap="none">
+        <a:defRPr b="0" i="0" sz="1400" u="none" cap="none" strike="noStrike">
           <a:solidFill>
             <a:srgbClr val="000000"/>
           </a:solidFill>
@@ -10564,7 +10570,7 @@
           <a:sym typeface="Arial"/>
         </a:defRPr>
       </a:lvl8pPr>
-      <a:lvl9pPr marR="0" lvl="8" algn="l" rtl="0">
+      <a:lvl9pPr lvl="8" marR="0" rtl="0" algn="l">
         <a:lnSpc>
           <a:spcPct val="100000"/>
         </a:lnSpc>
@@ -10578,7 +10584,7 @@
           <a:srgbClr val="000000"/>
         </a:buClr>
         <a:buFont typeface="Arial"/>
-        <a:defRPr sz="1400" b="0" i="0" u="none" strike="noStrike" cap="none">
+        <a:defRPr b="0" i="0" sz="1400" u="none" cap="none" strike="noStrike">
           <a:solidFill>
             <a:srgbClr val="000000"/>
           </a:solidFill>
@@ -10590,7 +10596,7 @@
       </a:lvl9pPr>
     </p:bodyStyle>
     <p:otherStyle>
-      <a:defPPr marR="0" lvl="0" algn="l" rtl="0">
+      <a:defPPr lvl="0" marR="0" rtl="0" algn="l">
         <a:lnSpc>
           <a:spcPct val="100000"/>
         </a:lnSpc>
@@ -10601,7 +10607,7 @@
           <a:spcPts val="0"/>
         </a:spcAft>
       </a:defPPr>
-      <a:lvl1pPr marR="0" lvl="0" algn="l" rtl="0">
+      <a:lvl1pPr lvl="0" marR="0" rtl="0" algn="l">
         <a:lnSpc>
           <a:spcPct val="100000"/>
         </a:lnSpc>
@@ -10615,7 +10621,7 @@
           <a:srgbClr val="000000"/>
         </a:buClr>
         <a:buFont typeface="Arial"/>
-        <a:defRPr sz="1400" b="0" i="0" u="none" strike="noStrike" cap="none">
+        <a:defRPr b="0" i="0" sz="1400" u="none" cap="none" strike="noStrike">
           <a:solidFill>
             <a:srgbClr val="000000"/>
           </a:solidFill>
@@ -10625,7 +10631,7 @@
           <a:sym typeface="Arial"/>
         </a:defRPr>
       </a:lvl1pPr>
-      <a:lvl2pPr marR="0" lvl="1" algn="l" rtl="0">
+      <a:lvl2pPr lvl="1" marR="0" rtl="0" algn="l">
         <a:lnSpc>
           <a:spcPct val="100000"/>
         </a:lnSpc>
@@ -10639,7 +10645,7 @@
           <a:srgbClr val="000000"/>
         </a:buClr>
         <a:buFont typeface="Arial"/>
-        <a:defRPr sz="1400" b="0" i="0" u="none" strike="noStrike" cap="none">
+        <a:defRPr b="0" i="0" sz="1400" u="none" cap="none" strike="noStrike">
           <a:solidFill>
             <a:srgbClr val="000000"/>
           </a:solidFill>
@@ -10649,7 +10655,7 @@
           <a:sym typeface="Arial"/>
         </a:defRPr>
       </a:lvl2pPr>
-      <a:lvl3pPr marR="0" lvl="2" algn="l" rtl="0">
+      <a:lvl3pPr lvl="2" marR="0" rtl="0" algn="l">
         <a:lnSpc>
           <a:spcPct val="100000"/>
         </a:lnSpc>
@@ -10663,7 +10669,7 @@
           <a:srgbClr val="000000"/>
         </a:buClr>
         <a:buFont typeface="Arial"/>
-        <a:defRPr sz="1400" b="0" i="0" u="none" strike="noStrike" cap="none">
+        <a:defRPr b="0" i="0" sz="1400" u="none" cap="none" strike="noStrike">
           <a:solidFill>
             <a:srgbClr val="000000"/>
           </a:solidFill>
@@ -10673,7 +10679,7 @@
           <a:sym typeface="Arial"/>
         </a:defRPr>
       </a:lvl3pPr>
-      <a:lvl4pPr marR="0" lvl="3" algn="l" rtl="0">
+      <a:lvl4pPr lvl="3" marR="0" rtl="0" algn="l">
         <a:lnSpc>
           <a:spcPct val="100000"/>
         </a:lnSpc>
@@ -10687,7 +10693,7 @@
           <a:srgbClr val="000000"/>
         </a:buClr>
         <a:buFont typeface="Arial"/>
-        <a:defRPr sz="1400" b="0" i="0" u="none" strike="noStrike" cap="none">
+        <a:defRPr b="0" i="0" sz="1400" u="none" cap="none" strike="noStrike">
           <a:solidFill>
             <a:srgbClr val="000000"/>
           </a:solidFill>
@@ -10697,7 +10703,7 @@
           <a:sym typeface="Arial"/>
         </a:defRPr>
       </a:lvl4pPr>
-      <a:lvl5pPr marR="0" lvl="4" algn="l" rtl="0">
+      <a:lvl5pPr lvl="4" marR="0" rtl="0" algn="l">
         <a:lnSpc>
           <a:spcPct val="100000"/>
         </a:lnSpc>
@@ -10711,7 +10717,7 @@
           <a:srgbClr val="000000"/>
         </a:buClr>
         <a:buFont typeface="Arial"/>
-        <a:defRPr sz="1400" b="0" i="0" u="none" strike="noStrike" cap="none">
+        <a:defRPr b="0" i="0" sz="1400" u="none" cap="none" strike="noStrike">
           <a:solidFill>
             <a:srgbClr val="000000"/>
           </a:solidFill>
@@ -10721,7 +10727,7 @@
           <a:sym typeface="Arial"/>
         </a:defRPr>
       </a:lvl5pPr>
-      <a:lvl6pPr marR="0" lvl="5" algn="l" rtl="0">
+      <a:lvl6pPr lvl="5" marR="0" rtl="0" algn="l">
         <a:lnSpc>
           <a:spcPct val="100000"/>
         </a:lnSpc>
@@ -10735,7 +10741,7 @@
           <a:srgbClr val="000000"/>
         </a:buClr>
         <a:buFont typeface="Arial"/>
-        <a:defRPr sz="1400" b="0" i="0" u="none" strike="noStrike" cap="none">
+        <a:defRPr b="0" i="0" sz="1400" u="none" cap="none" strike="noStrike">
           <a:solidFill>
             <a:srgbClr val="000000"/>
           </a:solidFill>
@@ -10745,7 +10751,7 @@
           <a:sym typeface="Arial"/>
         </a:defRPr>
       </a:lvl6pPr>
-      <a:lvl7pPr marR="0" lvl="6" algn="l" rtl="0">
+      <a:lvl7pPr lvl="6" marR="0" rtl="0" algn="l">
         <a:lnSpc>
           <a:spcPct val="100000"/>
         </a:lnSpc>
@@ -10759,7 +10765,7 @@
           <a:srgbClr val="000000"/>
         </a:buClr>
         <a:buFont typeface="Arial"/>
-        <a:defRPr sz="1400" b="0" i="0" u="none" strike="noStrike" cap="none">
+        <a:defRPr b="0" i="0" sz="1400" u="none" cap="none" strike="noStrike">
           <a:solidFill>
             <a:srgbClr val="000000"/>
           </a:solidFill>
@@ -10769,7 +10775,7 @@
           <a:sym typeface="Arial"/>
         </a:defRPr>
       </a:lvl7pPr>
-      <a:lvl8pPr marR="0" lvl="7" algn="l" rtl="0">
+      <a:lvl8pPr lvl="7" marR="0" rtl="0" algn="l">
         <a:lnSpc>
           <a:spcPct val="100000"/>
         </a:lnSpc>
@@ -10783,7 +10789,7 @@
           <a:srgbClr val="000000"/>
         </a:buClr>
         <a:buFont typeface="Arial"/>
-        <a:defRPr sz="1400" b="0" i="0" u="none" strike="noStrike" cap="none">
+        <a:defRPr b="0" i="0" sz="1400" u="none" cap="none" strike="noStrike">
           <a:solidFill>
             <a:srgbClr val="000000"/>
           </a:solidFill>
@@ -10793,7 +10799,7 @@
           <a:sym typeface="Arial"/>
         </a:defRPr>
       </a:lvl8pPr>
-      <a:lvl9pPr marR="0" lvl="8" algn="l" rtl="0">
+      <a:lvl9pPr lvl="8" marR="0" rtl="0" algn="l">
         <a:lnSpc>
           <a:spcPct val="100000"/>
         </a:lnSpc>
@@ -10807,7 +10813,7 @@
           <a:srgbClr val="000000"/>
         </a:buClr>
         <a:buFont typeface="Arial"/>
-        <a:defRPr sz="1400" b="0" i="0" u="none" strike="noStrike" cap="none">
+        <a:defRPr b="0" i="0" sz="1400" u="none" cap="none" strike="noStrike">
           <a:solidFill>
             <a:srgbClr val="000000"/>
           </a:solidFill>
@@ -10823,11 +10829,11 @@
 </file>
 
 <file path=ppt/slides/slide1.xml><?xml version="1.0" encoding="utf-8"?>
-<p:sld xmlns:a="http://schemas.openxmlformats.org/drawingml/2006/main" xmlns:r="http://schemas.openxmlformats.org/officeDocument/2006/relationships" xmlns:p="http://schemas.openxmlformats.org/presentationml/2006/main">
+<p:sld xmlns:a="http://schemas.openxmlformats.org/drawingml/2006/main" xmlns:r="http://schemas.openxmlformats.org/officeDocument/2006/relationships" xmlns:mc="http://schemas.openxmlformats.org/markup-compatibility/2006" xmlns:mv="urn:schemas-microsoft-com:mac:vml" xmlns:p="http://schemas.openxmlformats.org/presentationml/2006/main" xmlns:c="http://schemas.openxmlformats.org/drawingml/2006/chart" xmlns:dgm="http://schemas.openxmlformats.org/drawingml/2006/diagram" xmlns:o="urn:schemas-microsoft-com:office:office" xmlns:v="urn:schemas-microsoft-com:vml" xmlns:pvml="urn:schemas-microsoft-com:office:powerpoint" xmlns:com="http://schemas.openxmlformats.org/drawingml/2006/compatibility" xmlns:p14="http://schemas.microsoft.com/office/powerpoint/2010/main" xmlns:p15="http://schemas.microsoft.com/office/powerpoint/2012/main">
   <p:cSld>
     <p:spTree>
       <p:nvGrpSpPr>
-        <p:cNvPr id="1" name="Shape 85"/>
+        <p:cNvPr id="85" name="Shape 85"/>
         <p:cNvGrpSpPr/>
         <p:nvPr/>
       </p:nvGrpSpPr>
@@ -10842,9 +10848,7 @@
       <p:sp>
         <p:nvSpPr>
           <p:cNvPr id="86" name="Google Shape;86;p13"/>
-          <p:cNvSpPr txBox="1">
-            <a:spLocks noGrp="1"/>
-          </p:cNvSpPr>
+          <p:cNvSpPr txBox="1"/>
           <p:nvPr>
             <p:ph type="ctrTitle"/>
           </p:nvPr>
@@ -10859,12 +10863,12 @@
           </a:prstGeom>
         </p:spPr>
         <p:txBody>
-          <a:bodyPr spcFirstLastPara="1" wrap="square" lIns="91425" tIns="91425" rIns="91425" bIns="91425" anchor="t" anchorCtr="0">
+          <a:bodyPr anchorCtr="0" anchor="t" bIns="91425" lIns="91425" spcFirstLastPara="1" rIns="91425" wrap="square" tIns="91425">
             <a:noAutofit/>
           </a:bodyPr>
           <a:lstStyle/>
           <a:p>
-            <a:pPr marL="0" lvl="0" indent="0" algn="l" rtl="0">
+            <a:pPr indent="0" lvl="0" marL="0" rtl="0" algn="l">
               <a:spcBef>
                 <a:spcPts val="0"/>
               </a:spcBef>
@@ -10884,11 +10888,9 @@
       <p:sp>
         <p:nvSpPr>
           <p:cNvPr id="87" name="Google Shape;87;p13"/>
-          <p:cNvSpPr txBox="1">
-            <a:spLocks noGrp="1"/>
-          </p:cNvSpPr>
+          <p:cNvSpPr txBox="1"/>
           <p:nvPr>
-            <p:ph type="subTitle" idx="1"/>
+            <p:ph idx="1" type="subTitle"/>
           </p:nvPr>
         </p:nvSpPr>
         <p:spPr>
@@ -10901,12 +10903,12 @@
           </a:prstGeom>
         </p:spPr>
         <p:txBody>
-          <a:bodyPr spcFirstLastPara="1" wrap="square" lIns="91425" tIns="91425" rIns="91425" bIns="91425" anchor="t" anchorCtr="0">
+          <a:bodyPr anchorCtr="0" anchor="t" bIns="91425" lIns="91425" spcFirstLastPara="1" rIns="91425" wrap="square" tIns="91425">
             <a:noAutofit/>
           </a:bodyPr>
           <a:lstStyle/>
           <a:p>
-            <a:pPr marL="0" lvl="0" indent="0" algn="l" rtl="0">
+            <a:pPr indent="0" lvl="0" marL="0" rtl="0" algn="l">
               <a:spcBef>
                 <a:spcPts val="0"/>
               </a:spcBef>
@@ -10932,11 +10934,11 @@
 </file>
 
 <file path=ppt/slides/slide10.xml><?xml version="1.0" encoding="utf-8"?>
-<p:sld xmlns:a="http://schemas.openxmlformats.org/drawingml/2006/main" xmlns:r="http://schemas.openxmlformats.org/officeDocument/2006/relationships" xmlns:p="http://schemas.openxmlformats.org/presentationml/2006/main">
+<p:sld xmlns:a="http://schemas.openxmlformats.org/drawingml/2006/main" xmlns:r="http://schemas.openxmlformats.org/officeDocument/2006/relationships" xmlns:mc="http://schemas.openxmlformats.org/markup-compatibility/2006" xmlns:mv="urn:schemas-microsoft-com:mac:vml" xmlns:p="http://schemas.openxmlformats.org/presentationml/2006/main" xmlns:c="http://schemas.openxmlformats.org/drawingml/2006/chart" xmlns:dgm="http://schemas.openxmlformats.org/drawingml/2006/diagram" xmlns:o="urn:schemas-microsoft-com:office:office" xmlns:v="urn:schemas-microsoft-com:vml" xmlns:pvml="urn:schemas-microsoft-com:office:powerpoint" xmlns:com="http://schemas.openxmlformats.org/drawingml/2006/compatibility" xmlns:p14="http://schemas.microsoft.com/office/powerpoint/2010/main" xmlns:p15="http://schemas.microsoft.com/office/powerpoint/2012/main">
   <p:cSld>
     <p:spTree>
       <p:nvGrpSpPr>
-        <p:cNvPr id="1" name="Shape 142"/>
+        <p:cNvPr id="142" name="Shape 142"/>
         <p:cNvGrpSpPr/>
         <p:nvPr/>
       </p:nvGrpSpPr>
@@ -10951,9 +10953,7 @@
       <p:sp>
         <p:nvSpPr>
           <p:cNvPr id="143" name="Google Shape;143;p22"/>
-          <p:cNvSpPr txBox="1">
-            <a:spLocks noGrp="1"/>
-          </p:cNvSpPr>
+          <p:cNvSpPr txBox="1"/>
           <p:nvPr>
             <p:ph type="title"/>
           </p:nvPr>
@@ -10968,12 +10968,12 @@
           </a:prstGeom>
         </p:spPr>
         <p:txBody>
-          <a:bodyPr spcFirstLastPara="1" wrap="square" lIns="91425" tIns="91425" rIns="91425" bIns="91425" anchor="ctr" anchorCtr="0">
+          <a:bodyPr anchorCtr="0" anchor="ctr" bIns="91425" lIns="91425" spcFirstLastPara="1" rIns="91425" wrap="square" tIns="91425">
             <a:noAutofit/>
           </a:bodyPr>
           <a:lstStyle/>
           <a:p>
-            <a:pPr marL="0" lvl="0" indent="0" algn="l" rtl="0">
+            <a:pPr indent="0" lvl="0" marL="0" rtl="0" algn="l">
               <a:spcBef>
                 <a:spcPts val="0"/>
               </a:spcBef>
@@ -10994,15 +10994,18 @@
             <a:endParaRPr sz="2800"/>
           </a:p>
           <a:p>
-            <a:pPr marL="0" lvl="0" indent="0" algn="l" rtl="0">
-              <a:spcBef>
-                <a:spcPts val="0"/>
-              </a:spcBef>
-              <a:spcAft>
-                <a:spcPts val="0"/>
-              </a:spcAft>
-              <a:buNone/>
-            </a:pPr>
+            <a:pPr indent="0" lvl="0" marL="0" rtl="0" algn="l">
+              <a:spcBef>
+                <a:spcPts val="0"/>
+              </a:spcBef>
+              <a:spcAft>
+                <a:spcPts val="0"/>
+              </a:spcAft>
+              <a:buNone/>
+            </a:pPr>
+            <a:r>
+              <a:t/>
+            </a:r>
             <a:endParaRPr/>
           </a:p>
         </p:txBody>
@@ -11016,11 +11019,11 @@
 </file>
 
 <file path=ppt/slides/slide11.xml><?xml version="1.0" encoding="utf-8"?>
-<p:sld xmlns:a="http://schemas.openxmlformats.org/drawingml/2006/main" xmlns:r="http://schemas.openxmlformats.org/officeDocument/2006/relationships" xmlns:p="http://schemas.openxmlformats.org/presentationml/2006/main">
+<p:sld xmlns:a="http://schemas.openxmlformats.org/drawingml/2006/main" xmlns:r="http://schemas.openxmlformats.org/officeDocument/2006/relationships" xmlns:mc="http://schemas.openxmlformats.org/markup-compatibility/2006" xmlns:mv="urn:schemas-microsoft-com:mac:vml" xmlns:p="http://schemas.openxmlformats.org/presentationml/2006/main" xmlns:c="http://schemas.openxmlformats.org/drawingml/2006/chart" xmlns:dgm="http://schemas.openxmlformats.org/drawingml/2006/diagram" xmlns:o="urn:schemas-microsoft-com:office:office" xmlns:v="urn:schemas-microsoft-com:vml" xmlns:pvml="urn:schemas-microsoft-com:office:powerpoint" xmlns:com="http://schemas.openxmlformats.org/drawingml/2006/compatibility" xmlns:p14="http://schemas.microsoft.com/office/powerpoint/2010/main" xmlns:p15="http://schemas.microsoft.com/office/powerpoint/2012/main">
   <p:cSld>
     <p:spTree>
       <p:nvGrpSpPr>
-        <p:cNvPr id="1" name="Shape 147"/>
+        <p:cNvPr id="147" name="Shape 147"/>
         <p:cNvGrpSpPr/>
         <p:nvPr/>
       </p:nvGrpSpPr>
@@ -11035,9 +11038,7 @@
       <p:sp>
         <p:nvSpPr>
           <p:cNvPr id="148" name="Google Shape;148;p23"/>
-          <p:cNvSpPr txBox="1">
-            <a:spLocks noGrp="1"/>
-          </p:cNvSpPr>
+          <p:cNvSpPr txBox="1"/>
           <p:nvPr>
             <p:ph type="title"/>
           </p:nvPr>
@@ -11052,12 +11053,12 @@
           </a:prstGeom>
         </p:spPr>
         <p:txBody>
-          <a:bodyPr spcFirstLastPara="1" wrap="square" lIns="91425" tIns="91425" rIns="91425" bIns="91425" anchor="t" anchorCtr="0">
+          <a:bodyPr anchorCtr="0" anchor="t" bIns="91425" lIns="91425" spcFirstLastPara="1" rIns="91425" wrap="square" tIns="91425">
             <a:noAutofit/>
           </a:bodyPr>
           <a:lstStyle/>
           <a:p>
-            <a:pPr marL="0" lvl="0" indent="0" algn="l" rtl="0">
+            <a:pPr indent="0" lvl="0" marL="0" rtl="0" algn="l">
               <a:spcBef>
                 <a:spcPts val="0"/>
               </a:spcBef>
@@ -11077,11 +11078,9 @@
       <p:sp>
         <p:nvSpPr>
           <p:cNvPr id="149" name="Google Shape;149;p23"/>
-          <p:cNvSpPr txBox="1">
-            <a:spLocks noGrp="1"/>
-          </p:cNvSpPr>
+          <p:cNvSpPr txBox="1"/>
           <p:nvPr>
-            <p:ph type="body" idx="1"/>
+            <p:ph idx="1" type="body"/>
           </p:nvPr>
         </p:nvSpPr>
         <p:spPr>
@@ -11094,36 +11093,36 @@
           </a:prstGeom>
         </p:spPr>
         <p:txBody>
-          <a:bodyPr spcFirstLastPara="1" wrap="square" lIns="91425" tIns="91425" rIns="91425" bIns="91425" anchor="t" anchorCtr="0">
+          <a:bodyPr anchorCtr="0" anchor="t" bIns="91425" lIns="91425" spcFirstLastPara="1" rIns="91425" wrap="square" tIns="91425">
             <a:noAutofit/>
           </a:bodyPr>
           <a:lstStyle/>
           <a:p>
-            <a:pPr marL="0" lvl="0" indent="0" algn="l" rtl="0">
-              <a:spcBef>
-                <a:spcPts val="0"/>
-              </a:spcBef>
-              <a:spcAft>
-                <a:spcPts val="0"/>
-              </a:spcAft>
-              <a:buNone/>
-            </a:pPr>
-            <a:r>
-              <a:rPr lang="en" sz="1400" b="1">
+            <a:pPr indent="0" lvl="0" marL="0" rtl="0" algn="l">
+              <a:spcBef>
+                <a:spcPts val="0"/>
+              </a:spcBef>
+              <a:spcAft>
+                <a:spcPts val="0"/>
+              </a:spcAft>
+              <a:buNone/>
+            </a:pPr>
+            <a:r>
+              <a:rPr b="1" lang="en" sz="1400">
                 <a:solidFill>
                   <a:schemeClr val="dk1"/>
                 </a:solidFill>
               </a:rPr>
               <a:t>Exploration</a:t>
             </a:r>
-            <a:endParaRPr sz="1400" b="1">
+            <a:endParaRPr b="1" sz="1400">
               <a:solidFill>
                 <a:schemeClr val="dk1"/>
               </a:solidFill>
             </a:endParaRPr>
           </a:p>
           <a:p>
-            <a:pPr marL="457200" lvl="0" indent="-317500" algn="l" rtl="0">
+            <a:pPr indent="-317500" lvl="0" marL="457200" rtl="0" algn="l">
               <a:spcBef>
                 <a:spcPts val="1600"/>
               </a:spcBef>
@@ -11140,7 +11139,7 @@
             <a:endParaRPr sz="1400"/>
           </a:p>
           <a:p>
-            <a:pPr marL="457200" lvl="0" indent="-317500" algn="l" rtl="0">
+            <a:pPr indent="-317500" lvl="0" marL="457200" rtl="0" algn="l">
               <a:spcBef>
                 <a:spcPts val="0"/>
               </a:spcBef>
@@ -11157,7 +11156,7 @@
             <a:endParaRPr sz="1400"/>
           </a:p>
           <a:p>
-            <a:pPr marL="457200" lvl="0" indent="-317500" algn="l" rtl="0">
+            <a:pPr indent="-317500" lvl="0" marL="457200" rtl="0" algn="l">
               <a:spcBef>
                 <a:spcPts val="0"/>
               </a:spcBef>
@@ -11174,7 +11173,7 @@
             <a:endParaRPr sz="1400"/>
           </a:p>
           <a:p>
-            <a:pPr marL="457200" lvl="0" indent="-317500" algn="l" rtl="0">
+            <a:pPr indent="-317500" lvl="0" marL="457200" rtl="0" algn="l">
               <a:spcBef>
                 <a:spcPts val="0"/>
               </a:spcBef>
@@ -11191,7 +11190,7 @@
             <a:endParaRPr sz="1400"/>
           </a:p>
           <a:p>
-            <a:pPr marL="457200" lvl="0" indent="-317500" algn="l" rtl="0">
+            <a:pPr indent="-317500" lvl="0" marL="457200" rtl="0" algn="l">
               <a:spcBef>
                 <a:spcPts val="0"/>
               </a:spcBef>
@@ -11208,7 +11207,7 @@
             <a:endParaRPr sz="1400"/>
           </a:p>
           <a:p>
-            <a:pPr marL="457200" lvl="0" indent="-317500" algn="l" rtl="0">
+            <a:pPr indent="-317500" lvl="0" marL="457200" rtl="0" algn="l">
               <a:spcBef>
                 <a:spcPts val="0"/>
               </a:spcBef>
@@ -11229,11 +11228,9 @@
       <p:sp>
         <p:nvSpPr>
           <p:cNvPr id="150" name="Google Shape;150;p23"/>
-          <p:cNvSpPr txBox="1">
-            <a:spLocks noGrp="1"/>
-          </p:cNvSpPr>
+          <p:cNvSpPr txBox="1"/>
           <p:nvPr>
-            <p:ph type="body" idx="2"/>
+            <p:ph idx="2" type="body"/>
           </p:nvPr>
         </p:nvSpPr>
         <p:spPr>
@@ -11246,22 +11243,22 @@
           </a:prstGeom>
         </p:spPr>
         <p:txBody>
-          <a:bodyPr spcFirstLastPara="1" wrap="square" lIns="91425" tIns="91425" rIns="91425" bIns="91425" anchor="t" anchorCtr="0">
+          <a:bodyPr anchorCtr="0" anchor="t" bIns="91425" lIns="91425" spcFirstLastPara="1" rIns="91425" wrap="square" tIns="91425">
             <a:noAutofit/>
           </a:bodyPr>
           <a:lstStyle/>
           <a:p>
-            <a:pPr marL="0" lvl="0" indent="0" algn="l" rtl="0">
-              <a:spcBef>
-                <a:spcPts val="0"/>
-              </a:spcBef>
-              <a:spcAft>
-                <a:spcPts val="0"/>
-              </a:spcAft>
-              <a:buNone/>
-            </a:pPr>
-            <a:r>
-              <a:rPr lang="en" b="1">
+            <a:pPr indent="0" lvl="0" marL="0" rtl="0" algn="l">
+              <a:spcBef>
+                <a:spcPts val="0"/>
+              </a:spcBef>
+              <a:spcAft>
+                <a:spcPts val="0"/>
+              </a:spcAft>
+              <a:buNone/>
+            </a:pPr>
+            <a:r>
+              <a:rPr b="1" lang="en">
                 <a:solidFill>
                   <a:schemeClr val="dk1"/>
                 </a:solidFill>
@@ -11275,7 +11272,7 @@
             </a:endParaRPr>
           </a:p>
           <a:p>
-            <a:pPr marL="457200" lvl="0" indent="-311150" algn="l" rtl="0">
+            <a:pPr indent="-311150" lvl="0" marL="457200" rtl="0" algn="l">
               <a:spcBef>
                 <a:spcPts val="1600"/>
               </a:spcBef>
@@ -11292,7 +11289,7 @@
             <a:endParaRPr/>
           </a:p>
           <a:p>
-            <a:pPr marL="914400" lvl="1" indent="-311150" algn="l" rtl="0">
+            <a:pPr indent="-311150" lvl="1" marL="914400" rtl="0" algn="l">
               <a:spcBef>
                 <a:spcPts val="0"/>
               </a:spcBef>
@@ -11309,7 +11306,7 @@
             <a:endParaRPr sz="1300"/>
           </a:p>
           <a:p>
-            <a:pPr marL="457200" lvl="0" indent="-311150" algn="l" rtl="0">
+            <a:pPr indent="-311150" lvl="0" marL="457200" rtl="0" algn="l">
               <a:spcBef>
                 <a:spcPts val="0"/>
               </a:spcBef>
@@ -11326,7 +11323,7 @@
             <a:endParaRPr/>
           </a:p>
           <a:p>
-            <a:pPr marL="457200" lvl="0" indent="-311150" algn="l" rtl="0">
+            <a:pPr indent="-311150" lvl="0" marL="457200" rtl="0" algn="l">
               <a:spcBef>
                 <a:spcPts val="0"/>
               </a:spcBef>
@@ -11343,7 +11340,7 @@
             <a:endParaRPr/>
           </a:p>
           <a:p>
-            <a:pPr marL="457200" lvl="0" indent="-311150" algn="l" rtl="0">
+            <a:pPr indent="-311150" lvl="0" marL="457200" rtl="0" algn="l">
               <a:spcBef>
                 <a:spcPts val="0"/>
               </a:spcBef>
@@ -11370,11 +11367,11 @@
 </file>
 
 <file path=ppt/slides/slide12.xml><?xml version="1.0" encoding="utf-8"?>
-<p:sld xmlns:a="http://schemas.openxmlformats.org/drawingml/2006/main" xmlns:r="http://schemas.openxmlformats.org/officeDocument/2006/relationships" xmlns:p="http://schemas.openxmlformats.org/presentationml/2006/main">
+<p:sld xmlns:a="http://schemas.openxmlformats.org/drawingml/2006/main" xmlns:r="http://schemas.openxmlformats.org/officeDocument/2006/relationships" xmlns:mc="http://schemas.openxmlformats.org/markup-compatibility/2006" xmlns:mv="urn:schemas-microsoft-com:mac:vml" xmlns:p="http://schemas.openxmlformats.org/presentationml/2006/main" xmlns:c="http://schemas.openxmlformats.org/drawingml/2006/chart" xmlns:dgm="http://schemas.openxmlformats.org/drawingml/2006/diagram" xmlns:o="urn:schemas-microsoft-com:office:office" xmlns:v="urn:schemas-microsoft-com:vml" xmlns:pvml="urn:schemas-microsoft-com:office:powerpoint" xmlns:com="http://schemas.openxmlformats.org/drawingml/2006/compatibility" xmlns:p14="http://schemas.microsoft.com/office/powerpoint/2010/main" xmlns:p15="http://schemas.microsoft.com/office/powerpoint/2012/main">
   <p:cSld>
     <p:spTree>
       <p:nvGrpSpPr>
-        <p:cNvPr id="1" name="Shape 154"/>
+        <p:cNvPr id="154" name="Shape 154"/>
         <p:cNvGrpSpPr/>
         <p:nvPr/>
       </p:nvGrpSpPr>
@@ -11389,9 +11386,7 @@
       <p:sp>
         <p:nvSpPr>
           <p:cNvPr id="155" name="Google Shape;155;p24"/>
-          <p:cNvSpPr txBox="1">
-            <a:spLocks noGrp="1"/>
-          </p:cNvSpPr>
+          <p:cNvSpPr txBox="1"/>
           <p:nvPr>
             <p:ph type="title"/>
           </p:nvPr>
@@ -11406,12 +11401,12 @@
           </a:prstGeom>
         </p:spPr>
         <p:txBody>
-          <a:bodyPr spcFirstLastPara="1" wrap="square" lIns="91425" tIns="91425" rIns="91425" bIns="91425" anchor="t" anchorCtr="0">
+          <a:bodyPr anchorCtr="0" anchor="t" bIns="91425" lIns="91425" spcFirstLastPara="1" rIns="91425" wrap="square" tIns="91425">
             <a:noAutofit/>
           </a:bodyPr>
           <a:lstStyle/>
           <a:p>
-            <a:pPr marL="0" lvl="0" indent="0" algn="l" rtl="0">
+            <a:pPr indent="0" lvl="0" marL="0" rtl="0" algn="l">
               <a:spcBef>
                 <a:spcPts val="0"/>
               </a:spcBef>
@@ -11431,11 +11426,9 @@
       <p:sp>
         <p:nvSpPr>
           <p:cNvPr id="156" name="Google Shape;156;p24"/>
-          <p:cNvSpPr txBox="1">
-            <a:spLocks noGrp="1"/>
-          </p:cNvSpPr>
+          <p:cNvSpPr txBox="1"/>
           <p:nvPr>
-            <p:ph type="body" idx="1"/>
+            <p:ph idx="1" type="body"/>
           </p:nvPr>
         </p:nvSpPr>
         <p:spPr>
@@ -11448,12 +11441,12 @@
           </a:prstGeom>
         </p:spPr>
         <p:txBody>
-          <a:bodyPr spcFirstLastPara="1" wrap="square" lIns="91425" tIns="91425" rIns="91425" bIns="91425" anchor="t" anchorCtr="0">
+          <a:bodyPr anchorCtr="0" anchor="t" bIns="91425" lIns="91425" spcFirstLastPara="1" rIns="91425" wrap="square" tIns="91425">
             <a:noAutofit/>
           </a:bodyPr>
           <a:lstStyle/>
           <a:p>
-            <a:pPr marL="457200" lvl="0" indent="-298450" algn="l" rtl="0">
+            <a:pPr indent="-298450" lvl="0" marL="457200" rtl="0" algn="l">
               <a:lnSpc>
                 <a:spcPct val="200000"/>
               </a:lnSpc>
@@ -11467,7 +11460,7 @@
               <a:buChar char="●"/>
             </a:pPr>
             <a:r>
-              <a:rPr lang="en" sz="1100" b="1">
+              <a:rPr b="1" lang="en" sz="1100">
                 <a:solidFill>
                   <a:schemeClr val="dk1"/>
                 </a:solidFill>
@@ -11481,7 +11474,7 @@
             <a:endParaRPr sz="1100"/>
           </a:p>
           <a:p>
-            <a:pPr marL="457200" lvl="0" indent="-298450" algn="l" rtl="0">
+            <a:pPr indent="-298450" lvl="0" marL="457200" rtl="0" algn="l">
               <a:lnSpc>
                 <a:spcPct val="200000"/>
               </a:lnSpc>
@@ -11495,7 +11488,7 @@
               <a:buChar char="●"/>
             </a:pPr>
             <a:r>
-              <a:rPr lang="en" sz="1100" b="1">
+              <a:rPr b="1" lang="en" sz="1100">
                 <a:solidFill>
                   <a:schemeClr val="dk1"/>
                 </a:solidFill>
@@ -11509,7 +11502,7 @@
             <a:endParaRPr sz="1100"/>
           </a:p>
           <a:p>
-            <a:pPr marL="457200" lvl="0" indent="-298450" algn="l" rtl="0">
+            <a:pPr indent="-298450" lvl="0" marL="457200" rtl="0" algn="l">
               <a:lnSpc>
                 <a:spcPct val="200000"/>
               </a:lnSpc>
@@ -11523,7 +11516,7 @@
               <a:buChar char="●"/>
             </a:pPr>
             <a:r>
-              <a:rPr lang="en" sz="1100" b="1">
+              <a:rPr b="1" lang="en" sz="1100">
                 <a:solidFill>
                   <a:schemeClr val="dk1"/>
                 </a:solidFill>
@@ -11531,7 +11524,18 @@
                   <a:schemeClr val="lt1"/>
                 </a:highlight>
               </a:rPr>
-              <a:t>Size of Avocados</a:t>
+              <a:t>S</a:t>
+            </a:r>
+            <a:r>
+              <a:rPr b="1" lang="en" sz="1100">
+                <a:solidFill>
+                  <a:schemeClr val="dk1"/>
+                </a:solidFill>
+                <a:highlight>
+                  <a:schemeClr val="lt1"/>
+                </a:highlight>
+              </a:rPr>
+              <a:t>ize of Avocados</a:t>
             </a:r>
             <a:r>
               <a:rPr lang="en" sz="1100">
@@ -11548,7 +11552,7 @@
             </a:endParaRPr>
           </a:p>
           <a:p>
-            <a:pPr marL="914400" lvl="1" indent="-298450" algn="l" rtl="0">
+            <a:pPr indent="-298450" lvl="1" marL="914400" rtl="0" algn="l">
               <a:lnSpc>
                 <a:spcPct val="200000"/>
               </a:lnSpc>
@@ -11576,7 +11580,7 @@
             </a:endParaRPr>
           </a:p>
           <a:p>
-            <a:pPr marL="914400" lvl="1" indent="-298450" algn="l" rtl="0">
+            <a:pPr indent="-298450" lvl="1" marL="914400" rtl="0" algn="l">
               <a:lnSpc>
                 <a:spcPct val="200000"/>
               </a:lnSpc>
@@ -11638,11 +11642,11 @@
 </file>
 
 <file path=ppt/slides/slide13.xml><?xml version="1.0" encoding="utf-8"?>
-<p:sld xmlns:a="http://schemas.openxmlformats.org/drawingml/2006/main" xmlns:r="http://schemas.openxmlformats.org/officeDocument/2006/relationships" xmlns:p="http://schemas.openxmlformats.org/presentationml/2006/main">
+<p:sld xmlns:a="http://schemas.openxmlformats.org/drawingml/2006/main" xmlns:r="http://schemas.openxmlformats.org/officeDocument/2006/relationships" xmlns:mc="http://schemas.openxmlformats.org/markup-compatibility/2006" xmlns:mv="urn:schemas-microsoft-com:mac:vml" xmlns:p="http://schemas.openxmlformats.org/presentationml/2006/main" xmlns:c="http://schemas.openxmlformats.org/drawingml/2006/chart" xmlns:dgm="http://schemas.openxmlformats.org/drawingml/2006/diagram" xmlns:o="urn:schemas-microsoft-com:office:office" xmlns:v="urn:schemas-microsoft-com:vml" xmlns:pvml="urn:schemas-microsoft-com:office:powerpoint" xmlns:com="http://schemas.openxmlformats.org/drawingml/2006/compatibility" xmlns:p14="http://schemas.microsoft.com/office/powerpoint/2010/main" xmlns:p15="http://schemas.microsoft.com/office/powerpoint/2012/main">
   <p:cSld>
     <p:spTree>
       <p:nvGrpSpPr>
-        <p:cNvPr id="1" name="Shape 161"/>
+        <p:cNvPr id="161" name="Shape 161"/>
         <p:cNvGrpSpPr/>
         <p:nvPr/>
       </p:nvGrpSpPr>
@@ -11657,9 +11661,7 @@
       <p:sp>
         <p:nvSpPr>
           <p:cNvPr id="162" name="Google Shape;162;p25"/>
-          <p:cNvSpPr txBox="1">
-            <a:spLocks noGrp="1"/>
-          </p:cNvSpPr>
+          <p:cNvSpPr txBox="1"/>
           <p:nvPr>
             <p:ph type="title"/>
           </p:nvPr>
@@ -11674,12 +11676,12 @@
           </a:prstGeom>
         </p:spPr>
         <p:txBody>
-          <a:bodyPr spcFirstLastPara="1" wrap="square" lIns="91425" tIns="91425" rIns="91425" bIns="91425" anchor="ctr" anchorCtr="0">
+          <a:bodyPr anchorCtr="0" anchor="ctr" bIns="91425" lIns="91425" spcFirstLastPara="1" rIns="91425" wrap="square" tIns="91425">
             <a:noAutofit/>
           </a:bodyPr>
           <a:lstStyle/>
           <a:p>
-            <a:pPr marL="0" lvl="0" indent="0" algn="l" rtl="0">
+            <a:pPr indent="0" lvl="0" marL="0" rtl="0" algn="l">
               <a:spcBef>
                 <a:spcPts val="0"/>
               </a:spcBef>
@@ -11705,11 +11707,11 @@
 </file>
 
 <file path=ppt/slides/slide14.xml><?xml version="1.0" encoding="utf-8"?>
-<p:sld xmlns:a="http://schemas.openxmlformats.org/drawingml/2006/main" xmlns:r="http://schemas.openxmlformats.org/officeDocument/2006/relationships" xmlns:p="http://schemas.openxmlformats.org/presentationml/2006/main">
+<p:sld xmlns:a="http://schemas.openxmlformats.org/drawingml/2006/main" xmlns:r="http://schemas.openxmlformats.org/officeDocument/2006/relationships" xmlns:mc="http://schemas.openxmlformats.org/markup-compatibility/2006" xmlns:mv="urn:schemas-microsoft-com:mac:vml" xmlns:p="http://schemas.openxmlformats.org/presentationml/2006/main" xmlns:c="http://schemas.openxmlformats.org/drawingml/2006/chart" xmlns:dgm="http://schemas.openxmlformats.org/drawingml/2006/diagram" xmlns:o="urn:schemas-microsoft-com:office:office" xmlns:v="urn:schemas-microsoft-com:vml" xmlns:pvml="urn:schemas-microsoft-com:office:powerpoint" xmlns:com="http://schemas.openxmlformats.org/drawingml/2006/compatibility" xmlns:p14="http://schemas.microsoft.com/office/powerpoint/2010/main" xmlns:p15="http://schemas.microsoft.com/office/powerpoint/2012/main">
   <p:cSld>
     <p:spTree>
       <p:nvGrpSpPr>
-        <p:cNvPr id="1" name="Shape 166"/>
+        <p:cNvPr id="166" name="Shape 166"/>
         <p:cNvGrpSpPr/>
         <p:nvPr/>
       </p:nvGrpSpPr>
@@ -11724,11 +11726,9 @@
       <p:sp>
         <p:nvSpPr>
           <p:cNvPr id="167" name="Google Shape;167;p26"/>
-          <p:cNvSpPr txBox="1">
-            <a:spLocks noGrp="1"/>
-          </p:cNvSpPr>
+          <p:cNvSpPr txBox="1"/>
           <p:nvPr>
-            <p:ph type="body" idx="1"/>
+            <p:ph idx="1" type="body"/>
           </p:nvPr>
         </p:nvSpPr>
         <p:spPr>
@@ -11741,12 +11741,12 @@
           </a:prstGeom>
         </p:spPr>
         <p:txBody>
-          <a:bodyPr spcFirstLastPara="1" wrap="square" lIns="91425" tIns="91425" rIns="91425" bIns="91425" anchor="ctr" anchorCtr="0">
+          <a:bodyPr anchorCtr="0" anchor="ctr" bIns="91425" lIns="91425" spcFirstLastPara="1" rIns="91425" wrap="square" tIns="91425">
             <a:noAutofit/>
           </a:bodyPr>
           <a:lstStyle/>
           <a:p>
-            <a:pPr marL="0" lvl="0" indent="0" algn="l" rtl="0">
+            <a:pPr indent="0" lvl="0" marL="0" rtl="0" algn="l">
               <a:spcBef>
                 <a:spcPts val="0"/>
               </a:spcBef>
@@ -11818,12 +11818,12 @@
           </a:ln>
         </p:spPr>
         <p:txBody>
-          <a:bodyPr spcFirstLastPara="1" wrap="square" lIns="91425" tIns="91425" rIns="91425" bIns="91425" anchor="t" anchorCtr="0">
+          <a:bodyPr anchorCtr="0" anchor="t" bIns="91425" lIns="91425" spcFirstLastPara="1" rIns="91425" wrap="square" tIns="91425">
             <a:noAutofit/>
           </a:bodyPr>
           <a:lstStyle/>
           <a:p>
-            <a:pPr marL="0" lvl="0" indent="0" algn="l" rtl="0">
+            <a:pPr indent="0" lvl="0" marL="0" rtl="0" algn="l">
               <a:spcBef>
                 <a:spcPts val="0"/>
               </a:spcBef>
@@ -11859,11 +11859,11 @@
 </file>
 
 <file path=ppt/slides/slide15.xml><?xml version="1.0" encoding="utf-8"?>
-<p:sld xmlns:a="http://schemas.openxmlformats.org/drawingml/2006/main" xmlns:r="http://schemas.openxmlformats.org/officeDocument/2006/relationships" xmlns:p="http://schemas.openxmlformats.org/presentationml/2006/main">
+<p:sld xmlns:a="http://schemas.openxmlformats.org/drawingml/2006/main" xmlns:r="http://schemas.openxmlformats.org/officeDocument/2006/relationships" xmlns:mc="http://schemas.openxmlformats.org/markup-compatibility/2006" xmlns:mv="urn:schemas-microsoft-com:mac:vml" xmlns:p="http://schemas.openxmlformats.org/presentationml/2006/main" xmlns:c="http://schemas.openxmlformats.org/drawingml/2006/chart" xmlns:dgm="http://schemas.openxmlformats.org/drawingml/2006/diagram" xmlns:o="urn:schemas-microsoft-com:office:office" xmlns:v="urn:schemas-microsoft-com:vml" xmlns:pvml="urn:schemas-microsoft-com:office:powerpoint" xmlns:com="http://schemas.openxmlformats.org/drawingml/2006/compatibility" xmlns:p14="http://schemas.microsoft.com/office/powerpoint/2010/main" xmlns:p15="http://schemas.microsoft.com/office/powerpoint/2012/main">
   <p:cSld>
     <p:spTree>
       <p:nvGrpSpPr>
-        <p:cNvPr id="1" name="Shape 173"/>
+        <p:cNvPr id="173" name="Shape 173"/>
         <p:cNvGrpSpPr/>
         <p:nvPr/>
       </p:nvGrpSpPr>
@@ -11878,11 +11878,9 @@
       <p:sp>
         <p:nvSpPr>
           <p:cNvPr id="174" name="Google Shape;174;p27"/>
-          <p:cNvSpPr txBox="1">
-            <a:spLocks noGrp="1"/>
-          </p:cNvSpPr>
+          <p:cNvSpPr txBox="1"/>
           <p:nvPr>
-            <p:ph type="body" idx="1"/>
+            <p:ph idx="1" type="body"/>
           </p:nvPr>
         </p:nvSpPr>
         <p:spPr>
@@ -11895,12 +11893,12 @@
           </a:prstGeom>
         </p:spPr>
         <p:txBody>
-          <a:bodyPr spcFirstLastPara="1" wrap="square" lIns="91425" tIns="91425" rIns="91425" bIns="91425" anchor="ctr" anchorCtr="0">
+          <a:bodyPr anchorCtr="0" anchor="ctr" bIns="91425" lIns="91425" spcFirstLastPara="1" rIns="91425" wrap="square" tIns="91425">
             <a:noAutofit/>
           </a:bodyPr>
           <a:lstStyle/>
           <a:p>
-            <a:pPr marL="0" lvl="0" indent="0" algn="l" rtl="0">
+            <a:pPr indent="0" lvl="0" marL="0" rtl="0" algn="l">
               <a:spcBef>
                 <a:spcPts val="0"/>
               </a:spcBef>
@@ -11972,12 +11970,12 @@
           </a:ln>
         </p:spPr>
         <p:txBody>
-          <a:bodyPr spcFirstLastPara="1" wrap="square" lIns="91425" tIns="91425" rIns="91425" bIns="91425" anchor="t" anchorCtr="0">
+          <a:bodyPr anchorCtr="0" anchor="t" bIns="91425" lIns="91425" spcFirstLastPara="1" rIns="91425" wrap="square" tIns="91425">
             <a:noAutofit/>
           </a:bodyPr>
           <a:lstStyle/>
           <a:p>
-            <a:pPr marL="0" lvl="0" indent="0" algn="l" rtl="0">
+            <a:pPr indent="0" lvl="0" marL="0" rtl="0" algn="l">
               <a:spcBef>
                 <a:spcPts val="0"/>
               </a:spcBef>
@@ -12016,11 +12014,11 @@
 </file>
 
 <file path=ppt/slides/slide16.xml><?xml version="1.0" encoding="utf-8"?>
-<p:sld xmlns:a="http://schemas.openxmlformats.org/drawingml/2006/main" xmlns:r="http://schemas.openxmlformats.org/officeDocument/2006/relationships" xmlns:p="http://schemas.openxmlformats.org/presentationml/2006/main">
+<p:sld xmlns:a="http://schemas.openxmlformats.org/drawingml/2006/main" xmlns:r="http://schemas.openxmlformats.org/officeDocument/2006/relationships" xmlns:mc="http://schemas.openxmlformats.org/markup-compatibility/2006" xmlns:mv="urn:schemas-microsoft-com:mac:vml" xmlns:p="http://schemas.openxmlformats.org/presentationml/2006/main" xmlns:c="http://schemas.openxmlformats.org/drawingml/2006/chart" xmlns:dgm="http://schemas.openxmlformats.org/drawingml/2006/diagram" xmlns:o="urn:schemas-microsoft-com:office:office" xmlns:v="urn:schemas-microsoft-com:vml" xmlns:pvml="urn:schemas-microsoft-com:office:powerpoint" xmlns:com="http://schemas.openxmlformats.org/drawingml/2006/compatibility" xmlns:p14="http://schemas.microsoft.com/office/powerpoint/2010/main" xmlns:p15="http://schemas.microsoft.com/office/powerpoint/2012/main">
   <p:cSld>
     <p:spTree>
       <p:nvGrpSpPr>
-        <p:cNvPr id="1" name="Shape 180"/>
+        <p:cNvPr id="180" name="Shape 180"/>
         <p:cNvGrpSpPr/>
         <p:nvPr/>
       </p:nvGrpSpPr>
@@ -12035,11 +12033,9 @@
       <p:sp>
         <p:nvSpPr>
           <p:cNvPr id="181" name="Google Shape;181;p28"/>
-          <p:cNvSpPr txBox="1">
-            <a:spLocks noGrp="1"/>
-          </p:cNvSpPr>
+          <p:cNvSpPr txBox="1"/>
           <p:nvPr>
-            <p:ph type="body" idx="1"/>
+            <p:ph idx="1" type="body"/>
           </p:nvPr>
         </p:nvSpPr>
         <p:spPr>
@@ -12052,12 +12048,12 @@
           </a:prstGeom>
         </p:spPr>
         <p:txBody>
-          <a:bodyPr spcFirstLastPara="1" wrap="square" lIns="91425" tIns="91425" rIns="91425" bIns="91425" anchor="ctr" anchorCtr="0">
+          <a:bodyPr anchorCtr="0" anchor="ctr" bIns="91425" lIns="91425" spcFirstLastPara="1" rIns="91425" wrap="square" tIns="91425">
             <a:noAutofit/>
           </a:bodyPr>
           <a:lstStyle/>
           <a:p>
-            <a:pPr marL="0" lvl="0" indent="0" algn="l" rtl="0">
+            <a:pPr indent="0" lvl="0" marL="0" rtl="0" algn="l">
               <a:spcBef>
                 <a:spcPts val="0"/>
               </a:spcBef>
@@ -12122,12 +12118,12 @@
           </a:ln>
         </p:spPr>
         <p:txBody>
-          <a:bodyPr spcFirstLastPara="1" wrap="square" lIns="91425" tIns="91425" rIns="91425" bIns="91425" anchor="t" anchorCtr="0">
+          <a:bodyPr anchorCtr="0" anchor="t" bIns="91425" lIns="91425" spcFirstLastPara="1" rIns="91425" wrap="square" tIns="91425">
             <a:noAutofit/>
           </a:bodyPr>
           <a:lstStyle/>
           <a:p>
-            <a:pPr marL="0" lvl="0" indent="0" algn="l" rtl="0">
+            <a:pPr indent="0" lvl="0" marL="0" rtl="0" algn="l">
               <a:spcBef>
                 <a:spcPts val="0"/>
               </a:spcBef>
@@ -12166,11 +12162,11 @@
 </file>
 
 <file path=ppt/slides/slide17.xml><?xml version="1.0" encoding="utf-8"?>
-<p:sld xmlns:a="http://schemas.openxmlformats.org/drawingml/2006/main" xmlns:r="http://schemas.openxmlformats.org/officeDocument/2006/relationships" xmlns:p="http://schemas.openxmlformats.org/presentationml/2006/main">
+<p:sld xmlns:a="http://schemas.openxmlformats.org/drawingml/2006/main" xmlns:r="http://schemas.openxmlformats.org/officeDocument/2006/relationships" xmlns:mc="http://schemas.openxmlformats.org/markup-compatibility/2006" xmlns:mv="urn:schemas-microsoft-com:mac:vml" xmlns:p="http://schemas.openxmlformats.org/presentationml/2006/main" xmlns:c="http://schemas.openxmlformats.org/drawingml/2006/chart" xmlns:dgm="http://schemas.openxmlformats.org/drawingml/2006/diagram" xmlns:o="urn:schemas-microsoft-com:office:office" xmlns:v="urn:schemas-microsoft-com:vml" xmlns:pvml="urn:schemas-microsoft-com:office:powerpoint" xmlns:com="http://schemas.openxmlformats.org/drawingml/2006/compatibility" xmlns:p14="http://schemas.microsoft.com/office/powerpoint/2010/main" xmlns:p15="http://schemas.microsoft.com/office/powerpoint/2012/main">
   <p:cSld>
     <p:spTree>
       <p:nvGrpSpPr>
-        <p:cNvPr id="1" name="Shape 187"/>
+        <p:cNvPr id="187" name="Shape 187"/>
         <p:cNvGrpSpPr/>
         <p:nvPr/>
       </p:nvGrpSpPr>
@@ -12248,7 +12244,7 @@
           <a:blip r:embed="rId5">
             <a:alphaModFix/>
           </a:blip>
-          <a:srcRect r="-4318" b="-4318"/>
+          <a:srcRect b="-4318" l="0" r="-4318" t="0"/>
           <a:stretch/>
         </p:blipFill>
         <p:spPr>
@@ -12359,7 +12355,7 @@
           <a:blip r:embed="rId9">
             <a:alphaModFix/>
           </a:blip>
-          <a:srcRect r="-3199" b="-3199"/>
+          <a:srcRect b="-3199" l="0" r="-3199" t="0"/>
           <a:stretch/>
         </p:blipFill>
         <p:spPr>
@@ -12424,30 +12420,39 @@
           </a:ln>
         </p:spPr>
         <p:txBody>
-          <a:bodyPr spcFirstLastPara="1" wrap="square" lIns="91425" tIns="91425" rIns="91425" bIns="91425" anchor="t" anchorCtr="0">
+          <a:bodyPr anchorCtr="0" anchor="t" bIns="91425" lIns="91425" spcFirstLastPara="1" rIns="91425" wrap="square" tIns="91425">
             <a:noAutofit/>
           </a:bodyPr>
           <a:lstStyle/>
           <a:p>
-            <a:pPr marL="0" lvl="0" indent="0" algn="l" rtl="0">
-              <a:spcBef>
-                <a:spcPts val="0"/>
-              </a:spcBef>
-              <a:spcAft>
-                <a:spcPts val="0"/>
-              </a:spcAft>
-              <a:buNone/>
-            </a:pPr>
-            <a:r>
-              <a:rPr lang="en" sz="2400" b="1">
+            <a:pPr indent="0" lvl="0" marL="0" rtl="0" algn="l">
+              <a:spcBef>
+                <a:spcPts val="0"/>
+              </a:spcBef>
+              <a:spcAft>
+                <a:spcPts val="0"/>
+              </a:spcAft>
+              <a:buNone/>
+            </a:pPr>
+            <a:r>
+              <a:rPr b="1" lang="en" sz="2400">
                 <a:latin typeface="Lato"/>
                 <a:ea typeface="Lato"/>
                 <a:cs typeface="Lato"/>
                 <a:sym typeface="Lato"/>
               </a:rPr>
-              <a:t>The 8 Regions</a:t>
-            </a:r>
-            <a:endParaRPr sz="2400" b="1">
+              <a:t>The 8 </a:t>
+            </a:r>
+            <a:r>
+              <a:rPr b="1" lang="en" sz="2400">
+                <a:latin typeface="Lato"/>
+                <a:ea typeface="Lato"/>
+                <a:cs typeface="Lato"/>
+                <a:sym typeface="Lato"/>
+              </a:rPr>
+              <a:t>Regions</a:t>
+            </a:r>
+            <a:endParaRPr b="1" sz="2400">
               <a:latin typeface="Lato"/>
               <a:ea typeface="Lato"/>
               <a:cs typeface="Lato"/>
@@ -12465,11 +12470,11 @@
 </file>
 
 <file path=ppt/slides/slide18.xml><?xml version="1.0" encoding="utf-8"?>
-<p:sld xmlns:a="http://schemas.openxmlformats.org/drawingml/2006/main" xmlns:r="http://schemas.openxmlformats.org/officeDocument/2006/relationships" xmlns:p="http://schemas.openxmlformats.org/presentationml/2006/main">
+<p:sld xmlns:a="http://schemas.openxmlformats.org/drawingml/2006/main" xmlns:r="http://schemas.openxmlformats.org/officeDocument/2006/relationships" xmlns:mc="http://schemas.openxmlformats.org/markup-compatibility/2006" xmlns:mv="urn:schemas-microsoft-com:mac:vml" xmlns:p="http://schemas.openxmlformats.org/presentationml/2006/main" xmlns:c="http://schemas.openxmlformats.org/drawingml/2006/chart" xmlns:dgm="http://schemas.openxmlformats.org/drawingml/2006/diagram" xmlns:o="urn:schemas-microsoft-com:office:office" xmlns:v="urn:schemas-microsoft-com:vml" xmlns:pvml="urn:schemas-microsoft-com:office:powerpoint" xmlns:com="http://schemas.openxmlformats.org/drawingml/2006/compatibility" xmlns:p14="http://schemas.microsoft.com/office/powerpoint/2010/main" xmlns:p15="http://schemas.microsoft.com/office/powerpoint/2012/main">
   <p:cSld>
     <p:spTree>
       <p:nvGrpSpPr>
-        <p:cNvPr id="1" name="Shape 200"/>
+        <p:cNvPr id="200" name="Shape 200"/>
         <p:cNvGrpSpPr/>
         <p:nvPr/>
       </p:nvGrpSpPr>
@@ -12484,11 +12489,9 @@
       <p:sp>
         <p:nvSpPr>
           <p:cNvPr id="201" name="Google Shape;201;p30"/>
-          <p:cNvSpPr txBox="1">
-            <a:spLocks noGrp="1"/>
-          </p:cNvSpPr>
+          <p:cNvSpPr txBox="1"/>
           <p:nvPr>
-            <p:ph type="body" idx="1"/>
+            <p:ph idx="1" type="body"/>
           </p:nvPr>
         </p:nvSpPr>
         <p:spPr>
@@ -12501,12 +12504,12 @@
           </a:prstGeom>
         </p:spPr>
         <p:txBody>
-          <a:bodyPr spcFirstLastPara="1" wrap="square" lIns="91425" tIns="91425" rIns="91425" bIns="91425" anchor="ctr" anchorCtr="0">
+          <a:bodyPr anchorCtr="0" anchor="ctr" bIns="91425" lIns="91425" spcFirstLastPara="1" rIns="91425" wrap="square" tIns="91425">
             <a:noAutofit/>
           </a:bodyPr>
           <a:lstStyle/>
           <a:p>
-            <a:pPr marL="0" lvl="0" indent="0" algn="l" rtl="0">
+            <a:pPr indent="0" lvl="0" marL="0" rtl="0" algn="l">
               <a:spcBef>
                 <a:spcPts val="0"/>
               </a:spcBef>
@@ -12578,12 +12581,12 @@
           </a:ln>
         </p:spPr>
         <p:txBody>
-          <a:bodyPr spcFirstLastPara="1" wrap="square" lIns="91425" tIns="91425" rIns="91425" bIns="91425" anchor="t" anchorCtr="0">
+          <a:bodyPr anchorCtr="0" anchor="t" bIns="91425" lIns="91425" spcFirstLastPara="1" rIns="91425" wrap="square" tIns="91425">
             <a:noAutofit/>
           </a:bodyPr>
           <a:lstStyle/>
           <a:p>
-            <a:pPr marL="0" lvl="0" indent="0" algn="l" rtl="0">
+            <a:pPr indent="0" lvl="0" marL="0" rtl="0" algn="l">
               <a:spcBef>
                 <a:spcPts val="0"/>
               </a:spcBef>
@@ -12647,11 +12650,11 @@
 </file>
 
 <file path=ppt/slides/slide19.xml><?xml version="1.0" encoding="utf-8"?>
-<p:sld xmlns:a="http://schemas.openxmlformats.org/drawingml/2006/main" xmlns:r="http://schemas.openxmlformats.org/officeDocument/2006/relationships" xmlns:p="http://schemas.openxmlformats.org/presentationml/2006/main">
+<p:sld xmlns:a="http://schemas.openxmlformats.org/drawingml/2006/main" xmlns:r="http://schemas.openxmlformats.org/officeDocument/2006/relationships" xmlns:mc="http://schemas.openxmlformats.org/markup-compatibility/2006" xmlns:mv="urn:schemas-microsoft-com:mac:vml" xmlns:p="http://schemas.openxmlformats.org/presentationml/2006/main" xmlns:c="http://schemas.openxmlformats.org/drawingml/2006/chart" xmlns:dgm="http://schemas.openxmlformats.org/drawingml/2006/diagram" xmlns:o="urn:schemas-microsoft-com:office:office" xmlns:v="urn:schemas-microsoft-com:vml" xmlns:pvml="urn:schemas-microsoft-com:office:powerpoint" xmlns:com="http://schemas.openxmlformats.org/drawingml/2006/compatibility" xmlns:p14="http://schemas.microsoft.com/office/powerpoint/2010/main" xmlns:p15="http://schemas.microsoft.com/office/powerpoint/2012/main">
   <p:cSld>
     <p:spTree>
       <p:nvGrpSpPr>
-        <p:cNvPr id="1" name="Shape 208"/>
+        <p:cNvPr id="208" name="Shape 208"/>
         <p:cNvGrpSpPr/>
         <p:nvPr/>
       </p:nvGrpSpPr>
@@ -12666,11 +12669,9 @@
       <p:sp>
         <p:nvSpPr>
           <p:cNvPr id="209" name="Google Shape;209;p31"/>
-          <p:cNvSpPr txBox="1">
-            <a:spLocks noGrp="1"/>
-          </p:cNvSpPr>
+          <p:cNvSpPr txBox="1"/>
           <p:nvPr>
-            <p:ph type="body" idx="1"/>
+            <p:ph idx="1" type="body"/>
           </p:nvPr>
         </p:nvSpPr>
         <p:spPr>
@@ -12683,12 +12684,12 @@
           </a:prstGeom>
         </p:spPr>
         <p:txBody>
-          <a:bodyPr spcFirstLastPara="1" wrap="square" lIns="91425" tIns="91425" rIns="91425" bIns="91425" anchor="ctr" anchorCtr="0">
+          <a:bodyPr anchorCtr="0" anchor="ctr" bIns="91425" lIns="91425" spcFirstLastPara="1" rIns="91425" wrap="square" tIns="91425">
             <a:noAutofit/>
           </a:bodyPr>
           <a:lstStyle/>
           <a:p>
-            <a:pPr marL="0" lvl="0" indent="0" algn="l" rtl="0">
+            <a:pPr indent="0" lvl="0" marL="0" rtl="0" algn="l">
               <a:spcBef>
                 <a:spcPts val="0"/>
               </a:spcBef>
@@ -12760,12 +12761,12 @@
           </a:ln>
         </p:spPr>
         <p:txBody>
-          <a:bodyPr spcFirstLastPara="1" wrap="square" lIns="91425" tIns="91425" rIns="91425" bIns="91425" anchor="t" anchorCtr="0">
+          <a:bodyPr anchorCtr="0" anchor="t" bIns="91425" lIns="91425" spcFirstLastPara="1" rIns="91425" wrap="square" tIns="91425">
             <a:noAutofit/>
           </a:bodyPr>
           <a:lstStyle/>
           <a:p>
-            <a:pPr marL="0" lvl="0" indent="0" algn="l" rtl="0">
+            <a:pPr indent="0" lvl="0" marL="0" rtl="0" algn="l">
               <a:spcBef>
                 <a:spcPts val="0"/>
               </a:spcBef>
@@ -12804,11 +12805,11 @@
 </file>
 
 <file path=ppt/slides/slide2.xml><?xml version="1.0" encoding="utf-8"?>
-<p:sld xmlns:a="http://schemas.openxmlformats.org/drawingml/2006/main" xmlns:r="http://schemas.openxmlformats.org/officeDocument/2006/relationships" xmlns:p="http://schemas.openxmlformats.org/presentationml/2006/main">
+<p:sld xmlns:a="http://schemas.openxmlformats.org/drawingml/2006/main" xmlns:r="http://schemas.openxmlformats.org/officeDocument/2006/relationships" xmlns:mc="http://schemas.openxmlformats.org/markup-compatibility/2006" xmlns:mv="urn:schemas-microsoft-com:mac:vml" xmlns:p="http://schemas.openxmlformats.org/presentationml/2006/main" xmlns:c="http://schemas.openxmlformats.org/drawingml/2006/chart" xmlns:dgm="http://schemas.openxmlformats.org/drawingml/2006/diagram" xmlns:o="urn:schemas-microsoft-com:office:office" xmlns:v="urn:schemas-microsoft-com:vml" xmlns:pvml="urn:schemas-microsoft-com:office:powerpoint" xmlns:com="http://schemas.openxmlformats.org/drawingml/2006/compatibility" xmlns:p14="http://schemas.microsoft.com/office/powerpoint/2010/main" xmlns:p15="http://schemas.microsoft.com/office/powerpoint/2012/main">
   <p:cSld>
     <p:spTree>
       <p:nvGrpSpPr>
-        <p:cNvPr id="1" name="Shape 91"/>
+        <p:cNvPr id="91" name="Shape 91"/>
         <p:cNvGrpSpPr/>
         <p:nvPr/>
       </p:nvGrpSpPr>
@@ -12823,9 +12824,7 @@
       <p:sp>
         <p:nvSpPr>
           <p:cNvPr id="92" name="Google Shape;92;p14"/>
-          <p:cNvSpPr txBox="1">
-            <a:spLocks noGrp="1"/>
-          </p:cNvSpPr>
+          <p:cNvSpPr txBox="1"/>
           <p:nvPr>
             <p:ph type="title"/>
           </p:nvPr>
@@ -12840,12 +12839,12 @@
           </a:prstGeom>
         </p:spPr>
         <p:txBody>
-          <a:bodyPr spcFirstLastPara="1" wrap="square" lIns="91425" tIns="91425" rIns="91425" bIns="91425" anchor="ctr" anchorCtr="0">
+          <a:bodyPr anchorCtr="0" anchor="ctr" bIns="91425" lIns="91425" spcFirstLastPara="1" rIns="91425" wrap="square" tIns="91425">
             <a:noAutofit/>
           </a:bodyPr>
           <a:lstStyle/>
           <a:p>
-            <a:pPr marL="0" lvl="0" indent="0" algn="l" rtl="0">
+            <a:pPr indent="0" lvl="0" marL="0" rtl="0" algn="l">
               <a:spcBef>
                 <a:spcPts val="0"/>
               </a:spcBef>
@@ -12871,11 +12870,11 @@
 </file>
 
 <file path=ppt/slides/slide20.xml><?xml version="1.0" encoding="utf-8"?>
-<p:sld xmlns:a="http://schemas.openxmlformats.org/drawingml/2006/main" xmlns:r="http://schemas.openxmlformats.org/officeDocument/2006/relationships" xmlns:p="http://schemas.openxmlformats.org/presentationml/2006/main">
+<p:sld xmlns:a="http://schemas.openxmlformats.org/drawingml/2006/main" xmlns:r="http://schemas.openxmlformats.org/officeDocument/2006/relationships" xmlns:mc="http://schemas.openxmlformats.org/markup-compatibility/2006" xmlns:mv="urn:schemas-microsoft-com:mac:vml" xmlns:p="http://schemas.openxmlformats.org/presentationml/2006/main" xmlns:c="http://schemas.openxmlformats.org/drawingml/2006/chart" xmlns:dgm="http://schemas.openxmlformats.org/drawingml/2006/diagram" xmlns:o="urn:schemas-microsoft-com:office:office" xmlns:v="urn:schemas-microsoft-com:vml" xmlns:pvml="urn:schemas-microsoft-com:office:powerpoint" xmlns:com="http://schemas.openxmlformats.org/drawingml/2006/compatibility" xmlns:p14="http://schemas.microsoft.com/office/powerpoint/2010/main" xmlns:p15="http://schemas.microsoft.com/office/powerpoint/2012/main">
   <p:cSld>
     <p:spTree>
       <p:nvGrpSpPr>
-        <p:cNvPr id="1" name="Shape 215"/>
+        <p:cNvPr id="215" name="Shape 215"/>
         <p:cNvGrpSpPr/>
         <p:nvPr/>
       </p:nvGrpSpPr>
@@ -12890,11 +12889,9 @@
       <p:sp>
         <p:nvSpPr>
           <p:cNvPr id="216" name="Google Shape;216;p32"/>
-          <p:cNvSpPr txBox="1">
-            <a:spLocks noGrp="1"/>
-          </p:cNvSpPr>
+          <p:cNvSpPr txBox="1"/>
           <p:nvPr>
-            <p:ph type="body" idx="1"/>
+            <p:ph idx="1" type="body"/>
           </p:nvPr>
         </p:nvSpPr>
         <p:spPr>
@@ -12907,12 +12904,12 @@
           </a:prstGeom>
         </p:spPr>
         <p:txBody>
-          <a:bodyPr spcFirstLastPara="1" wrap="square" lIns="91425" tIns="91425" rIns="91425" bIns="91425" anchor="ctr" anchorCtr="0">
+          <a:bodyPr anchorCtr="0" anchor="ctr" bIns="91425" lIns="91425" spcFirstLastPara="1" rIns="91425" wrap="square" tIns="91425">
             <a:noAutofit/>
           </a:bodyPr>
           <a:lstStyle/>
           <a:p>
-            <a:pPr marL="0" lvl="0" indent="0" algn="l" rtl="0">
+            <a:pPr indent="0" lvl="0" marL="0" rtl="0" algn="l">
               <a:spcBef>
                 <a:spcPts val="0"/>
               </a:spcBef>
@@ -12984,12 +12981,12 @@
           </a:ln>
         </p:spPr>
         <p:txBody>
-          <a:bodyPr spcFirstLastPara="1" wrap="square" lIns="91425" tIns="91425" rIns="91425" bIns="91425" anchor="t" anchorCtr="0">
+          <a:bodyPr anchorCtr="0" anchor="t" bIns="91425" lIns="91425" spcFirstLastPara="1" rIns="91425" wrap="square" tIns="91425">
             <a:noAutofit/>
           </a:bodyPr>
           <a:lstStyle/>
           <a:p>
-            <a:pPr marL="0" lvl="0" indent="0" algn="l" rtl="0">
+            <a:pPr indent="0" lvl="0" marL="0" rtl="0" algn="l">
               <a:lnSpc>
                 <a:spcPct val="115000"/>
               </a:lnSpc>
@@ -13011,7 +13008,7 @@
                 <a:cs typeface="Lato"/>
                 <a:sym typeface="Lato"/>
               </a:rPr>
-              <a:t>What’s the breakout of avocado sales are conventional compared to organic?</a:t>
+              <a:t>What’s the breakout of avocado sales:  Conventional versus Organic?</a:t>
             </a:r>
             <a:endParaRPr sz="1800">
               <a:latin typeface="Lato"/>
@@ -13031,11 +13028,11 @@
 </file>
 
 <file path=ppt/slides/slide21.xml><?xml version="1.0" encoding="utf-8"?>
-<p:sld xmlns:a="http://schemas.openxmlformats.org/drawingml/2006/main" xmlns:r="http://schemas.openxmlformats.org/officeDocument/2006/relationships" xmlns:p="http://schemas.openxmlformats.org/presentationml/2006/main">
+<p:sld xmlns:a="http://schemas.openxmlformats.org/drawingml/2006/main" xmlns:r="http://schemas.openxmlformats.org/officeDocument/2006/relationships" xmlns:mc="http://schemas.openxmlformats.org/markup-compatibility/2006" xmlns:mv="urn:schemas-microsoft-com:mac:vml" xmlns:p="http://schemas.openxmlformats.org/presentationml/2006/main" xmlns:c="http://schemas.openxmlformats.org/drawingml/2006/chart" xmlns:dgm="http://schemas.openxmlformats.org/drawingml/2006/diagram" xmlns:o="urn:schemas-microsoft-com:office:office" xmlns:v="urn:schemas-microsoft-com:vml" xmlns:pvml="urn:schemas-microsoft-com:office:powerpoint" xmlns:com="http://schemas.openxmlformats.org/drawingml/2006/compatibility" xmlns:p14="http://schemas.microsoft.com/office/powerpoint/2010/main" xmlns:p15="http://schemas.microsoft.com/office/powerpoint/2012/main">
   <p:cSld>
     <p:spTree>
       <p:nvGrpSpPr>
-        <p:cNvPr id="1" name="Shape 222"/>
+        <p:cNvPr id="222" name="Shape 222"/>
         <p:cNvGrpSpPr/>
         <p:nvPr/>
       </p:nvGrpSpPr>
@@ -13050,11 +13047,9 @@
       <p:sp>
         <p:nvSpPr>
           <p:cNvPr id="223" name="Google Shape;223;p33"/>
-          <p:cNvSpPr txBox="1">
-            <a:spLocks noGrp="1"/>
-          </p:cNvSpPr>
+          <p:cNvSpPr txBox="1"/>
           <p:nvPr>
-            <p:ph type="body" idx="1"/>
+            <p:ph idx="1" type="body"/>
           </p:nvPr>
         </p:nvSpPr>
         <p:spPr>
@@ -13067,12 +13062,12 @@
           </a:prstGeom>
         </p:spPr>
         <p:txBody>
-          <a:bodyPr spcFirstLastPara="1" wrap="square" lIns="91425" tIns="91425" rIns="91425" bIns="91425" anchor="ctr" anchorCtr="0">
+          <a:bodyPr anchorCtr="0" anchor="ctr" bIns="91425" lIns="91425" spcFirstLastPara="1" rIns="91425" wrap="square" tIns="91425">
             <a:noAutofit/>
           </a:bodyPr>
           <a:lstStyle/>
           <a:p>
-            <a:pPr marL="0" lvl="0" indent="0" algn="l" rtl="0">
+            <a:pPr indent="0" lvl="0" marL="0" rtl="0" algn="l">
               <a:spcBef>
                 <a:spcPts val="0"/>
               </a:spcBef>
@@ -13144,12 +13139,12 @@
           </a:ln>
         </p:spPr>
         <p:txBody>
-          <a:bodyPr spcFirstLastPara="1" wrap="square" lIns="91425" tIns="91425" rIns="91425" bIns="91425" anchor="t" anchorCtr="0">
+          <a:bodyPr anchorCtr="0" anchor="t" bIns="91425" lIns="91425" spcFirstLastPara="1" rIns="91425" wrap="square" tIns="91425">
             <a:noAutofit/>
           </a:bodyPr>
           <a:lstStyle/>
           <a:p>
-            <a:pPr marL="0" lvl="0" indent="0" algn="l" rtl="0">
+            <a:pPr indent="0" lvl="0" marL="0" rtl="0" algn="l">
               <a:lnSpc>
                 <a:spcPct val="115000"/>
               </a:lnSpc>
@@ -13157,7 +13152,7 @@
                 <a:spcPts val="0"/>
               </a:spcBef>
               <a:spcAft>
-                <a:spcPts val="1600"/>
+                <a:spcPts val="0"/>
               </a:spcAft>
               <a:buNone/>
             </a:pPr>
@@ -13171,9 +13166,61 @@
                 <a:cs typeface="Lato"/>
                 <a:sym typeface="Lato"/>
               </a:rPr>
-              <a:t>What’s the breakout of avocado sales are conventional compared to organic?</a:t>
+              <a:t>What’s the breakout of avocado sales:  Conventional versus Organic?</a:t>
             </a:r>
             <a:endParaRPr sz="1800">
+              <a:latin typeface="Lato"/>
+              <a:ea typeface="Lato"/>
+              <a:cs typeface="Lato"/>
+              <a:sym typeface="Lato"/>
+            </a:endParaRPr>
+          </a:p>
+          <a:p>
+            <a:pPr indent="0" lvl="0" marL="0" rtl="0" algn="l">
+              <a:lnSpc>
+                <a:spcPct val="115000"/>
+              </a:lnSpc>
+              <a:spcBef>
+                <a:spcPts val="1600"/>
+              </a:spcBef>
+              <a:spcAft>
+                <a:spcPts val="0"/>
+              </a:spcAft>
+              <a:buNone/>
+            </a:pPr>
+            <a:r>
+              <a:t/>
+            </a:r>
+            <a:endParaRPr sz="1800">
+              <a:solidFill>
+                <a:srgbClr val="24292E"/>
+              </a:solidFill>
+              <a:latin typeface="Lato"/>
+              <a:ea typeface="Lato"/>
+              <a:cs typeface="Lato"/>
+              <a:sym typeface="Lato"/>
+            </a:endParaRPr>
+          </a:p>
+          <a:p>
+            <a:pPr indent="0" lvl="0" marL="0" rtl="0" algn="l">
+              <a:lnSpc>
+                <a:spcPct val="115000"/>
+              </a:lnSpc>
+              <a:spcBef>
+                <a:spcPts val="1600"/>
+              </a:spcBef>
+              <a:spcAft>
+                <a:spcPts val="1600"/>
+              </a:spcAft>
+              <a:buNone/>
+            </a:pPr>
+            <a:r>
+              <a:t/>
+            </a:r>
+            <a:endParaRPr sz="1800">
+              <a:solidFill>
+                <a:srgbClr val="24292E"/>
+              </a:solidFill>
               <a:latin typeface="Lato"/>
               <a:ea typeface="Lato"/>
               <a:cs typeface="Lato"/>
@@ -13191,11 +13238,11 @@
 </file>
 
 <file path=ppt/slides/slide22.xml><?xml version="1.0" encoding="utf-8"?>
-<p:sld xmlns:a="http://schemas.openxmlformats.org/drawingml/2006/main" xmlns:r="http://schemas.openxmlformats.org/officeDocument/2006/relationships" xmlns:p="http://schemas.openxmlformats.org/presentationml/2006/main">
+<p:sld xmlns:a="http://schemas.openxmlformats.org/drawingml/2006/main" xmlns:r="http://schemas.openxmlformats.org/officeDocument/2006/relationships" xmlns:mc="http://schemas.openxmlformats.org/markup-compatibility/2006" xmlns:mv="urn:schemas-microsoft-com:mac:vml" xmlns:p="http://schemas.openxmlformats.org/presentationml/2006/main" xmlns:c="http://schemas.openxmlformats.org/drawingml/2006/chart" xmlns:dgm="http://schemas.openxmlformats.org/drawingml/2006/diagram" xmlns:o="urn:schemas-microsoft-com:office:office" xmlns:v="urn:schemas-microsoft-com:vml" xmlns:pvml="urn:schemas-microsoft-com:office:powerpoint" xmlns:com="http://schemas.openxmlformats.org/drawingml/2006/compatibility" xmlns:p14="http://schemas.microsoft.com/office/powerpoint/2010/main" xmlns:p15="http://schemas.microsoft.com/office/powerpoint/2012/main">
   <p:cSld>
     <p:spTree>
       <p:nvGrpSpPr>
-        <p:cNvPr id="1" name="Shape 229"/>
+        <p:cNvPr id="229" name="Shape 229"/>
         <p:cNvGrpSpPr/>
         <p:nvPr/>
       </p:nvGrpSpPr>
@@ -13210,11 +13257,9 @@
       <p:sp>
         <p:nvSpPr>
           <p:cNvPr id="230" name="Google Shape;230;p34"/>
-          <p:cNvSpPr txBox="1">
-            <a:spLocks noGrp="1"/>
-          </p:cNvSpPr>
+          <p:cNvSpPr txBox="1"/>
           <p:nvPr>
-            <p:ph type="body" idx="1"/>
+            <p:ph idx="1" type="body"/>
           </p:nvPr>
         </p:nvSpPr>
         <p:spPr>
@@ -13227,12 +13272,12 @@
           </a:prstGeom>
         </p:spPr>
         <p:txBody>
-          <a:bodyPr spcFirstLastPara="1" wrap="square" lIns="91425" tIns="91425" rIns="91425" bIns="91425" anchor="ctr" anchorCtr="0">
+          <a:bodyPr anchorCtr="0" anchor="ctr" bIns="91425" lIns="91425" spcFirstLastPara="1" rIns="91425" wrap="square" tIns="91425">
             <a:noAutofit/>
           </a:bodyPr>
           <a:lstStyle/>
           <a:p>
-            <a:pPr marL="0" lvl="0" indent="0" algn="l" rtl="0">
+            <a:pPr indent="0" lvl="0" marL="0" rtl="0" algn="l">
               <a:spcBef>
                 <a:spcPts val="0"/>
               </a:spcBef>
@@ -13304,12 +13349,12 @@
           </a:ln>
         </p:spPr>
         <p:txBody>
-          <a:bodyPr spcFirstLastPara="1" wrap="square" lIns="91425" tIns="91425" rIns="91425" bIns="91425" anchor="t" anchorCtr="0">
+          <a:bodyPr anchorCtr="0" anchor="t" bIns="91425" lIns="91425" spcFirstLastPara="1" rIns="91425" wrap="square" tIns="91425">
             <a:noAutofit/>
           </a:bodyPr>
           <a:lstStyle/>
           <a:p>
-            <a:pPr marL="0" lvl="0" indent="0" algn="l" rtl="0">
+            <a:pPr indent="0" lvl="0" marL="0" rtl="0" algn="l">
               <a:spcBef>
                 <a:spcPts val="0"/>
               </a:spcBef>
@@ -13328,7 +13373,19 @@
                 <a:cs typeface="Lato"/>
                 <a:sym typeface="Lato"/>
               </a:rPr>
-              <a:t>Bag: What size avocado is most popular?</a:t>
+              <a:t>Bag</a:t>
+            </a:r>
+            <a:r>
+              <a:rPr lang="en" sz="1800">
+                <a:highlight>
+                  <a:schemeClr val="lt1"/>
+                </a:highlight>
+                <a:latin typeface="Lato"/>
+                <a:ea typeface="Lato"/>
+                <a:cs typeface="Lato"/>
+                <a:sym typeface="Lato"/>
+              </a:rPr>
+              <a:t>: What size avocado is most popular?</a:t>
             </a:r>
             <a:endParaRPr sz="1800">
               <a:latin typeface="Lato"/>
@@ -13338,15 +13395,18 @@
             </a:endParaRPr>
           </a:p>
           <a:p>
-            <a:pPr marL="0" lvl="0" indent="0" algn="l" rtl="0">
-              <a:spcBef>
-                <a:spcPts val="0"/>
-              </a:spcBef>
-              <a:spcAft>
-                <a:spcPts val="0"/>
-              </a:spcAft>
-              <a:buNone/>
-            </a:pPr>
+            <a:pPr indent="0" lvl="0" marL="0" rtl="0" algn="l">
+              <a:spcBef>
+                <a:spcPts val="0"/>
+              </a:spcBef>
+              <a:spcAft>
+                <a:spcPts val="0"/>
+              </a:spcAft>
+              <a:buNone/>
+            </a:pPr>
+            <a:r>
+              <a:t/>
+            </a:r>
             <a:endParaRPr sz="1800">
               <a:highlight>
                 <a:srgbClr val="FFFFFF"/>
@@ -13368,11 +13428,11 @@
 </file>
 
 <file path=ppt/slides/slide23.xml><?xml version="1.0" encoding="utf-8"?>
-<p:sld xmlns:a="http://schemas.openxmlformats.org/drawingml/2006/main" xmlns:r="http://schemas.openxmlformats.org/officeDocument/2006/relationships" xmlns:p="http://schemas.openxmlformats.org/presentationml/2006/main">
+<p:sld xmlns:a="http://schemas.openxmlformats.org/drawingml/2006/main" xmlns:r="http://schemas.openxmlformats.org/officeDocument/2006/relationships" xmlns:mc="http://schemas.openxmlformats.org/markup-compatibility/2006" xmlns:mv="urn:schemas-microsoft-com:mac:vml" xmlns:p="http://schemas.openxmlformats.org/presentationml/2006/main" xmlns:c="http://schemas.openxmlformats.org/drawingml/2006/chart" xmlns:dgm="http://schemas.openxmlformats.org/drawingml/2006/diagram" xmlns:o="urn:schemas-microsoft-com:office:office" xmlns:v="urn:schemas-microsoft-com:vml" xmlns:pvml="urn:schemas-microsoft-com:office:powerpoint" xmlns:com="http://schemas.openxmlformats.org/drawingml/2006/compatibility" xmlns:p14="http://schemas.microsoft.com/office/powerpoint/2010/main" xmlns:p15="http://schemas.microsoft.com/office/powerpoint/2012/main">
   <p:cSld>
     <p:spTree>
       <p:nvGrpSpPr>
-        <p:cNvPr id="1" name="Shape 236"/>
+        <p:cNvPr id="236" name="Shape 236"/>
         <p:cNvGrpSpPr/>
         <p:nvPr/>
       </p:nvGrpSpPr>
@@ -13387,11 +13447,9 @@
       <p:sp>
         <p:nvSpPr>
           <p:cNvPr id="237" name="Google Shape;237;p35"/>
-          <p:cNvSpPr txBox="1">
-            <a:spLocks noGrp="1"/>
-          </p:cNvSpPr>
+          <p:cNvSpPr txBox="1"/>
           <p:nvPr>
-            <p:ph type="body" idx="1"/>
+            <p:ph idx="1" type="body"/>
           </p:nvPr>
         </p:nvSpPr>
         <p:spPr>
@@ -13404,12 +13462,12 @@
           </a:prstGeom>
         </p:spPr>
         <p:txBody>
-          <a:bodyPr spcFirstLastPara="1" wrap="square" lIns="91425" tIns="91425" rIns="91425" bIns="91425" anchor="ctr" anchorCtr="0">
+          <a:bodyPr anchorCtr="0" anchor="ctr" bIns="91425" lIns="91425" spcFirstLastPara="1" rIns="91425" wrap="square" tIns="91425">
             <a:noAutofit/>
           </a:bodyPr>
           <a:lstStyle/>
           <a:p>
-            <a:pPr marL="0" lvl="0" indent="0" algn="l" rtl="0">
+            <a:pPr indent="0" lvl="0" marL="0" rtl="0" algn="l">
               <a:spcBef>
                 <a:spcPts val="0"/>
               </a:spcBef>
@@ -13481,12 +13539,12 @@
           </a:ln>
         </p:spPr>
         <p:txBody>
-          <a:bodyPr spcFirstLastPara="1" wrap="square" lIns="91425" tIns="91425" rIns="91425" bIns="91425" anchor="t" anchorCtr="0">
+          <a:bodyPr anchorCtr="0" anchor="t" bIns="91425" lIns="91425" spcFirstLastPara="1" rIns="91425" wrap="square" tIns="91425">
             <a:noAutofit/>
           </a:bodyPr>
           <a:lstStyle/>
           <a:p>
-            <a:pPr marL="0" lvl="0" indent="0" algn="l" rtl="0">
+            <a:pPr indent="0" lvl="0" marL="0" rtl="0" algn="l">
               <a:spcBef>
                 <a:spcPts val="0"/>
               </a:spcBef>
@@ -13505,7 +13563,19 @@
                 <a:cs typeface="Lato"/>
                 <a:sym typeface="Lato"/>
               </a:rPr>
-              <a:t>Individual: What size avocado is most popular?</a:t>
+              <a:t>Individual: </a:t>
+            </a:r>
+            <a:r>
+              <a:rPr lang="en" sz="1800">
+                <a:highlight>
+                  <a:srgbClr val="FFFFFF"/>
+                </a:highlight>
+                <a:latin typeface="Lato"/>
+                <a:ea typeface="Lato"/>
+                <a:cs typeface="Lato"/>
+                <a:sym typeface="Lato"/>
+              </a:rPr>
+              <a:t>What size avocado is most popular?</a:t>
             </a:r>
             <a:endParaRPr sz="1800">
               <a:latin typeface="Lato"/>
@@ -13525,11 +13595,11 @@
 </file>
 
 <file path=ppt/slides/slide24.xml><?xml version="1.0" encoding="utf-8"?>
-<p:sld xmlns:a="http://schemas.openxmlformats.org/drawingml/2006/main" xmlns:r="http://schemas.openxmlformats.org/officeDocument/2006/relationships" xmlns:p="http://schemas.openxmlformats.org/presentationml/2006/main">
+<p:sld xmlns:a="http://schemas.openxmlformats.org/drawingml/2006/main" xmlns:r="http://schemas.openxmlformats.org/officeDocument/2006/relationships" xmlns:mc="http://schemas.openxmlformats.org/markup-compatibility/2006" xmlns:mv="urn:schemas-microsoft-com:mac:vml" xmlns:p="http://schemas.openxmlformats.org/presentationml/2006/main" xmlns:c="http://schemas.openxmlformats.org/drawingml/2006/chart" xmlns:dgm="http://schemas.openxmlformats.org/drawingml/2006/diagram" xmlns:o="urn:schemas-microsoft-com:office:office" xmlns:v="urn:schemas-microsoft-com:vml" xmlns:pvml="urn:schemas-microsoft-com:office:powerpoint" xmlns:com="http://schemas.openxmlformats.org/drawingml/2006/compatibility" xmlns:p14="http://schemas.microsoft.com/office/powerpoint/2010/main" xmlns:p15="http://schemas.microsoft.com/office/powerpoint/2012/main">
   <p:cSld>
     <p:spTree>
       <p:nvGrpSpPr>
-        <p:cNvPr id="1" name="Shape 243"/>
+        <p:cNvPr id="243" name="Shape 243"/>
         <p:cNvGrpSpPr/>
         <p:nvPr/>
       </p:nvGrpSpPr>
@@ -13544,11 +13614,9 @@
       <p:sp>
         <p:nvSpPr>
           <p:cNvPr id="244" name="Google Shape;244;p36"/>
-          <p:cNvSpPr txBox="1">
-            <a:spLocks noGrp="1"/>
-          </p:cNvSpPr>
+          <p:cNvSpPr txBox="1"/>
           <p:nvPr>
-            <p:ph type="body" idx="1"/>
+            <p:ph idx="1" type="body"/>
           </p:nvPr>
         </p:nvSpPr>
         <p:spPr>
@@ -13561,12 +13629,12 @@
           </a:prstGeom>
         </p:spPr>
         <p:txBody>
-          <a:bodyPr spcFirstLastPara="1" wrap="square" lIns="91425" tIns="91425" rIns="91425" bIns="91425" anchor="ctr" anchorCtr="0">
+          <a:bodyPr anchorCtr="0" anchor="ctr" bIns="91425" lIns="91425" spcFirstLastPara="1" rIns="91425" wrap="square" tIns="91425">
             <a:noAutofit/>
           </a:bodyPr>
           <a:lstStyle/>
           <a:p>
-            <a:pPr marL="0" lvl="0" indent="0" algn="l" rtl="0">
+            <a:pPr indent="0" lvl="0" marL="0" rtl="0" algn="l">
               <a:spcBef>
                 <a:spcPts val="0"/>
               </a:spcBef>
@@ -13631,12 +13699,12 @@
           </a:ln>
         </p:spPr>
         <p:txBody>
-          <a:bodyPr spcFirstLastPara="1" wrap="square" lIns="91425" tIns="91425" rIns="91425" bIns="91425" anchor="t" anchorCtr="0">
+          <a:bodyPr anchorCtr="0" anchor="t" bIns="91425" lIns="91425" spcFirstLastPara="1" rIns="91425" wrap="square" tIns="91425">
             <a:noAutofit/>
           </a:bodyPr>
           <a:lstStyle/>
           <a:p>
-            <a:pPr marL="0" lvl="0" indent="0" algn="l" rtl="0">
+            <a:pPr indent="0" lvl="0" marL="0" rtl="0" algn="l">
               <a:spcBef>
                 <a:spcPts val="0"/>
               </a:spcBef>
@@ -13672,11 +13740,11 @@
 </file>
 
 <file path=ppt/slides/slide25.xml><?xml version="1.0" encoding="utf-8"?>
-<p:sld xmlns:a="http://schemas.openxmlformats.org/drawingml/2006/main" xmlns:r="http://schemas.openxmlformats.org/officeDocument/2006/relationships" xmlns:p="http://schemas.openxmlformats.org/presentationml/2006/main">
+<p:sld xmlns:a="http://schemas.openxmlformats.org/drawingml/2006/main" xmlns:r="http://schemas.openxmlformats.org/officeDocument/2006/relationships" xmlns:mc="http://schemas.openxmlformats.org/markup-compatibility/2006" xmlns:mv="urn:schemas-microsoft-com:mac:vml" xmlns:p="http://schemas.openxmlformats.org/presentationml/2006/main" xmlns:c="http://schemas.openxmlformats.org/drawingml/2006/chart" xmlns:dgm="http://schemas.openxmlformats.org/drawingml/2006/diagram" xmlns:o="urn:schemas-microsoft-com:office:office" xmlns:v="urn:schemas-microsoft-com:vml" xmlns:pvml="urn:schemas-microsoft-com:office:powerpoint" xmlns:com="http://schemas.openxmlformats.org/drawingml/2006/compatibility" xmlns:p14="http://schemas.microsoft.com/office/powerpoint/2010/main" xmlns:p15="http://schemas.microsoft.com/office/powerpoint/2012/main">
   <p:cSld>
     <p:spTree>
       <p:nvGrpSpPr>
-        <p:cNvPr id="1" name="Shape 250"/>
+        <p:cNvPr id="250" name="Shape 250"/>
         <p:cNvGrpSpPr/>
         <p:nvPr/>
       </p:nvGrpSpPr>
@@ -13691,9 +13759,7 @@
       <p:sp>
         <p:nvSpPr>
           <p:cNvPr id="251" name="Google Shape;251;p37"/>
-          <p:cNvSpPr txBox="1">
-            <a:spLocks noGrp="1"/>
-          </p:cNvSpPr>
+          <p:cNvSpPr txBox="1"/>
           <p:nvPr>
             <p:ph type="title"/>
           </p:nvPr>
@@ -13708,12 +13774,12 @@
           </a:prstGeom>
         </p:spPr>
         <p:txBody>
-          <a:bodyPr spcFirstLastPara="1" wrap="square" lIns="91425" tIns="91425" rIns="91425" bIns="91425" anchor="ctr" anchorCtr="0">
+          <a:bodyPr anchorCtr="0" anchor="ctr" bIns="91425" lIns="91425" spcFirstLastPara="1" rIns="91425" wrap="square" tIns="91425">
             <a:noAutofit/>
           </a:bodyPr>
           <a:lstStyle/>
           <a:p>
-            <a:pPr marL="0" lvl="0" indent="0" algn="l" rtl="0">
+            <a:pPr indent="0" lvl="0" marL="0" rtl="0" algn="l">
               <a:spcBef>
                 <a:spcPts val="0"/>
               </a:spcBef>
@@ -13739,11 +13805,11 @@
 </file>
 
 <file path=ppt/slides/slide26.xml><?xml version="1.0" encoding="utf-8"?>
-<p:sld xmlns:a="http://schemas.openxmlformats.org/drawingml/2006/main" xmlns:r="http://schemas.openxmlformats.org/officeDocument/2006/relationships" xmlns:p="http://schemas.openxmlformats.org/presentationml/2006/main">
+<p:sld xmlns:a="http://schemas.openxmlformats.org/drawingml/2006/main" xmlns:r="http://schemas.openxmlformats.org/officeDocument/2006/relationships" xmlns:mc="http://schemas.openxmlformats.org/markup-compatibility/2006" xmlns:mv="urn:schemas-microsoft-com:mac:vml" xmlns:p="http://schemas.openxmlformats.org/presentationml/2006/main" xmlns:c="http://schemas.openxmlformats.org/drawingml/2006/chart" xmlns:dgm="http://schemas.openxmlformats.org/drawingml/2006/diagram" xmlns:o="urn:schemas-microsoft-com:office:office" xmlns:v="urn:schemas-microsoft-com:vml" xmlns:pvml="urn:schemas-microsoft-com:office:powerpoint" xmlns:com="http://schemas.openxmlformats.org/drawingml/2006/compatibility" xmlns:p14="http://schemas.microsoft.com/office/powerpoint/2010/main" xmlns:p15="http://schemas.microsoft.com/office/powerpoint/2012/main">
   <p:cSld>
     <p:spTree>
       <p:nvGrpSpPr>
-        <p:cNvPr id="1" name="Shape 255"/>
+        <p:cNvPr id="255" name="Shape 255"/>
         <p:cNvGrpSpPr/>
         <p:nvPr/>
       </p:nvGrpSpPr>
@@ -13758,9 +13824,7 @@
       <p:sp>
         <p:nvSpPr>
           <p:cNvPr id="256" name="Google Shape;256;p38"/>
-          <p:cNvSpPr txBox="1">
-            <a:spLocks noGrp="1"/>
-          </p:cNvSpPr>
+          <p:cNvSpPr txBox="1"/>
           <p:nvPr>
             <p:ph type="title"/>
           </p:nvPr>
@@ -13775,12 +13839,12 @@
           </a:prstGeom>
         </p:spPr>
         <p:txBody>
-          <a:bodyPr spcFirstLastPara="1" wrap="square" lIns="91425" tIns="91425" rIns="91425" bIns="91425" anchor="t" anchorCtr="0">
+          <a:bodyPr anchorCtr="0" anchor="t" bIns="91425" lIns="91425" spcFirstLastPara="1" rIns="91425" wrap="square" tIns="91425">
             <a:noAutofit/>
           </a:bodyPr>
           <a:lstStyle/>
           <a:p>
-            <a:pPr marL="0" lvl="0" indent="0" algn="l" rtl="0">
+            <a:pPr indent="0" lvl="0" marL="0" rtl="0" algn="l">
               <a:spcBef>
                 <a:spcPts val="0"/>
               </a:spcBef>
@@ -13800,11 +13864,9 @@
       <p:sp>
         <p:nvSpPr>
           <p:cNvPr id="257" name="Google Shape;257;p38"/>
-          <p:cNvSpPr txBox="1">
-            <a:spLocks noGrp="1"/>
-          </p:cNvSpPr>
+          <p:cNvSpPr txBox="1"/>
           <p:nvPr>
-            <p:ph type="body" idx="1"/>
+            <p:ph idx="1" type="body"/>
           </p:nvPr>
         </p:nvSpPr>
         <p:spPr>
@@ -13817,12 +13879,12 @@
           </a:prstGeom>
         </p:spPr>
         <p:txBody>
-          <a:bodyPr spcFirstLastPara="1" wrap="square" lIns="91425" tIns="91425" rIns="91425" bIns="91425" anchor="t" anchorCtr="0">
+          <a:bodyPr anchorCtr="0" anchor="t" bIns="91425" lIns="91425" spcFirstLastPara="1" rIns="91425" wrap="square" tIns="91425">
             <a:noAutofit/>
           </a:bodyPr>
           <a:lstStyle/>
           <a:p>
-            <a:pPr marL="457200" lvl="0" indent="-317500" algn="l" rtl="0">
+            <a:pPr indent="-317500" lvl="0" marL="457200" rtl="0" algn="l">
               <a:lnSpc>
                 <a:spcPct val="200000"/>
               </a:lnSpc>
@@ -13868,7 +13930,7 @@
             </a:endParaRPr>
           </a:p>
           <a:p>
-            <a:pPr marL="457200" lvl="0" indent="-317500" algn="l" rtl="0">
+            <a:pPr indent="-317500" lvl="0" marL="457200" rtl="0" algn="l">
               <a:lnSpc>
                 <a:spcPct val="200000"/>
               </a:lnSpc>
@@ -13914,7 +13976,7 @@
             </a:endParaRPr>
           </a:p>
           <a:p>
-            <a:pPr marL="457200" lvl="0" indent="-317500" algn="l" rtl="0">
+            <a:pPr indent="-317500" lvl="0" marL="457200" rtl="0" algn="l">
               <a:lnSpc>
                 <a:spcPct val="200000"/>
               </a:lnSpc>
@@ -13960,7 +14022,7 @@
             </a:endParaRPr>
           </a:p>
           <a:p>
-            <a:pPr marL="457200" lvl="0" indent="-317500" algn="l" rtl="0">
+            <a:pPr indent="-317500" lvl="0" marL="457200" rtl="0" algn="l">
               <a:lnSpc>
                 <a:spcPct val="200000"/>
               </a:lnSpc>
@@ -14005,11 +14067,11 @@
 </file>
 
 <file path=ppt/slides/slide27.xml><?xml version="1.0" encoding="utf-8"?>
-<p:sld xmlns:a="http://schemas.openxmlformats.org/drawingml/2006/main" xmlns:r="http://schemas.openxmlformats.org/officeDocument/2006/relationships" xmlns:p="http://schemas.openxmlformats.org/presentationml/2006/main">
+<p:sld xmlns:a="http://schemas.openxmlformats.org/drawingml/2006/main" xmlns:r="http://schemas.openxmlformats.org/officeDocument/2006/relationships" xmlns:mc="http://schemas.openxmlformats.org/markup-compatibility/2006" xmlns:mv="urn:schemas-microsoft-com:mac:vml" xmlns:p="http://schemas.openxmlformats.org/presentationml/2006/main" xmlns:c="http://schemas.openxmlformats.org/drawingml/2006/chart" xmlns:dgm="http://schemas.openxmlformats.org/drawingml/2006/diagram" xmlns:o="urn:schemas-microsoft-com:office:office" xmlns:v="urn:schemas-microsoft-com:vml" xmlns:pvml="urn:schemas-microsoft-com:office:powerpoint" xmlns:com="http://schemas.openxmlformats.org/drawingml/2006/compatibility" xmlns:p14="http://schemas.microsoft.com/office/powerpoint/2010/main" xmlns:p15="http://schemas.microsoft.com/office/powerpoint/2012/main">
   <p:cSld>
     <p:spTree>
       <p:nvGrpSpPr>
-        <p:cNvPr id="1" name="Shape 261"/>
+        <p:cNvPr id="261" name="Shape 261"/>
         <p:cNvGrpSpPr/>
         <p:nvPr/>
       </p:nvGrpSpPr>
@@ -14024,9 +14086,7 @@
       <p:sp>
         <p:nvSpPr>
           <p:cNvPr id="262" name="Google Shape;262;p39"/>
-          <p:cNvSpPr txBox="1">
-            <a:spLocks noGrp="1"/>
-          </p:cNvSpPr>
+          <p:cNvSpPr txBox="1"/>
           <p:nvPr>
             <p:ph type="title"/>
           </p:nvPr>
@@ -14041,12 +14101,12 @@
           </a:prstGeom>
         </p:spPr>
         <p:txBody>
-          <a:bodyPr spcFirstLastPara="1" wrap="square" lIns="91425" tIns="91425" rIns="91425" bIns="91425" anchor="ctr" anchorCtr="0">
+          <a:bodyPr anchorCtr="0" anchor="ctr" bIns="91425" lIns="91425" spcFirstLastPara="1" rIns="91425" wrap="square" tIns="91425">
             <a:noAutofit/>
           </a:bodyPr>
           <a:lstStyle/>
           <a:p>
-            <a:pPr marL="0" lvl="0" indent="0" algn="l" rtl="0">
+            <a:pPr indent="0" lvl="0" marL="0" rtl="0" algn="l">
               <a:spcBef>
                 <a:spcPts val="0"/>
               </a:spcBef>
@@ -14072,11 +14132,11 @@
 </file>
 
 <file path=ppt/slides/slide28.xml><?xml version="1.0" encoding="utf-8"?>
-<p:sld xmlns:a="http://schemas.openxmlformats.org/drawingml/2006/main" xmlns:r="http://schemas.openxmlformats.org/officeDocument/2006/relationships" xmlns:p="http://schemas.openxmlformats.org/presentationml/2006/main">
+<p:sld xmlns:a="http://schemas.openxmlformats.org/drawingml/2006/main" xmlns:r="http://schemas.openxmlformats.org/officeDocument/2006/relationships" xmlns:mc="http://schemas.openxmlformats.org/markup-compatibility/2006" xmlns:mv="urn:schemas-microsoft-com:mac:vml" xmlns:p="http://schemas.openxmlformats.org/presentationml/2006/main" xmlns:c="http://schemas.openxmlformats.org/drawingml/2006/chart" xmlns:dgm="http://schemas.openxmlformats.org/drawingml/2006/diagram" xmlns:o="urn:schemas-microsoft-com:office:office" xmlns:v="urn:schemas-microsoft-com:vml" xmlns:pvml="urn:schemas-microsoft-com:office:powerpoint" xmlns:com="http://schemas.openxmlformats.org/drawingml/2006/compatibility" xmlns:p14="http://schemas.microsoft.com/office/powerpoint/2010/main" xmlns:p15="http://schemas.microsoft.com/office/powerpoint/2012/main">
   <p:cSld>
     <p:spTree>
       <p:nvGrpSpPr>
-        <p:cNvPr id="1" name="Shape 266"/>
+        <p:cNvPr id="266" name="Shape 266"/>
         <p:cNvGrpSpPr/>
         <p:nvPr/>
       </p:nvGrpSpPr>
@@ -14091,9 +14151,7 @@
       <p:sp>
         <p:nvSpPr>
           <p:cNvPr id="267" name="Google Shape;267;p40"/>
-          <p:cNvSpPr txBox="1">
-            <a:spLocks noGrp="1"/>
-          </p:cNvSpPr>
+          <p:cNvSpPr txBox="1"/>
           <p:nvPr>
             <p:ph type="title"/>
           </p:nvPr>
@@ -14108,12 +14166,12 @@
           </a:prstGeom>
         </p:spPr>
         <p:txBody>
-          <a:bodyPr spcFirstLastPara="1" wrap="square" lIns="91425" tIns="91425" rIns="91425" bIns="91425" anchor="t" anchorCtr="0">
+          <a:bodyPr anchorCtr="0" anchor="t" bIns="91425" lIns="91425" spcFirstLastPara="1" rIns="91425" wrap="square" tIns="91425">
             <a:noAutofit/>
           </a:bodyPr>
           <a:lstStyle/>
           <a:p>
-            <a:pPr marL="0" lvl="0" indent="0" algn="l" rtl="0">
+            <a:pPr indent="0" lvl="0" marL="0" rtl="0" algn="l">
               <a:spcBef>
                 <a:spcPts val="0"/>
               </a:spcBef>
@@ -14133,11 +14191,9 @@
       <p:sp>
         <p:nvSpPr>
           <p:cNvPr id="268" name="Google Shape;268;p40"/>
-          <p:cNvSpPr txBox="1">
-            <a:spLocks noGrp="1"/>
-          </p:cNvSpPr>
+          <p:cNvSpPr txBox="1"/>
           <p:nvPr>
-            <p:ph type="body" idx="1"/>
+            <p:ph idx="1" type="body"/>
           </p:nvPr>
         </p:nvSpPr>
         <p:spPr>
@@ -14150,12 +14206,12 @@
           </a:prstGeom>
         </p:spPr>
         <p:txBody>
-          <a:bodyPr spcFirstLastPara="1" wrap="square" lIns="91425" tIns="91425" rIns="91425" bIns="91425" anchor="t" anchorCtr="0">
+          <a:bodyPr anchorCtr="0" anchor="t" bIns="91425" lIns="91425" spcFirstLastPara="1" rIns="91425" wrap="square" tIns="91425">
             <a:noAutofit/>
           </a:bodyPr>
           <a:lstStyle/>
           <a:p>
-            <a:pPr marL="457200" lvl="0" indent="-342900" algn="l" rtl="0">
+            <a:pPr indent="-342900" lvl="0" marL="457200" rtl="0" algn="l">
               <a:lnSpc>
                 <a:spcPct val="150000"/>
               </a:lnSpc>
@@ -14189,7 +14245,7 @@
             </a:endParaRPr>
           </a:p>
           <a:p>
-            <a:pPr marL="457200" lvl="0" indent="-342900" algn="l" rtl="0">
+            <a:pPr indent="-342900" lvl="0" marL="457200" rtl="0" algn="l">
               <a:lnSpc>
                 <a:spcPct val="150000"/>
               </a:lnSpc>
@@ -14223,7 +14279,7 @@
             </a:endParaRPr>
           </a:p>
           <a:p>
-            <a:pPr marL="457200" lvl="0" indent="-342900" algn="l" rtl="0">
+            <a:pPr indent="-342900" lvl="0" marL="457200" rtl="0" algn="l">
               <a:lnSpc>
                 <a:spcPct val="150000"/>
               </a:lnSpc>
@@ -14248,7 +14304,29 @@
                   <a:srgbClr val="FFFFFF"/>
                 </a:highlight>
               </a:rPr>
-              <a:t>Deciding to remove ‘totalUS’ row and working with overlapping regional data.</a:t>
+              <a:t>Deciding to remove ‘totalUS’ row and working with </a:t>
+            </a:r>
+            <a:r>
+              <a:rPr lang="en" sz="1800">
+                <a:solidFill>
+                  <a:schemeClr val="dk1"/>
+                </a:solidFill>
+                <a:highlight>
+                  <a:srgbClr val="FFFFFF"/>
+                </a:highlight>
+              </a:rPr>
+              <a:t>overlapping</a:t>
+            </a:r>
+            <a:r>
+              <a:rPr lang="en" sz="1800">
+                <a:solidFill>
+                  <a:schemeClr val="dk1"/>
+                </a:solidFill>
+                <a:highlight>
+                  <a:srgbClr val="FFFFFF"/>
+                </a:highlight>
+              </a:rPr>
+              <a:t> regional data.</a:t>
             </a:r>
             <a:endParaRPr sz="1800">
               <a:highlight>
@@ -14257,7 +14335,7 @@
             </a:endParaRPr>
           </a:p>
           <a:p>
-            <a:pPr marL="457200" lvl="0" indent="-342900" algn="l" rtl="0">
+            <a:pPr indent="-342900" lvl="0" marL="457200" rtl="0" algn="l">
               <a:lnSpc>
                 <a:spcPct val="150000"/>
               </a:lnSpc>
@@ -14294,7 +14372,7 @@
             </a:endParaRPr>
           </a:p>
           <a:p>
-            <a:pPr marL="0" lvl="0" indent="0" algn="l" rtl="0">
+            <a:pPr indent="0" lvl="0" marL="0" rtl="0" algn="l">
               <a:lnSpc>
                 <a:spcPct val="150000"/>
               </a:lnSpc>
@@ -14306,6 +14384,9 @@
               </a:spcAft>
               <a:buNone/>
             </a:pPr>
+            <a:r>
+              <a:t/>
+            </a:r>
             <a:endParaRPr>
               <a:highlight>
                 <a:srgbClr val="FFFFFF"/>
@@ -14323,11 +14404,11 @@
 </file>
 
 <file path=ppt/slides/slide29.xml><?xml version="1.0" encoding="utf-8"?>
-<p:sld xmlns:a="http://schemas.openxmlformats.org/drawingml/2006/main" xmlns:r="http://schemas.openxmlformats.org/officeDocument/2006/relationships" xmlns:p="http://schemas.openxmlformats.org/presentationml/2006/main">
+<p:sld xmlns:a="http://schemas.openxmlformats.org/drawingml/2006/main" xmlns:r="http://schemas.openxmlformats.org/officeDocument/2006/relationships" xmlns:mc="http://schemas.openxmlformats.org/markup-compatibility/2006" xmlns:mv="urn:schemas-microsoft-com:mac:vml" xmlns:p="http://schemas.openxmlformats.org/presentationml/2006/main" xmlns:c="http://schemas.openxmlformats.org/drawingml/2006/chart" xmlns:dgm="http://schemas.openxmlformats.org/drawingml/2006/diagram" xmlns:o="urn:schemas-microsoft-com:office:office" xmlns:v="urn:schemas-microsoft-com:vml" xmlns:pvml="urn:schemas-microsoft-com:office:powerpoint" xmlns:com="http://schemas.openxmlformats.org/drawingml/2006/compatibility" xmlns:p14="http://schemas.microsoft.com/office/powerpoint/2010/main" xmlns:p15="http://schemas.microsoft.com/office/powerpoint/2012/main">
   <p:cSld>
     <p:spTree>
       <p:nvGrpSpPr>
-        <p:cNvPr id="1" name="Shape 272"/>
+        <p:cNvPr id="272" name="Shape 272"/>
         <p:cNvGrpSpPr/>
         <p:nvPr/>
       </p:nvGrpSpPr>
@@ -14342,9 +14423,7 @@
       <p:sp>
         <p:nvSpPr>
           <p:cNvPr id="273" name="Google Shape;273;p41"/>
-          <p:cNvSpPr txBox="1">
-            <a:spLocks noGrp="1"/>
-          </p:cNvSpPr>
+          <p:cNvSpPr txBox="1"/>
           <p:nvPr>
             <p:ph type="title"/>
           </p:nvPr>
@@ -14359,12 +14438,12 @@
           </a:prstGeom>
         </p:spPr>
         <p:txBody>
-          <a:bodyPr spcFirstLastPara="1" wrap="square" lIns="91425" tIns="91425" rIns="91425" bIns="91425" anchor="t" anchorCtr="0">
+          <a:bodyPr anchorCtr="0" anchor="t" bIns="91425" lIns="91425" spcFirstLastPara="1" rIns="91425" wrap="square" tIns="91425">
             <a:noAutofit/>
           </a:bodyPr>
           <a:lstStyle/>
           <a:p>
-            <a:pPr marL="0" lvl="0" indent="0" algn="l" rtl="0">
+            <a:pPr indent="0" lvl="0" marL="0" rtl="0" algn="l">
               <a:spcBef>
                 <a:spcPts val="0"/>
               </a:spcBef>
@@ -14384,11 +14463,9 @@
       <p:sp>
         <p:nvSpPr>
           <p:cNvPr id="274" name="Google Shape;274;p41"/>
-          <p:cNvSpPr txBox="1">
-            <a:spLocks noGrp="1"/>
-          </p:cNvSpPr>
+          <p:cNvSpPr txBox="1"/>
           <p:nvPr>
-            <p:ph type="body" idx="1"/>
+            <p:ph idx="1" type="body"/>
           </p:nvPr>
         </p:nvSpPr>
         <p:spPr>
@@ -14401,12 +14478,12 @@
           </a:prstGeom>
         </p:spPr>
         <p:txBody>
-          <a:bodyPr spcFirstLastPara="1" wrap="square" lIns="91425" tIns="91425" rIns="91425" bIns="91425" anchor="t" anchorCtr="0">
+          <a:bodyPr anchorCtr="0" anchor="t" bIns="91425" lIns="91425" spcFirstLastPara="1" rIns="91425" wrap="square" tIns="91425">
             <a:noAutofit/>
           </a:bodyPr>
           <a:lstStyle/>
           <a:p>
-            <a:pPr marL="457200" lvl="0" indent="-342900" algn="l" rtl="0">
+            <a:pPr indent="-342900" lvl="0" marL="457200" rtl="0" algn="l">
               <a:lnSpc>
                 <a:spcPct val="150000"/>
               </a:lnSpc>
@@ -14426,7 +14503,7 @@
             <a:endParaRPr sz="1800"/>
           </a:p>
           <a:p>
-            <a:pPr marL="457200" lvl="0" indent="-342900" algn="l" rtl="0">
+            <a:pPr indent="-342900" lvl="0" marL="457200" rtl="0" algn="l">
               <a:lnSpc>
                 <a:spcPct val="150000"/>
               </a:lnSpc>
@@ -14446,7 +14523,7 @@
             <a:endParaRPr sz="1800"/>
           </a:p>
           <a:p>
-            <a:pPr marL="457200" lvl="0" indent="-342900" algn="l" rtl="0">
+            <a:pPr indent="-342900" lvl="0" marL="457200" rtl="0" algn="l">
               <a:lnSpc>
                 <a:spcPct val="150000"/>
               </a:lnSpc>
@@ -14466,7 +14543,7 @@
             <a:endParaRPr sz="1800"/>
           </a:p>
           <a:p>
-            <a:pPr marL="457200" lvl="0" indent="-342900" algn="l" rtl="0">
+            <a:pPr indent="-342900" lvl="0" marL="457200" rtl="0" algn="l">
               <a:lnSpc>
                 <a:spcPct val="150000"/>
               </a:lnSpc>
@@ -14486,7 +14563,7 @@
             <a:endParaRPr sz="1800"/>
           </a:p>
           <a:p>
-            <a:pPr marL="457200" lvl="0" indent="-342900" algn="l" rtl="0">
+            <a:pPr indent="-342900" lvl="0" marL="457200" rtl="0" algn="l">
               <a:lnSpc>
                 <a:spcPct val="150000"/>
               </a:lnSpc>
@@ -14516,11 +14593,11 @@
 </file>
 
 <file path=ppt/slides/slide3.xml><?xml version="1.0" encoding="utf-8"?>
-<p:sld xmlns:a="http://schemas.openxmlformats.org/drawingml/2006/main" xmlns:r="http://schemas.openxmlformats.org/officeDocument/2006/relationships" xmlns:p="http://schemas.openxmlformats.org/presentationml/2006/main">
+<p:sld xmlns:a="http://schemas.openxmlformats.org/drawingml/2006/main" xmlns:r="http://schemas.openxmlformats.org/officeDocument/2006/relationships" xmlns:mc="http://schemas.openxmlformats.org/markup-compatibility/2006" xmlns:mv="urn:schemas-microsoft-com:mac:vml" xmlns:p="http://schemas.openxmlformats.org/presentationml/2006/main" xmlns:c="http://schemas.openxmlformats.org/drawingml/2006/chart" xmlns:dgm="http://schemas.openxmlformats.org/drawingml/2006/diagram" xmlns:o="urn:schemas-microsoft-com:office:office" xmlns:v="urn:schemas-microsoft-com:vml" xmlns:pvml="urn:schemas-microsoft-com:office:powerpoint" xmlns:com="http://schemas.openxmlformats.org/drawingml/2006/compatibility" xmlns:p14="http://schemas.microsoft.com/office/powerpoint/2010/main" xmlns:p15="http://schemas.microsoft.com/office/powerpoint/2012/main">
   <p:cSld>
     <p:spTree>
       <p:nvGrpSpPr>
-        <p:cNvPr id="1" name="Shape 96"/>
+        <p:cNvPr id="96" name="Shape 96"/>
         <p:cNvGrpSpPr/>
         <p:nvPr/>
       </p:nvGrpSpPr>
@@ -14535,9 +14612,7 @@
       <p:sp>
         <p:nvSpPr>
           <p:cNvPr id="97" name="Google Shape;97;p15"/>
-          <p:cNvSpPr txBox="1">
-            <a:spLocks noGrp="1"/>
-          </p:cNvSpPr>
+          <p:cNvSpPr txBox="1"/>
           <p:nvPr>
             <p:ph type="title"/>
           </p:nvPr>
@@ -14552,12 +14627,12 @@
           </a:prstGeom>
         </p:spPr>
         <p:txBody>
-          <a:bodyPr spcFirstLastPara="1" wrap="square" lIns="91425" tIns="91425" rIns="91425" bIns="91425" anchor="t" anchorCtr="0">
+          <a:bodyPr anchorCtr="0" anchor="t" bIns="91425" lIns="91425" spcFirstLastPara="1" rIns="91425" wrap="square" tIns="91425">
             <a:noAutofit/>
           </a:bodyPr>
           <a:lstStyle/>
           <a:p>
-            <a:pPr marL="0" lvl="0" indent="0" algn="l" rtl="0">
+            <a:pPr indent="0" lvl="0" marL="0" rtl="0" algn="l">
               <a:spcBef>
                 <a:spcPts val="0"/>
               </a:spcBef>
@@ -14577,11 +14652,9 @@
       <p:sp>
         <p:nvSpPr>
           <p:cNvPr id="98" name="Google Shape;98;p15"/>
-          <p:cNvSpPr txBox="1">
-            <a:spLocks noGrp="1"/>
-          </p:cNvSpPr>
+          <p:cNvSpPr txBox="1"/>
           <p:nvPr>
-            <p:ph type="body" idx="1"/>
+            <p:ph idx="1" type="body"/>
           </p:nvPr>
         </p:nvSpPr>
         <p:spPr>
@@ -14594,12 +14667,12 @@
           </a:prstGeom>
         </p:spPr>
         <p:txBody>
-          <a:bodyPr spcFirstLastPara="1" wrap="square" lIns="91425" tIns="91425" rIns="91425" bIns="91425" anchor="t" anchorCtr="0">
+          <a:bodyPr anchorCtr="0" anchor="t" bIns="91425" lIns="91425" spcFirstLastPara="1" rIns="91425" wrap="square" tIns="91425">
             <a:noAutofit/>
           </a:bodyPr>
           <a:lstStyle/>
           <a:p>
-            <a:pPr marL="457200" lvl="0" indent="-311150" algn="l" rtl="0">
+            <a:pPr indent="-311150" lvl="0" marL="457200" rtl="0" algn="l">
               <a:lnSpc>
                 <a:spcPct val="150000"/>
               </a:lnSpc>
@@ -14614,12 +14687,20 @@
             </a:pPr>
             <a:r>
               <a:rPr lang="en"/>
-              <a:t>Availability: Year-round harvesting</a:t>
+              <a:t>Availability</a:t>
+            </a:r>
+            <a:r>
+              <a:rPr lang="en"/>
+              <a:t>: Year-round</a:t>
+            </a:r>
+            <a:r>
+              <a:rPr lang="en"/>
+              <a:t> harvesting</a:t>
             </a:r>
             <a:endParaRPr/>
           </a:p>
           <a:p>
-            <a:pPr marL="457200" lvl="0" indent="-311150" algn="l" rtl="0">
+            <a:pPr indent="-311150" lvl="0" marL="457200" rtl="0" algn="l">
               <a:lnSpc>
                 <a:spcPct val="150000"/>
               </a:lnSpc>
@@ -14634,12 +14715,28 @@
             </a:pPr>
             <a:r>
               <a:rPr lang="en"/>
-              <a:t>The Hass brand is the  standard for commercial use (restaurants, guacamole production, etc.)</a:t>
+              <a:t>The Hass brand is the  standard for </a:t>
+            </a:r>
+            <a:r>
+              <a:rPr lang="en"/>
+              <a:t>commercial</a:t>
+            </a:r>
+            <a:r>
+              <a:rPr lang="en"/>
+              <a:t> use (</a:t>
+            </a:r>
+            <a:r>
+              <a:rPr lang="en"/>
+              <a:t>restaurants</a:t>
+            </a:r>
+            <a:r>
+              <a:rPr lang="en"/>
+              <a:t>, guacamole production, etc.)</a:t>
             </a:r>
             <a:endParaRPr/>
           </a:p>
           <a:p>
-            <a:pPr marL="457200" lvl="0" indent="-311150" algn="l" rtl="0">
+            <a:pPr indent="-311150" lvl="0" marL="457200" rtl="0" algn="l">
               <a:lnSpc>
                 <a:spcPct val="150000"/>
               </a:lnSpc>
@@ -14659,7 +14756,7 @@
             <a:endParaRPr/>
           </a:p>
           <a:p>
-            <a:pPr marL="457200" lvl="0" indent="-311150" algn="l" rtl="0">
+            <a:pPr indent="-311150" lvl="0" marL="457200" rtl="0" algn="l">
               <a:lnSpc>
                 <a:spcPct val="150000"/>
               </a:lnSpc>
@@ -14728,22 +14825,22 @@
           </a:ln>
         </p:spPr>
         <p:txBody>
-          <a:bodyPr spcFirstLastPara="1" wrap="square" lIns="91425" tIns="91425" rIns="91425" bIns="91425" anchor="t" anchorCtr="0">
+          <a:bodyPr anchorCtr="0" anchor="t" bIns="91425" lIns="91425" spcFirstLastPara="1" rIns="91425" wrap="square" tIns="91425">
             <a:noAutofit/>
           </a:bodyPr>
           <a:lstStyle/>
           <a:p>
-            <a:pPr marL="0" lvl="0" indent="0" algn="l" rtl="0">
-              <a:spcBef>
-                <a:spcPts val="0"/>
-              </a:spcBef>
-              <a:spcAft>
-                <a:spcPts val="0"/>
-              </a:spcAft>
-              <a:buNone/>
-            </a:pPr>
-            <a:r>
-              <a:rPr lang="en" sz="1000" b="1" i="1">
+            <a:pPr indent="0" lvl="0" marL="0" rtl="0" algn="l">
+              <a:spcBef>
+                <a:spcPts val="0"/>
+              </a:spcBef>
+              <a:spcAft>
+                <a:spcPts val="0"/>
+              </a:spcAft>
+              <a:buNone/>
+            </a:pPr>
+            <a:r>
+              <a:rPr b="1" i="1" lang="en" sz="1000">
                 <a:latin typeface="Lato"/>
                 <a:ea typeface="Lato"/>
                 <a:cs typeface="Lato"/>
@@ -14752,7 +14849,7 @@
               <a:t>References</a:t>
             </a:r>
             <a:r>
-              <a:rPr lang="en" sz="1000" i="1">
+              <a:rPr i="1" lang="en" sz="1000">
                 <a:latin typeface="Lato"/>
                 <a:ea typeface="Lato"/>
                 <a:cs typeface="Lato"/>
@@ -14761,7 +14858,7 @@
               <a:t>: 1) </a:t>
             </a:r>
             <a:r>
-              <a:rPr lang="en" sz="1000" i="1" u="sng">
+              <a:rPr i="1" lang="en" sz="1000" u="sng">
                 <a:solidFill>
                   <a:schemeClr val="accent5"/>
                 </a:solidFill>
@@ -14783,7 +14880,7 @@
               <a:t>   2) </a:t>
             </a:r>
             <a:r>
-              <a:rPr lang="en" sz="1000" i="1" u="sng">
+              <a:rPr i="1" lang="en" sz="1000" u="sng">
                 <a:solidFill>
                   <a:schemeClr val="accent5"/>
                 </a:solidFill>
@@ -14795,7 +14892,7 @@
               </a:rPr>
               <a:t>https://specialtyproduce.com/produce/Hass_Avocados_949.php</a:t>
             </a:r>
-            <a:endParaRPr sz="1000" i="1">
+            <a:endParaRPr i="1" sz="1000">
               <a:latin typeface="Lato"/>
               <a:ea typeface="Lato"/>
               <a:cs typeface="Lato"/>
@@ -14813,11 +14910,11 @@
 </file>
 
 <file path=ppt/slides/slide30.xml><?xml version="1.0" encoding="utf-8"?>
-<p:sld xmlns:a="http://schemas.openxmlformats.org/drawingml/2006/main" xmlns:r="http://schemas.openxmlformats.org/officeDocument/2006/relationships" xmlns:p="http://schemas.openxmlformats.org/presentationml/2006/main">
+<p:sld xmlns:a="http://schemas.openxmlformats.org/drawingml/2006/main" xmlns:r="http://schemas.openxmlformats.org/officeDocument/2006/relationships" xmlns:mc="http://schemas.openxmlformats.org/markup-compatibility/2006" xmlns:mv="urn:schemas-microsoft-com:mac:vml" xmlns:p="http://schemas.openxmlformats.org/presentationml/2006/main" xmlns:c="http://schemas.openxmlformats.org/drawingml/2006/chart" xmlns:dgm="http://schemas.openxmlformats.org/drawingml/2006/diagram" xmlns:o="urn:schemas-microsoft-com:office:office" xmlns:v="urn:schemas-microsoft-com:vml" xmlns:pvml="urn:schemas-microsoft-com:office:powerpoint" xmlns:com="http://schemas.openxmlformats.org/drawingml/2006/compatibility" xmlns:p14="http://schemas.microsoft.com/office/powerpoint/2010/main" xmlns:p15="http://schemas.microsoft.com/office/powerpoint/2012/main">
   <p:cSld>
     <p:spTree>
       <p:nvGrpSpPr>
-        <p:cNvPr id="1" name="Shape 278"/>
+        <p:cNvPr id="278" name="Shape 278"/>
         <p:cNvGrpSpPr/>
         <p:nvPr/>
       </p:nvGrpSpPr>
@@ -14832,9 +14929,7 @@
       <p:sp>
         <p:nvSpPr>
           <p:cNvPr id="279" name="Google Shape;279;p42"/>
-          <p:cNvSpPr txBox="1">
-            <a:spLocks noGrp="1"/>
-          </p:cNvSpPr>
+          <p:cNvSpPr txBox="1"/>
           <p:nvPr>
             <p:ph type="title"/>
           </p:nvPr>
@@ -14849,12 +14944,12 @@
           </a:prstGeom>
         </p:spPr>
         <p:txBody>
-          <a:bodyPr spcFirstLastPara="1" wrap="square" lIns="91425" tIns="91425" rIns="91425" bIns="91425" anchor="ctr" anchorCtr="0">
+          <a:bodyPr anchorCtr="0" anchor="ctr" bIns="91425" lIns="91425" spcFirstLastPara="1" rIns="91425" wrap="square" tIns="91425">
             <a:noAutofit/>
           </a:bodyPr>
           <a:lstStyle/>
           <a:p>
-            <a:pPr marL="0" lvl="0" indent="0" algn="l" rtl="0">
+            <a:pPr indent="0" lvl="0" marL="0" rtl="0" algn="l">
               <a:spcBef>
                 <a:spcPts val="0"/>
               </a:spcBef>
@@ -14880,11 +14975,11 @@
 </file>
 
 <file path=ppt/slides/slide4.xml><?xml version="1.0" encoding="utf-8"?>
-<p:sld xmlns:a="http://schemas.openxmlformats.org/drawingml/2006/main" xmlns:r="http://schemas.openxmlformats.org/officeDocument/2006/relationships" xmlns:p="http://schemas.openxmlformats.org/presentationml/2006/main">
+<p:sld xmlns:a="http://schemas.openxmlformats.org/drawingml/2006/main" xmlns:r="http://schemas.openxmlformats.org/officeDocument/2006/relationships" xmlns:mc="http://schemas.openxmlformats.org/markup-compatibility/2006" xmlns:mv="urn:schemas-microsoft-com:mac:vml" xmlns:p="http://schemas.openxmlformats.org/presentationml/2006/main" xmlns:c="http://schemas.openxmlformats.org/drawingml/2006/chart" xmlns:dgm="http://schemas.openxmlformats.org/drawingml/2006/diagram" xmlns:o="urn:schemas-microsoft-com:office:office" xmlns:v="urn:schemas-microsoft-com:vml" xmlns:pvml="urn:schemas-microsoft-com:office:powerpoint" xmlns:com="http://schemas.openxmlformats.org/drawingml/2006/compatibility" xmlns:p14="http://schemas.microsoft.com/office/powerpoint/2010/main" xmlns:p15="http://schemas.microsoft.com/office/powerpoint/2012/main">
   <p:cSld>
     <p:spTree>
       <p:nvGrpSpPr>
-        <p:cNvPr id="1" name="Shape 104"/>
+        <p:cNvPr id="104" name="Shape 104"/>
         <p:cNvGrpSpPr/>
         <p:nvPr/>
       </p:nvGrpSpPr>
@@ -14899,9 +14994,7 @@
       <p:sp>
         <p:nvSpPr>
           <p:cNvPr id="105" name="Google Shape;105;p16"/>
-          <p:cNvSpPr txBox="1">
-            <a:spLocks noGrp="1"/>
-          </p:cNvSpPr>
+          <p:cNvSpPr txBox="1"/>
           <p:nvPr>
             <p:ph type="title"/>
           </p:nvPr>
@@ -14916,12 +15009,12 @@
           </a:prstGeom>
         </p:spPr>
         <p:txBody>
-          <a:bodyPr spcFirstLastPara="1" wrap="square" lIns="91425" tIns="91425" rIns="91425" bIns="91425" anchor="t" anchorCtr="0">
+          <a:bodyPr anchorCtr="0" anchor="t" bIns="91425" lIns="91425" spcFirstLastPara="1" rIns="91425" wrap="square" tIns="91425">
             <a:noAutofit/>
           </a:bodyPr>
           <a:lstStyle/>
           <a:p>
-            <a:pPr marL="0" lvl="0" indent="0" algn="l" rtl="0">
+            <a:pPr indent="0" lvl="0" marL="0" rtl="0" algn="l">
               <a:spcBef>
                 <a:spcPts val="0"/>
               </a:spcBef>
@@ -14941,11 +15034,9 @@
       <p:sp>
         <p:nvSpPr>
           <p:cNvPr id="106" name="Google Shape;106;p16"/>
-          <p:cNvSpPr txBox="1">
-            <a:spLocks noGrp="1"/>
-          </p:cNvSpPr>
+          <p:cNvSpPr txBox="1"/>
           <p:nvPr>
-            <p:ph type="body" idx="1"/>
+            <p:ph idx="1" type="body"/>
           </p:nvPr>
         </p:nvSpPr>
         <p:spPr>
@@ -14958,12 +15049,12 @@
           </a:prstGeom>
         </p:spPr>
         <p:txBody>
-          <a:bodyPr spcFirstLastPara="1" wrap="square" lIns="91425" tIns="91425" rIns="91425" bIns="91425" anchor="t" anchorCtr="0">
+          <a:bodyPr anchorCtr="0" anchor="t" bIns="91425" lIns="91425" spcFirstLastPara="1" rIns="91425" wrap="square" tIns="91425">
             <a:noAutofit/>
           </a:bodyPr>
           <a:lstStyle/>
           <a:p>
-            <a:pPr marL="457200" lvl="0" indent="-381000" algn="l" rtl="0">
+            <a:pPr indent="-381000" lvl="0" marL="457200" rtl="0" algn="l">
               <a:spcBef>
                 <a:spcPts val="0"/>
               </a:spcBef>
@@ -15039,12 +15130,12 @@
           </a:ln>
         </p:spPr>
         <p:txBody>
-          <a:bodyPr spcFirstLastPara="1" wrap="square" lIns="91425" tIns="91425" rIns="91425" bIns="91425" anchor="t" anchorCtr="0">
+          <a:bodyPr anchorCtr="0" anchor="t" bIns="91425" lIns="91425" spcFirstLastPara="1" rIns="91425" wrap="square" tIns="91425">
             <a:noAutofit/>
           </a:bodyPr>
           <a:lstStyle/>
           <a:p>
-            <a:pPr marL="0" lvl="0" indent="0" algn="l" rtl="0">
+            <a:pPr indent="0" lvl="0" marL="0" rtl="0" algn="l">
               <a:spcBef>
                 <a:spcPts val="0"/>
               </a:spcBef>
@@ -15083,15 +15174,18 @@
             </a:endParaRPr>
           </a:p>
           <a:p>
-            <a:pPr marL="0" lvl="0" indent="0" algn="l" rtl="0">
-              <a:spcBef>
-                <a:spcPts val="0"/>
-              </a:spcBef>
-              <a:spcAft>
-                <a:spcPts val="0"/>
-              </a:spcAft>
-              <a:buNone/>
-            </a:pPr>
+            <a:pPr indent="0" lvl="0" marL="0" rtl="0" algn="l">
+              <a:spcBef>
+                <a:spcPts val="0"/>
+              </a:spcBef>
+              <a:spcAft>
+                <a:spcPts val="0"/>
+              </a:spcAft>
+              <a:buNone/>
+            </a:pPr>
+            <a:r>
+              <a:t/>
+            </a:r>
             <a:endParaRPr sz="700">
               <a:solidFill>
                 <a:srgbClr val="222222"/>
@@ -15102,15 +15196,18 @@
             </a:endParaRPr>
           </a:p>
           <a:p>
-            <a:pPr marL="0" lvl="0" indent="0" algn="l" rtl="0">
-              <a:spcBef>
-                <a:spcPts val="0"/>
-              </a:spcBef>
-              <a:spcAft>
-                <a:spcPts val="0"/>
-              </a:spcAft>
-              <a:buNone/>
-            </a:pPr>
+            <a:pPr indent="0" lvl="0" marL="0" rtl="0" algn="l">
+              <a:spcBef>
+                <a:spcPts val="0"/>
+              </a:spcBef>
+              <a:spcAft>
+                <a:spcPts val="0"/>
+              </a:spcAft>
+              <a:buNone/>
+            </a:pPr>
+            <a:r>
+              <a:t/>
+            </a:r>
             <a:endParaRPr sz="700">
               <a:solidFill>
                 <a:srgbClr val="222222"/>
@@ -15121,7 +15218,7 @@
             </a:endParaRPr>
           </a:p>
           <a:p>
-            <a:pPr marL="0" lvl="0" indent="0" algn="l" rtl="0">
+            <a:pPr indent="0" lvl="0" marL="0" rtl="0" algn="l">
               <a:spcBef>
                 <a:spcPts val="0"/>
               </a:spcBef>
@@ -15185,22 +15282,22 @@
           </a:ln>
         </p:spPr>
         <p:txBody>
-          <a:bodyPr spcFirstLastPara="1" wrap="square" lIns="91425" tIns="91425" rIns="91425" bIns="91425" anchor="t" anchorCtr="0">
+          <a:bodyPr anchorCtr="0" anchor="t" bIns="91425" lIns="91425" spcFirstLastPara="1" rIns="91425" wrap="square" tIns="91425">
             <a:noAutofit/>
           </a:bodyPr>
           <a:lstStyle/>
           <a:p>
-            <a:pPr marL="0" lvl="0" indent="0" algn="l" rtl="0">
-              <a:spcBef>
-                <a:spcPts val="0"/>
-              </a:spcBef>
-              <a:spcAft>
-                <a:spcPts val="0"/>
-              </a:spcAft>
-              <a:buNone/>
-            </a:pPr>
-            <a:r>
-              <a:rPr lang="en" sz="1000" b="1" i="1">
+            <a:pPr indent="0" lvl="0" marL="0" rtl="0" algn="l">
+              <a:spcBef>
+                <a:spcPts val="0"/>
+              </a:spcBef>
+              <a:spcAft>
+                <a:spcPts val="0"/>
+              </a:spcAft>
+              <a:buNone/>
+            </a:pPr>
+            <a:r>
+              <a:rPr b="1" i="1" lang="en" sz="1000">
                 <a:latin typeface="Lato"/>
                 <a:ea typeface="Lato"/>
                 <a:cs typeface="Lato"/>
@@ -15209,7 +15306,7 @@
               <a:t>References</a:t>
             </a:r>
             <a:r>
-              <a:rPr lang="en" sz="1000" i="1">
+              <a:rPr i="1" lang="en" sz="1000">
                 <a:latin typeface="Lato"/>
                 <a:ea typeface="Lato"/>
                 <a:cs typeface="Lato"/>
@@ -15218,7 +15315,7 @@
               <a:t>: 1) </a:t>
             </a:r>
             <a:r>
-              <a:rPr lang="en" sz="1000" i="1" u="sng">
+              <a:rPr i="1" lang="en" sz="1000" u="sng">
                 <a:solidFill>
                   <a:schemeClr val="accent5"/>
                 </a:solidFill>
@@ -15230,7 +15327,7 @@
               </a:rPr>
               <a:t>https://en.wikipedia.org/wiki/Avocado_toast</a:t>
             </a:r>
-            <a:endParaRPr sz="1000" i="1">
+            <a:endParaRPr i="1" sz="1000">
               <a:latin typeface="Lato"/>
               <a:ea typeface="Lato"/>
               <a:cs typeface="Lato"/>
@@ -15238,15 +15335,18 @@
             </a:endParaRPr>
           </a:p>
           <a:p>
-            <a:pPr marL="0" lvl="0" indent="0" algn="l" rtl="0">
-              <a:spcBef>
-                <a:spcPts val="0"/>
-              </a:spcBef>
-              <a:spcAft>
-                <a:spcPts val="0"/>
-              </a:spcAft>
-              <a:buNone/>
-            </a:pPr>
+            <a:pPr indent="0" lvl="0" marL="0" rtl="0" algn="l">
+              <a:spcBef>
+                <a:spcPts val="0"/>
+              </a:spcBef>
+              <a:spcAft>
+                <a:spcPts val="0"/>
+              </a:spcAft>
+              <a:buNone/>
+            </a:pPr>
+            <a:r>
+              <a:t/>
+            </a:r>
             <a:endParaRPr>
               <a:latin typeface="Lato"/>
               <a:ea typeface="Lato"/>
@@ -15265,11 +15365,11 @@
 </file>
 
 <file path=ppt/slides/slide5.xml><?xml version="1.0" encoding="utf-8"?>
-<p:sld xmlns:a="http://schemas.openxmlformats.org/drawingml/2006/main" xmlns:r="http://schemas.openxmlformats.org/officeDocument/2006/relationships" xmlns:p="http://schemas.openxmlformats.org/presentationml/2006/main">
+<p:sld xmlns:a="http://schemas.openxmlformats.org/drawingml/2006/main" xmlns:r="http://schemas.openxmlformats.org/officeDocument/2006/relationships" xmlns:mc="http://schemas.openxmlformats.org/markup-compatibility/2006" xmlns:mv="urn:schemas-microsoft-com:mac:vml" xmlns:p="http://schemas.openxmlformats.org/presentationml/2006/main" xmlns:c="http://schemas.openxmlformats.org/drawingml/2006/chart" xmlns:dgm="http://schemas.openxmlformats.org/drawingml/2006/diagram" xmlns:o="urn:schemas-microsoft-com:office:office" xmlns:v="urn:schemas-microsoft-com:vml" xmlns:pvml="urn:schemas-microsoft-com:office:powerpoint" xmlns:com="http://schemas.openxmlformats.org/drawingml/2006/compatibility" xmlns:p14="http://schemas.microsoft.com/office/powerpoint/2010/main" xmlns:p15="http://schemas.microsoft.com/office/powerpoint/2012/main">
   <p:cSld>
     <p:spTree>
       <p:nvGrpSpPr>
-        <p:cNvPr id="1" name="Shape 113"/>
+        <p:cNvPr id="113" name="Shape 113"/>
         <p:cNvGrpSpPr/>
         <p:nvPr/>
       </p:nvGrpSpPr>
@@ -15284,9 +15384,7 @@
       <p:sp>
         <p:nvSpPr>
           <p:cNvPr id="114" name="Google Shape;114;p17"/>
-          <p:cNvSpPr txBox="1">
-            <a:spLocks noGrp="1"/>
-          </p:cNvSpPr>
+          <p:cNvSpPr txBox="1"/>
           <p:nvPr>
             <p:ph type="title"/>
           </p:nvPr>
@@ -15301,12 +15399,12 @@
           </a:prstGeom>
         </p:spPr>
         <p:txBody>
-          <a:bodyPr spcFirstLastPara="1" wrap="square" lIns="91425" tIns="91425" rIns="91425" bIns="91425" anchor="t" anchorCtr="0">
+          <a:bodyPr anchorCtr="0" anchor="t" bIns="91425" lIns="91425" spcFirstLastPara="1" rIns="91425" wrap="square" tIns="91425">
             <a:noAutofit/>
           </a:bodyPr>
           <a:lstStyle/>
           <a:p>
-            <a:pPr marL="0" lvl="0" indent="0" algn="l" rtl="0">
+            <a:pPr indent="0" lvl="0" marL="0" rtl="0" algn="l">
               <a:spcBef>
                 <a:spcPts val="0"/>
               </a:spcBef>
@@ -15317,7 +15415,15 @@
             </a:pPr>
             <a:r>
               <a:rPr lang="en"/>
-              <a:t>Questions Asked &amp; Why</a:t>
+              <a:t>Questions</a:t>
+            </a:r>
+            <a:r>
+              <a:rPr lang="en"/>
+              <a:t> Asked &amp; </a:t>
+            </a:r>
+            <a:r>
+              <a:rPr lang="en"/>
+              <a:t>Why</a:t>
             </a:r>
             <a:endParaRPr/>
           </a:p>
@@ -15326,11 +15432,9 @@
       <p:sp>
         <p:nvSpPr>
           <p:cNvPr id="115" name="Google Shape;115;p17"/>
-          <p:cNvSpPr txBox="1">
-            <a:spLocks noGrp="1"/>
-          </p:cNvSpPr>
+          <p:cNvSpPr txBox="1"/>
           <p:nvPr>
-            <p:ph type="body" idx="1"/>
+            <p:ph idx="1" type="body"/>
           </p:nvPr>
         </p:nvSpPr>
         <p:spPr>
@@ -15343,12 +15447,12 @@
           </a:prstGeom>
         </p:spPr>
         <p:txBody>
-          <a:bodyPr spcFirstLastPara="1" wrap="square" lIns="91425" tIns="91425" rIns="91425" bIns="91425" anchor="t" anchorCtr="0">
+          <a:bodyPr anchorCtr="0" anchor="t" bIns="91425" lIns="91425" spcFirstLastPara="1" rIns="91425" wrap="square" tIns="91425">
             <a:noAutofit/>
           </a:bodyPr>
           <a:lstStyle/>
           <a:p>
-            <a:pPr marL="457200" marR="152400" lvl="0" indent="-304800" algn="l" rtl="0">
+            <a:pPr indent="-304800" lvl="0" marL="457200" marR="152400" rtl="0" algn="l">
               <a:lnSpc>
                 <a:spcPct val="115000"/>
               </a:lnSpc>
@@ -15376,7 +15480,7 @@
             </a:endParaRPr>
           </a:p>
           <a:p>
-            <a:pPr marL="914400" lvl="1" indent="-304800" algn="l" rtl="0">
+            <a:pPr indent="-304800" lvl="1" marL="914400" rtl="0" algn="l">
               <a:lnSpc>
                 <a:spcPct val="115000"/>
               </a:lnSpc>
@@ -15407,7 +15511,7 @@
             </a:endParaRPr>
           </a:p>
           <a:p>
-            <a:pPr marL="457200" lvl="0" indent="-304800" algn="l" rtl="0">
+            <a:pPr indent="-304800" lvl="0" marL="457200" rtl="0" algn="l">
               <a:spcBef>
                 <a:spcPts val="0"/>
               </a:spcBef>
@@ -15432,7 +15536,7 @@
             </a:endParaRPr>
           </a:p>
           <a:p>
-            <a:pPr marL="914400" lvl="1" indent="-304800" algn="l" rtl="0">
+            <a:pPr indent="-304800" lvl="1" marL="914400" rtl="0" algn="l">
               <a:spcBef>
                 <a:spcPts val="0"/>
               </a:spcBef>
@@ -15457,7 +15561,7 @@
             </a:endParaRPr>
           </a:p>
           <a:p>
-            <a:pPr marL="457200" lvl="0" indent="-304800" algn="l" rtl="0">
+            <a:pPr indent="-304800" lvl="0" marL="457200" rtl="0" algn="l">
               <a:lnSpc>
                 <a:spcPct val="115000"/>
               </a:lnSpc>
@@ -15485,7 +15589,7 @@
             </a:endParaRPr>
           </a:p>
           <a:p>
-            <a:pPr marL="914400" lvl="1" indent="-304800" algn="l" rtl="0">
+            <a:pPr indent="-304800" lvl="1" marL="914400" rtl="0" algn="l">
               <a:lnSpc>
                 <a:spcPct val="115000"/>
               </a:lnSpc>
@@ -15513,7 +15617,7 @@
             </a:endParaRPr>
           </a:p>
           <a:p>
-            <a:pPr marL="457200" lvl="0" indent="-304800" algn="l" rtl="0">
+            <a:pPr indent="-304800" lvl="0" marL="457200" rtl="0" algn="l">
               <a:lnSpc>
                 <a:spcPct val="115000"/>
               </a:lnSpc>
@@ -15541,7 +15645,7 @@
             </a:endParaRPr>
           </a:p>
           <a:p>
-            <a:pPr marL="914400" lvl="1" indent="-304800" algn="l" rtl="0">
+            <a:pPr indent="-304800" lvl="1" marL="914400" rtl="0" algn="l">
               <a:lnSpc>
                 <a:spcPct val="115000"/>
               </a:lnSpc>
@@ -15576,7 +15680,7 @@
             </a:endParaRPr>
           </a:p>
           <a:p>
-            <a:pPr marL="0" lvl="0" indent="0" algn="l" rtl="0">
+            <a:pPr indent="0" lvl="0" marL="0" rtl="0" algn="l">
               <a:spcBef>
                 <a:spcPts val="1600"/>
               </a:spcBef>
@@ -15585,6 +15689,9 @@
               </a:spcAft>
               <a:buNone/>
             </a:pPr>
+            <a:r>
+              <a:t/>
+            </a:r>
             <a:endParaRPr>
               <a:solidFill>
                 <a:schemeClr val="dk1"/>
@@ -15609,11 +15716,11 @@
 </file>
 
 <file path=ppt/slides/slide6.xml><?xml version="1.0" encoding="utf-8"?>
-<p:sld xmlns:a="http://schemas.openxmlformats.org/drawingml/2006/main" xmlns:r="http://schemas.openxmlformats.org/officeDocument/2006/relationships" xmlns:p="http://schemas.openxmlformats.org/presentationml/2006/main">
+<p:sld xmlns:a="http://schemas.openxmlformats.org/drawingml/2006/main" xmlns:r="http://schemas.openxmlformats.org/officeDocument/2006/relationships" xmlns:mc="http://schemas.openxmlformats.org/markup-compatibility/2006" xmlns:mv="urn:schemas-microsoft-com:mac:vml" xmlns:p="http://schemas.openxmlformats.org/presentationml/2006/main" xmlns:c="http://schemas.openxmlformats.org/drawingml/2006/chart" xmlns:dgm="http://schemas.openxmlformats.org/drawingml/2006/diagram" xmlns:o="urn:schemas-microsoft-com:office:office" xmlns:v="urn:schemas-microsoft-com:vml" xmlns:pvml="urn:schemas-microsoft-com:office:powerpoint" xmlns:com="http://schemas.openxmlformats.org/drawingml/2006/compatibility" xmlns:p14="http://schemas.microsoft.com/office/powerpoint/2010/main" xmlns:p15="http://schemas.microsoft.com/office/powerpoint/2012/main">
   <p:cSld>
     <p:spTree>
       <p:nvGrpSpPr>
-        <p:cNvPr id="1" name="Shape 119"/>
+        <p:cNvPr id="119" name="Shape 119"/>
         <p:cNvGrpSpPr/>
         <p:nvPr/>
       </p:nvGrpSpPr>
@@ -15628,9 +15735,7 @@
       <p:sp>
         <p:nvSpPr>
           <p:cNvPr id="120" name="Google Shape;120;p18"/>
-          <p:cNvSpPr txBox="1">
-            <a:spLocks noGrp="1"/>
-          </p:cNvSpPr>
+          <p:cNvSpPr txBox="1"/>
           <p:nvPr>
             <p:ph type="title"/>
           </p:nvPr>
@@ -15645,12 +15750,12 @@
           </a:prstGeom>
         </p:spPr>
         <p:txBody>
-          <a:bodyPr spcFirstLastPara="1" wrap="square" lIns="91425" tIns="91425" rIns="91425" bIns="91425" anchor="t" anchorCtr="0">
+          <a:bodyPr anchorCtr="0" anchor="t" bIns="91425" lIns="91425" spcFirstLastPara="1" rIns="91425" wrap="square" tIns="91425">
             <a:noAutofit/>
           </a:bodyPr>
           <a:lstStyle/>
           <a:p>
-            <a:pPr marL="0" lvl="0" indent="0" algn="l" rtl="0">
+            <a:pPr indent="0" lvl="0" marL="0" rtl="0" algn="l">
               <a:spcBef>
                 <a:spcPts val="0"/>
               </a:spcBef>
@@ -15670,11 +15775,9 @@
       <p:sp>
         <p:nvSpPr>
           <p:cNvPr id="121" name="Google Shape;121;p18"/>
-          <p:cNvSpPr txBox="1">
-            <a:spLocks noGrp="1"/>
-          </p:cNvSpPr>
+          <p:cNvSpPr txBox="1"/>
           <p:nvPr>
-            <p:ph type="body" idx="1"/>
+            <p:ph idx="1" type="body"/>
           </p:nvPr>
         </p:nvSpPr>
         <p:spPr>
@@ -15687,12 +15790,12 @@
           </a:prstGeom>
         </p:spPr>
         <p:txBody>
-          <a:bodyPr spcFirstLastPara="1" wrap="square" lIns="91425" tIns="91425" rIns="91425" bIns="91425" anchor="t" anchorCtr="0">
+          <a:bodyPr anchorCtr="0" anchor="t" bIns="91425" lIns="91425" spcFirstLastPara="1" rIns="91425" wrap="square" tIns="91425">
             <a:noAutofit/>
           </a:bodyPr>
           <a:lstStyle/>
           <a:p>
-            <a:pPr marL="457200" lvl="0" indent="-381000" algn="l" rtl="0">
+            <a:pPr indent="-381000" lvl="0" marL="457200" rtl="0" algn="l">
               <a:lnSpc>
                 <a:spcPct val="115000"/>
               </a:lnSpc>
@@ -15748,11 +15851,11 @@
 </file>
 
 <file path=ppt/slides/slide7.xml><?xml version="1.0" encoding="utf-8"?>
-<p:sld xmlns:a="http://schemas.openxmlformats.org/drawingml/2006/main" xmlns:r="http://schemas.openxmlformats.org/officeDocument/2006/relationships" xmlns:p="http://schemas.openxmlformats.org/presentationml/2006/main">
+<p:sld xmlns:a="http://schemas.openxmlformats.org/drawingml/2006/main" xmlns:r="http://schemas.openxmlformats.org/officeDocument/2006/relationships" xmlns:mc="http://schemas.openxmlformats.org/markup-compatibility/2006" xmlns:mv="urn:schemas-microsoft-com:mac:vml" xmlns:p="http://schemas.openxmlformats.org/presentationml/2006/main" xmlns:c="http://schemas.openxmlformats.org/drawingml/2006/chart" xmlns:dgm="http://schemas.openxmlformats.org/drawingml/2006/diagram" xmlns:o="urn:schemas-microsoft-com:office:office" xmlns:v="urn:schemas-microsoft-com:vml" xmlns:pvml="urn:schemas-microsoft-com:office:powerpoint" xmlns:com="http://schemas.openxmlformats.org/drawingml/2006/compatibility" xmlns:p14="http://schemas.microsoft.com/office/powerpoint/2010/main" xmlns:p15="http://schemas.microsoft.com/office/powerpoint/2012/main">
   <p:cSld>
     <p:spTree>
       <p:nvGrpSpPr>
-        <p:cNvPr id="1" name="Shape 125"/>
+        <p:cNvPr id="125" name="Shape 125"/>
         <p:cNvGrpSpPr/>
         <p:nvPr/>
       </p:nvGrpSpPr>
@@ -15767,9 +15870,7 @@
       <p:sp>
         <p:nvSpPr>
           <p:cNvPr id="126" name="Google Shape;126;p19"/>
-          <p:cNvSpPr txBox="1">
-            <a:spLocks noGrp="1"/>
-          </p:cNvSpPr>
+          <p:cNvSpPr txBox="1"/>
           <p:nvPr>
             <p:ph type="title"/>
           </p:nvPr>
@@ -15784,12 +15885,12 @@
           </a:prstGeom>
         </p:spPr>
         <p:txBody>
-          <a:bodyPr spcFirstLastPara="1" wrap="square" lIns="91425" tIns="91425" rIns="91425" bIns="91425" anchor="ctr" anchorCtr="0">
+          <a:bodyPr anchorCtr="0" anchor="ctr" bIns="91425" lIns="91425" spcFirstLastPara="1" rIns="91425" wrap="square" tIns="91425">
             <a:noAutofit/>
           </a:bodyPr>
           <a:lstStyle/>
           <a:p>
-            <a:pPr marL="0" lvl="0" indent="0" algn="l" rtl="0">
+            <a:pPr indent="0" lvl="0" marL="0" rtl="0" algn="l">
               <a:spcBef>
                 <a:spcPts val="0"/>
               </a:spcBef>
@@ -15815,11 +15916,11 @@
 </file>
 
 <file path=ppt/slides/slide8.xml><?xml version="1.0" encoding="utf-8"?>
-<p:sld xmlns:a="http://schemas.openxmlformats.org/drawingml/2006/main" xmlns:r="http://schemas.openxmlformats.org/officeDocument/2006/relationships" xmlns:p="http://schemas.openxmlformats.org/presentationml/2006/main">
+<p:sld xmlns:a="http://schemas.openxmlformats.org/drawingml/2006/main" xmlns:r="http://schemas.openxmlformats.org/officeDocument/2006/relationships" xmlns:mc="http://schemas.openxmlformats.org/markup-compatibility/2006" xmlns:mv="urn:schemas-microsoft-com:mac:vml" xmlns:p="http://schemas.openxmlformats.org/presentationml/2006/main" xmlns:c="http://schemas.openxmlformats.org/drawingml/2006/chart" xmlns:dgm="http://schemas.openxmlformats.org/drawingml/2006/diagram" xmlns:o="urn:schemas-microsoft-com:office:office" xmlns:v="urn:schemas-microsoft-com:vml" xmlns:pvml="urn:schemas-microsoft-com:office:powerpoint" xmlns:com="http://schemas.openxmlformats.org/drawingml/2006/compatibility" xmlns:p14="http://schemas.microsoft.com/office/powerpoint/2010/main" xmlns:p15="http://schemas.microsoft.com/office/powerpoint/2012/main">
   <p:cSld>
     <p:spTree>
       <p:nvGrpSpPr>
-        <p:cNvPr id="1" name="Shape 130"/>
+        <p:cNvPr id="130" name="Shape 130"/>
         <p:cNvGrpSpPr/>
         <p:nvPr/>
       </p:nvGrpSpPr>
@@ -15834,9 +15935,7 @@
       <p:sp>
         <p:nvSpPr>
           <p:cNvPr id="131" name="Google Shape;131;p20"/>
-          <p:cNvSpPr txBox="1">
-            <a:spLocks noGrp="1"/>
-          </p:cNvSpPr>
+          <p:cNvSpPr txBox="1"/>
           <p:nvPr>
             <p:ph type="title"/>
           </p:nvPr>
@@ -15851,12 +15950,12 @@
           </a:prstGeom>
         </p:spPr>
         <p:txBody>
-          <a:bodyPr spcFirstLastPara="1" wrap="square" lIns="91425" tIns="91425" rIns="91425" bIns="91425" anchor="t" anchorCtr="0">
+          <a:bodyPr anchorCtr="0" anchor="t" bIns="91425" lIns="91425" spcFirstLastPara="1" rIns="91425" wrap="square" tIns="91425">
             <a:noAutofit/>
           </a:bodyPr>
           <a:lstStyle/>
           <a:p>
-            <a:pPr marL="0" lvl="0" indent="0" algn="l" rtl="0">
+            <a:pPr indent="0" lvl="0" marL="0" rtl="0" algn="l">
               <a:spcBef>
                 <a:spcPts val="0"/>
               </a:spcBef>
@@ -15876,29 +15975,27 @@
       <p:sp>
         <p:nvSpPr>
           <p:cNvPr id="132" name="Google Shape;132;p20"/>
-          <p:cNvSpPr txBox="1">
-            <a:spLocks noGrp="1"/>
-          </p:cNvSpPr>
+          <p:cNvSpPr txBox="1"/>
           <p:nvPr>
-            <p:ph type="body" idx="1"/>
+            <p:ph idx="1" type="body"/>
           </p:nvPr>
         </p:nvSpPr>
         <p:spPr>
           <a:xfrm>
             <a:off x="729450" y="2078875"/>
-            <a:ext cx="7688700" cy="2261100"/>
+            <a:ext cx="7688700" cy="2456700"/>
           </a:xfrm>
           <a:prstGeom prst="rect">
             <a:avLst/>
           </a:prstGeom>
         </p:spPr>
         <p:txBody>
-          <a:bodyPr spcFirstLastPara="1" wrap="square" lIns="91425" tIns="91425" rIns="91425" bIns="91425" anchor="t" anchorCtr="0">
+          <a:bodyPr anchorCtr="0" anchor="t" bIns="91425" lIns="91425" spcFirstLastPara="1" rIns="91425" wrap="square" tIns="91425">
             <a:noAutofit/>
           </a:bodyPr>
           <a:lstStyle/>
           <a:p>
-            <a:pPr marL="0" lvl="0" indent="0" algn="l" rtl="0">
+            <a:pPr indent="0" lvl="0" marL="0" rtl="0" algn="l">
               <a:lnSpc>
                 <a:spcPct val="150000"/>
               </a:lnSpc>
@@ -15912,10 +16009,14 @@
             </a:pPr>
             <a:r>
               <a:rPr lang="en"/>
-              <a:t>Source of data is </a:t>
-            </a:r>
-            <a:r>
-              <a:rPr lang="en" b="1" i="1">
+              <a:t>Source of</a:t>
+            </a:r>
+            <a:r>
+              <a:rPr lang="en"/>
+              <a:t> data is </a:t>
+            </a:r>
+            <a:r>
+              <a:rPr b="1" i="1" lang="en">
                 <a:solidFill>
                   <a:schemeClr val="dk1"/>
                 </a:solidFill>
@@ -15927,7 +16028,7 @@
               <a:t>for Hass avocados and </a:t>
             </a:r>
             <a:r>
-              <a:rPr lang="en" b="1" i="1">
+              <a:rPr b="1" i="1" lang="en">
                 <a:solidFill>
                   <a:schemeClr val="dk1"/>
                 </a:solidFill>
@@ -15957,7 +16058,7 @@
             </a:endParaRPr>
           </a:p>
           <a:p>
-            <a:pPr marL="914400" lvl="1" indent="-311150" algn="l" rtl="0">
+            <a:pPr indent="-311150" lvl="1" marL="914400" rtl="0" algn="l">
               <a:lnSpc>
                 <a:spcPct val="150000"/>
               </a:lnSpc>
@@ -15974,8 +16075,24 @@
               <a:rPr lang="en" sz="1300"/>
               <a:t>Link: </a:t>
             </a:r>
-            <a:r>
-              <a:rPr lang="en" sz="1300" u="sng">
+            <a:endParaRPr sz="1300"/>
+          </a:p>
+          <a:p>
+            <a:pPr indent="-298450" lvl="2" marL="1371600" rtl="0" algn="l">
+              <a:lnSpc>
+                <a:spcPct val="150000"/>
+              </a:lnSpc>
+              <a:spcBef>
+                <a:spcPts val="0"/>
+              </a:spcBef>
+              <a:spcAft>
+                <a:spcPts val="0"/>
+              </a:spcAft>
+              <a:buSzPts val="1100"/>
+              <a:buChar char="■"/>
+            </a:pPr>
+            <a:r>
+              <a:rPr lang="en" u="sng">
                 <a:solidFill>
                   <a:schemeClr val="hlink"/>
                 </a:solidFill>
@@ -15983,10 +16100,10 @@
               </a:rPr>
               <a:t>https://www.kaggle.com/neuromusic/avocado-prices</a:t>
             </a:r>
-            <a:endParaRPr sz="1300"/>
-          </a:p>
-          <a:p>
-            <a:pPr marL="914400" lvl="1" indent="-311150" algn="l" rtl="0">
+            <a:endParaRPr/>
+          </a:p>
+          <a:p>
+            <a:pPr indent="-311150" lvl="2" marL="1371600" rtl="0" algn="l">
               <a:lnSpc>
                 <a:spcPct val="150000"/>
               </a:lnSpc>
@@ -15997,6 +16114,35 @@
                 <a:spcPts val="0"/>
               </a:spcAft>
               <a:buSzPts val="1300"/>
+              <a:buChar char="■"/>
+            </a:pPr>
+            <a:r>
+              <a:rPr lang="en" u="sng">
+                <a:solidFill>
+                  <a:schemeClr val="hlink"/>
+                </a:solidFill>
+                <a:latin typeface="Arial"/>
+                <a:ea typeface="Arial"/>
+                <a:cs typeface="Arial"/>
+                <a:sym typeface="Arial"/>
+                <a:hlinkClick r:id="rId4"/>
+              </a:rPr>
+              <a:t>https://factfinder.census.gov/faces/nav/jsf/pages/index.xhtml</a:t>
+            </a:r>
+            <a:endParaRPr sz="1300"/>
+          </a:p>
+          <a:p>
+            <a:pPr indent="-311150" lvl="1" marL="914400" rtl="0" algn="l">
+              <a:lnSpc>
+                <a:spcPct val="150000"/>
+              </a:lnSpc>
+              <a:spcBef>
+                <a:spcPts val="0"/>
+              </a:spcBef>
+              <a:spcAft>
+                <a:spcPts val="0"/>
+              </a:spcAft>
+              <a:buSzPts val="1300"/>
               <a:buChar char="○"/>
             </a:pPr>
             <a:r>
@@ -16006,7 +16152,7 @@
             <a:endParaRPr sz="1300"/>
           </a:p>
           <a:p>
-            <a:pPr marL="914400" lvl="1" indent="-311150" algn="l" rtl="0">
+            <a:pPr indent="-311150" lvl="1" marL="914400" rtl="0" algn="l">
               <a:lnSpc>
                 <a:spcPct val="150000"/>
               </a:lnSpc>
@@ -16027,14 +16173,14 @@
               </a:rPr>
               <a:t>This data was downloaded from the Hass Avocado Board website in May of 2018</a:t>
             </a:r>
-            <a:endParaRPr sz="1300">
+            <a:endParaRPr>
               <a:highlight>
                 <a:srgbClr val="FFFFFF"/>
               </a:highlight>
             </a:endParaRPr>
           </a:p>
           <a:p>
-            <a:pPr marL="0" lvl="0" indent="0" algn="l" rtl="0">
+            <a:pPr indent="0" lvl="0" marL="0" rtl="0" algn="l">
               <a:spcBef>
                 <a:spcPts val="1600"/>
               </a:spcBef>
@@ -16043,6 +16189,9 @@
               </a:spcAft>
               <a:buNone/>
             </a:pPr>
+            <a:r>
+              <a:t/>
+            </a:r>
             <a:endParaRPr sz="1300">
               <a:highlight>
                 <a:srgbClr val="FFFFFF"/>
@@ -16060,11 +16209,11 @@
 </file>
 
 <file path=ppt/slides/slide9.xml><?xml version="1.0" encoding="utf-8"?>
-<p:sld xmlns:a="http://schemas.openxmlformats.org/drawingml/2006/main" xmlns:r="http://schemas.openxmlformats.org/officeDocument/2006/relationships" xmlns:p="http://schemas.openxmlformats.org/presentationml/2006/main">
+<p:sld xmlns:a="http://schemas.openxmlformats.org/drawingml/2006/main" xmlns:r="http://schemas.openxmlformats.org/officeDocument/2006/relationships" xmlns:mc="http://schemas.openxmlformats.org/markup-compatibility/2006" xmlns:mv="urn:schemas-microsoft-com:mac:vml" xmlns:p="http://schemas.openxmlformats.org/presentationml/2006/main" xmlns:c="http://schemas.openxmlformats.org/drawingml/2006/chart" xmlns:dgm="http://schemas.openxmlformats.org/drawingml/2006/diagram" xmlns:o="urn:schemas-microsoft-com:office:office" xmlns:v="urn:schemas-microsoft-com:vml" xmlns:pvml="urn:schemas-microsoft-com:office:powerpoint" xmlns:com="http://schemas.openxmlformats.org/drawingml/2006/compatibility" xmlns:p14="http://schemas.microsoft.com/office/powerpoint/2010/main" xmlns:p15="http://schemas.microsoft.com/office/powerpoint/2012/main">
   <p:cSld>
     <p:spTree>
       <p:nvGrpSpPr>
-        <p:cNvPr id="1" name="Shape 136"/>
+        <p:cNvPr id="136" name="Shape 136"/>
         <p:cNvGrpSpPr/>
         <p:nvPr/>
       </p:nvGrpSpPr>
@@ -16079,9 +16228,7 @@
       <p:sp>
         <p:nvSpPr>
           <p:cNvPr id="137" name="Google Shape;137;p21"/>
-          <p:cNvSpPr txBox="1">
-            <a:spLocks noGrp="1"/>
-          </p:cNvSpPr>
+          <p:cNvSpPr txBox="1"/>
           <p:nvPr>
             <p:ph type="title"/>
           </p:nvPr>
@@ -16096,12 +16243,12 @@
           </a:prstGeom>
         </p:spPr>
         <p:txBody>
-          <a:bodyPr spcFirstLastPara="1" wrap="square" lIns="91425" tIns="91425" rIns="91425" bIns="91425" anchor="t" anchorCtr="0">
+          <a:bodyPr anchorCtr="0" anchor="t" bIns="91425" lIns="91425" spcFirstLastPara="1" rIns="91425" wrap="square" tIns="91425">
             <a:noAutofit/>
           </a:bodyPr>
           <a:lstStyle/>
           <a:p>
-            <a:pPr marL="0" lvl="0" indent="0" algn="l" rtl="0">
+            <a:pPr indent="0" lvl="0" marL="0" rtl="0" algn="l">
               <a:spcBef>
                 <a:spcPts val="0"/>
               </a:spcBef>
@@ -16121,11 +16268,9 @@
       <p:sp>
         <p:nvSpPr>
           <p:cNvPr id="138" name="Google Shape;138;p21"/>
-          <p:cNvSpPr txBox="1">
-            <a:spLocks noGrp="1"/>
-          </p:cNvSpPr>
+          <p:cNvSpPr txBox="1"/>
           <p:nvPr>
-            <p:ph type="body" idx="1"/>
+            <p:ph idx="1" type="body"/>
           </p:nvPr>
         </p:nvSpPr>
         <p:spPr>
@@ -16138,12 +16283,12 @@
           </a:prstGeom>
         </p:spPr>
         <p:txBody>
-          <a:bodyPr spcFirstLastPara="1" wrap="square" lIns="91425" tIns="91425" rIns="91425" bIns="91425" anchor="t" anchorCtr="0">
+          <a:bodyPr anchorCtr="0" anchor="t" bIns="91425" lIns="91425" spcFirstLastPara="1" rIns="91425" wrap="square" tIns="91425">
             <a:noAutofit/>
           </a:bodyPr>
           <a:lstStyle/>
           <a:p>
-            <a:pPr marL="0" lvl="0" indent="0" algn="l" rtl="0">
+            <a:pPr indent="0" lvl="0" marL="0" rtl="0" algn="l">
               <a:spcBef>
                 <a:spcPts val="800"/>
               </a:spcBef>
@@ -16173,7 +16318,7 @@
             </a:endParaRPr>
           </a:p>
           <a:p>
-            <a:pPr marL="457200" lvl="0" indent="-311150" algn="l" rtl="0">
+            <a:pPr indent="-311150" lvl="0" marL="457200" rtl="0" algn="l">
               <a:spcBef>
                 <a:spcPts val="800"/>
               </a:spcBef>
@@ -16219,7 +16364,7 @@
             </a:endParaRPr>
           </a:p>
           <a:p>
-            <a:pPr marL="457200" lvl="0" indent="-311150" algn="l" rtl="0">
+            <a:pPr indent="-311150" lvl="0" marL="457200" rtl="0" algn="l">
               <a:spcBef>
                 <a:spcPts val="0"/>
               </a:spcBef>
@@ -16265,7 +16410,7 @@
             </a:endParaRPr>
           </a:p>
           <a:p>
-            <a:pPr marL="457200" lvl="0" indent="-311150" algn="l" rtl="0">
+            <a:pPr indent="-311150" lvl="0" marL="457200" rtl="0" algn="l">
               <a:spcBef>
                 <a:spcPts val="0"/>
               </a:spcBef>
@@ -16311,7 +16456,7 @@
             </a:endParaRPr>
           </a:p>
           <a:p>
-            <a:pPr marL="457200" lvl="0" indent="-311150" algn="l" rtl="0">
+            <a:pPr indent="-311150" lvl="0" marL="457200" rtl="0" algn="l">
               <a:spcBef>
                 <a:spcPts val="0"/>
               </a:spcBef>
@@ -16357,7 +16502,7 @@
             </a:endParaRPr>
           </a:p>
           <a:p>
-            <a:pPr marL="457200" lvl="0" indent="-311150" algn="l" rtl="0">
+            <a:pPr indent="-311150" lvl="0" marL="457200" rtl="0" algn="l">
               <a:spcBef>
                 <a:spcPts val="0"/>
               </a:spcBef>
@@ -16403,7 +16548,7 @@
             </a:endParaRPr>
           </a:p>
           <a:p>
-            <a:pPr marL="457200" lvl="0" indent="-311150" algn="l" rtl="0">
+            <a:pPr indent="-311150" lvl="0" marL="457200" rtl="0" algn="l">
               <a:spcBef>
                 <a:spcPts val="0"/>
               </a:spcBef>
@@ -16449,7 +16594,7 @@
             </a:endParaRPr>
           </a:p>
           <a:p>
-            <a:pPr marL="457200" lvl="0" indent="-311150" algn="l" rtl="0">
+            <a:pPr indent="-311150" lvl="0" marL="457200" rtl="0" algn="l">
               <a:spcBef>
                 <a:spcPts val="0"/>
               </a:spcBef>
@@ -16495,7 +16640,7 @@
             </a:endParaRPr>
           </a:p>
           <a:p>
-            <a:pPr marL="457200" lvl="0" indent="-311150" algn="l" rtl="0">
+            <a:pPr indent="-311150" lvl="0" marL="457200" rtl="0" algn="l">
               <a:spcBef>
                 <a:spcPts val="0"/>
               </a:spcBef>
@@ -16541,7 +16686,7 @@
             </a:endParaRPr>
           </a:p>
           <a:p>
-            <a:pPr marL="457200" lvl="0" indent="-311150" algn="l" rtl="0">
+            <a:pPr indent="-311150" lvl="0" marL="457200" rtl="0" algn="l">
               <a:spcBef>
                 <a:spcPts val="0"/>
               </a:spcBef>
@@ -16587,7 +16732,7 @@
             </a:endParaRPr>
           </a:p>
           <a:p>
-            <a:pPr marL="0" lvl="0" indent="0" algn="l" rtl="0">
+            <a:pPr indent="0" lvl="0" marL="0" rtl="0" algn="l">
               <a:spcBef>
                 <a:spcPts val="2700"/>
               </a:spcBef>
@@ -16596,6 +16741,9 @@
               </a:spcAft>
               <a:buNone/>
             </a:pPr>
+            <a:r>
+              <a:t/>
+            </a:r>
             <a:endParaRPr/>
           </a:p>
         </p:txBody>
@@ -16609,7 +16757,7 @@
 </file>
 
 <file path=ppt/theme/theme1.xml><?xml version="1.0" encoding="utf-8"?>
-<a:theme xmlns:a="http://schemas.openxmlformats.org/drawingml/2006/main" name="Streamline">
+<a:theme xmlns:a="http://schemas.openxmlformats.org/drawingml/2006/main" xmlns:r="http://schemas.openxmlformats.org/officeDocument/2006/relationships" name="Streamline">
   <a:themeElements>
     <a:clrScheme name="Streamline">
       <a:dk1>
@@ -16884,13 +17032,11 @@
       </a:bgFillStyleLst>
     </a:fmtScheme>
   </a:themeElements>
-  <a:objectDefaults/>
-  <a:extraClrSchemeLst/>
 </a:theme>
 </file>
 
 <file path=ppt/theme/theme2.xml><?xml version="1.0" encoding="utf-8"?>
-<a:theme xmlns:a="http://schemas.openxmlformats.org/drawingml/2006/main">
+<a:theme xmlns:a="http://schemas.openxmlformats.org/drawingml/2006/main" xmlns:r="http://schemas.openxmlformats.org/officeDocument/2006/relationships">
   <a:themeElements>
     <a:clrScheme name="Default">
       <a:dk1>
@@ -17165,7 +17311,5 @@
       </a:bgFillStyleLst>
     </a:fmtScheme>
   </a:themeElements>
-  <a:objectDefaults/>
-  <a:extraClrSchemeLst/>
 </a:theme>
 </file>